--- a/Apresentação.pptx
+++ b/Apresentação.pptx
@@ -7,11 +7,19 @@
   <p:sldIdLst>
     <p:sldId id="256" r:id="rId2"/>
     <p:sldId id="257" r:id="rId3"/>
-    <p:sldId id="258" r:id="rId4"/>
-    <p:sldId id="259" r:id="rId5"/>
-    <p:sldId id="260" r:id="rId6"/>
-    <p:sldId id="261" r:id="rId7"/>
-    <p:sldId id="262" r:id="rId8"/>
+    <p:sldId id="259" r:id="rId4"/>
+    <p:sldId id="266" r:id="rId5"/>
+    <p:sldId id="267" r:id="rId6"/>
+    <p:sldId id="268" r:id="rId7"/>
+    <p:sldId id="258" r:id="rId8"/>
+    <p:sldId id="263" r:id="rId9"/>
+    <p:sldId id="264" r:id="rId10"/>
+    <p:sldId id="265" r:id="rId11"/>
+    <p:sldId id="269" r:id="rId12"/>
+    <p:sldId id="270" r:id="rId13"/>
+    <p:sldId id="260" r:id="rId14"/>
+    <p:sldId id="261" r:id="rId15"/>
+    <p:sldId id="262" r:id="rId16"/>
   </p:sldIdLst>
   <p:sldSz cx="12192000" cy="6858000"/>
   <p:notesSz cx="6858000" cy="9144000"/>
@@ -110,7 +118,4684 @@
       </a:defRPr>
     </a:lvl9pPr>
   </p:defaultTextStyle>
+  <p:extLst>
+    <p:ext uri="{EFAFB233-063F-42B5-8137-9DF3F51BA10A}">
+      <p15:sldGuideLst xmlns:p15="http://schemas.microsoft.com/office/powerpoint/2012/main"/>
+    </p:ext>
+  </p:extLst>
 </p:presentation>
+</file>
+
+<file path=ppt/diagrams/colors1.xml><?xml version="1.0" encoding="utf-8"?>
+<dgm:colorsDef xmlns:dgm="http://schemas.openxmlformats.org/drawingml/2006/diagram" xmlns:a="http://schemas.openxmlformats.org/drawingml/2006/main" uniqueId="urn:microsoft.com/office/officeart/2005/8/colors/accent1_2">
+  <dgm:title val=""/>
+  <dgm:desc val=""/>
+  <dgm:catLst>
+    <dgm:cat type="accent1" pri="11200"/>
+  </dgm:catLst>
+  <dgm:styleLbl name="node0">
+    <dgm:fillClrLst meth="repeat">
+      <a:schemeClr val="accent1"/>
+    </dgm:fillClrLst>
+    <dgm:linClrLst meth="repeat">
+      <a:schemeClr val="lt1"/>
+    </dgm:linClrLst>
+    <dgm:effectClrLst/>
+    <dgm:txLinClrLst/>
+    <dgm:txFillClrLst/>
+    <dgm:txEffectClrLst/>
+  </dgm:styleLbl>
+  <dgm:styleLbl name="alignNode1">
+    <dgm:fillClrLst meth="repeat">
+      <a:schemeClr val="accent1"/>
+    </dgm:fillClrLst>
+    <dgm:linClrLst meth="repeat">
+      <a:schemeClr val="accent1"/>
+    </dgm:linClrLst>
+    <dgm:effectClrLst/>
+    <dgm:txLinClrLst/>
+    <dgm:txFillClrLst/>
+    <dgm:txEffectClrLst/>
+  </dgm:styleLbl>
+  <dgm:styleLbl name="node1">
+    <dgm:fillClrLst meth="repeat">
+      <a:schemeClr val="accent1"/>
+    </dgm:fillClrLst>
+    <dgm:linClrLst meth="repeat">
+      <a:schemeClr val="lt1"/>
+    </dgm:linClrLst>
+    <dgm:effectClrLst/>
+    <dgm:txLinClrLst/>
+    <dgm:txFillClrLst/>
+    <dgm:txEffectClrLst/>
+  </dgm:styleLbl>
+  <dgm:styleLbl name="lnNode1">
+    <dgm:fillClrLst meth="repeat">
+      <a:schemeClr val="accent1"/>
+    </dgm:fillClrLst>
+    <dgm:linClrLst meth="repeat">
+      <a:schemeClr val="lt1"/>
+    </dgm:linClrLst>
+    <dgm:effectClrLst/>
+    <dgm:txLinClrLst/>
+    <dgm:txFillClrLst/>
+    <dgm:txEffectClrLst/>
+  </dgm:styleLbl>
+  <dgm:styleLbl name="vennNode1">
+    <dgm:fillClrLst meth="repeat">
+      <a:schemeClr val="accent1">
+        <a:alpha val="50000"/>
+      </a:schemeClr>
+    </dgm:fillClrLst>
+    <dgm:linClrLst meth="repeat">
+      <a:schemeClr val="lt1"/>
+    </dgm:linClrLst>
+    <dgm:effectClrLst/>
+    <dgm:txLinClrLst/>
+    <dgm:txFillClrLst/>
+    <dgm:txEffectClrLst/>
+  </dgm:styleLbl>
+  <dgm:styleLbl name="node2">
+    <dgm:fillClrLst meth="repeat">
+      <a:schemeClr val="accent1"/>
+    </dgm:fillClrLst>
+    <dgm:linClrLst meth="repeat">
+      <a:schemeClr val="lt1"/>
+    </dgm:linClrLst>
+    <dgm:effectClrLst/>
+    <dgm:txLinClrLst/>
+    <dgm:txFillClrLst/>
+    <dgm:txEffectClrLst/>
+  </dgm:styleLbl>
+  <dgm:styleLbl name="node3">
+    <dgm:fillClrLst meth="repeat">
+      <a:schemeClr val="accent1"/>
+    </dgm:fillClrLst>
+    <dgm:linClrLst meth="repeat">
+      <a:schemeClr val="lt1"/>
+    </dgm:linClrLst>
+    <dgm:effectClrLst/>
+    <dgm:txLinClrLst/>
+    <dgm:txFillClrLst/>
+    <dgm:txEffectClrLst/>
+  </dgm:styleLbl>
+  <dgm:styleLbl name="node4">
+    <dgm:fillClrLst meth="repeat">
+      <a:schemeClr val="accent1"/>
+    </dgm:fillClrLst>
+    <dgm:linClrLst meth="repeat">
+      <a:schemeClr val="lt1"/>
+    </dgm:linClrLst>
+    <dgm:effectClrLst/>
+    <dgm:txLinClrLst/>
+    <dgm:txFillClrLst/>
+    <dgm:txEffectClrLst/>
+  </dgm:styleLbl>
+  <dgm:styleLbl name="fgImgPlace1">
+    <dgm:fillClrLst meth="repeat">
+      <a:schemeClr val="accent1">
+        <a:tint val="50000"/>
+      </a:schemeClr>
+    </dgm:fillClrLst>
+    <dgm:linClrLst meth="repeat">
+      <a:schemeClr val="lt1"/>
+    </dgm:linClrLst>
+    <dgm:effectClrLst/>
+    <dgm:txLinClrLst/>
+    <dgm:txFillClrLst meth="repeat">
+      <a:schemeClr val="lt1"/>
+    </dgm:txFillClrLst>
+    <dgm:txEffectClrLst/>
+  </dgm:styleLbl>
+  <dgm:styleLbl name="alignImgPlace1">
+    <dgm:fillClrLst meth="repeat">
+      <a:schemeClr val="accent1">
+        <a:tint val="50000"/>
+      </a:schemeClr>
+    </dgm:fillClrLst>
+    <dgm:linClrLst meth="repeat">
+      <a:schemeClr val="lt1"/>
+    </dgm:linClrLst>
+    <dgm:effectClrLst/>
+    <dgm:txLinClrLst/>
+    <dgm:txFillClrLst meth="repeat">
+      <a:schemeClr val="lt1"/>
+    </dgm:txFillClrLst>
+    <dgm:txEffectClrLst/>
+  </dgm:styleLbl>
+  <dgm:styleLbl name="bgImgPlace1">
+    <dgm:fillClrLst meth="repeat">
+      <a:schemeClr val="accent1">
+        <a:tint val="50000"/>
+      </a:schemeClr>
+    </dgm:fillClrLst>
+    <dgm:linClrLst meth="repeat">
+      <a:schemeClr val="lt1"/>
+    </dgm:linClrLst>
+    <dgm:effectClrLst/>
+    <dgm:txLinClrLst/>
+    <dgm:txFillClrLst meth="repeat">
+      <a:schemeClr val="lt1"/>
+    </dgm:txFillClrLst>
+    <dgm:txEffectClrLst/>
+  </dgm:styleLbl>
+  <dgm:styleLbl name="sibTrans2D1">
+    <dgm:fillClrLst meth="repeat">
+      <a:schemeClr val="accent1">
+        <a:tint val="60000"/>
+      </a:schemeClr>
+    </dgm:fillClrLst>
+    <dgm:linClrLst meth="repeat">
+      <a:schemeClr val="accent1">
+        <a:tint val="60000"/>
+      </a:schemeClr>
+    </dgm:linClrLst>
+    <dgm:effectClrLst/>
+    <dgm:txLinClrLst/>
+    <dgm:txFillClrLst/>
+    <dgm:txEffectClrLst/>
+  </dgm:styleLbl>
+  <dgm:styleLbl name="fgSibTrans2D1">
+    <dgm:fillClrLst meth="repeat">
+      <a:schemeClr val="accent1">
+        <a:tint val="60000"/>
+      </a:schemeClr>
+    </dgm:fillClrLst>
+    <dgm:linClrLst meth="repeat">
+      <a:schemeClr val="accent1">
+        <a:tint val="60000"/>
+      </a:schemeClr>
+    </dgm:linClrLst>
+    <dgm:effectClrLst/>
+    <dgm:txLinClrLst/>
+    <dgm:txFillClrLst/>
+    <dgm:txEffectClrLst/>
+  </dgm:styleLbl>
+  <dgm:styleLbl name="bgSibTrans2D1">
+    <dgm:fillClrLst meth="repeat">
+      <a:schemeClr val="accent1">
+        <a:tint val="60000"/>
+      </a:schemeClr>
+    </dgm:fillClrLst>
+    <dgm:linClrLst meth="repeat">
+      <a:schemeClr val="accent1">
+        <a:tint val="60000"/>
+      </a:schemeClr>
+    </dgm:linClrLst>
+    <dgm:effectClrLst/>
+    <dgm:txLinClrLst/>
+    <dgm:txFillClrLst/>
+    <dgm:txEffectClrLst/>
+  </dgm:styleLbl>
+  <dgm:styleLbl name="sibTrans1D1">
+    <dgm:fillClrLst meth="repeat">
+      <a:schemeClr val="accent1"/>
+    </dgm:fillClrLst>
+    <dgm:linClrLst meth="repeat">
+      <a:schemeClr val="accent1"/>
+    </dgm:linClrLst>
+    <dgm:effectClrLst/>
+    <dgm:txLinClrLst/>
+    <dgm:txFillClrLst meth="repeat">
+      <a:schemeClr val="tx1"/>
+    </dgm:txFillClrLst>
+    <dgm:txEffectClrLst/>
+  </dgm:styleLbl>
+  <dgm:styleLbl name="callout">
+    <dgm:fillClrLst meth="repeat">
+      <a:schemeClr val="accent1"/>
+    </dgm:fillClrLst>
+    <dgm:linClrLst meth="repeat">
+      <a:schemeClr val="accent1">
+        <a:tint val="50000"/>
+      </a:schemeClr>
+    </dgm:linClrLst>
+    <dgm:effectClrLst/>
+    <dgm:txLinClrLst/>
+    <dgm:txFillClrLst meth="repeat">
+      <a:schemeClr val="tx1"/>
+    </dgm:txFillClrLst>
+    <dgm:txEffectClrLst/>
+  </dgm:styleLbl>
+  <dgm:styleLbl name="asst0">
+    <dgm:fillClrLst meth="repeat">
+      <a:schemeClr val="accent1"/>
+    </dgm:fillClrLst>
+    <dgm:linClrLst meth="repeat">
+      <a:schemeClr val="lt1"/>
+    </dgm:linClrLst>
+    <dgm:effectClrLst/>
+    <dgm:txLinClrLst/>
+    <dgm:txFillClrLst/>
+    <dgm:txEffectClrLst/>
+  </dgm:styleLbl>
+  <dgm:styleLbl name="asst1">
+    <dgm:fillClrLst meth="repeat">
+      <a:schemeClr val="accent1"/>
+    </dgm:fillClrLst>
+    <dgm:linClrLst meth="repeat">
+      <a:schemeClr val="lt1"/>
+    </dgm:linClrLst>
+    <dgm:effectClrLst/>
+    <dgm:txLinClrLst/>
+    <dgm:txFillClrLst/>
+    <dgm:txEffectClrLst/>
+  </dgm:styleLbl>
+  <dgm:styleLbl name="asst2">
+    <dgm:fillClrLst meth="repeat">
+      <a:schemeClr val="accent1"/>
+    </dgm:fillClrLst>
+    <dgm:linClrLst meth="repeat">
+      <a:schemeClr val="lt1"/>
+    </dgm:linClrLst>
+    <dgm:effectClrLst/>
+    <dgm:txLinClrLst/>
+    <dgm:txFillClrLst/>
+    <dgm:txEffectClrLst/>
+  </dgm:styleLbl>
+  <dgm:styleLbl name="asst3">
+    <dgm:fillClrLst meth="repeat">
+      <a:schemeClr val="accent1"/>
+    </dgm:fillClrLst>
+    <dgm:linClrLst meth="repeat">
+      <a:schemeClr val="lt1"/>
+    </dgm:linClrLst>
+    <dgm:effectClrLst/>
+    <dgm:txLinClrLst/>
+    <dgm:txFillClrLst/>
+    <dgm:txEffectClrLst/>
+  </dgm:styleLbl>
+  <dgm:styleLbl name="asst4">
+    <dgm:fillClrLst meth="repeat">
+      <a:schemeClr val="accent1"/>
+    </dgm:fillClrLst>
+    <dgm:linClrLst meth="repeat">
+      <a:schemeClr val="lt1"/>
+    </dgm:linClrLst>
+    <dgm:effectClrLst/>
+    <dgm:txLinClrLst/>
+    <dgm:txFillClrLst/>
+    <dgm:txEffectClrLst/>
+  </dgm:styleLbl>
+  <dgm:styleLbl name="parChTrans2D1">
+    <dgm:fillClrLst meth="repeat">
+      <a:schemeClr val="accent1">
+        <a:tint val="60000"/>
+      </a:schemeClr>
+    </dgm:fillClrLst>
+    <dgm:linClrLst meth="repeat">
+      <a:schemeClr val="accent1">
+        <a:tint val="60000"/>
+      </a:schemeClr>
+    </dgm:linClrLst>
+    <dgm:effectClrLst/>
+    <dgm:txLinClrLst/>
+    <dgm:txFillClrLst meth="repeat">
+      <a:schemeClr val="lt1"/>
+    </dgm:txFillClrLst>
+    <dgm:txEffectClrLst/>
+  </dgm:styleLbl>
+  <dgm:styleLbl name="parChTrans2D2">
+    <dgm:fillClrLst meth="repeat">
+      <a:schemeClr val="accent1"/>
+    </dgm:fillClrLst>
+    <dgm:linClrLst meth="repeat">
+      <a:schemeClr val="accent1"/>
+    </dgm:linClrLst>
+    <dgm:effectClrLst/>
+    <dgm:txLinClrLst/>
+    <dgm:txFillClrLst meth="repeat">
+      <a:schemeClr val="lt1"/>
+    </dgm:txFillClrLst>
+    <dgm:txEffectClrLst/>
+  </dgm:styleLbl>
+  <dgm:styleLbl name="parChTrans2D3">
+    <dgm:fillClrLst meth="repeat">
+      <a:schemeClr val="accent1"/>
+    </dgm:fillClrLst>
+    <dgm:linClrLst meth="repeat">
+      <a:schemeClr val="accent1"/>
+    </dgm:linClrLst>
+    <dgm:effectClrLst/>
+    <dgm:txLinClrLst/>
+    <dgm:txFillClrLst meth="repeat">
+      <a:schemeClr val="lt1"/>
+    </dgm:txFillClrLst>
+    <dgm:txEffectClrLst/>
+  </dgm:styleLbl>
+  <dgm:styleLbl name="parChTrans2D4">
+    <dgm:fillClrLst meth="repeat">
+      <a:schemeClr val="accent1"/>
+    </dgm:fillClrLst>
+    <dgm:linClrLst meth="repeat">
+      <a:schemeClr val="accent1"/>
+    </dgm:linClrLst>
+    <dgm:effectClrLst/>
+    <dgm:txLinClrLst/>
+    <dgm:txFillClrLst meth="repeat">
+      <a:schemeClr val="lt1"/>
+    </dgm:txFillClrLst>
+    <dgm:txEffectClrLst/>
+  </dgm:styleLbl>
+  <dgm:styleLbl name="parChTrans1D1">
+    <dgm:fillClrLst meth="repeat">
+      <a:schemeClr val="accent1"/>
+    </dgm:fillClrLst>
+    <dgm:linClrLst meth="repeat">
+      <a:schemeClr val="accent1">
+        <a:shade val="60000"/>
+      </a:schemeClr>
+    </dgm:linClrLst>
+    <dgm:effectClrLst/>
+    <dgm:txLinClrLst/>
+    <dgm:txFillClrLst meth="repeat">
+      <a:schemeClr val="tx1"/>
+    </dgm:txFillClrLst>
+    <dgm:txEffectClrLst/>
+  </dgm:styleLbl>
+  <dgm:styleLbl name="parChTrans1D2">
+    <dgm:fillClrLst meth="repeat">
+      <a:schemeClr val="accent1"/>
+    </dgm:fillClrLst>
+    <dgm:linClrLst meth="repeat">
+      <a:schemeClr val="accent1">
+        <a:shade val="60000"/>
+      </a:schemeClr>
+    </dgm:linClrLst>
+    <dgm:effectClrLst/>
+    <dgm:txLinClrLst/>
+    <dgm:txFillClrLst meth="repeat">
+      <a:schemeClr val="tx1"/>
+    </dgm:txFillClrLst>
+    <dgm:txEffectClrLst/>
+  </dgm:styleLbl>
+  <dgm:styleLbl name="parChTrans1D3">
+    <dgm:fillClrLst meth="repeat">
+      <a:schemeClr val="accent1"/>
+    </dgm:fillClrLst>
+    <dgm:linClrLst meth="repeat">
+      <a:schemeClr val="accent1">
+        <a:shade val="80000"/>
+      </a:schemeClr>
+    </dgm:linClrLst>
+    <dgm:effectClrLst/>
+    <dgm:txLinClrLst/>
+    <dgm:txFillClrLst meth="repeat">
+      <a:schemeClr val="tx1"/>
+    </dgm:txFillClrLst>
+    <dgm:txEffectClrLst/>
+  </dgm:styleLbl>
+  <dgm:styleLbl name="parChTrans1D4">
+    <dgm:fillClrLst meth="repeat">
+      <a:schemeClr val="accent1"/>
+    </dgm:fillClrLst>
+    <dgm:linClrLst meth="repeat">
+      <a:schemeClr val="accent1">
+        <a:shade val="80000"/>
+      </a:schemeClr>
+    </dgm:linClrLst>
+    <dgm:effectClrLst/>
+    <dgm:txLinClrLst/>
+    <dgm:txFillClrLst meth="repeat">
+      <a:schemeClr val="tx1"/>
+    </dgm:txFillClrLst>
+    <dgm:txEffectClrLst/>
+  </dgm:styleLbl>
+  <dgm:styleLbl name="fgAcc1">
+    <dgm:fillClrLst meth="repeat">
+      <a:schemeClr val="lt1">
+        <a:alpha val="90000"/>
+      </a:schemeClr>
+    </dgm:fillClrLst>
+    <dgm:linClrLst meth="repeat">
+      <a:schemeClr val="accent1"/>
+    </dgm:linClrLst>
+    <dgm:effectClrLst/>
+    <dgm:txLinClrLst/>
+    <dgm:txFillClrLst meth="repeat">
+      <a:schemeClr val="dk1"/>
+    </dgm:txFillClrLst>
+    <dgm:txEffectClrLst/>
+  </dgm:styleLbl>
+  <dgm:styleLbl name="conFgAcc1">
+    <dgm:fillClrLst meth="repeat">
+      <a:schemeClr val="lt1">
+        <a:alpha val="90000"/>
+      </a:schemeClr>
+    </dgm:fillClrLst>
+    <dgm:linClrLst meth="repeat">
+      <a:schemeClr val="accent1"/>
+    </dgm:linClrLst>
+    <dgm:effectClrLst/>
+    <dgm:txLinClrLst/>
+    <dgm:txFillClrLst meth="repeat">
+      <a:schemeClr val="dk1"/>
+    </dgm:txFillClrLst>
+    <dgm:txEffectClrLst/>
+  </dgm:styleLbl>
+  <dgm:styleLbl name="alignAcc1">
+    <dgm:fillClrLst meth="repeat">
+      <a:schemeClr val="lt1">
+        <a:alpha val="90000"/>
+      </a:schemeClr>
+    </dgm:fillClrLst>
+    <dgm:linClrLst meth="repeat">
+      <a:schemeClr val="accent1"/>
+    </dgm:linClrLst>
+    <dgm:effectClrLst/>
+    <dgm:txLinClrLst/>
+    <dgm:txFillClrLst meth="repeat">
+      <a:schemeClr val="dk1"/>
+    </dgm:txFillClrLst>
+    <dgm:txEffectClrLst/>
+  </dgm:styleLbl>
+  <dgm:styleLbl name="trAlignAcc1">
+    <dgm:fillClrLst meth="repeat">
+      <a:schemeClr val="lt1">
+        <a:alpha val="40000"/>
+      </a:schemeClr>
+    </dgm:fillClrLst>
+    <dgm:linClrLst meth="repeat">
+      <a:schemeClr val="accent1"/>
+    </dgm:linClrLst>
+    <dgm:effectClrLst/>
+    <dgm:txLinClrLst/>
+    <dgm:txFillClrLst meth="repeat">
+      <a:schemeClr val="dk1"/>
+    </dgm:txFillClrLst>
+    <dgm:txEffectClrLst/>
+  </dgm:styleLbl>
+  <dgm:styleLbl name="bgAcc1">
+    <dgm:fillClrLst meth="repeat">
+      <a:schemeClr val="lt1">
+        <a:alpha val="90000"/>
+      </a:schemeClr>
+    </dgm:fillClrLst>
+    <dgm:linClrLst meth="repeat">
+      <a:schemeClr val="accent1"/>
+    </dgm:linClrLst>
+    <dgm:effectClrLst/>
+    <dgm:txLinClrLst/>
+    <dgm:txFillClrLst meth="repeat">
+      <a:schemeClr val="dk1"/>
+    </dgm:txFillClrLst>
+    <dgm:txEffectClrLst/>
+  </dgm:styleLbl>
+  <dgm:styleLbl name="solidFgAcc1">
+    <dgm:fillClrLst meth="repeat">
+      <a:schemeClr val="lt1"/>
+    </dgm:fillClrLst>
+    <dgm:linClrLst meth="repeat">
+      <a:schemeClr val="accent1"/>
+    </dgm:linClrLst>
+    <dgm:effectClrLst/>
+    <dgm:txLinClrLst/>
+    <dgm:txFillClrLst meth="repeat">
+      <a:schemeClr val="dk1"/>
+    </dgm:txFillClrLst>
+    <dgm:txEffectClrLst/>
+  </dgm:styleLbl>
+  <dgm:styleLbl name="solidAlignAcc1">
+    <dgm:fillClrLst meth="repeat">
+      <a:schemeClr val="lt1"/>
+    </dgm:fillClrLst>
+    <dgm:linClrLst meth="repeat">
+      <a:schemeClr val="accent1"/>
+    </dgm:linClrLst>
+    <dgm:effectClrLst/>
+    <dgm:txLinClrLst/>
+    <dgm:txFillClrLst meth="repeat">
+      <a:schemeClr val="dk1"/>
+    </dgm:txFillClrLst>
+    <dgm:txEffectClrLst/>
+  </dgm:styleLbl>
+  <dgm:styleLbl name="solidBgAcc1">
+    <dgm:fillClrLst meth="repeat">
+      <a:schemeClr val="lt1"/>
+    </dgm:fillClrLst>
+    <dgm:linClrLst meth="repeat">
+      <a:schemeClr val="accent1"/>
+    </dgm:linClrLst>
+    <dgm:effectClrLst/>
+    <dgm:txLinClrLst/>
+    <dgm:txFillClrLst meth="repeat">
+      <a:schemeClr val="dk1"/>
+    </dgm:txFillClrLst>
+    <dgm:txEffectClrLst/>
+  </dgm:styleLbl>
+  <dgm:styleLbl name="fgAccFollowNode1">
+    <dgm:fillClrLst meth="repeat">
+      <a:schemeClr val="accent1">
+        <a:alpha val="90000"/>
+        <a:tint val="40000"/>
+      </a:schemeClr>
+    </dgm:fillClrLst>
+    <dgm:linClrLst meth="repeat">
+      <a:schemeClr val="accent1">
+        <a:alpha val="90000"/>
+        <a:tint val="40000"/>
+      </a:schemeClr>
+    </dgm:linClrLst>
+    <dgm:effectClrLst/>
+    <dgm:txLinClrLst/>
+    <dgm:txFillClrLst meth="repeat">
+      <a:schemeClr val="dk1"/>
+    </dgm:txFillClrLst>
+    <dgm:txEffectClrLst/>
+  </dgm:styleLbl>
+  <dgm:styleLbl name="alignAccFollowNode1">
+    <dgm:fillClrLst meth="repeat">
+      <a:schemeClr val="accent1">
+        <a:alpha val="90000"/>
+        <a:tint val="40000"/>
+      </a:schemeClr>
+    </dgm:fillClrLst>
+    <dgm:linClrLst meth="repeat">
+      <a:schemeClr val="accent1">
+        <a:alpha val="90000"/>
+        <a:tint val="40000"/>
+      </a:schemeClr>
+    </dgm:linClrLst>
+    <dgm:effectClrLst/>
+    <dgm:txLinClrLst/>
+    <dgm:txFillClrLst meth="repeat">
+      <a:schemeClr val="dk1"/>
+    </dgm:txFillClrLst>
+    <dgm:txEffectClrLst/>
+  </dgm:styleLbl>
+  <dgm:styleLbl name="bgAccFollowNode1">
+    <dgm:fillClrLst meth="repeat">
+      <a:schemeClr val="accent1">
+        <a:alpha val="90000"/>
+        <a:tint val="40000"/>
+      </a:schemeClr>
+    </dgm:fillClrLst>
+    <dgm:linClrLst meth="repeat">
+      <a:schemeClr val="accent1">
+        <a:alpha val="90000"/>
+        <a:tint val="40000"/>
+      </a:schemeClr>
+    </dgm:linClrLst>
+    <dgm:effectClrLst/>
+    <dgm:txLinClrLst/>
+    <dgm:txFillClrLst meth="repeat">
+      <a:schemeClr val="dk1"/>
+    </dgm:txFillClrLst>
+    <dgm:txEffectClrLst/>
+  </dgm:styleLbl>
+  <dgm:styleLbl name="fgAcc0">
+    <dgm:fillClrLst meth="repeat">
+      <a:schemeClr val="lt1">
+        <a:alpha val="90000"/>
+      </a:schemeClr>
+    </dgm:fillClrLst>
+    <dgm:linClrLst meth="repeat">
+      <a:schemeClr val="accent1"/>
+    </dgm:linClrLst>
+    <dgm:effectClrLst/>
+    <dgm:txLinClrLst/>
+    <dgm:txFillClrLst meth="repeat">
+      <a:schemeClr val="dk1"/>
+    </dgm:txFillClrLst>
+    <dgm:txEffectClrLst/>
+  </dgm:styleLbl>
+  <dgm:styleLbl name="fgAcc2">
+    <dgm:fillClrLst meth="repeat">
+      <a:schemeClr val="lt1">
+        <a:alpha val="90000"/>
+      </a:schemeClr>
+    </dgm:fillClrLst>
+    <dgm:linClrLst meth="repeat">
+      <a:schemeClr val="accent1"/>
+    </dgm:linClrLst>
+    <dgm:effectClrLst/>
+    <dgm:txLinClrLst/>
+    <dgm:txFillClrLst meth="repeat">
+      <a:schemeClr val="dk1"/>
+    </dgm:txFillClrLst>
+    <dgm:txEffectClrLst/>
+  </dgm:styleLbl>
+  <dgm:styleLbl name="fgAcc3">
+    <dgm:fillClrLst meth="repeat">
+      <a:schemeClr val="lt1">
+        <a:alpha val="90000"/>
+      </a:schemeClr>
+    </dgm:fillClrLst>
+    <dgm:linClrLst meth="repeat">
+      <a:schemeClr val="accent1"/>
+    </dgm:linClrLst>
+    <dgm:effectClrLst/>
+    <dgm:txLinClrLst/>
+    <dgm:txFillClrLst meth="repeat">
+      <a:schemeClr val="dk1"/>
+    </dgm:txFillClrLst>
+    <dgm:txEffectClrLst/>
+  </dgm:styleLbl>
+  <dgm:styleLbl name="fgAcc4">
+    <dgm:fillClrLst meth="repeat">
+      <a:schemeClr val="lt1">
+        <a:alpha val="90000"/>
+      </a:schemeClr>
+    </dgm:fillClrLst>
+    <dgm:linClrLst meth="repeat">
+      <a:schemeClr val="accent1"/>
+    </dgm:linClrLst>
+    <dgm:effectClrLst/>
+    <dgm:txLinClrLst/>
+    <dgm:txFillClrLst meth="repeat">
+      <a:schemeClr val="dk1"/>
+    </dgm:txFillClrLst>
+    <dgm:txEffectClrLst/>
+  </dgm:styleLbl>
+  <dgm:styleLbl name="bgShp">
+    <dgm:fillClrLst meth="repeat">
+      <a:schemeClr val="accent1">
+        <a:tint val="40000"/>
+      </a:schemeClr>
+    </dgm:fillClrLst>
+    <dgm:linClrLst meth="repeat">
+      <a:schemeClr val="accent1"/>
+    </dgm:linClrLst>
+    <dgm:effectClrLst/>
+    <dgm:txLinClrLst/>
+    <dgm:txFillClrLst meth="repeat">
+      <a:schemeClr val="dk1"/>
+    </dgm:txFillClrLst>
+    <dgm:txEffectClrLst/>
+  </dgm:styleLbl>
+  <dgm:styleLbl name="dkBgShp">
+    <dgm:fillClrLst meth="repeat">
+      <a:schemeClr val="accent1">
+        <a:shade val="80000"/>
+      </a:schemeClr>
+    </dgm:fillClrLst>
+    <dgm:linClrLst meth="repeat">
+      <a:schemeClr val="accent1"/>
+    </dgm:linClrLst>
+    <dgm:effectClrLst/>
+    <dgm:txLinClrLst/>
+    <dgm:txFillClrLst meth="repeat">
+      <a:schemeClr val="lt1"/>
+    </dgm:txFillClrLst>
+    <dgm:txEffectClrLst/>
+  </dgm:styleLbl>
+  <dgm:styleLbl name="trBgShp">
+    <dgm:fillClrLst meth="repeat">
+      <a:schemeClr val="accent1">
+        <a:tint val="50000"/>
+        <a:alpha val="40000"/>
+      </a:schemeClr>
+    </dgm:fillClrLst>
+    <dgm:linClrLst meth="repeat">
+      <a:schemeClr val="accent1"/>
+    </dgm:linClrLst>
+    <dgm:effectClrLst/>
+    <dgm:txLinClrLst/>
+    <dgm:txFillClrLst meth="repeat">
+      <a:schemeClr val="lt1"/>
+    </dgm:txFillClrLst>
+    <dgm:txEffectClrLst/>
+  </dgm:styleLbl>
+  <dgm:styleLbl name="fgShp">
+    <dgm:fillClrLst meth="repeat">
+      <a:schemeClr val="accent1">
+        <a:tint val="60000"/>
+      </a:schemeClr>
+    </dgm:fillClrLst>
+    <dgm:linClrLst meth="repeat">
+      <a:schemeClr val="lt1"/>
+    </dgm:linClrLst>
+    <dgm:effectClrLst/>
+    <dgm:txLinClrLst/>
+    <dgm:txFillClrLst meth="repeat">
+      <a:schemeClr val="dk1"/>
+    </dgm:txFillClrLst>
+    <dgm:txEffectClrLst/>
+  </dgm:styleLbl>
+  <dgm:styleLbl name="revTx">
+    <dgm:fillClrLst meth="repeat">
+      <a:schemeClr val="lt1">
+        <a:alpha val="0"/>
+      </a:schemeClr>
+    </dgm:fillClrLst>
+    <dgm:linClrLst meth="repeat">
+      <a:schemeClr val="dk1">
+        <a:alpha val="0"/>
+      </a:schemeClr>
+    </dgm:linClrLst>
+    <dgm:effectClrLst/>
+    <dgm:txLinClrLst/>
+    <dgm:txFillClrLst meth="repeat">
+      <a:schemeClr val="tx1"/>
+    </dgm:txFillClrLst>
+    <dgm:txEffectClrLst/>
+  </dgm:styleLbl>
+</dgm:colorsDef>
+</file>
+
+<file path=ppt/diagrams/data1.xml><?xml version="1.0" encoding="utf-8"?>
+<dgm:dataModel xmlns:dgm="http://schemas.openxmlformats.org/drawingml/2006/diagram" xmlns:a="http://schemas.openxmlformats.org/drawingml/2006/main">
+  <dgm:ptLst>
+    <dgm:pt modelId="{CB39A146-53FA-40F1-ADFE-5E15A05D6E34}" type="doc">
+      <dgm:prSet loTypeId="urn:microsoft.com/office/officeart/2005/8/layout/orgChart1" loCatId="hierarchy" qsTypeId="urn:microsoft.com/office/officeart/2005/8/quickstyle/simple1" qsCatId="simple" csTypeId="urn:microsoft.com/office/officeart/2005/8/colors/accent1_2" csCatId="accent1" phldr="1"/>
+      <dgm:spPr/>
+      <dgm:t>
+        <a:bodyPr/>
+        <a:lstStyle/>
+        <a:p>
+          <a:endParaRPr lang="pt-PT"/>
+        </a:p>
+      </dgm:t>
+    </dgm:pt>
+    <dgm:pt modelId="{64B6E92D-7914-4D38-B997-FF9AEA95CA3C}" type="asst">
+      <dgm:prSet phldrT="[Texto]"/>
+      <dgm:spPr/>
+      <dgm:t>
+        <a:bodyPr/>
+        <a:lstStyle/>
+        <a:p>
+          <a:r>
+            <a:rPr lang="pt-PT" dirty="0"/>
+            <a:t>Projeto</a:t>
+          </a:r>
+        </a:p>
+      </dgm:t>
+    </dgm:pt>
+    <dgm:pt modelId="{3351BA1B-EA9E-43CC-A74F-1D1869498896}" type="parTrans" cxnId="{8D336EE1-2775-4D9A-B03B-05CF09C2D569}">
+      <dgm:prSet/>
+      <dgm:spPr/>
+      <dgm:t>
+        <a:bodyPr/>
+        <a:lstStyle/>
+        <a:p>
+          <a:endParaRPr lang="pt-PT"/>
+        </a:p>
+      </dgm:t>
+    </dgm:pt>
+    <dgm:pt modelId="{E74260B3-7603-4DE2-82D9-7130BC38FEDB}" type="sibTrans" cxnId="{8D336EE1-2775-4D9A-B03B-05CF09C2D569}">
+      <dgm:prSet/>
+      <dgm:spPr/>
+      <dgm:t>
+        <a:bodyPr/>
+        <a:lstStyle/>
+        <a:p>
+          <a:endParaRPr lang="pt-PT"/>
+        </a:p>
+      </dgm:t>
+    </dgm:pt>
+    <dgm:pt modelId="{A6F2723F-D707-4170-800E-C922F442595F}">
+      <dgm:prSet phldrT="[Texto]"/>
+      <dgm:spPr/>
+      <dgm:t>
+        <a:bodyPr/>
+        <a:lstStyle/>
+        <a:p>
+          <a:r>
+            <a:rPr lang="pt-PT" dirty="0"/>
+            <a:t>Base de Dados</a:t>
+          </a:r>
+        </a:p>
+      </dgm:t>
+    </dgm:pt>
+    <dgm:pt modelId="{FF39145A-9F71-44B7-B7AE-05B785563E97}" type="parTrans" cxnId="{B326DEA1-30F4-4060-A0E8-3F329358E246}">
+      <dgm:prSet/>
+      <dgm:spPr/>
+      <dgm:t>
+        <a:bodyPr/>
+        <a:lstStyle/>
+        <a:p>
+          <a:endParaRPr lang="pt-PT"/>
+        </a:p>
+      </dgm:t>
+    </dgm:pt>
+    <dgm:pt modelId="{CB71B92C-ADE0-447D-A705-3543673334B2}" type="sibTrans" cxnId="{B326DEA1-30F4-4060-A0E8-3F329358E246}">
+      <dgm:prSet/>
+      <dgm:spPr/>
+      <dgm:t>
+        <a:bodyPr/>
+        <a:lstStyle/>
+        <a:p>
+          <a:endParaRPr lang="pt-PT"/>
+        </a:p>
+      </dgm:t>
+    </dgm:pt>
+    <dgm:pt modelId="{913ABC1B-FF6F-4225-BE65-C7A5D65B46A8}">
+      <dgm:prSet phldrT="[Texto]"/>
+      <dgm:spPr/>
+      <dgm:t>
+        <a:bodyPr/>
+        <a:lstStyle/>
+        <a:p>
+          <a:r>
+            <a:rPr lang="pt-PT" dirty="0"/>
+            <a:t>Base de dados manager</a:t>
+          </a:r>
+        </a:p>
+      </dgm:t>
+    </dgm:pt>
+    <dgm:pt modelId="{394B3C61-7AD9-48B5-AA45-4EDECFE53FB1}" type="parTrans" cxnId="{5D828CB1-7EF7-48A0-8F95-BE3B7E6C7184}">
+      <dgm:prSet/>
+      <dgm:spPr/>
+      <dgm:t>
+        <a:bodyPr/>
+        <a:lstStyle/>
+        <a:p>
+          <a:endParaRPr lang="pt-PT"/>
+        </a:p>
+      </dgm:t>
+    </dgm:pt>
+    <dgm:pt modelId="{08B4ED60-7919-4A02-8C0B-EBC23EFE2294}" type="sibTrans" cxnId="{5D828CB1-7EF7-48A0-8F95-BE3B7E6C7184}">
+      <dgm:prSet/>
+      <dgm:spPr/>
+      <dgm:t>
+        <a:bodyPr/>
+        <a:lstStyle/>
+        <a:p>
+          <a:endParaRPr lang="pt-PT"/>
+        </a:p>
+      </dgm:t>
+    </dgm:pt>
+    <dgm:pt modelId="{91CA7392-B411-45D2-8FB5-9846178379DF}">
+      <dgm:prSet phldrT="[Texto]"/>
+      <dgm:spPr/>
+      <dgm:t>
+        <a:bodyPr/>
+        <a:lstStyle/>
+        <a:p>
+          <a:r>
+            <a:rPr lang="pt-PT" dirty="0"/>
+            <a:t>Menu manager</a:t>
+          </a:r>
+        </a:p>
+      </dgm:t>
+    </dgm:pt>
+    <dgm:pt modelId="{0FEBE647-0943-4D8F-8510-13944CB06386}" type="parTrans" cxnId="{956E5543-9E45-4E1D-9770-2FC887C104CA}">
+      <dgm:prSet/>
+      <dgm:spPr/>
+      <dgm:t>
+        <a:bodyPr/>
+        <a:lstStyle/>
+        <a:p>
+          <a:endParaRPr lang="pt-PT"/>
+        </a:p>
+      </dgm:t>
+    </dgm:pt>
+    <dgm:pt modelId="{F728C035-E912-48C5-9C92-10BAC76053EA}" type="sibTrans" cxnId="{956E5543-9E45-4E1D-9770-2FC887C104CA}">
+      <dgm:prSet/>
+      <dgm:spPr/>
+      <dgm:t>
+        <a:bodyPr/>
+        <a:lstStyle/>
+        <a:p>
+          <a:endParaRPr lang="pt-PT"/>
+        </a:p>
+      </dgm:t>
+    </dgm:pt>
+    <dgm:pt modelId="{F65ADEF1-FC35-4370-8F71-EA091097B798}">
+      <dgm:prSet/>
+      <dgm:spPr/>
+      <dgm:t>
+        <a:bodyPr/>
+        <a:lstStyle/>
+        <a:p>
+          <a:r>
+            <a:rPr lang="pt-PT" dirty="0"/>
+            <a:t>Orçamentos</a:t>
+          </a:r>
+        </a:p>
+      </dgm:t>
+    </dgm:pt>
+    <dgm:pt modelId="{7A934D0E-1F29-4192-8AF7-9206929E1C74}" type="parTrans" cxnId="{09D5222A-AD98-40B0-B0F9-4929FD304DEB}">
+      <dgm:prSet/>
+      <dgm:spPr/>
+      <dgm:t>
+        <a:bodyPr/>
+        <a:lstStyle/>
+        <a:p>
+          <a:endParaRPr lang="pt-PT"/>
+        </a:p>
+      </dgm:t>
+    </dgm:pt>
+    <dgm:pt modelId="{8AE2110B-B467-477F-A1F7-C0BB5C1A3299}" type="sibTrans" cxnId="{09D5222A-AD98-40B0-B0F9-4929FD304DEB}">
+      <dgm:prSet/>
+      <dgm:spPr/>
+      <dgm:t>
+        <a:bodyPr/>
+        <a:lstStyle/>
+        <a:p>
+          <a:endParaRPr lang="pt-PT"/>
+        </a:p>
+      </dgm:t>
+    </dgm:pt>
+    <dgm:pt modelId="{61CFDD75-80EB-4E8F-8706-A5203EF86987}">
+      <dgm:prSet/>
+      <dgm:spPr/>
+      <dgm:t>
+        <a:bodyPr/>
+        <a:lstStyle/>
+        <a:p>
+          <a:r>
+            <a:rPr lang="pt-PT" dirty="0"/>
+            <a:t>Orçamentos manager</a:t>
+          </a:r>
+        </a:p>
+      </dgm:t>
+    </dgm:pt>
+    <dgm:pt modelId="{7DD15CEE-FCC5-4C17-A079-306AEA1A51B7}" type="parTrans" cxnId="{FCB2B029-A254-4C22-96B7-674CBDAA172C}">
+      <dgm:prSet/>
+      <dgm:spPr/>
+      <dgm:t>
+        <a:bodyPr/>
+        <a:lstStyle/>
+        <a:p>
+          <a:endParaRPr lang="pt-PT"/>
+        </a:p>
+      </dgm:t>
+    </dgm:pt>
+    <dgm:pt modelId="{458D3698-E9E7-4C53-86A5-DE28519F1C39}" type="sibTrans" cxnId="{FCB2B029-A254-4C22-96B7-674CBDAA172C}">
+      <dgm:prSet/>
+      <dgm:spPr/>
+      <dgm:t>
+        <a:bodyPr/>
+        <a:lstStyle/>
+        <a:p>
+          <a:endParaRPr lang="pt-PT"/>
+        </a:p>
+      </dgm:t>
+    </dgm:pt>
+    <dgm:pt modelId="{E7B6DDF6-6C57-44C7-B9DE-ADC4779AD85D}">
+      <dgm:prSet/>
+      <dgm:spPr/>
+      <dgm:t>
+        <a:bodyPr/>
+        <a:lstStyle/>
+        <a:p>
+          <a:r>
+            <a:rPr lang="pt-PT" dirty="0" err="1"/>
+            <a:t>Json</a:t>
+          </a:r>
+          <a:r>
+            <a:rPr lang="pt-PT" dirty="0"/>
+            <a:t> Base de dados</a:t>
+          </a:r>
+        </a:p>
+      </dgm:t>
+    </dgm:pt>
+    <dgm:pt modelId="{6E185969-62DC-48BA-8A70-4315885DBA91}" type="parTrans" cxnId="{01AAC3F1-6B02-4C2D-9B8A-796CF9B5D528}">
+      <dgm:prSet/>
+      <dgm:spPr/>
+      <dgm:t>
+        <a:bodyPr/>
+        <a:lstStyle/>
+        <a:p>
+          <a:endParaRPr lang="pt-PT"/>
+        </a:p>
+      </dgm:t>
+    </dgm:pt>
+    <dgm:pt modelId="{0BE34397-C45A-4BAC-9499-FE90EB804D15}" type="sibTrans" cxnId="{01AAC3F1-6B02-4C2D-9B8A-796CF9B5D528}">
+      <dgm:prSet/>
+      <dgm:spPr/>
+      <dgm:t>
+        <a:bodyPr/>
+        <a:lstStyle/>
+        <a:p>
+          <a:endParaRPr lang="pt-PT"/>
+        </a:p>
+      </dgm:t>
+    </dgm:pt>
+    <dgm:pt modelId="{EC431BB0-F59C-4F38-B2BD-41D6EE423BDD}">
+      <dgm:prSet/>
+      <dgm:spPr/>
+      <dgm:t>
+        <a:bodyPr/>
+        <a:lstStyle/>
+        <a:p>
+          <a:endParaRPr lang="pt-PT"/>
+        </a:p>
+      </dgm:t>
+    </dgm:pt>
+    <dgm:pt modelId="{853452BB-8B2C-451B-877A-BEC35067313D}" type="parTrans" cxnId="{703777FB-9731-400E-A1D0-1BEB84C07425}">
+      <dgm:prSet/>
+      <dgm:spPr/>
+    </dgm:pt>
+    <dgm:pt modelId="{5E58B792-8546-4DDF-A7D9-F4778B60423F}" type="sibTrans" cxnId="{703777FB-9731-400E-A1D0-1BEB84C07425}">
+      <dgm:prSet/>
+      <dgm:spPr/>
+    </dgm:pt>
+    <dgm:pt modelId="{DD983FE6-9B0C-44F4-8AC5-C7B1175256C4}" type="pres">
+      <dgm:prSet presAssocID="{CB39A146-53FA-40F1-ADFE-5E15A05D6E34}" presName="hierChild1" presStyleCnt="0">
+        <dgm:presLayoutVars>
+          <dgm:orgChart val="1"/>
+          <dgm:chPref val="1"/>
+          <dgm:dir/>
+          <dgm:animOne val="branch"/>
+          <dgm:animLvl val="lvl"/>
+          <dgm:resizeHandles/>
+        </dgm:presLayoutVars>
+      </dgm:prSet>
+      <dgm:spPr/>
+    </dgm:pt>
+    <dgm:pt modelId="{DB32C0EC-E71A-4FD9-B43A-987194F0DF0C}" type="pres">
+      <dgm:prSet presAssocID="{64B6E92D-7914-4D38-B997-FF9AEA95CA3C}" presName="hierRoot1" presStyleCnt="0">
+        <dgm:presLayoutVars>
+          <dgm:hierBranch val="init"/>
+        </dgm:presLayoutVars>
+      </dgm:prSet>
+      <dgm:spPr/>
+    </dgm:pt>
+    <dgm:pt modelId="{5EEC84AE-63F6-47A3-9581-A067F48EF1E4}" type="pres">
+      <dgm:prSet presAssocID="{64B6E92D-7914-4D38-B997-FF9AEA95CA3C}" presName="rootComposite1" presStyleCnt="0"/>
+      <dgm:spPr/>
+    </dgm:pt>
+    <dgm:pt modelId="{1505DE8C-D92A-4BF4-8371-BA9F90DB4596}" type="pres">
+      <dgm:prSet presAssocID="{64B6E92D-7914-4D38-B997-FF9AEA95CA3C}" presName="rootText1" presStyleLbl="node0" presStyleIdx="0" presStyleCnt="1">
+        <dgm:presLayoutVars>
+          <dgm:chPref val="3"/>
+        </dgm:presLayoutVars>
+      </dgm:prSet>
+      <dgm:spPr/>
+    </dgm:pt>
+    <dgm:pt modelId="{C3B3F988-7859-427D-8030-C8D8D2E65F71}" type="pres">
+      <dgm:prSet presAssocID="{64B6E92D-7914-4D38-B997-FF9AEA95CA3C}" presName="rootConnector1" presStyleLbl="asst0" presStyleIdx="0" presStyleCnt="0"/>
+      <dgm:spPr/>
+    </dgm:pt>
+    <dgm:pt modelId="{07B86244-6EBE-47AE-89DF-E8CE47440A20}" type="pres">
+      <dgm:prSet presAssocID="{64B6E92D-7914-4D38-B997-FF9AEA95CA3C}" presName="hierChild2" presStyleCnt="0"/>
+      <dgm:spPr/>
+    </dgm:pt>
+    <dgm:pt modelId="{F2B8BD00-EA72-44F7-8532-5A17C0BF1DD9}" type="pres">
+      <dgm:prSet presAssocID="{FF39145A-9F71-44B7-B7AE-05B785563E97}" presName="Name37" presStyleLbl="parChTrans1D2" presStyleIdx="0" presStyleCnt="5"/>
+      <dgm:spPr/>
+    </dgm:pt>
+    <dgm:pt modelId="{B8EA2218-A4E9-446B-833B-9188D0EC90C8}" type="pres">
+      <dgm:prSet presAssocID="{A6F2723F-D707-4170-800E-C922F442595F}" presName="hierRoot2" presStyleCnt="0">
+        <dgm:presLayoutVars>
+          <dgm:hierBranch val="init"/>
+        </dgm:presLayoutVars>
+      </dgm:prSet>
+      <dgm:spPr/>
+    </dgm:pt>
+    <dgm:pt modelId="{D9B5AD5B-0B1E-4D35-96B1-4C439E9F8D4E}" type="pres">
+      <dgm:prSet presAssocID="{A6F2723F-D707-4170-800E-C922F442595F}" presName="rootComposite" presStyleCnt="0"/>
+      <dgm:spPr/>
+    </dgm:pt>
+    <dgm:pt modelId="{A1422BED-C712-4276-934D-CB0F8F5DF1BA}" type="pres">
+      <dgm:prSet presAssocID="{A6F2723F-D707-4170-800E-C922F442595F}" presName="rootText" presStyleLbl="node2" presStyleIdx="0" presStyleCnt="5">
+        <dgm:presLayoutVars>
+          <dgm:chPref val="3"/>
+        </dgm:presLayoutVars>
+      </dgm:prSet>
+      <dgm:spPr/>
+    </dgm:pt>
+    <dgm:pt modelId="{74A0FB72-BA6B-4E46-9D3E-F9703C9ACFF9}" type="pres">
+      <dgm:prSet presAssocID="{A6F2723F-D707-4170-800E-C922F442595F}" presName="rootConnector" presStyleLbl="node2" presStyleIdx="0" presStyleCnt="5"/>
+      <dgm:spPr/>
+    </dgm:pt>
+    <dgm:pt modelId="{38C49FE3-3DA1-4B9A-8CDC-1007B352E5DD}" type="pres">
+      <dgm:prSet presAssocID="{A6F2723F-D707-4170-800E-C922F442595F}" presName="hierChild4" presStyleCnt="0"/>
+      <dgm:spPr/>
+    </dgm:pt>
+    <dgm:pt modelId="{101B7EDE-D475-473D-B0FF-1B020248C47A}" type="pres">
+      <dgm:prSet presAssocID="{6E185969-62DC-48BA-8A70-4315885DBA91}" presName="Name37" presStyleLbl="parChTrans1D3" presStyleIdx="0" presStyleCnt="2"/>
+      <dgm:spPr/>
+    </dgm:pt>
+    <dgm:pt modelId="{85487DCB-F553-4F90-B0C0-CCA98075C672}" type="pres">
+      <dgm:prSet presAssocID="{E7B6DDF6-6C57-44C7-B9DE-ADC4779AD85D}" presName="hierRoot2" presStyleCnt="0">
+        <dgm:presLayoutVars>
+          <dgm:hierBranch val="init"/>
+        </dgm:presLayoutVars>
+      </dgm:prSet>
+      <dgm:spPr/>
+    </dgm:pt>
+    <dgm:pt modelId="{551BD6A1-007B-4E18-A4AA-368C184888C6}" type="pres">
+      <dgm:prSet presAssocID="{E7B6DDF6-6C57-44C7-B9DE-ADC4779AD85D}" presName="rootComposite" presStyleCnt="0"/>
+      <dgm:spPr/>
+    </dgm:pt>
+    <dgm:pt modelId="{CB2E10ED-74A8-46A3-AC0D-7854C3C98AA4}" type="pres">
+      <dgm:prSet presAssocID="{E7B6DDF6-6C57-44C7-B9DE-ADC4779AD85D}" presName="rootText" presStyleLbl="node3" presStyleIdx="0" presStyleCnt="2">
+        <dgm:presLayoutVars>
+          <dgm:chPref val="3"/>
+        </dgm:presLayoutVars>
+      </dgm:prSet>
+      <dgm:spPr/>
+    </dgm:pt>
+    <dgm:pt modelId="{22D6D88C-CDA5-403B-9EDA-F55F2398112F}" type="pres">
+      <dgm:prSet presAssocID="{E7B6DDF6-6C57-44C7-B9DE-ADC4779AD85D}" presName="rootConnector" presStyleLbl="node3" presStyleIdx="0" presStyleCnt="2"/>
+      <dgm:spPr/>
+    </dgm:pt>
+    <dgm:pt modelId="{BEC640AE-3742-4F7C-A355-61377DBD236B}" type="pres">
+      <dgm:prSet presAssocID="{E7B6DDF6-6C57-44C7-B9DE-ADC4779AD85D}" presName="hierChild4" presStyleCnt="0"/>
+      <dgm:spPr/>
+    </dgm:pt>
+    <dgm:pt modelId="{445CE4D7-F695-4C63-9C3B-2BDB3C186B66}" type="pres">
+      <dgm:prSet presAssocID="{E7B6DDF6-6C57-44C7-B9DE-ADC4779AD85D}" presName="hierChild5" presStyleCnt="0"/>
+      <dgm:spPr/>
+    </dgm:pt>
+    <dgm:pt modelId="{F2FCE5E6-7488-4B42-8A3D-6C23073F1387}" type="pres">
+      <dgm:prSet presAssocID="{A6F2723F-D707-4170-800E-C922F442595F}" presName="hierChild5" presStyleCnt="0"/>
+      <dgm:spPr/>
+    </dgm:pt>
+    <dgm:pt modelId="{861FC5F8-8D36-4DFE-97B1-9BE103310832}" type="pres">
+      <dgm:prSet presAssocID="{394B3C61-7AD9-48B5-AA45-4EDECFE53FB1}" presName="Name37" presStyleLbl="parChTrans1D2" presStyleIdx="1" presStyleCnt="5"/>
+      <dgm:spPr/>
+    </dgm:pt>
+    <dgm:pt modelId="{FC480265-AFD4-4AFF-AAFA-9A56AA870ABC}" type="pres">
+      <dgm:prSet presAssocID="{913ABC1B-FF6F-4225-BE65-C7A5D65B46A8}" presName="hierRoot2" presStyleCnt="0">
+        <dgm:presLayoutVars>
+          <dgm:hierBranch val="init"/>
+        </dgm:presLayoutVars>
+      </dgm:prSet>
+      <dgm:spPr/>
+    </dgm:pt>
+    <dgm:pt modelId="{96922B17-3372-4B9E-8789-3B9966FC0F3A}" type="pres">
+      <dgm:prSet presAssocID="{913ABC1B-FF6F-4225-BE65-C7A5D65B46A8}" presName="rootComposite" presStyleCnt="0"/>
+      <dgm:spPr/>
+    </dgm:pt>
+    <dgm:pt modelId="{2ECC6E89-5E3D-496E-9416-A59A9ECA08B3}" type="pres">
+      <dgm:prSet presAssocID="{913ABC1B-FF6F-4225-BE65-C7A5D65B46A8}" presName="rootText" presStyleLbl="node2" presStyleIdx="1" presStyleCnt="5">
+        <dgm:presLayoutVars>
+          <dgm:chPref val="3"/>
+        </dgm:presLayoutVars>
+      </dgm:prSet>
+      <dgm:spPr/>
+    </dgm:pt>
+    <dgm:pt modelId="{0CCB75C3-E189-40F3-8BD1-1C9C5EA8EDD2}" type="pres">
+      <dgm:prSet presAssocID="{913ABC1B-FF6F-4225-BE65-C7A5D65B46A8}" presName="rootConnector" presStyleLbl="node2" presStyleIdx="1" presStyleCnt="5"/>
+      <dgm:spPr/>
+    </dgm:pt>
+    <dgm:pt modelId="{9061EDCF-D0A2-464C-954B-08D03D8CBD4F}" type="pres">
+      <dgm:prSet presAssocID="{913ABC1B-FF6F-4225-BE65-C7A5D65B46A8}" presName="hierChild4" presStyleCnt="0"/>
+      <dgm:spPr/>
+    </dgm:pt>
+    <dgm:pt modelId="{FB73D3BF-797B-4F49-A0DF-E51FDC8551E9}" type="pres">
+      <dgm:prSet presAssocID="{853452BB-8B2C-451B-877A-BEC35067313D}" presName="Name37" presStyleLbl="parChTrans1D3" presStyleIdx="1" presStyleCnt="2"/>
+      <dgm:spPr/>
+    </dgm:pt>
+    <dgm:pt modelId="{D1FA3DE1-2835-4E65-976E-BED5D45FAFA0}" type="pres">
+      <dgm:prSet presAssocID="{EC431BB0-F59C-4F38-B2BD-41D6EE423BDD}" presName="hierRoot2" presStyleCnt="0">
+        <dgm:presLayoutVars>
+          <dgm:hierBranch val="init"/>
+        </dgm:presLayoutVars>
+      </dgm:prSet>
+      <dgm:spPr/>
+    </dgm:pt>
+    <dgm:pt modelId="{17416549-1F7B-45A1-BEDB-EDC4890532EF}" type="pres">
+      <dgm:prSet presAssocID="{EC431BB0-F59C-4F38-B2BD-41D6EE423BDD}" presName="rootComposite" presStyleCnt="0"/>
+      <dgm:spPr/>
+    </dgm:pt>
+    <dgm:pt modelId="{EE5E5EEA-C1C5-4366-9062-B83ACF6BD798}" type="pres">
+      <dgm:prSet presAssocID="{EC431BB0-F59C-4F38-B2BD-41D6EE423BDD}" presName="rootText" presStyleLbl="node3" presStyleIdx="1" presStyleCnt="2">
+        <dgm:presLayoutVars>
+          <dgm:chPref val="3"/>
+        </dgm:presLayoutVars>
+      </dgm:prSet>
+      <dgm:spPr/>
+    </dgm:pt>
+    <dgm:pt modelId="{AEEF2969-C3F4-4902-B683-BCBFBB8E8F63}" type="pres">
+      <dgm:prSet presAssocID="{EC431BB0-F59C-4F38-B2BD-41D6EE423BDD}" presName="rootConnector" presStyleLbl="node3" presStyleIdx="1" presStyleCnt="2"/>
+      <dgm:spPr/>
+    </dgm:pt>
+    <dgm:pt modelId="{B7DD0ABC-363F-4F1A-9964-CCA5AB16C589}" type="pres">
+      <dgm:prSet presAssocID="{EC431BB0-F59C-4F38-B2BD-41D6EE423BDD}" presName="hierChild4" presStyleCnt="0"/>
+      <dgm:spPr/>
+    </dgm:pt>
+    <dgm:pt modelId="{C6107CE1-58E1-4EDA-8FB0-A5484CE9BABE}" type="pres">
+      <dgm:prSet presAssocID="{EC431BB0-F59C-4F38-B2BD-41D6EE423BDD}" presName="hierChild5" presStyleCnt="0"/>
+      <dgm:spPr/>
+    </dgm:pt>
+    <dgm:pt modelId="{F297E44D-5073-48B2-836C-9D5F6BA63CD4}" type="pres">
+      <dgm:prSet presAssocID="{913ABC1B-FF6F-4225-BE65-C7A5D65B46A8}" presName="hierChild5" presStyleCnt="0"/>
+      <dgm:spPr/>
+    </dgm:pt>
+    <dgm:pt modelId="{9BA6CE8A-C258-47EA-945B-390A5DB86378}" type="pres">
+      <dgm:prSet presAssocID="{7A934D0E-1F29-4192-8AF7-9206929E1C74}" presName="Name37" presStyleLbl="parChTrans1D2" presStyleIdx="2" presStyleCnt="5"/>
+      <dgm:spPr/>
+    </dgm:pt>
+    <dgm:pt modelId="{D5CF1E45-0E90-4155-B10C-15C85FB5B551}" type="pres">
+      <dgm:prSet presAssocID="{F65ADEF1-FC35-4370-8F71-EA091097B798}" presName="hierRoot2" presStyleCnt="0">
+        <dgm:presLayoutVars>
+          <dgm:hierBranch val="init"/>
+        </dgm:presLayoutVars>
+      </dgm:prSet>
+      <dgm:spPr/>
+    </dgm:pt>
+    <dgm:pt modelId="{A5516424-8CC3-4479-8D88-9A8792FD0C8A}" type="pres">
+      <dgm:prSet presAssocID="{F65ADEF1-FC35-4370-8F71-EA091097B798}" presName="rootComposite" presStyleCnt="0"/>
+      <dgm:spPr/>
+    </dgm:pt>
+    <dgm:pt modelId="{DCF23598-64FE-4A10-8B3A-1750079647CB}" type="pres">
+      <dgm:prSet presAssocID="{F65ADEF1-FC35-4370-8F71-EA091097B798}" presName="rootText" presStyleLbl="node2" presStyleIdx="2" presStyleCnt="5">
+        <dgm:presLayoutVars>
+          <dgm:chPref val="3"/>
+        </dgm:presLayoutVars>
+      </dgm:prSet>
+      <dgm:spPr/>
+    </dgm:pt>
+    <dgm:pt modelId="{CC733652-D6C2-4329-B594-3A668BEE3EB4}" type="pres">
+      <dgm:prSet presAssocID="{F65ADEF1-FC35-4370-8F71-EA091097B798}" presName="rootConnector" presStyleLbl="node2" presStyleIdx="2" presStyleCnt="5"/>
+      <dgm:spPr/>
+    </dgm:pt>
+    <dgm:pt modelId="{218770EE-29B9-4835-BF51-A0EB47DF025B}" type="pres">
+      <dgm:prSet presAssocID="{F65ADEF1-FC35-4370-8F71-EA091097B798}" presName="hierChild4" presStyleCnt="0"/>
+      <dgm:spPr/>
+    </dgm:pt>
+    <dgm:pt modelId="{6F1E3662-2485-425E-BC50-BAEEC5AAB947}" type="pres">
+      <dgm:prSet presAssocID="{F65ADEF1-FC35-4370-8F71-EA091097B798}" presName="hierChild5" presStyleCnt="0"/>
+      <dgm:spPr/>
+    </dgm:pt>
+    <dgm:pt modelId="{06C2C11B-4F03-4646-B6ED-BA3BDC078447}" type="pres">
+      <dgm:prSet presAssocID="{7DD15CEE-FCC5-4C17-A079-306AEA1A51B7}" presName="Name37" presStyleLbl="parChTrans1D2" presStyleIdx="3" presStyleCnt="5"/>
+      <dgm:spPr/>
+    </dgm:pt>
+    <dgm:pt modelId="{EDA3D215-568C-4A6B-9CE0-60A60E198A59}" type="pres">
+      <dgm:prSet presAssocID="{61CFDD75-80EB-4E8F-8706-A5203EF86987}" presName="hierRoot2" presStyleCnt="0">
+        <dgm:presLayoutVars>
+          <dgm:hierBranch val="init"/>
+        </dgm:presLayoutVars>
+      </dgm:prSet>
+      <dgm:spPr/>
+    </dgm:pt>
+    <dgm:pt modelId="{7E73E7E7-83FF-4E21-9E9A-82D3C96C20C2}" type="pres">
+      <dgm:prSet presAssocID="{61CFDD75-80EB-4E8F-8706-A5203EF86987}" presName="rootComposite" presStyleCnt="0"/>
+      <dgm:spPr/>
+    </dgm:pt>
+    <dgm:pt modelId="{9F617B1F-C9B5-4B66-ABA6-15E441D359BE}" type="pres">
+      <dgm:prSet presAssocID="{61CFDD75-80EB-4E8F-8706-A5203EF86987}" presName="rootText" presStyleLbl="node2" presStyleIdx="3" presStyleCnt="5">
+        <dgm:presLayoutVars>
+          <dgm:chPref val="3"/>
+        </dgm:presLayoutVars>
+      </dgm:prSet>
+      <dgm:spPr/>
+    </dgm:pt>
+    <dgm:pt modelId="{4E4C8931-7A04-4547-A7EA-6C541F64BF17}" type="pres">
+      <dgm:prSet presAssocID="{61CFDD75-80EB-4E8F-8706-A5203EF86987}" presName="rootConnector" presStyleLbl="node2" presStyleIdx="3" presStyleCnt="5"/>
+      <dgm:spPr/>
+    </dgm:pt>
+    <dgm:pt modelId="{EF7118F3-828C-430E-83D2-404AE51F6136}" type="pres">
+      <dgm:prSet presAssocID="{61CFDD75-80EB-4E8F-8706-A5203EF86987}" presName="hierChild4" presStyleCnt="0"/>
+      <dgm:spPr/>
+    </dgm:pt>
+    <dgm:pt modelId="{9D57A854-11AE-4208-BE58-8B51F5673396}" type="pres">
+      <dgm:prSet presAssocID="{61CFDD75-80EB-4E8F-8706-A5203EF86987}" presName="hierChild5" presStyleCnt="0"/>
+      <dgm:spPr/>
+    </dgm:pt>
+    <dgm:pt modelId="{1D409641-323E-46E8-ADEC-469BA8EBB68F}" type="pres">
+      <dgm:prSet presAssocID="{0FEBE647-0943-4D8F-8510-13944CB06386}" presName="Name37" presStyleLbl="parChTrans1D2" presStyleIdx="4" presStyleCnt="5"/>
+      <dgm:spPr/>
+    </dgm:pt>
+    <dgm:pt modelId="{4CDA0A40-B4BF-4010-8370-E56ACE56E882}" type="pres">
+      <dgm:prSet presAssocID="{91CA7392-B411-45D2-8FB5-9846178379DF}" presName="hierRoot2" presStyleCnt="0">
+        <dgm:presLayoutVars>
+          <dgm:hierBranch val="init"/>
+        </dgm:presLayoutVars>
+      </dgm:prSet>
+      <dgm:spPr/>
+    </dgm:pt>
+    <dgm:pt modelId="{1F3B83FE-5AE1-4A89-818F-FB27192B5191}" type="pres">
+      <dgm:prSet presAssocID="{91CA7392-B411-45D2-8FB5-9846178379DF}" presName="rootComposite" presStyleCnt="0"/>
+      <dgm:spPr/>
+    </dgm:pt>
+    <dgm:pt modelId="{EC7235F9-516F-48A0-AFE0-7B857F299AB4}" type="pres">
+      <dgm:prSet presAssocID="{91CA7392-B411-45D2-8FB5-9846178379DF}" presName="rootText" presStyleLbl="node2" presStyleIdx="4" presStyleCnt="5">
+        <dgm:presLayoutVars>
+          <dgm:chPref val="3"/>
+        </dgm:presLayoutVars>
+      </dgm:prSet>
+      <dgm:spPr/>
+    </dgm:pt>
+    <dgm:pt modelId="{E6734783-5C8A-476B-8923-71A9824A1200}" type="pres">
+      <dgm:prSet presAssocID="{91CA7392-B411-45D2-8FB5-9846178379DF}" presName="rootConnector" presStyleLbl="node2" presStyleIdx="4" presStyleCnt="5"/>
+      <dgm:spPr/>
+    </dgm:pt>
+    <dgm:pt modelId="{F63EB9FF-C5AD-4B90-9FB7-1FEE98673766}" type="pres">
+      <dgm:prSet presAssocID="{91CA7392-B411-45D2-8FB5-9846178379DF}" presName="hierChild4" presStyleCnt="0"/>
+      <dgm:spPr/>
+    </dgm:pt>
+    <dgm:pt modelId="{711724C9-DBC0-4E65-9C55-BB837DC0D1C7}" type="pres">
+      <dgm:prSet presAssocID="{91CA7392-B411-45D2-8FB5-9846178379DF}" presName="hierChild5" presStyleCnt="0"/>
+      <dgm:spPr/>
+    </dgm:pt>
+    <dgm:pt modelId="{1ECEE650-3B43-4A20-AD18-D3EFA82BE258}" type="pres">
+      <dgm:prSet presAssocID="{64B6E92D-7914-4D38-B997-FF9AEA95CA3C}" presName="hierChild3" presStyleCnt="0"/>
+      <dgm:spPr/>
+    </dgm:pt>
+  </dgm:ptLst>
+  <dgm:cxnLst>
+    <dgm:cxn modelId="{35FE140A-9A99-462C-8A17-46933E6BD6FE}" type="presOf" srcId="{853452BB-8B2C-451B-877A-BEC35067313D}" destId="{FB73D3BF-797B-4F49-A0DF-E51FDC8551E9}" srcOrd="0" destOrd="0" presId="urn:microsoft.com/office/officeart/2005/8/layout/orgChart1"/>
+    <dgm:cxn modelId="{197F8F18-351B-4F79-97D8-2F84DE261011}" type="presOf" srcId="{A6F2723F-D707-4170-800E-C922F442595F}" destId="{A1422BED-C712-4276-934D-CB0F8F5DF1BA}" srcOrd="0" destOrd="0" presId="urn:microsoft.com/office/officeart/2005/8/layout/orgChart1"/>
+    <dgm:cxn modelId="{CB2F7021-A022-4009-9630-0D11DDE5990D}" type="presOf" srcId="{CB39A146-53FA-40F1-ADFE-5E15A05D6E34}" destId="{DD983FE6-9B0C-44F4-8AC5-C7B1175256C4}" srcOrd="0" destOrd="0" presId="urn:microsoft.com/office/officeart/2005/8/layout/orgChart1"/>
+    <dgm:cxn modelId="{FCB2B029-A254-4C22-96B7-674CBDAA172C}" srcId="{64B6E92D-7914-4D38-B997-FF9AEA95CA3C}" destId="{61CFDD75-80EB-4E8F-8706-A5203EF86987}" srcOrd="3" destOrd="0" parTransId="{7DD15CEE-FCC5-4C17-A079-306AEA1A51B7}" sibTransId="{458D3698-E9E7-4C53-86A5-DE28519F1C39}"/>
+    <dgm:cxn modelId="{09D5222A-AD98-40B0-B0F9-4929FD304DEB}" srcId="{64B6E92D-7914-4D38-B997-FF9AEA95CA3C}" destId="{F65ADEF1-FC35-4370-8F71-EA091097B798}" srcOrd="2" destOrd="0" parTransId="{7A934D0E-1F29-4192-8AF7-9206929E1C74}" sibTransId="{8AE2110B-B467-477F-A1F7-C0BB5C1A3299}"/>
+    <dgm:cxn modelId="{C6BBF12E-D585-4901-8C73-F6EAA5AC5E3D}" type="presOf" srcId="{7DD15CEE-FCC5-4C17-A079-306AEA1A51B7}" destId="{06C2C11B-4F03-4646-B6ED-BA3BDC078447}" srcOrd="0" destOrd="0" presId="urn:microsoft.com/office/officeart/2005/8/layout/orgChart1"/>
+    <dgm:cxn modelId="{80F00E3A-2DE1-4213-9511-CE4A08606337}" type="presOf" srcId="{E7B6DDF6-6C57-44C7-B9DE-ADC4779AD85D}" destId="{22D6D88C-CDA5-403B-9EDA-F55F2398112F}" srcOrd="1" destOrd="0" presId="urn:microsoft.com/office/officeart/2005/8/layout/orgChart1"/>
+    <dgm:cxn modelId="{7EC4223E-BA1D-445E-AAD8-AC8794935081}" type="presOf" srcId="{EC431BB0-F59C-4F38-B2BD-41D6EE423BDD}" destId="{AEEF2969-C3F4-4902-B683-BCBFBB8E8F63}" srcOrd="1" destOrd="0" presId="urn:microsoft.com/office/officeart/2005/8/layout/orgChart1"/>
+    <dgm:cxn modelId="{C79F293F-F283-4271-B0CB-65E672D12C24}" type="presOf" srcId="{FF39145A-9F71-44B7-B7AE-05B785563E97}" destId="{F2B8BD00-EA72-44F7-8532-5A17C0BF1DD9}" srcOrd="0" destOrd="0" presId="urn:microsoft.com/office/officeart/2005/8/layout/orgChart1"/>
+    <dgm:cxn modelId="{EE9BAB5B-E839-45D9-A935-16E85495B32D}" type="presOf" srcId="{64B6E92D-7914-4D38-B997-FF9AEA95CA3C}" destId="{1505DE8C-D92A-4BF4-8371-BA9F90DB4596}" srcOrd="0" destOrd="0" presId="urn:microsoft.com/office/officeart/2005/8/layout/orgChart1"/>
+    <dgm:cxn modelId="{C983C05E-2EDE-4F94-AD7D-B8AA0197D872}" type="presOf" srcId="{61CFDD75-80EB-4E8F-8706-A5203EF86987}" destId="{9F617B1F-C9B5-4B66-ABA6-15E441D359BE}" srcOrd="0" destOrd="0" presId="urn:microsoft.com/office/officeart/2005/8/layout/orgChart1"/>
+    <dgm:cxn modelId="{AD80A461-197B-4901-81CA-234ED83F800C}" type="presOf" srcId="{6E185969-62DC-48BA-8A70-4315885DBA91}" destId="{101B7EDE-D475-473D-B0FF-1B020248C47A}" srcOrd="0" destOrd="0" presId="urn:microsoft.com/office/officeart/2005/8/layout/orgChart1"/>
+    <dgm:cxn modelId="{956E5543-9E45-4E1D-9770-2FC887C104CA}" srcId="{64B6E92D-7914-4D38-B997-FF9AEA95CA3C}" destId="{91CA7392-B411-45D2-8FB5-9846178379DF}" srcOrd="4" destOrd="0" parTransId="{0FEBE647-0943-4D8F-8510-13944CB06386}" sibTransId="{F728C035-E912-48C5-9C92-10BAC76053EA}"/>
+    <dgm:cxn modelId="{02537845-2228-4022-9255-88A9AC8E9FAA}" type="presOf" srcId="{0FEBE647-0943-4D8F-8510-13944CB06386}" destId="{1D409641-323E-46E8-ADEC-469BA8EBB68F}" srcOrd="0" destOrd="0" presId="urn:microsoft.com/office/officeart/2005/8/layout/orgChart1"/>
+    <dgm:cxn modelId="{2F7A2F70-BB46-49F9-AA52-4B1F57F68377}" type="presOf" srcId="{91CA7392-B411-45D2-8FB5-9846178379DF}" destId="{E6734783-5C8A-476B-8923-71A9824A1200}" srcOrd="1" destOrd="0" presId="urn:microsoft.com/office/officeart/2005/8/layout/orgChart1"/>
+    <dgm:cxn modelId="{3E5CA081-6084-49AD-91CB-6B7AF9106060}" type="presOf" srcId="{A6F2723F-D707-4170-800E-C922F442595F}" destId="{74A0FB72-BA6B-4E46-9D3E-F9703C9ACFF9}" srcOrd="1" destOrd="0" presId="urn:microsoft.com/office/officeart/2005/8/layout/orgChart1"/>
+    <dgm:cxn modelId="{D9CB868B-D63F-4DD2-8BA7-C2F0D8403894}" type="presOf" srcId="{F65ADEF1-FC35-4370-8F71-EA091097B798}" destId="{CC733652-D6C2-4329-B594-3A668BEE3EB4}" srcOrd="1" destOrd="0" presId="urn:microsoft.com/office/officeart/2005/8/layout/orgChart1"/>
+    <dgm:cxn modelId="{4E47B991-51FD-4D8E-A8AA-D06ECECEBB6C}" type="presOf" srcId="{913ABC1B-FF6F-4225-BE65-C7A5D65B46A8}" destId="{0CCB75C3-E189-40F3-8BD1-1C9C5EA8EDD2}" srcOrd="1" destOrd="0" presId="urn:microsoft.com/office/officeart/2005/8/layout/orgChart1"/>
+    <dgm:cxn modelId="{B326DEA1-30F4-4060-A0E8-3F329358E246}" srcId="{64B6E92D-7914-4D38-B997-FF9AEA95CA3C}" destId="{A6F2723F-D707-4170-800E-C922F442595F}" srcOrd="0" destOrd="0" parTransId="{FF39145A-9F71-44B7-B7AE-05B785563E97}" sibTransId="{CB71B92C-ADE0-447D-A705-3543673334B2}"/>
+    <dgm:cxn modelId="{25AA79A8-07A7-41F6-9547-5E259705C93B}" type="presOf" srcId="{EC431BB0-F59C-4F38-B2BD-41D6EE423BDD}" destId="{EE5E5EEA-C1C5-4366-9062-B83ACF6BD798}" srcOrd="0" destOrd="0" presId="urn:microsoft.com/office/officeart/2005/8/layout/orgChart1"/>
+    <dgm:cxn modelId="{332604AD-C09C-4831-852B-78BD61E14174}" type="presOf" srcId="{F65ADEF1-FC35-4370-8F71-EA091097B798}" destId="{DCF23598-64FE-4A10-8B3A-1750079647CB}" srcOrd="0" destOrd="0" presId="urn:microsoft.com/office/officeart/2005/8/layout/orgChart1"/>
+    <dgm:cxn modelId="{6D637DAF-E7D4-4E95-B8B3-F263E9B7FD8F}" type="presOf" srcId="{394B3C61-7AD9-48B5-AA45-4EDECFE53FB1}" destId="{861FC5F8-8D36-4DFE-97B1-9BE103310832}" srcOrd="0" destOrd="0" presId="urn:microsoft.com/office/officeart/2005/8/layout/orgChart1"/>
+    <dgm:cxn modelId="{5D828CB1-7EF7-48A0-8F95-BE3B7E6C7184}" srcId="{64B6E92D-7914-4D38-B997-FF9AEA95CA3C}" destId="{913ABC1B-FF6F-4225-BE65-C7A5D65B46A8}" srcOrd="1" destOrd="0" parTransId="{394B3C61-7AD9-48B5-AA45-4EDECFE53FB1}" sibTransId="{08B4ED60-7919-4A02-8C0B-EBC23EFE2294}"/>
+    <dgm:cxn modelId="{87DD8CB8-2593-4571-8632-00BD3DC7ACF2}" type="presOf" srcId="{61CFDD75-80EB-4E8F-8706-A5203EF86987}" destId="{4E4C8931-7A04-4547-A7EA-6C541F64BF17}" srcOrd="1" destOrd="0" presId="urn:microsoft.com/office/officeart/2005/8/layout/orgChart1"/>
+    <dgm:cxn modelId="{EA9F51BA-65B4-41FB-A7F3-2127FF75CF24}" type="presOf" srcId="{91CA7392-B411-45D2-8FB5-9846178379DF}" destId="{EC7235F9-516F-48A0-AFE0-7B857F299AB4}" srcOrd="0" destOrd="0" presId="urn:microsoft.com/office/officeart/2005/8/layout/orgChart1"/>
+    <dgm:cxn modelId="{299AFDC5-54FF-41C8-A461-69905969330D}" type="presOf" srcId="{913ABC1B-FF6F-4225-BE65-C7A5D65B46A8}" destId="{2ECC6E89-5E3D-496E-9416-A59A9ECA08B3}" srcOrd="0" destOrd="0" presId="urn:microsoft.com/office/officeart/2005/8/layout/orgChart1"/>
+    <dgm:cxn modelId="{FCEA3FCA-C4FB-4BDA-B2C9-8D3676DDF1D6}" type="presOf" srcId="{7A934D0E-1F29-4192-8AF7-9206929E1C74}" destId="{9BA6CE8A-C258-47EA-945B-390A5DB86378}" srcOrd="0" destOrd="0" presId="urn:microsoft.com/office/officeart/2005/8/layout/orgChart1"/>
+    <dgm:cxn modelId="{8D336EE1-2775-4D9A-B03B-05CF09C2D569}" srcId="{CB39A146-53FA-40F1-ADFE-5E15A05D6E34}" destId="{64B6E92D-7914-4D38-B997-FF9AEA95CA3C}" srcOrd="0" destOrd="0" parTransId="{3351BA1B-EA9E-43CC-A74F-1D1869498896}" sibTransId="{E74260B3-7603-4DE2-82D9-7130BC38FEDB}"/>
+    <dgm:cxn modelId="{01AAC3F1-6B02-4C2D-9B8A-796CF9B5D528}" srcId="{A6F2723F-D707-4170-800E-C922F442595F}" destId="{E7B6DDF6-6C57-44C7-B9DE-ADC4779AD85D}" srcOrd="0" destOrd="0" parTransId="{6E185969-62DC-48BA-8A70-4315885DBA91}" sibTransId="{0BE34397-C45A-4BAC-9499-FE90EB804D15}"/>
+    <dgm:cxn modelId="{B6072DF3-ED35-4AEA-AD08-CC08699156E4}" type="presOf" srcId="{64B6E92D-7914-4D38-B997-FF9AEA95CA3C}" destId="{C3B3F988-7859-427D-8030-C8D8D2E65F71}" srcOrd="1" destOrd="0" presId="urn:microsoft.com/office/officeart/2005/8/layout/orgChart1"/>
+    <dgm:cxn modelId="{5A9396FA-D4DD-4B48-B490-8117BA3FF8A0}" type="presOf" srcId="{E7B6DDF6-6C57-44C7-B9DE-ADC4779AD85D}" destId="{CB2E10ED-74A8-46A3-AC0D-7854C3C98AA4}" srcOrd="0" destOrd="0" presId="urn:microsoft.com/office/officeart/2005/8/layout/orgChart1"/>
+    <dgm:cxn modelId="{703777FB-9731-400E-A1D0-1BEB84C07425}" srcId="{913ABC1B-FF6F-4225-BE65-C7A5D65B46A8}" destId="{EC431BB0-F59C-4F38-B2BD-41D6EE423BDD}" srcOrd="0" destOrd="0" parTransId="{853452BB-8B2C-451B-877A-BEC35067313D}" sibTransId="{5E58B792-8546-4DDF-A7D9-F4778B60423F}"/>
+    <dgm:cxn modelId="{42F63963-6BA3-496C-9006-5295F75E0CB2}" type="presParOf" srcId="{DD983FE6-9B0C-44F4-8AC5-C7B1175256C4}" destId="{DB32C0EC-E71A-4FD9-B43A-987194F0DF0C}" srcOrd="0" destOrd="0" presId="urn:microsoft.com/office/officeart/2005/8/layout/orgChart1"/>
+    <dgm:cxn modelId="{DD1C215C-22C4-4DB8-B88A-32EE72502172}" type="presParOf" srcId="{DB32C0EC-E71A-4FD9-B43A-987194F0DF0C}" destId="{5EEC84AE-63F6-47A3-9581-A067F48EF1E4}" srcOrd="0" destOrd="0" presId="urn:microsoft.com/office/officeart/2005/8/layout/orgChart1"/>
+    <dgm:cxn modelId="{B24AAE6B-11E9-4F88-A891-7CB8EE22146C}" type="presParOf" srcId="{5EEC84AE-63F6-47A3-9581-A067F48EF1E4}" destId="{1505DE8C-D92A-4BF4-8371-BA9F90DB4596}" srcOrd="0" destOrd="0" presId="urn:microsoft.com/office/officeart/2005/8/layout/orgChart1"/>
+    <dgm:cxn modelId="{1FCD1221-5170-4AB8-831C-3002FDA239AE}" type="presParOf" srcId="{5EEC84AE-63F6-47A3-9581-A067F48EF1E4}" destId="{C3B3F988-7859-427D-8030-C8D8D2E65F71}" srcOrd="1" destOrd="0" presId="urn:microsoft.com/office/officeart/2005/8/layout/orgChart1"/>
+    <dgm:cxn modelId="{3C877955-2CF1-4B7D-9166-4FF84CFF9178}" type="presParOf" srcId="{DB32C0EC-E71A-4FD9-B43A-987194F0DF0C}" destId="{07B86244-6EBE-47AE-89DF-E8CE47440A20}" srcOrd="1" destOrd="0" presId="urn:microsoft.com/office/officeart/2005/8/layout/orgChart1"/>
+    <dgm:cxn modelId="{3B598129-EEDC-4396-A30C-18662D2D4312}" type="presParOf" srcId="{07B86244-6EBE-47AE-89DF-E8CE47440A20}" destId="{F2B8BD00-EA72-44F7-8532-5A17C0BF1DD9}" srcOrd="0" destOrd="0" presId="urn:microsoft.com/office/officeart/2005/8/layout/orgChart1"/>
+    <dgm:cxn modelId="{803A58EB-BCC9-4177-BB2D-BBC21234850A}" type="presParOf" srcId="{07B86244-6EBE-47AE-89DF-E8CE47440A20}" destId="{B8EA2218-A4E9-446B-833B-9188D0EC90C8}" srcOrd="1" destOrd="0" presId="urn:microsoft.com/office/officeart/2005/8/layout/orgChart1"/>
+    <dgm:cxn modelId="{DB65C739-5204-4E81-B649-C05BFC79A335}" type="presParOf" srcId="{B8EA2218-A4E9-446B-833B-9188D0EC90C8}" destId="{D9B5AD5B-0B1E-4D35-96B1-4C439E9F8D4E}" srcOrd="0" destOrd="0" presId="urn:microsoft.com/office/officeart/2005/8/layout/orgChart1"/>
+    <dgm:cxn modelId="{BDB82719-3877-47B0-9E98-5A6840431C41}" type="presParOf" srcId="{D9B5AD5B-0B1E-4D35-96B1-4C439E9F8D4E}" destId="{A1422BED-C712-4276-934D-CB0F8F5DF1BA}" srcOrd="0" destOrd="0" presId="urn:microsoft.com/office/officeart/2005/8/layout/orgChart1"/>
+    <dgm:cxn modelId="{F8DE4AD5-E803-42BE-80CE-789B06C27131}" type="presParOf" srcId="{D9B5AD5B-0B1E-4D35-96B1-4C439E9F8D4E}" destId="{74A0FB72-BA6B-4E46-9D3E-F9703C9ACFF9}" srcOrd="1" destOrd="0" presId="urn:microsoft.com/office/officeart/2005/8/layout/orgChart1"/>
+    <dgm:cxn modelId="{8FD7F162-8B27-41DF-8F8F-7370912042AC}" type="presParOf" srcId="{B8EA2218-A4E9-446B-833B-9188D0EC90C8}" destId="{38C49FE3-3DA1-4B9A-8CDC-1007B352E5DD}" srcOrd="1" destOrd="0" presId="urn:microsoft.com/office/officeart/2005/8/layout/orgChart1"/>
+    <dgm:cxn modelId="{2D07E555-DA22-441B-BA8F-42730F951FA0}" type="presParOf" srcId="{38C49FE3-3DA1-4B9A-8CDC-1007B352E5DD}" destId="{101B7EDE-D475-473D-B0FF-1B020248C47A}" srcOrd="0" destOrd="0" presId="urn:microsoft.com/office/officeart/2005/8/layout/orgChart1"/>
+    <dgm:cxn modelId="{5CB6EAD2-A0C2-4915-9869-4046BD6C756A}" type="presParOf" srcId="{38C49FE3-3DA1-4B9A-8CDC-1007B352E5DD}" destId="{85487DCB-F553-4F90-B0C0-CCA98075C672}" srcOrd="1" destOrd="0" presId="urn:microsoft.com/office/officeart/2005/8/layout/orgChart1"/>
+    <dgm:cxn modelId="{B6D1ED75-ADC5-415F-8FBC-09C8153BD751}" type="presParOf" srcId="{85487DCB-F553-4F90-B0C0-CCA98075C672}" destId="{551BD6A1-007B-4E18-A4AA-368C184888C6}" srcOrd="0" destOrd="0" presId="urn:microsoft.com/office/officeart/2005/8/layout/orgChart1"/>
+    <dgm:cxn modelId="{486DAD3A-934D-46DA-B025-8D78A489E1EF}" type="presParOf" srcId="{551BD6A1-007B-4E18-A4AA-368C184888C6}" destId="{CB2E10ED-74A8-46A3-AC0D-7854C3C98AA4}" srcOrd="0" destOrd="0" presId="urn:microsoft.com/office/officeart/2005/8/layout/orgChart1"/>
+    <dgm:cxn modelId="{5BA86CFD-7E3B-4488-8203-280B66657A7C}" type="presParOf" srcId="{551BD6A1-007B-4E18-A4AA-368C184888C6}" destId="{22D6D88C-CDA5-403B-9EDA-F55F2398112F}" srcOrd="1" destOrd="0" presId="urn:microsoft.com/office/officeart/2005/8/layout/orgChart1"/>
+    <dgm:cxn modelId="{AECE9A14-5E49-4296-B5E7-F2EFBDCBD06C}" type="presParOf" srcId="{85487DCB-F553-4F90-B0C0-CCA98075C672}" destId="{BEC640AE-3742-4F7C-A355-61377DBD236B}" srcOrd="1" destOrd="0" presId="urn:microsoft.com/office/officeart/2005/8/layout/orgChart1"/>
+    <dgm:cxn modelId="{E641A45A-DFCA-4A32-ACDD-B5985E28203E}" type="presParOf" srcId="{85487DCB-F553-4F90-B0C0-CCA98075C672}" destId="{445CE4D7-F695-4C63-9C3B-2BDB3C186B66}" srcOrd="2" destOrd="0" presId="urn:microsoft.com/office/officeart/2005/8/layout/orgChart1"/>
+    <dgm:cxn modelId="{7B2DF474-C700-49F2-993C-4533D008376C}" type="presParOf" srcId="{B8EA2218-A4E9-446B-833B-9188D0EC90C8}" destId="{F2FCE5E6-7488-4B42-8A3D-6C23073F1387}" srcOrd="2" destOrd="0" presId="urn:microsoft.com/office/officeart/2005/8/layout/orgChart1"/>
+    <dgm:cxn modelId="{C09CABD8-5518-4F5E-920F-B9E17C51D6EA}" type="presParOf" srcId="{07B86244-6EBE-47AE-89DF-E8CE47440A20}" destId="{861FC5F8-8D36-4DFE-97B1-9BE103310832}" srcOrd="2" destOrd="0" presId="urn:microsoft.com/office/officeart/2005/8/layout/orgChart1"/>
+    <dgm:cxn modelId="{3A3A57BD-DFA0-417F-9E06-47F177DE99F2}" type="presParOf" srcId="{07B86244-6EBE-47AE-89DF-E8CE47440A20}" destId="{FC480265-AFD4-4AFF-AAFA-9A56AA870ABC}" srcOrd="3" destOrd="0" presId="urn:microsoft.com/office/officeart/2005/8/layout/orgChart1"/>
+    <dgm:cxn modelId="{8E09C492-0F23-4054-B601-8D6647D5AF5A}" type="presParOf" srcId="{FC480265-AFD4-4AFF-AAFA-9A56AA870ABC}" destId="{96922B17-3372-4B9E-8789-3B9966FC0F3A}" srcOrd="0" destOrd="0" presId="urn:microsoft.com/office/officeart/2005/8/layout/orgChart1"/>
+    <dgm:cxn modelId="{8D03E9A2-97B7-4FBC-A90E-5D6F23A67828}" type="presParOf" srcId="{96922B17-3372-4B9E-8789-3B9966FC0F3A}" destId="{2ECC6E89-5E3D-496E-9416-A59A9ECA08B3}" srcOrd="0" destOrd="0" presId="urn:microsoft.com/office/officeart/2005/8/layout/orgChart1"/>
+    <dgm:cxn modelId="{F1C227DF-8041-4B4D-8B72-EF19F3F1E22B}" type="presParOf" srcId="{96922B17-3372-4B9E-8789-3B9966FC0F3A}" destId="{0CCB75C3-E189-40F3-8BD1-1C9C5EA8EDD2}" srcOrd="1" destOrd="0" presId="urn:microsoft.com/office/officeart/2005/8/layout/orgChart1"/>
+    <dgm:cxn modelId="{831991D9-9B16-48B4-A72A-4FDC0863DEE8}" type="presParOf" srcId="{FC480265-AFD4-4AFF-AAFA-9A56AA870ABC}" destId="{9061EDCF-D0A2-464C-954B-08D03D8CBD4F}" srcOrd="1" destOrd="0" presId="urn:microsoft.com/office/officeart/2005/8/layout/orgChart1"/>
+    <dgm:cxn modelId="{B28FF2E3-5179-4C46-967A-B3BE0C92DAC2}" type="presParOf" srcId="{9061EDCF-D0A2-464C-954B-08D03D8CBD4F}" destId="{FB73D3BF-797B-4F49-A0DF-E51FDC8551E9}" srcOrd="0" destOrd="0" presId="urn:microsoft.com/office/officeart/2005/8/layout/orgChart1"/>
+    <dgm:cxn modelId="{8BE20DB6-0471-417D-A6D1-8223839FD52C}" type="presParOf" srcId="{9061EDCF-D0A2-464C-954B-08D03D8CBD4F}" destId="{D1FA3DE1-2835-4E65-976E-BED5D45FAFA0}" srcOrd="1" destOrd="0" presId="urn:microsoft.com/office/officeart/2005/8/layout/orgChart1"/>
+    <dgm:cxn modelId="{FD481867-3D86-4180-A946-9081AE7DE8F4}" type="presParOf" srcId="{D1FA3DE1-2835-4E65-976E-BED5D45FAFA0}" destId="{17416549-1F7B-45A1-BEDB-EDC4890532EF}" srcOrd="0" destOrd="0" presId="urn:microsoft.com/office/officeart/2005/8/layout/orgChart1"/>
+    <dgm:cxn modelId="{0AFB37F9-DEBE-4189-8457-B0E54BF286E5}" type="presParOf" srcId="{17416549-1F7B-45A1-BEDB-EDC4890532EF}" destId="{EE5E5EEA-C1C5-4366-9062-B83ACF6BD798}" srcOrd="0" destOrd="0" presId="urn:microsoft.com/office/officeart/2005/8/layout/orgChart1"/>
+    <dgm:cxn modelId="{0D99CA75-3781-41B6-A3DE-80E145F18BBE}" type="presParOf" srcId="{17416549-1F7B-45A1-BEDB-EDC4890532EF}" destId="{AEEF2969-C3F4-4902-B683-BCBFBB8E8F63}" srcOrd="1" destOrd="0" presId="urn:microsoft.com/office/officeart/2005/8/layout/orgChart1"/>
+    <dgm:cxn modelId="{3B4C2345-8434-480E-AEE1-9604CB081348}" type="presParOf" srcId="{D1FA3DE1-2835-4E65-976E-BED5D45FAFA0}" destId="{B7DD0ABC-363F-4F1A-9964-CCA5AB16C589}" srcOrd="1" destOrd="0" presId="urn:microsoft.com/office/officeart/2005/8/layout/orgChart1"/>
+    <dgm:cxn modelId="{7525A6AA-D0A8-470F-930A-067B28F023E6}" type="presParOf" srcId="{D1FA3DE1-2835-4E65-976E-BED5D45FAFA0}" destId="{C6107CE1-58E1-4EDA-8FB0-A5484CE9BABE}" srcOrd="2" destOrd="0" presId="urn:microsoft.com/office/officeart/2005/8/layout/orgChart1"/>
+    <dgm:cxn modelId="{272CF817-EDFD-4EF9-B900-73DF4CFFB88D}" type="presParOf" srcId="{FC480265-AFD4-4AFF-AAFA-9A56AA870ABC}" destId="{F297E44D-5073-48B2-836C-9D5F6BA63CD4}" srcOrd="2" destOrd="0" presId="urn:microsoft.com/office/officeart/2005/8/layout/orgChart1"/>
+    <dgm:cxn modelId="{33B43A2E-9A08-4F19-8009-EA32DDB82702}" type="presParOf" srcId="{07B86244-6EBE-47AE-89DF-E8CE47440A20}" destId="{9BA6CE8A-C258-47EA-945B-390A5DB86378}" srcOrd="4" destOrd="0" presId="urn:microsoft.com/office/officeart/2005/8/layout/orgChart1"/>
+    <dgm:cxn modelId="{D56885AA-2F6E-4EB6-910A-BFE53062283C}" type="presParOf" srcId="{07B86244-6EBE-47AE-89DF-E8CE47440A20}" destId="{D5CF1E45-0E90-4155-B10C-15C85FB5B551}" srcOrd="5" destOrd="0" presId="urn:microsoft.com/office/officeart/2005/8/layout/orgChart1"/>
+    <dgm:cxn modelId="{6460BE53-84FB-469F-83D1-C4589EC160B3}" type="presParOf" srcId="{D5CF1E45-0E90-4155-B10C-15C85FB5B551}" destId="{A5516424-8CC3-4479-8D88-9A8792FD0C8A}" srcOrd="0" destOrd="0" presId="urn:microsoft.com/office/officeart/2005/8/layout/orgChart1"/>
+    <dgm:cxn modelId="{5147919B-1160-4FA1-AC36-EB4A2FA20701}" type="presParOf" srcId="{A5516424-8CC3-4479-8D88-9A8792FD0C8A}" destId="{DCF23598-64FE-4A10-8B3A-1750079647CB}" srcOrd="0" destOrd="0" presId="urn:microsoft.com/office/officeart/2005/8/layout/orgChart1"/>
+    <dgm:cxn modelId="{1869ACEF-F0C9-4E94-86DA-375DF7C6AE12}" type="presParOf" srcId="{A5516424-8CC3-4479-8D88-9A8792FD0C8A}" destId="{CC733652-D6C2-4329-B594-3A668BEE3EB4}" srcOrd="1" destOrd="0" presId="urn:microsoft.com/office/officeart/2005/8/layout/orgChart1"/>
+    <dgm:cxn modelId="{DD7A18A8-1ADB-4711-B28B-3E04BD00455F}" type="presParOf" srcId="{D5CF1E45-0E90-4155-B10C-15C85FB5B551}" destId="{218770EE-29B9-4835-BF51-A0EB47DF025B}" srcOrd="1" destOrd="0" presId="urn:microsoft.com/office/officeart/2005/8/layout/orgChart1"/>
+    <dgm:cxn modelId="{A6AD3F76-125C-4449-9B55-8503759AB4C1}" type="presParOf" srcId="{D5CF1E45-0E90-4155-B10C-15C85FB5B551}" destId="{6F1E3662-2485-425E-BC50-BAEEC5AAB947}" srcOrd="2" destOrd="0" presId="urn:microsoft.com/office/officeart/2005/8/layout/orgChart1"/>
+    <dgm:cxn modelId="{809B60E7-EC3D-4CA6-B775-3E782C04B1CE}" type="presParOf" srcId="{07B86244-6EBE-47AE-89DF-E8CE47440A20}" destId="{06C2C11B-4F03-4646-B6ED-BA3BDC078447}" srcOrd="6" destOrd="0" presId="urn:microsoft.com/office/officeart/2005/8/layout/orgChart1"/>
+    <dgm:cxn modelId="{84B40E0B-FA05-4411-956E-1E2810FDAA84}" type="presParOf" srcId="{07B86244-6EBE-47AE-89DF-E8CE47440A20}" destId="{EDA3D215-568C-4A6B-9CE0-60A60E198A59}" srcOrd="7" destOrd="0" presId="urn:microsoft.com/office/officeart/2005/8/layout/orgChart1"/>
+    <dgm:cxn modelId="{87AAC73B-137C-45C8-AF07-4942BAC1AE72}" type="presParOf" srcId="{EDA3D215-568C-4A6B-9CE0-60A60E198A59}" destId="{7E73E7E7-83FF-4E21-9E9A-82D3C96C20C2}" srcOrd="0" destOrd="0" presId="urn:microsoft.com/office/officeart/2005/8/layout/orgChart1"/>
+    <dgm:cxn modelId="{9C7C85C9-30F1-42F2-B86E-163A7618E2FD}" type="presParOf" srcId="{7E73E7E7-83FF-4E21-9E9A-82D3C96C20C2}" destId="{9F617B1F-C9B5-4B66-ABA6-15E441D359BE}" srcOrd="0" destOrd="0" presId="urn:microsoft.com/office/officeart/2005/8/layout/orgChart1"/>
+    <dgm:cxn modelId="{B4BE79FD-4E68-4B22-B9B5-F685D6E8F459}" type="presParOf" srcId="{7E73E7E7-83FF-4E21-9E9A-82D3C96C20C2}" destId="{4E4C8931-7A04-4547-A7EA-6C541F64BF17}" srcOrd="1" destOrd="0" presId="urn:microsoft.com/office/officeart/2005/8/layout/orgChart1"/>
+    <dgm:cxn modelId="{2229F79F-95CA-41E7-8549-7BA1EEE6679F}" type="presParOf" srcId="{EDA3D215-568C-4A6B-9CE0-60A60E198A59}" destId="{EF7118F3-828C-430E-83D2-404AE51F6136}" srcOrd="1" destOrd="0" presId="urn:microsoft.com/office/officeart/2005/8/layout/orgChart1"/>
+    <dgm:cxn modelId="{94C3040F-6D10-44BB-A3D7-0C6142667150}" type="presParOf" srcId="{EDA3D215-568C-4A6B-9CE0-60A60E198A59}" destId="{9D57A854-11AE-4208-BE58-8B51F5673396}" srcOrd="2" destOrd="0" presId="urn:microsoft.com/office/officeart/2005/8/layout/orgChart1"/>
+    <dgm:cxn modelId="{D7C5F0AD-12BE-447D-A4CF-EDB670E97618}" type="presParOf" srcId="{07B86244-6EBE-47AE-89DF-E8CE47440A20}" destId="{1D409641-323E-46E8-ADEC-469BA8EBB68F}" srcOrd="8" destOrd="0" presId="urn:microsoft.com/office/officeart/2005/8/layout/orgChart1"/>
+    <dgm:cxn modelId="{67EF170E-B6EA-401F-8782-818351D03F67}" type="presParOf" srcId="{07B86244-6EBE-47AE-89DF-E8CE47440A20}" destId="{4CDA0A40-B4BF-4010-8370-E56ACE56E882}" srcOrd="9" destOrd="0" presId="urn:microsoft.com/office/officeart/2005/8/layout/orgChart1"/>
+    <dgm:cxn modelId="{E92B7D1D-6749-424B-B26A-20C24599F761}" type="presParOf" srcId="{4CDA0A40-B4BF-4010-8370-E56ACE56E882}" destId="{1F3B83FE-5AE1-4A89-818F-FB27192B5191}" srcOrd="0" destOrd="0" presId="urn:microsoft.com/office/officeart/2005/8/layout/orgChart1"/>
+    <dgm:cxn modelId="{D34AE33A-DA24-4A21-A8B0-C1534D88F459}" type="presParOf" srcId="{1F3B83FE-5AE1-4A89-818F-FB27192B5191}" destId="{EC7235F9-516F-48A0-AFE0-7B857F299AB4}" srcOrd="0" destOrd="0" presId="urn:microsoft.com/office/officeart/2005/8/layout/orgChart1"/>
+    <dgm:cxn modelId="{D9772A56-1902-4854-BD5F-BBB5539A9F6A}" type="presParOf" srcId="{1F3B83FE-5AE1-4A89-818F-FB27192B5191}" destId="{E6734783-5C8A-476B-8923-71A9824A1200}" srcOrd="1" destOrd="0" presId="urn:microsoft.com/office/officeart/2005/8/layout/orgChart1"/>
+    <dgm:cxn modelId="{25A6A1A4-0B29-4DC7-9C42-A5E27F1F26D2}" type="presParOf" srcId="{4CDA0A40-B4BF-4010-8370-E56ACE56E882}" destId="{F63EB9FF-C5AD-4B90-9FB7-1FEE98673766}" srcOrd="1" destOrd="0" presId="urn:microsoft.com/office/officeart/2005/8/layout/orgChart1"/>
+    <dgm:cxn modelId="{0A6C4249-6BD9-4A14-A348-A92223C5A989}" type="presParOf" srcId="{4CDA0A40-B4BF-4010-8370-E56ACE56E882}" destId="{711724C9-DBC0-4E65-9C55-BB837DC0D1C7}" srcOrd="2" destOrd="0" presId="urn:microsoft.com/office/officeart/2005/8/layout/orgChart1"/>
+    <dgm:cxn modelId="{B1CC1C0B-7074-491E-8717-BBA6FE8B8FB8}" type="presParOf" srcId="{DB32C0EC-E71A-4FD9-B43A-987194F0DF0C}" destId="{1ECEE650-3B43-4A20-AD18-D3EFA82BE258}" srcOrd="2" destOrd="0" presId="urn:microsoft.com/office/officeart/2005/8/layout/orgChart1"/>
+  </dgm:cxnLst>
+  <dgm:bg/>
+  <dgm:whole/>
+  <dgm:extLst>
+    <a:ext uri="http://schemas.microsoft.com/office/drawing/2008/diagram">
+      <dsp:dataModelExt xmlns:dsp="http://schemas.microsoft.com/office/drawing/2008/diagram" relId="rId6" minVer="http://schemas.openxmlformats.org/drawingml/2006/diagram"/>
+    </a:ext>
+  </dgm:extLst>
+</dgm:dataModel>
+</file>
+
+<file path=ppt/diagrams/drawing1.xml><?xml version="1.0" encoding="utf-8"?>
+<dsp:drawing xmlns:dgm="http://schemas.openxmlformats.org/drawingml/2006/diagram" xmlns:dsp="http://schemas.microsoft.com/office/drawing/2008/diagram" xmlns:a="http://schemas.openxmlformats.org/drawingml/2006/main">
+  <dsp:spTree>
+    <dsp:nvGrpSpPr>
+      <dsp:cNvPr id="0" name=""/>
+      <dsp:cNvGrpSpPr/>
+    </dsp:nvGrpSpPr>
+    <dsp:grpSpPr/>
+    <dsp:sp modelId="{1D409641-323E-46E8-ADEC-469BA8EBB68F}">
+      <dsp:nvSpPr>
+        <dsp:cNvPr id="0" name=""/>
+        <dsp:cNvSpPr/>
+      </dsp:nvSpPr>
+      <dsp:spPr>
+        <a:xfrm>
+          <a:off x="2825750" y="1067811"/>
+          <a:ext cx="2341488" cy="203187"/>
+        </a:xfrm>
+        <a:custGeom>
+          <a:avLst/>
+          <a:gdLst/>
+          <a:ahLst/>
+          <a:cxnLst/>
+          <a:rect l="0" t="0" r="0" b="0"/>
+          <a:pathLst>
+            <a:path>
+              <a:moveTo>
+                <a:pt x="0" y="0"/>
+              </a:moveTo>
+              <a:lnTo>
+                <a:pt x="0" y="101593"/>
+              </a:lnTo>
+              <a:lnTo>
+                <a:pt x="2341488" y="101593"/>
+              </a:lnTo>
+              <a:lnTo>
+                <a:pt x="2341488" y="203187"/>
+              </a:lnTo>
+            </a:path>
+          </a:pathLst>
+        </a:custGeom>
+        <a:noFill/>
+        <a:ln w="12700" cap="flat" cmpd="sng" algn="ctr">
+          <a:solidFill>
+            <a:schemeClr val="accent1">
+              <a:shade val="60000"/>
+              <a:hueOff val="0"/>
+              <a:satOff val="0"/>
+              <a:lumOff val="0"/>
+              <a:alphaOff val="0"/>
+            </a:schemeClr>
+          </a:solidFill>
+          <a:prstDash val="solid"/>
+          <a:miter lim="800000"/>
+        </a:ln>
+        <a:effectLst/>
+      </dsp:spPr>
+      <dsp:style>
+        <a:lnRef idx="2">
+          <a:scrgbClr r="0" g="0" b="0"/>
+        </a:lnRef>
+        <a:fillRef idx="0">
+          <a:scrgbClr r="0" g="0" b="0"/>
+        </a:fillRef>
+        <a:effectRef idx="0">
+          <a:scrgbClr r="0" g="0" b="0"/>
+        </a:effectRef>
+        <a:fontRef idx="minor"/>
+      </dsp:style>
+    </dsp:sp>
+    <dsp:sp modelId="{06C2C11B-4F03-4646-B6ED-BA3BDC078447}">
+      <dsp:nvSpPr>
+        <dsp:cNvPr id="0" name=""/>
+        <dsp:cNvSpPr/>
+      </dsp:nvSpPr>
+      <dsp:spPr>
+        <a:xfrm>
+          <a:off x="2825750" y="1067811"/>
+          <a:ext cx="1170744" cy="203187"/>
+        </a:xfrm>
+        <a:custGeom>
+          <a:avLst/>
+          <a:gdLst/>
+          <a:ahLst/>
+          <a:cxnLst/>
+          <a:rect l="0" t="0" r="0" b="0"/>
+          <a:pathLst>
+            <a:path>
+              <a:moveTo>
+                <a:pt x="0" y="0"/>
+              </a:moveTo>
+              <a:lnTo>
+                <a:pt x="0" y="101593"/>
+              </a:lnTo>
+              <a:lnTo>
+                <a:pt x="1170744" y="101593"/>
+              </a:lnTo>
+              <a:lnTo>
+                <a:pt x="1170744" y="203187"/>
+              </a:lnTo>
+            </a:path>
+          </a:pathLst>
+        </a:custGeom>
+        <a:noFill/>
+        <a:ln w="12700" cap="flat" cmpd="sng" algn="ctr">
+          <a:solidFill>
+            <a:schemeClr val="accent1">
+              <a:shade val="60000"/>
+              <a:hueOff val="0"/>
+              <a:satOff val="0"/>
+              <a:lumOff val="0"/>
+              <a:alphaOff val="0"/>
+            </a:schemeClr>
+          </a:solidFill>
+          <a:prstDash val="solid"/>
+          <a:miter lim="800000"/>
+        </a:ln>
+        <a:effectLst/>
+      </dsp:spPr>
+      <dsp:style>
+        <a:lnRef idx="2">
+          <a:scrgbClr r="0" g="0" b="0"/>
+        </a:lnRef>
+        <a:fillRef idx="0">
+          <a:scrgbClr r="0" g="0" b="0"/>
+        </a:fillRef>
+        <a:effectRef idx="0">
+          <a:scrgbClr r="0" g="0" b="0"/>
+        </a:effectRef>
+        <a:fontRef idx="minor"/>
+      </dsp:style>
+    </dsp:sp>
+    <dsp:sp modelId="{9BA6CE8A-C258-47EA-945B-390A5DB86378}">
+      <dsp:nvSpPr>
+        <dsp:cNvPr id="0" name=""/>
+        <dsp:cNvSpPr/>
+      </dsp:nvSpPr>
+      <dsp:spPr>
+        <a:xfrm>
+          <a:off x="2780030" y="1067811"/>
+          <a:ext cx="91440" cy="203187"/>
+        </a:xfrm>
+        <a:custGeom>
+          <a:avLst/>
+          <a:gdLst/>
+          <a:ahLst/>
+          <a:cxnLst/>
+          <a:rect l="0" t="0" r="0" b="0"/>
+          <a:pathLst>
+            <a:path>
+              <a:moveTo>
+                <a:pt x="45720" y="0"/>
+              </a:moveTo>
+              <a:lnTo>
+                <a:pt x="45720" y="203187"/>
+              </a:lnTo>
+            </a:path>
+          </a:pathLst>
+        </a:custGeom>
+        <a:noFill/>
+        <a:ln w="12700" cap="flat" cmpd="sng" algn="ctr">
+          <a:solidFill>
+            <a:schemeClr val="accent1">
+              <a:shade val="60000"/>
+              <a:hueOff val="0"/>
+              <a:satOff val="0"/>
+              <a:lumOff val="0"/>
+              <a:alphaOff val="0"/>
+            </a:schemeClr>
+          </a:solidFill>
+          <a:prstDash val="solid"/>
+          <a:miter lim="800000"/>
+        </a:ln>
+        <a:effectLst/>
+      </dsp:spPr>
+      <dsp:style>
+        <a:lnRef idx="2">
+          <a:scrgbClr r="0" g="0" b="0"/>
+        </a:lnRef>
+        <a:fillRef idx="0">
+          <a:scrgbClr r="0" g="0" b="0"/>
+        </a:fillRef>
+        <a:effectRef idx="0">
+          <a:scrgbClr r="0" g="0" b="0"/>
+        </a:effectRef>
+        <a:fontRef idx="minor"/>
+      </dsp:style>
+    </dsp:sp>
+    <dsp:sp modelId="{FB73D3BF-797B-4F49-A0DF-E51FDC8551E9}">
+      <dsp:nvSpPr>
+        <dsp:cNvPr id="0" name=""/>
+        <dsp:cNvSpPr/>
+      </dsp:nvSpPr>
+      <dsp:spPr>
+        <a:xfrm>
+          <a:off x="1267982" y="1754776"/>
+          <a:ext cx="145133" cy="445076"/>
+        </a:xfrm>
+        <a:custGeom>
+          <a:avLst/>
+          <a:gdLst/>
+          <a:ahLst/>
+          <a:cxnLst/>
+          <a:rect l="0" t="0" r="0" b="0"/>
+          <a:pathLst>
+            <a:path>
+              <a:moveTo>
+                <a:pt x="0" y="0"/>
+              </a:moveTo>
+              <a:lnTo>
+                <a:pt x="0" y="445076"/>
+              </a:lnTo>
+              <a:lnTo>
+                <a:pt x="145133" y="445076"/>
+              </a:lnTo>
+            </a:path>
+          </a:pathLst>
+        </a:custGeom>
+        <a:noFill/>
+        <a:ln w="12700" cap="flat" cmpd="sng" algn="ctr">
+          <a:solidFill>
+            <a:schemeClr val="accent1">
+              <a:shade val="80000"/>
+              <a:hueOff val="0"/>
+              <a:satOff val="0"/>
+              <a:lumOff val="0"/>
+              <a:alphaOff val="0"/>
+            </a:schemeClr>
+          </a:solidFill>
+          <a:prstDash val="solid"/>
+          <a:miter lim="800000"/>
+        </a:ln>
+        <a:effectLst/>
+      </dsp:spPr>
+      <dsp:style>
+        <a:lnRef idx="2">
+          <a:scrgbClr r="0" g="0" b="0"/>
+        </a:lnRef>
+        <a:fillRef idx="0">
+          <a:scrgbClr r="0" g="0" b="0"/>
+        </a:fillRef>
+        <a:effectRef idx="0">
+          <a:scrgbClr r="0" g="0" b="0"/>
+        </a:effectRef>
+        <a:fontRef idx="minor"/>
+      </dsp:style>
+    </dsp:sp>
+    <dsp:sp modelId="{861FC5F8-8D36-4DFE-97B1-9BE103310832}">
+      <dsp:nvSpPr>
+        <dsp:cNvPr id="0" name=""/>
+        <dsp:cNvSpPr/>
+      </dsp:nvSpPr>
+      <dsp:spPr>
+        <a:xfrm>
+          <a:off x="1655005" y="1067811"/>
+          <a:ext cx="1170744" cy="203187"/>
+        </a:xfrm>
+        <a:custGeom>
+          <a:avLst/>
+          <a:gdLst/>
+          <a:ahLst/>
+          <a:cxnLst/>
+          <a:rect l="0" t="0" r="0" b="0"/>
+          <a:pathLst>
+            <a:path>
+              <a:moveTo>
+                <a:pt x="1170744" y="0"/>
+              </a:moveTo>
+              <a:lnTo>
+                <a:pt x="1170744" y="101593"/>
+              </a:lnTo>
+              <a:lnTo>
+                <a:pt x="0" y="101593"/>
+              </a:lnTo>
+              <a:lnTo>
+                <a:pt x="0" y="203187"/>
+              </a:lnTo>
+            </a:path>
+          </a:pathLst>
+        </a:custGeom>
+        <a:noFill/>
+        <a:ln w="12700" cap="flat" cmpd="sng" algn="ctr">
+          <a:solidFill>
+            <a:schemeClr val="accent1">
+              <a:shade val="60000"/>
+              <a:hueOff val="0"/>
+              <a:satOff val="0"/>
+              <a:lumOff val="0"/>
+              <a:alphaOff val="0"/>
+            </a:schemeClr>
+          </a:solidFill>
+          <a:prstDash val="solid"/>
+          <a:miter lim="800000"/>
+        </a:ln>
+        <a:effectLst/>
+      </dsp:spPr>
+      <dsp:style>
+        <a:lnRef idx="2">
+          <a:scrgbClr r="0" g="0" b="0"/>
+        </a:lnRef>
+        <a:fillRef idx="0">
+          <a:scrgbClr r="0" g="0" b="0"/>
+        </a:fillRef>
+        <a:effectRef idx="0">
+          <a:scrgbClr r="0" g="0" b="0"/>
+        </a:effectRef>
+        <a:fontRef idx="minor"/>
+      </dsp:style>
+    </dsp:sp>
+    <dsp:sp modelId="{101B7EDE-D475-473D-B0FF-1B020248C47A}">
+      <dsp:nvSpPr>
+        <dsp:cNvPr id="0" name=""/>
+        <dsp:cNvSpPr/>
+      </dsp:nvSpPr>
+      <dsp:spPr>
+        <a:xfrm>
+          <a:off x="97238" y="1754776"/>
+          <a:ext cx="145133" cy="445076"/>
+        </a:xfrm>
+        <a:custGeom>
+          <a:avLst/>
+          <a:gdLst/>
+          <a:ahLst/>
+          <a:cxnLst/>
+          <a:rect l="0" t="0" r="0" b="0"/>
+          <a:pathLst>
+            <a:path>
+              <a:moveTo>
+                <a:pt x="0" y="0"/>
+              </a:moveTo>
+              <a:lnTo>
+                <a:pt x="0" y="445076"/>
+              </a:lnTo>
+              <a:lnTo>
+                <a:pt x="145133" y="445076"/>
+              </a:lnTo>
+            </a:path>
+          </a:pathLst>
+        </a:custGeom>
+        <a:noFill/>
+        <a:ln w="12700" cap="flat" cmpd="sng" algn="ctr">
+          <a:solidFill>
+            <a:schemeClr val="accent1">
+              <a:shade val="80000"/>
+              <a:hueOff val="0"/>
+              <a:satOff val="0"/>
+              <a:lumOff val="0"/>
+              <a:alphaOff val="0"/>
+            </a:schemeClr>
+          </a:solidFill>
+          <a:prstDash val="solid"/>
+          <a:miter lim="800000"/>
+        </a:ln>
+        <a:effectLst/>
+      </dsp:spPr>
+      <dsp:style>
+        <a:lnRef idx="2">
+          <a:scrgbClr r="0" g="0" b="0"/>
+        </a:lnRef>
+        <a:fillRef idx="0">
+          <a:scrgbClr r="0" g="0" b="0"/>
+        </a:fillRef>
+        <a:effectRef idx="0">
+          <a:scrgbClr r="0" g="0" b="0"/>
+        </a:effectRef>
+        <a:fontRef idx="minor"/>
+      </dsp:style>
+    </dsp:sp>
+    <dsp:sp modelId="{F2B8BD00-EA72-44F7-8532-5A17C0BF1DD9}">
+      <dsp:nvSpPr>
+        <dsp:cNvPr id="0" name=""/>
+        <dsp:cNvSpPr/>
+      </dsp:nvSpPr>
+      <dsp:spPr>
+        <a:xfrm>
+          <a:off x="484261" y="1067811"/>
+          <a:ext cx="2341488" cy="203187"/>
+        </a:xfrm>
+        <a:custGeom>
+          <a:avLst/>
+          <a:gdLst/>
+          <a:ahLst/>
+          <a:cxnLst/>
+          <a:rect l="0" t="0" r="0" b="0"/>
+          <a:pathLst>
+            <a:path>
+              <a:moveTo>
+                <a:pt x="2341488" y="0"/>
+              </a:moveTo>
+              <a:lnTo>
+                <a:pt x="2341488" y="101593"/>
+              </a:lnTo>
+              <a:lnTo>
+                <a:pt x="0" y="101593"/>
+              </a:lnTo>
+              <a:lnTo>
+                <a:pt x="0" y="203187"/>
+              </a:lnTo>
+            </a:path>
+          </a:pathLst>
+        </a:custGeom>
+        <a:noFill/>
+        <a:ln w="12700" cap="flat" cmpd="sng" algn="ctr">
+          <a:solidFill>
+            <a:schemeClr val="accent1">
+              <a:shade val="60000"/>
+              <a:hueOff val="0"/>
+              <a:satOff val="0"/>
+              <a:lumOff val="0"/>
+              <a:alphaOff val="0"/>
+            </a:schemeClr>
+          </a:solidFill>
+          <a:prstDash val="solid"/>
+          <a:miter lim="800000"/>
+        </a:ln>
+        <a:effectLst/>
+      </dsp:spPr>
+      <dsp:style>
+        <a:lnRef idx="2">
+          <a:scrgbClr r="0" g="0" b="0"/>
+        </a:lnRef>
+        <a:fillRef idx="0">
+          <a:scrgbClr r="0" g="0" b="0"/>
+        </a:fillRef>
+        <a:effectRef idx="0">
+          <a:scrgbClr r="0" g="0" b="0"/>
+        </a:effectRef>
+        <a:fontRef idx="minor"/>
+      </dsp:style>
+    </dsp:sp>
+    <dsp:sp modelId="{1505DE8C-D92A-4BF4-8371-BA9F90DB4596}">
+      <dsp:nvSpPr>
+        <dsp:cNvPr id="0" name=""/>
+        <dsp:cNvSpPr/>
+      </dsp:nvSpPr>
+      <dsp:spPr>
+        <a:xfrm>
+          <a:off x="2341971" y="584032"/>
+          <a:ext cx="967557" cy="483778"/>
+        </a:xfrm>
+        <a:prstGeom prst="rect">
+          <a:avLst/>
+        </a:prstGeom>
+        <a:solidFill>
+          <a:schemeClr val="accent1">
+            <a:hueOff val="0"/>
+            <a:satOff val="0"/>
+            <a:lumOff val="0"/>
+            <a:alphaOff val="0"/>
+          </a:schemeClr>
+        </a:solidFill>
+        <a:ln w="12700" cap="flat" cmpd="sng" algn="ctr">
+          <a:solidFill>
+            <a:schemeClr val="lt1">
+              <a:hueOff val="0"/>
+              <a:satOff val="0"/>
+              <a:lumOff val="0"/>
+              <a:alphaOff val="0"/>
+            </a:schemeClr>
+          </a:solidFill>
+          <a:prstDash val="solid"/>
+          <a:miter lim="800000"/>
+        </a:ln>
+        <a:effectLst/>
+      </dsp:spPr>
+      <dsp:style>
+        <a:lnRef idx="2">
+          <a:scrgbClr r="0" g="0" b="0"/>
+        </a:lnRef>
+        <a:fillRef idx="1">
+          <a:scrgbClr r="0" g="0" b="0"/>
+        </a:fillRef>
+        <a:effectRef idx="0">
+          <a:scrgbClr r="0" g="0" b="0"/>
+        </a:effectRef>
+        <a:fontRef idx="minor">
+          <a:schemeClr val="lt1"/>
+        </a:fontRef>
+      </dsp:style>
+      <dsp:txBody>
+        <a:bodyPr spcFirstLastPara="0" vert="horz" wrap="square" lIns="7620" tIns="7620" rIns="7620" bIns="7620" numCol="1" spcCol="1270" anchor="ctr" anchorCtr="0">
+          <a:noAutofit/>
+        </a:bodyPr>
+        <a:lstStyle/>
+        <a:p>
+          <a:pPr marL="0" lvl="0" indent="0" algn="ctr" defTabSz="533400">
+            <a:lnSpc>
+              <a:spcPct val="90000"/>
+            </a:lnSpc>
+            <a:spcBef>
+              <a:spcPct val="0"/>
+            </a:spcBef>
+            <a:spcAft>
+              <a:spcPct val="35000"/>
+            </a:spcAft>
+            <a:buNone/>
+          </a:pPr>
+          <a:r>
+            <a:rPr lang="pt-PT" sz="1200" kern="1200" dirty="0"/>
+            <a:t>Projeto</a:t>
+          </a:r>
+        </a:p>
+      </dsp:txBody>
+      <dsp:txXfrm>
+        <a:off x="2341971" y="584032"/>
+        <a:ext cx="967557" cy="483778"/>
+      </dsp:txXfrm>
+    </dsp:sp>
+    <dsp:sp modelId="{A1422BED-C712-4276-934D-CB0F8F5DF1BA}">
+      <dsp:nvSpPr>
+        <dsp:cNvPr id="0" name=""/>
+        <dsp:cNvSpPr/>
+      </dsp:nvSpPr>
+      <dsp:spPr>
+        <a:xfrm>
+          <a:off x="482" y="1270998"/>
+          <a:ext cx="967557" cy="483778"/>
+        </a:xfrm>
+        <a:prstGeom prst="rect">
+          <a:avLst/>
+        </a:prstGeom>
+        <a:solidFill>
+          <a:schemeClr val="accent1">
+            <a:hueOff val="0"/>
+            <a:satOff val="0"/>
+            <a:lumOff val="0"/>
+            <a:alphaOff val="0"/>
+          </a:schemeClr>
+        </a:solidFill>
+        <a:ln w="12700" cap="flat" cmpd="sng" algn="ctr">
+          <a:solidFill>
+            <a:schemeClr val="lt1">
+              <a:hueOff val="0"/>
+              <a:satOff val="0"/>
+              <a:lumOff val="0"/>
+              <a:alphaOff val="0"/>
+            </a:schemeClr>
+          </a:solidFill>
+          <a:prstDash val="solid"/>
+          <a:miter lim="800000"/>
+        </a:ln>
+        <a:effectLst/>
+      </dsp:spPr>
+      <dsp:style>
+        <a:lnRef idx="2">
+          <a:scrgbClr r="0" g="0" b="0"/>
+        </a:lnRef>
+        <a:fillRef idx="1">
+          <a:scrgbClr r="0" g="0" b="0"/>
+        </a:fillRef>
+        <a:effectRef idx="0">
+          <a:scrgbClr r="0" g="0" b="0"/>
+        </a:effectRef>
+        <a:fontRef idx="minor">
+          <a:schemeClr val="lt1"/>
+        </a:fontRef>
+      </dsp:style>
+      <dsp:txBody>
+        <a:bodyPr spcFirstLastPara="0" vert="horz" wrap="square" lIns="7620" tIns="7620" rIns="7620" bIns="7620" numCol="1" spcCol="1270" anchor="ctr" anchorCtr="0">
+          <a:noAutofit/>
+        </a:bodyPr>
+        <a:lstStyle/>
+        <a:p>
+          <a:pPr marL="0" lvl="0" indent="0" algn="ctr" defTabSz="533400">
+            <a:lnSpc>
+              <a:spcPct val="90000"/>
+            </a:lnSpc>
+            <a:spcBef>
+              <a:spcPct val="0"/>
+            </a:spcBef>
+            <a:spcAft>
+              <a:spcPct val="35000"/>
+            </a:spcAft>
+            <a:buNone/>
+          </a:pPr>
+          <a:r>
+            <a:rPr lang="pt-PT" sz="1200" kern="1200" dirty="0"/>
+            <a:t>Base de Dados</a:t>
+          </a:r>
+        </a:p>
+      </dsp:txBody>
+      <dsp:txXfrm>
+        <a:off x="482" y="1270998"/>
+        <a:ext cx="967557" cy="483778"/>
+      </dsp:txXfrm>
+    </dsp:sp>
+    <dsp:sp modelId="{CB2E10ED-74A8-46A3-AC0D-7854C3C98AA4}">
+      <dsp:nvSpPr>
+        <dsp:cNvPr id="0" name=""/>
+        <dsp:cNvSpPr/>
+      </dsp:nvSpPr>
+      <dsp:spPr>
+        <a:xfrm>
+          <a:off x="242372" y="1957963"/>
+          <a:ext cx="967557" cy="483778"/>
+        </a:xfrm>
+        <a:prstGeom prst="rect">
+          <a:avLst/>
+        </a:prstGeom>
+        <a:solidFill>
+          <a:schemeClr val="accent1">
+            <a:hueOff val="0"/>
+            <a:satOff val="0"/>
+            <a:lumOff val="0"/>
+            <a:alphaOff val="0"/>
+          </a:schemeClr>
+        </a:solidFill>
+        <a:ln w="12700" cap="flat" cmpd="sng" algn="ctr">
+          <a:solidFill>
+            <a:schemeClr val="lt1">
+              <a:hueOff val="0"/>
+              <a:satOff val="0"/>
+              <a:lumOff val="0"/>
+              <a:alphaOff val="0"/>
+            </a:schemeClr>
+          </a:solidFill>
+          <a:prstDash val="solid"/>
+          <a:miter lim="800000"/>
+        </a:ln>
+        <a:effectLst/>
+      </dsp:spPr>
+      <dsp:style>
+        <a:lnRef idx="2">
+          <a:scrgbClr r="0" g="0" b="0"/>
+        </a:lnRef>
+        <a:fillRef idx="1">
+          <a:scrgbClr r="0" g="0" b="0"/>
+        </a:fillRef>
+        <a:effectRef idx="0">
+          <a:scrgbClr r="0" g="0" b="0"/>
+        </a:effectRef>
+        <a:fontRef idx="minor">
+          <a:schemeClr val="lt1"/>
+        </a:fontRef>
+      </dsp:style>
+      <dsp:txBody>
+        <a:bodyPr spcFirstLastPara="0" vert="horz" wrap="square" lIns="7620" tIns="7620" rIns="7620" bIns="7620" numCol="1" spcCol="1270" anchor="ctr" anchorCtr="0">
+          <a:noAutofit/>
+        </a:bodyPr>
+        <a:lstStyle/>
+        <a:p>
+          <a:pPr marL="0" lvl="0" indent="0" algn="ctr" defTabSz="533400">
+            <a:lnSpc>
+              <a:spcPct val="90000"/>
+            </a:lnSpc>
+            <a:spcBef>
+              <a:spcPct val="0"/>
+            </a:spcBef>
+            <a:spcAft>
+              <a:spcPct val="35000"/>
+            </a:spcAft>
+            <a:buNone/>
+          </a:pPr>
+          <a:r>
+            <a:rPr lang="pt-PT" sz="1200" kern="1200" dirty="0" err="1"/>
+            <a:t>Json</a:t>
+          </a:r>
+          <a:r>
+            <a:rPr lang="pt-PT" sz="1200" kern="1200" dirty="0"/>
+            <a:t> Base de dados</a:t>
+          </a:r>
+        </a:p>
+      </dsp:txBody>
+      <dsp:txXfrm>
+        <a:off x="242372" y="1957963"/>
+        <a:ext cx="967557" cy="483778"/>
+      </dsp:txXfrm>
+    </dsp:sp>
+    <dsp:sp modelId="{2ECC6E89-5E3D-496E-9416-A59A9ECA08B3}">
+      <dsp:nvSpPr>
+        <dsp:cNvPr id="0" name=""/>
+        <dsp:cNvSpPr/>
+      </dsp:nvSpPr>
+      <dsp:spPr>
+        <a:xfrm>
+          <a:off x="1171227" y="1270998"/>
+          <a:ext cx="967557" cy="483778"/>
+        </a:xfrm>
+        <a:prstGeom prst="rect">
+          <a:avLst/>
+        </a:prstGeom>
+        <a:solidFill>
+          <a:schemeClr val="accent1">
+            <a:hueOff val="0"/>
+            <a:satOff val="0"/>
+            <a:lumOff val="0"/>
+            <a:alphaOff val="0"/>
+          </a:schemeClr>
+        </a:solidFill>
+        <a:ln w="12700" cap="flat" cmpd="sng" algn="ctr">
+          <a:solidFill>
+            <a:schemeClr val="lt1">
+              <a:hueOff val="0"/>
+              <a:satOff val="0"/>
+              <a:lumOff val="0"/>
+              <a:alphaOff val="0"/>
+            </a:schemeClr>
+          </a:solidFill>
+          <a:prstDash val="solid"/>
+          <a:miter lim="800000"/>
+        </a:ln>
+        <a:effectLst/>
+      </dsp:spPr>
+      <dsp:style>
+        <a:lnRef idx="2">
+          <a:scrgbClr r="0" g="0" b="0"/>
+        </a:lnRef>
+        <a:fillRef idx="1">
+          <a:scrgbClr r="0" g="0" b="0"/>
+        </a:fillRef>
+        <a:effectRef idx="0">
+          <a:scrgbClr r="0" g="0" b="0"/>
+        </a:effectRef>
+        <a:fontRef idx="minor">
+          <a:schemeClr val="lt1"/>
+        </a:fontRef>
+      </dsp:style>
+      <dsp:txBody>
+        <a:bodyPr spcFirstLastPara="0" vert="horz" wrap="square" lIns="7620" tIns="7620" rIns="7620" bIns="7620" numCol="1" spcCol="1270" anchor="ctr" anchorCtr="0">
+          <a:noAutofit/>
+        </a:bodyPr>
+        <a:lstStyle/>
+        <a:p>
+          <a:pPr marL="0" lvl="0" indent="0" algn="ctr" defTabSz="533400">
+            <a:lnSpc>
+              <a:spcPct val="90000"/>
+            </a:lnSpc>
+            <a:spcBef>
+              <a:spcPct val="0"/>
+            </a:spcBef>
+            <a:spcAft>
+              <a:spcPct val="35000"/>
+            </a:spcAft>
+            <a:buNone/>
+          </a:pPr>
+          <a:r>
+            <a:rPr lang="pt-PT" sz="1200" kern="1200" dirty="0"/>
+            <a:t>Base de dados manager</a:t>
+          </a:r>
+        </a:p>
+      </dsp:txBody>
+      <dsp:txXfrm>
+        <a:off x="1171227" y="1270998"/>
+        <a:ext cx="967557" cy="483778"/>
+      </dsp:txXfrm>
+    </dsp:sp>
+    <dsp:sp modelId="{EE5E5EEA-C1C5-4366-9062-B83ACF6BD798}">
+      <dsp:nvSpPr>
+        <dsp:cNvPr id="0" name=""/>
+        <dsp:cNvSpPr/>
+      </dsp:nvSpPr>
+      <dsp:spPr>
+        <a:xfrm>
+          <a:off x="1413116" y="1957963"/>
+          <a:ext cx="967557" cy="483778"/>
+        </a:xfrm>
+        <a:prstGeom prst="rect">
+          <a:avLst/>
+        </a:prstGeom>
+        <a:solidFill>
+          <a:schemeClr val="accent1">
+            <a:hueOff val="0"/>
+            <a:satOff val="0"/>
+            <a:lumOff val="0"/>
+            <a:alphaOff val="0"/>
+          </a:schemeClr>
+        </a:solidFill>
+        <a:ln w="12700" cap="flat" cmpd="sng" algn="ctr">
+          <a:solidFill>
+            <a:schemeClr val="lt1">
+              <a:hueOff val="0"/>
+              <a:satOff val="0"/>
+              <a:lumOff val="0"/>
+              <a:alphaOff val="0"/>
+            </a:schemeClr>
+          </a:solidFill>
+          <a:prstDash val="solid"/>
+          <a:miter lim="800000"/>
+        </a:ln>
+        <a:effectLst/>
+      </dsp:spPr>
+      <dsp:style>
+        <a:lnRef idx="2">
+          <a:scrgbClr r="0" g="0" b="0"/>
+        </a:lnRef>
+        <a:fillRef idx="1">
+          <a:scrgbClr r="0" g="0" b="0"/>
+        </a:fillRef>
+        <a:effectRef idx="0">
+          <a:scrgbClr r="0" g="0" b="0"/>
+        </a:effectRef>
+        <a:fontRef idx="minor">
+          <a:schemeClr val="lt1"/>
+        </a:fontRef>
+      </dsp:style>
+      <dsp:txBody>
+        <a:bodyPr spcFirstLastPara="0" vert="horz" wrap="square" lIns="7620" tIns="7620" rIns="7620" bIns="7620" numCol="1" spcCol="1270" anchor="ctr" anchorCtr="0">
+          <a:noAutofit/>
+        </a:bodyPr>
+        <a:lstStyle/>
+        <a:p>
+          <a:pPr marL="0" lvl="0" indent="0" algn="ctr" defTabSz="533400">
+            <a:lnSpc>
+              <a:spcPct val="90000"/>
+            </a:lnSpc>
+            <a:spcBef>
+              <a:spcPct val="0"/>
+            </a:spcBef>
+            <a:spcAft>
+              <a:spcPct val="35000"/>
+            </a:spcAft>
+            <a:buNone/>
+          </a:pPr>
+          <a:endParaRPr lang="pt-PT" sz="1200" kern="1200"/>
+        </a:p>
+      </dsp:txBody>
+      <dsp:txXfrm>
+        <a:off x="1413116" y="1957963"/>
+        <a:ext cx="967557" cy="483778"/>
+      </dsp:txXfrm>
+    </dsp:sp>
+    <dsp:sp modelId="{DCF23598-64FE-4A10-8B3A-1750079647CB}">
+      <dsp:nvSpPr>
+        <dsp:cNvPr id="0" name=""/>
+        <dsp:cNvSpPr/>
+      </dsp:nvSpPr>
+      <dsp:spPr>
+        <a:xfrm>
+          <a:off x="2341971" y="1270998"/>
+          <a:ext cx="967557" cy="483778"/>
+        </a:xfrm>
+        <a:prstGeom prst="rect">
+          <a:avLst/>
+        </a:prstGeom>
+        <a:solidFill>
+          <a:schemeClr val="accent1">
+            <a:hueOff val="0"/>
+            <a:satOff val="0"/>
+            <a:lumOff val="0"/>
+            <a:alphaOff val="0"/>
+          </a:schemeClr>
+        </a:solidFill>
+        <a:ln w="12700" cap="flat" cmpd="sng" algn="ctr">
+          <a:solidFill>
+            <a:schemeClr val="lt1">
+              <a:hueOff val="0"/>
+              <a:satOff val="0"/>
+              <a:lumOff val="0"/>
+              <a:alphaOff val="0"/>
+            </a:schemeClr>
+          </a:solidFill>
+          <a:prstDash val="solid"/>
+          <a:miter lim="800000"/>
+        </a:ln>
+        <a:effectLst/>
+      </dsp:spPr>
+      <dsp:style>
+        <a:lnRef idx="2">
+          <a:scrgbClr r="0" g="0" b="0"/>
+        </a:lnRef>
+        <a:fillRef idx="1">
+          <a:scrgbClr r="0" g="0" b="0"/>
+        </a:fillRef>
+        <a:effectRef idx="0">
+          <a:scrgbClr r="0" g="0" b="0"/>
+        </a:effectRef>
+        <a:fontRef idx="minor">
+          <a:schemeClr val="lt1"/>
+        </a:fontRef>
+      </dsp:style>
+      <dsp:txBody>
+        <a:bodyPr spcFirstLastPara="0" vert="horz" wrap="square" lIns="7620" tIns="7620" rIns="7620" bIns="7620" numCol="1" spcCol="1270" anchor="ctr" anchorCtr="0">
+          <a:noAutofit/>
+        </a:bodyPr>
+        <a:lstStyle/>
+        <a:p>
+          <a:pPr marL="0" lvl="0" indent="0" algn="ctr" defTabSz="533400">
+            <a:lnSpc>
+              <a:spcPct val="90000"/>
+            </a:lnSpc>
+            <a:spcBef>
+              <a:spcPct val="0"/>
+            </a:spcBef>
+            <a:spcAft>
+              <a:spcPct val="35000"/>
+            </a:spcAft>
+            <a:buNone/>
+          </a:pPr>
+          <a:r>
+            <a:rPr lang="pt-PT" sz="1200" kern="1200" dirty="0"/>
+            <a:t>Orçamentos</a:t>
+          </a:r>
+        </a:p>
+      </dsp:txBody>
+      <dsp:txXfrm>
+        <a:off x="2341971" y="1270998"/>
+        <a:ext cx="967557" cy="483778"/>
+      </dsp:txXfrm>
+    </dsp:sp>
+    <dsp:sp modelId="{9F617B1F-C9B5-4B66-ABA6-15E441D359BE}">
+      <dsp:nvSpPr>
+        <dsp:cNvPr id="0" name=""/>
+        <dsp:cNvSpPr/>
+      </dsp:nvSpPr>
+      <dsp:spPr>
+        <a:xfrm>
+          <a:off x="3512715" y="1270998"/>
+          <a:ext cx="967557" cy="483778"/>
+        </a:xfrm>
+        <a:prstGeom prst="rect">
+          <a:avLst/>
+        </a:prstGeom>
+        <a:solidFill>
+          <a:schemeClr val="accent1">
+            <a:hueOff val="0"/>
+            <a:satOff val="0"/>
+            <a:lumOff val="0"/>
+            <a:alphaOff val="0"/>
+          </a:schemeClr>
+        </a:solidFill>
+        <a:ln w="12700" cap="flat" cmpd="sng" algn="ctr">
+          <a:solidFill>
+            <a:schemeClr val="lt1">
+              <a:hueOff val="0"/>
+              <a:satOff val="0"/>
+              <a:lumOff val="0"/>
+              <a:alphaOff val="0"/>
+            </a:schemeClr>
+          </a:solidFill>
+          <a:prstDash val="solid"/>
+          <a:miter lim="800000"/>
+        </a:ln>
+        <a:effectLst/>
+      </dsp:spPr>
+      <dsp:style>
+        <a:lnRef idx="2">
+          <a:scrgbClr r="0" g="0" b="0"/>
+        </a:lnRef>
+        <a:fillRef idx="1">
+          <a:scrgbClr r="0" g="0" b="0"/>
+        </a:fillRef>
+        <a:effectRef idx="0">
+          <a:scrgbClr r="0" g="0" b="0"/>
+        </a:effectRef>
+        <a:fontRef idx="minor">
+          <a:schemeClr val="lt1"/>
+        </a:fontRef>
+      </dsp:style>
+      <dsp:txBody>
+        <a:bodyPr spcFirstLastPara="0" vert="horz" wrap="square" lIns="7620" tIns="7620" rIns="7620" bIns="7620" numCol="1" spcCol="1270" anchor="ctr" anchorCtr="0">
+          <a:noAutofit/>
+        </a:bodyPr>
+        <a:lstStyle/>
+        <a:p>
+          <a:pPr marL="0" lvl="0" indent="0" algn="ctr" defTabSz="533400">
+            <a:lnSpc>
+              <a:spcPct val="90000"/>
+            </a:lnSpc>
+            <a:spcBef>
+              <a:spcPct val="0"/>
+            </a:spcBef>
+            <a:spcAft>
+              <a:spcPct val="35000"/>
+            </a:spcAft>
+            <a:buNone/>
+          </a:pPr>
+          <a:r>
+            <a:rPr lang="pt-PT" sz="1200" kern="1200" dirty="0"/>
+            <a:t>Orçamentos manager</a:t>
+          </a:r>
+        </a:p>
+      </dsp:txBody>
+      <dsp:txXfrm>
+        <a:off x="3512715" y="1270998"/>
+        <a:ext cx="967557" cy="483778"/>
+      </dsp:txXfrm>
+    </dsp:sp>
+    <dsp:sp modelId="{EC7235F9-516F-48A0-AFE0-7B857F299AB4}">
+      <dsp:nvSpPr>
+        <dsp:cNvPr id="0" name=""/>
+        <dsp:cNvSpPr/>
+      </dsp:nvSpPr>
+      <dsp:spPr>
+        <a:xfrm>
+          <a:off x="4683459" y="1270998"/>
+          <a:ext cx="967557" cy="483778"/>
+        </a:xfrm>
+        <a:prstGeom prst="rect">
+          <a:avLst/>
+        </a:prstGeom>
+        <a:solidFill>
+          <a:schemeClr val="accent1">
+            <a:hueOff val="0"/>
+            <a:satOff val="0"/>
+            <a:lumOff val="0"/>
+            <a:alphaOff val="0"/>
+          </a:schemeClr>
+        </a:solidFill>
+        <a:ln w="12700" cap="flat" cmpd="sng" algn="ctr">
+          <a:solidFill>
+            <a:schemeClr val="lt1">
+              <a:hueOff val="0"/>
+              <a:satOff val="0"/>
+              <a:lumOff val="0"/>
+              <a:alphaOff val="0"/>
+            </a:schemeClr>
+          </a:solidFill>
+          <a:prstDash val="solid"/>
+          <a:miter lim="800000"/>
+        </a:ln>
+        <a:effectLst/>
+      </dsp:spPr>
+      <dsp:style>
+        <a:lnRef idx="2">
+          <a:scrgbClr r="0" g="0" b="0"/>
+        </a:lnRef>
+        <a:fillRef idx="1">
+          <a:scrgbClr r="0" g="0" b="0"/>
+        </a:fillRef>
+        <a:effectRef idx="0">
+          <a:scrgbClr r="0" g="0" b="0"/>
+        </a:effectRef>
+        <a:fontRef idx="minor">
+          <a:schemeClr val="lt1"/>
+        </a:fontRef>
+      </dsp:style>
+      <dsp:txBody>
+        <a:bodyPr spcFirstLastPara="0" vert="horz" wrap="square" lIns="7620" tIns="7620" rIns="7620" bIns="7620" numCol="1" spcCol="1270" anchor="ctr" anchorCtr="0">
+          <a:noAutofit/>
+        </a:bodyPr>
+        <a:lstStyle/>
+        <a:p>
+          <a:pPr marL="0" lvl="0" indent="0" algn="ctr" defTabSz="533400">
+            <a:lnSpc>
+              <a:spcPct val="90000"/>
+            </a:lnSpc>
+            <a:spcBef>
+              <a:spcPct val="0"/>
+            </a:spcBef>
+            <a:spcAft>
+              <a:spcPct val="35000"/>
+            </a:spcAft>
+            <a:buNone/>
+          </a:pPr>
+          <a:r>
+            <a:rPr lang="pt-PT" sz="1200" kern="1200" dirty="0"/>
+            <a:t>Menu manager</a:t>
+          </a:r>
+        </a:p>
+      </dsp:txBody>
+      <dsp:txXfrm>
+        <a:off x="4683459" y="1270998"/>
+        <a:ext cx="967557" cy="483778"/>
+      </dsp:txXfrm>
+    </dsp:sp>
+  </dsp:spTree>
+</dsp:drawing>
+</file>
+
+<file path=ppt/diagrams/layout1.xml><?xml version="1.0" encoding="utf-8"?>
+<dgm:layoutDef xmlns:dgm="http://schemas.openxmlformats.org/drawingml/2006/diagram" xmlns:a="http://schemas.openxmlformats.org/drawingml/2006/main" uniqueId="urn:microsoft.com/office/officeart/2005/8/layout/orgChart1">
+  <dgm:title val=""/>
+  <dgm:desc val=""/>
+  <dgm:catLst>
+    <dgm:cat type="hierarchy" pri="1000"/>
+    <dgm:cat type="convert" pri="6000"/>
+  </dgm:catLst>
+  <dgm:sampData>
+    <dgm:dataModel>
+      <dgm:ptLst>
+        <dgm:pt modelId="0" type="doc"/>
+        <dgm:pt modelId="1">
+          <dgm:prSet phldr="1"/>
+        </dgm:pt>
+        <dgm:pt modelId="2" type="asst">
+          <dgm:prSet phldr="1"/>
+        </dgm:pt>
+        <dgm:pt modelId="3">
+          <dgm:prSet phldr="1"/>
+        </dgm:pt>
+        <dgm:pt modelId="4">
+          <dgm:prSet phldr="1"/>
+        </dgm:pt>
+        <dgm:pt modelId="5">
+          <dgm:prSet phldr="1"/>
+        </dgm:pt>
+      </dgm:ptLst>
+      <dgm:cxnLst>
+        <dgm:cxn modelId="5" srcId="0" destId="1" srcOrd="0" destOrd="0"/>
+        <dgm:cxn modelId="6" srcId="1" destId="2" srcOrd="0" destOrd="0"/>
+        <dgm:cxn modelId="7" srcId="1" destId="3" srcOrd="1" destOrd="0"/>
+        <dgm:cxn modelId="8" srcId="1" destId="4" srcOrd="2" destOrd="0"/>
+        <dgm:cxn modelId="9" srcId="1" destId="5" srcOrd="3" destOrd="0"/>
+      </dgm:cxnLst>
+      <dgm:bg/>
+      <dgm:whole/>
+    </dgm:dataModel>
+  </dgm:sampData>
+  <dgm:styleData>
+    <dgm:dataModel>
+      <dgm:ptLst>
+        <dgm:pt modelId="0" type="doc"/>
+        <dgm:pt modelId="1"/>
+        <dgm:pt modelId="12"/>
+        <dgm:pt modelId="13"/>
+      </dgm:ptLst>
+      <dgm:cxnLst>
+        <dgm:cxn modelId="2" srcId="0" destId="1" srcOrd="0" destOrd="0"/>
+        <dgm:cxn modelId="16" srcId="1" destId="12" srcOrd="1" destOrd="0"/>
+        <dgm:cxn modelId="17" srcId="1" destId="13" srcOrd="2" destOrd="0"/>
+      </dgm:cxnLst>
+      <dgm:bg/>
+      <dgm:whole/>
+    </dgm:dataModel>
+  </dgm:styleData>
+  <dgm:clrData>
+    <dgm:dataModel>
+      <dgm:ptLst>
+        <dgm:pt modelId="0" type="doc"/>
+        <dgm:pt modelId="1"/>
+        <dgm:pt modelId="11" type="asst"/>
+        <dgm:pt modelId="12"/>
+        <dgm:pt modelId="13"/>
+        <dgm:pt modelId="14"/>
+      </dgm:ptLst>
+      <dgm:cxnLst>
+        <dgm:cxn modelId="2" srcId="0" destId="1" srcOrd="0" destOrd="0"/>
+        <dgm:cxn modelId="15" srcId="1" destId="11" srcOrd="0" destOrd="0"/>
+        <dgm:cxn modelId="16" srcId="1" destId="12" srcOrd="1" destOrd="0"/>
+        <dgm:cxn modelId="17" srcId="1" destId="13" srcOrd="2" destOrd="0"/>
+        <dgm:cxn modelId="18" srcId="1" destId="14" srcOrd="2" destOrd="0"/>
+      </dgm:cxnLst>
+      <dgm:bg/>
+      <dgm:whole/>
+    </dgm:dataModel>
+  </dgm:clrData>
+  <dgm:layoutNode name="hierChild1">
+    <dgm:varLst>
+      <dgm:orgChart val="1"/>
+      <dgm:chPref val="1"/>
+      <dgm:dir/>
+      <dgm:animOne val="branch"/>
+      <dgm:animLvl val="lvl"/>
+      <dgm:resizeHandles/>
+    </dgm:varLst>
+    <dgm:choose name="Name0">
+      <dgm:if name="Name1" func="var" arg="dir" op="equ" val="norm">
+        <dgm:alg type="hierChild">
+          <dgm:param type="linDir" val="fromL"/>
+        </dgm:alg>
+      </dgm:if>
+      <dgm:else name="Name2">
+        <dgm:alg type="hierChild">
+          <dgm:param type="linDir" val="fromR"/>
+        </dgm:alg>
+      </dgm:else>
+    </dgm:choose>
+    <dgm:shape xmlns:r="http://schemas.openxmlformats.org/officeDocument/2006/relationships" r:blip="">
+      <dgm:adjLst/>
+    </dgm:shape>
+    <dgm:presOf/>
+    <dgm:constrLst>
+      <dgm:constr type="w" for="des" forName="rootComposite1" refType="w" fact="10"/>
+      <dgm:constr type="h" for="des" forName="rootComposite1" refType="w" refFor="des" refForName="rootComposite1" fact="0.5"/>
+      <dgm:constr type="w" for="des" forName="rootComposite" refType="w" fact="10"/>
+      <dgm:constr type="h" for="des" forName="rootComposite" refType="w" refFor="des" refForName="rootComposite1" fact="0.5"/>
+      <dgm:constr type="w" for="des" forName="rootComposite3" refType="w" fact="10"/>
+      <dgm:constr type="h" for="des" forName="rootComposite3" refType="w" refFor="des" refForName="rootComposite1" fact="0.5"/>
+      <dgm:constr type="primFontSz" for="des" ptType="node" op="equ"/>
+      <dgm:constr type="sp" for="des" op="equ"/>
+      <dgm:constr type="sp" for="des" forName="hierRoot1" refType="w" refFor="des" refForName="rootComposite1" fact="0.21"/>
+      <dgm:constr type="sp" for="des" forName="hierRoot2" refType="sp" refFor="des" refForName="hierRoot1"/>
+      <dgm:constr type="sp" for="des" forName="hierRoot3" refType="sp" refFor="des" refForName="hierRoot1"/>
+      <dgm:constr type="sibSp" refType="w" refFor="des" refForName="rootComposite1" fact="0.21"/>
+      <dgm:constr type="sibSp" for="des" forName="hierChild2" refType="sibSp"/>
+      <dgm:constr type="sibSp" for="des" forName="hierChild3" refType="sibSp"/>
+      <dgm:constr type="sibSp" for="des" forName="hierChild4" refType="sibSp"/>
+      <dgm:constr type="sibSp" for="des" forName="hierChild5" refType="sibSp"/>
+      <dgm:constr type="sibSp" for="des" forName="hierChild6" refType="sibSp"/>
+      <dgm:constr type="sibSp" for="des" forName="hierChild7" refType="sibSp"/>
+      <dgm:constr type="secSibSp" refType="w" refFor="des" refForName="rootComposite1" fact="0.21"/>
+      <dgm:constr type="secSibSp" for="des" forName="hierChild2" refType="secSibSp"/>
+      <dgm:constr type="secSibSp" for="des" forName="hierChild3" refType="secSibSp"/>
+      <dgm:constr type="secSibSp" for="des" forName="hierChild4" refType="secSibSp"/>
+      <dgm:constr type="secSibSp" for="des" forName="hierChild5" refType="secSibSp"/>
+      <dgm:constr type="secSibSp" for="des" forName="hierChild6" refType="secSibSp"/>
+      <dgm:constr type="secSibSp" for="des" forName="hierChild7" refType="secSibSp"/>
+    </dgm:constrLst>
+    <dgm:ruleLst/>
+    <dgm:forEach name="Name3" axis="ch">
+      <dgm:forEach name="Name4" axis="self" ptType="node">
+        <dgm:layoutNode name="hierRoot1">
+          <dgm:varLst>
+            <dgm:hierBranch val="init"/>
+          </dgm:varLst>
+          <dgm:choose name="Name5">
+            <dgm:if name="Name6" func="var" arg="hierBranch" op="equ" val="l">
+              <dgm:choose name="Name7">
+                <dgm:if name="Name8" axis="ch" ptType="asst" func="cnt" op="gte" val="1">
+                  <dgm:alg type="hierRoot">
+                    <dgm:param type="hierAlign" val="tR"/>
+                  </dgm:alg>
+                  <dgm:constrLst>
+                    <dgm:constr type="alignOff" val="0.65"/>
+                  </dgm:constrLst>
+                </dgm:if>
+                <dgm:else name="Name9">
+                  <dgm:alg type="hierRoot">
+                    <dgm:param type="hierAlign" val="tR"/>
+                  </dgm:alg>
+                  <dgm:constrLst>
+                    <dgm:constr type="alignOff" val="0.25"/>
+                  </dgm:constrLst>
+                </dgm:else>
+              </dgm:choose>
+            </dgm:if>
+            <dgm:if name="Name10" func="var" arg="hierBranch" op="equ" val="r">
+              <dgm:choose name="Name11">
+                <dgm:if name="Name12" axis="ch" ptType="asst" func="cnt" op="gte" val="1">
+                  <dgm:alg type="hierRoot">
+                    <dgm:param type="hierAlign" val="tL"/>
+                  </dgm:alg>
+                  <dgm:constrLst>
+                    <dgm:constr type="alignOff" val="0.65"/>
+                  </dgm:constrLst>
+                </dgm:if>
+                <dgm:else name="Name13">
+                  <dgm:alg type="hierRoot">
+                    <dgm:param type="hierAlign" val="tL"/>
+                  </dgm:alg>
+                  <dgm:constrLst>
+                    <dgm:constr type="alignOff" val="0.25"/>
+                  </dgm:constrLst>
+                </dgm:else>
+              </dgm:choose>
+            </dgm:if>
+            <dgm:if name="Name14" func="var" arg="hierBranch" op="equ" val="hang">
+              <dgm:alg type="hierRoot"/>
+              <dgm:constrLst>
+                <dgm:constr type="alignOff" val="0.65"/>
+              </dgm:constrLst>
+            </dgm:if>
+            <dgm:else name="Name15">
+              <dgm:alg type="hierRoot"/>
+              <dgm:constrLst>
+                <dgm:constr type="alignOff"/>
+                <dgm:constr type="bendDist" for="des" ptType="parTrans" refType="sp" fact="0.5"/>
+              </dgm:constrLst>
+            </dgm:else>
+          </dgm:choose>
+          <dgm:shape xmlns:r="http://schemas.openxmlformats.org/officeDocument/2006/relationships" r:blip="">
+            <dgm:adjLst/>
+          </dgm:shape>
+          <dgm:presOf/>
+          <dgm:ruleLst/>
+          <dgm:layoutNode name="rootComposite1">
+            <dgm:alg type="composite"/>
+            <dgm:shape xmlns:r="http://schemas.openxmlformats.org/officeDocument/2006/relationships" r:blip="">
+              <dgm:adjLst/>
+            </dgm:shape>
+            <dgm:presOf axis="self" ptType="node" cnt="1"/>
+            <dgm:choose name="Name16">
+              <dgm:if name="Name17" func="var" arg="hierBranch" op="equ" val="init">
+                <dgm:constrLst>
+                  <dgm:constr type="l" for="ch" forName="rootText1"/>
+                  <dgm:constr type="t" for="ch" forName="rootText1"/>
+                  <dgm:constr type="w" for="ch" forName="rootText1" refType="w"/>
+                  <dgm:constr type="h" for="ch" forName="rootText1" refType="h"/>
+                  <dgm:constr type="l" for="ch" forName="rootConnector1"/>
+                  <dgm:constr type="t" for="ch" forName="rootConnector1"/>
+                  <dgm:constr type="w" for="ch" forName="rootConnector1" refType="w" refFor="ch" refForName="rootText1" fact="0.2"/>
+                  <dgm:constr type="h" for="ch" forName="rootConnector1" refType="h" refFor="ch" refForName="rootText1"/>
+                </dgm:constrLst>
+              </dgm:if>
+              <dgm:if name="Name18" func="var" arg="hierBranch" op="equ" val="l">
+                <dgm:constrLst>
+                  <dgm:constr type="l" for="ch" forName="rootText1"/>
+                  <dgm:constr type="t" for="ch" forName="rootText1"/>
+                  <dgm:constr type="w" for="ch" forName="rootText1" refType="w"/>
+                  <dgm:constr type="h" for="ch" forName="rootText1" refType="h"/>
+                  <dgm:constr type="r" for="ch" forName="rootConnector1" refType="w"/>
+                  <dgm:constr type="t" for="ch" forName="rootConnector1"/>
+                  <dgm:constr type="w" for="ch" forName="rootConnector1" refType="w" refFor="ch" refForName="rootText1" fact="0.2"/>
+                  <dgm:constr type="h" for="ch" forName="rootConnector1" refType="h" refFor="ch" refForName="rootText1"/>
+                </dgm:constrLst>
+              </dgm:if>
+              <dgm:if name="Name19" func="var" arg="hierBranch" op="equ" val="r">
+                <dgm:constrLst>
+                  <dgm:constr type="l" for="ch" forName="rootText1"/>
+                  <dgm:constr type="t" for="ch" forName="rootText1"/>
+                  <dgm:constr type="w" for="ch" forName="rootText1" refType="w"/>
+                  <dgm:constr type="h" for="ch" forName="rootText1" refType="h"/>
+                  <dgm:constr type="l" for="ch" forName="rootConnector1"/>
+                  <dgm:constr type="t" for="ch" forName="rootConnector1"/>
+                  <dgm:constr type="w" for="ch" forName="rootConnector1" refType="w" refFor="ch" refForName="rootText1" fact="0.2"/>
+                  <dgm:constr type="h" for="ch" forName="rootConnector1" refType="h" refFor="ch" refForName="rootText1"/>
+                </dgm:constrLst>
+              </dgm:if>
+              <dgm:else name="Name20">
+                <dgm:constrLst>
+                  <dgm:constr type="l" for="ch" forName="rootText1"/>
+                  <dgm:constr type="t" for="ch" forName="rootText1"/>
+                  <dgm:constr type="w" for="ch" forName="rootText1" refType="w"/>
+                  <dgm:constr type="h" for="ch" forName="rootText1" refType="h"/>
+                  <dgm:constr type="r" for="ch" forName="rootConnector1" refType="w"/>
+                  <dgm:constr type="t" for="ch" forName="rootConnector1"/>
+                  <dgm:constr type="w" for="ch" forName="rootConnector1" refType="w" refFor="ch" refForName="rootText1" fact="0.2"/>
+                  <dgm:constr type="h" for="ch" forName="rootConnector1" refType="h" refFor="ch" refForName="rootText1"/>
+                </dgm:constrLst>
+              </dgm:else>
+            </dgm:choose>
+            <dgm:ruleLst/>
+            <dgm:layoutNode name="rootText1" styleLbl="node0">
+              <dgm:varLst>
+                <dgm:chPref val="3"/>
+              </dgm:varLst>
+              <dgm:alg type="tx"/>
+              <dgm:shape xmlns:r="http://schemas.openxmlformats.org/officeDocument/2006/relationships" type="rect" r:blip="">
+                <dgm:adjLst/>
+              </dgm:shape>
+              <dgm:presOf axis="self" ptType="node" cnt="1"/>
+              <dgm:constrLst>
+                <dgm:constr type="primFontSz" val="65"/>
+                <dgm:constr type="lMarg" refType="primFontSz" fact="0.05"/>
+                <dgm:constr type="rMarg" refType="primFontSz" fact="0.05"/>
+                <dgm:constr type="tMarg" refType="primFontSz" fact="0.05"/>
+                <dgm:constr type="bMarg" refType="primFontSz" fact="0.05"/>
+              </dgm:constrLst>
+              <dgm:ruleLst>
+                <dgm:rule type="primFontSz" val="5" fact="NaN" max="NaN"/>
+              </dgm:ruleLst>
+            </dgm:layoutNode>
+            <dgm:layoutNode name="rootConnector1" moveWith="rootText1">
+              <dgm:alg type="sp"/>
+              <dgm:shape xmlns:r="http://schemas.openxmlformats.org/officeDocument/2006/relationships" type="rect" r:blip="" hideGeom="1">
+                <dgm:adjLst/>
+              </dgm:shape>
+              <dgm:presOf axis="self" ptType="node" cnt="1"/>
+              <dgm:constrLst/>
+              <dgm:ruleLst/>
+            </dgm:layoutNode>
+          </dgm:layoutNode>
+          <dgm:layoutNode name="hierChild2">
+            <dgm:choose name="Name21">
+              <dgm:if name="Name22" func="var" arg="hierBranch" op="equ" val="l">
+                <dgm:alg type="hierChild">
+                  <dgm:param type="chAlign" val="r"/>
+                  <dgm:param type="linDir" val="fromT"/>
+                </dgm:alg>
+              </dgm:if>
+              <dgm:if name="Name23" func="var" arg="hierBranch" op="equ" val="r">
+                <dgm:alg type="hierChild">
+                  <dgm:param type="chAlign" val="l"/>
+                  <dgm:param type="linDir" val="fromT"/>
+                </dgm:alg>
+              </dgm:if>
+              <dgm:if name="Name24" func="var" arg="hierBranch" op="equ" val="hang">
+                <dgm:choose name="Name25">
+                  <dgm:if name="Name26" func="var" arg="dir" op="equ" val="norm">
+                    <dgm:alg type="hierChild">
+                      <dgm:param type="chAlign" val="l"/>
+                      <dgm:param type="linDir" val="fromL"/>
+                      <dgm:param type="secChAlign" val="t"/>
+                      <dgm:param type="secLinDir" val="fromT"/>
+                    </dgm:alg>
+                  </dgm:if>
+                  <dgm:else name="Name27">
+                    <dgm:alg type="hierChild">
+                      <dgm:param type="chAlign" val="l"/>
+                      <dgm:param type="linDir" val="fromR"/>
+                      <dgm:param type="secChAlign" val="t"/>
+                      <dgm:param type="secLinDir" val="fromT"/>
+                    </dgm:alg>
+                  </dgm:else>
+                </dgm:choose>
+              </dgm:if>
+              <dgm:else name="Name28">
+                <dgm:choose name="Name29">
+                  <dgm:if name="Name30" func="var" arg="dir" op="equ" val="norm">
+                    <dgm:alg type="hierChild"/>
+                  </dgm:if>
+                  <dgm:else name="Name31">
+                    <dgm:alg type="hierChild">
+                      <dgm:param type="linDir" val="fromR"/>
+                    </dgm:alg>
+                  </dgm:else>
+                </dgm:choose>
+              </dgm:else>
+            </dgm:choose>
+            <dgm:shape xmlns:r="http://schemas.openxmlformats.org/officeDocument/2006/relationships" r:blip="">
+              <dgm:adjLst/>
+            </dgm:shape>
+            <dgm:presOf/>
+            <dgm:constrLst/>
+            <dgm:ruleLst/>
+            <dgm:forEach name="rep2a" axis="ch" ptType="nonAsst">
+              <dgm:forEach name="Name32" axis="precedSib" ptType="parTrans" st="-1" cnt="1">
+                <dgm:choose name="Name33">
+                  <dgm:if name="Name34" func="var" arg="hierBranch" op="equ" val="std">
+                    <dgm:layoutNode name="Name35">
+                      <dgm:alg type="conn">
+                        <dgm:param type="connRout" val="bend"/>
+                        <dgm:param type="dim" val="1D"/>
+                        <dgm:param type="endSty" val="noArr"/>
+                        <dgm:param type="begPts" val="bCtr"/>
+                        <dgm:param type="endPts" val="tCtr"/>
+                        <dgm:param type="bendPt" val="end"/>
+                      </dgm:alg>
+                      <dgm:shape xmlns:r="http://schemas.openxmlformats.org/officeDocument/2006/relationships" type="conn" r:blip="" zOrderOff="-99999">
+                        <dgm:adjLst/>
+                      </dgm:shape>
+                      <dgm:presOf axis="self"/>
+                      <dgm:constrLst>
+                        <dgm:constr type="begPad"/>
+                        <dgm:constr type="endPad"/>
+                      </dgm:constrLst>
+                      <dgm:ruleLst/>
+                    </dgm:layoutNode>
+                  </dgm:if>
+                  <dgm:if name="Name36" func="var" arg="hierBranch" op="equ" val="init">
+                    <dgm:layoutNode name="Name37">
+                      <dgm:choose name="Name38">
+                        <dgm:if name="Name39" axis="self" func="depth" op="lte" val="2">
+                          <dgm:alg type="conn">
+                            <dgm:param type="connRout" val="bend"/>
+                            <dgm:param type="dim" val="1D"/>
+                            <dgm:param type="endSty" val="noArr"/>
+                            <dgm:param type="begPts" val="bCtr"/>
+                            <dgm:param type="endPts" val="tCtr"/>
+                            <dgm:param type="bendPt" val="end"/>
+                          </dgm:alg>
+                        </dgm:if>
+                        <dgm:else name="Name40">
+                          <dgm:choose name="Name41">
+                            <dgm:if name="Name42" axis="par des" func="maxDepth" op="lte" val="1">
+                              <dgm:choose name="Name43">
+                                <dgm:if name="Name44" axis="par ch" ptType="node asst" func="cnt" op="gte" val="1">
+                                  <dgm:alg type="conn">
+                                    <dgm:param type="connRout" val="bend"/>
+                                    <dgm:param type="dim" val="1D"/>
+                                    <dgm:param type="endSty" val="noArr"/>
+                                    <dgm:param type="begPts" val="bCtr"/>
+                                    <dgm:param type="endPts" val="midL midR"/>
+                                  </dgm:alg>
+                                </dgm:if>
+                                <dgm:else name="Name45">
+                                  <dgm:alg type="conn">
+                                    <dgm:param type="connRout" val="bend"/>
+                                    <dgm:param type="dim" val="1D"/>
+                                    <dgm:param type="endSty" val="noArr"/>
+                                    <dgm:param type="begPts" val="bCtr"/>
+                                    <dgm:param type="endPts" val="midL midR"/>
+                                    <dgm:param type="srcNode" val="rootConnector"/>
+                                  </dgm:alg>
+                                </dgm:else>
+                              </dgm:choose>
+                            </dgm:if>
+                            <dgm:else name="Name46">
+                              <dgm:alg type="conn">
+                                <dgm:param type="connRout" val="bend"/>
+                                <dgm:param type="dim" val="1D"/>
+                                <dgm:param type="endSty" val="noArr"/>
+                                <dgm:param type="begPts" val="bCtr"/>
+                                <dgm:param type="endPts" val="tCtr"/>
+                                <dgm:param type="bendPt" val="end"/>
+                              </dgm:alg>
+                            </dgm:else>
+                          </dgm:choose>
+                        </dgm:else>
+                      </dgm:choose>
+                      <dgm:shape xmlns:r="http://schemas.openxmlformats.org/officeDocument/2006/relationships" type="conn" r:blip="" zOrderOff="-99999">
+                        <dgm:adjLst/>
+                      </dgm:shape>
+                      <dgm:presOf axis="self"/>
+                      <dgm:constrLst>
+                        <dgm:constr type="begPad"/>
+                        <dgm:constr type="endPad"/>
+                      </dgm:constrLst>
+                      <dgm:ruleLst/>
+                    </dgm:layoutNode>
+                  </dgm:if>
+                  <dgm:if name="Name47" func="var" arg="hierBranch" op="equ" val="hang">
+                    <dgm:layoutNode name="Name48">
+                      <dgm:alg type="conn">
+                        <dgm:param type="connRout" val="bend"/>
+                        <dgm:param type="dim" val="1D"/>
+                        <dgm:param type="endSty" val="noArr"/>
+                        <dgm:param type="begPts" val="bCtr"/>
+                        <dgm:param type="endPts" val="midL midR"/>
+                      </dgm:alg>
+                      <dgm:shape xmlns:r="http://schemas.openxmlformats.org/officeDocument/2006/relationships" type="conn" r:blip="" zOrderOff="-99999">
+                        <dgm:adjLst/>
+                      </dgm:shape>
+                      <dgm:presOf axis="self"/>
+                      <dgm:constrLst>
+                        <dgm:constr type="begPad"/>
+                        <dgm:constr type="endPad"/>
+                      </dgm:constrLst>
+                      <dgm:ruleLst/>
+                    </dgm:layoutNode>
+                  </dgm:if>
+                  <dgm:else name="Name49">
+                    <dgm:layoutNode name="Name50">
+                      <dgm:choose name="Name51">
+                        <dgm:if name="Name52" axis="self" func="depth" op="lte" val="2">
+                          <dgm:choose name="Name53">
+                            <dgm:if name="Name54" axis="par ch" ptType="node asst" func="cnt" op="gte" val="1">
+                              <dgm:alg type="conn">
+                                <dgm:param type="connRout" val="bend"/>
+                                <dgm:param type="dim" val="1D"/>
+                                <dgm:param type="endSty" val="noArr"/>
+                                <dgm:param type="begPts" val="bCtr"/>
+                                <dgm:param type="endPts" val="midL midR"/>
+                              </dgm:alg>
+                            </dgm:if>
+                            <dgm:else name="Name55">
+                              <dgm:alg type="conn">
+                                <dgm:param type="connRout" val="bend"/>
+                                <dgm:param type="dim" val="1D"/>
+                                <dgm:param type="endSty" val="noArr"/>
+                                <dgm:param type="begPts" val="bCtr"/>
+                                <dgm:param type="endPts" val="midL midR"/>
+                                <dgm:param type="srcNode" val="rootConnector1"/>
+                              </dgm:alg>
+                            </dgm:else>
+                          </dgm:choose>
+                        </dgm:if>
+                        <dgm:else name="Name56">
+                          <dgm:choose name="Name57">
+                            <dgm:if name="Name58" axis="par ch" ptType="node asst" func="cnt" op="gte" val="1">
+                              <dgm:alg type="conn">
+                                <dgm:param type="connRout" val="bend"/>
+                                <dgm:param type="dim" val="1D"/>
+                                <dgm:param type="endSty" val="noArr"/>
+                                <dgm:param type="begPts" val="bCtr"/>
+                                <dgm:param type="endPts" val="midL midR"/>
+                              </dgm:alg>
+                            </dgm:if>
+                            <dgm:else name="Name59">
+                              <dgm:alg type="conn">
+                                <dgm:param type="connRout" val="bend"/>
+                                <dgm:param type="dim" val="1D"/>
+                                <dgm:param type="endSty" val="noArr"/>
+                                <dgm:param type="begPts" val="bCtr"/>
+                                <dgm:param type="endPts" val="midL midR"/>
+                                <dgm:param type="srcNode" val="rootConnector"/>
+                              </dgm:alg>
+                            </dgm:else>
+                          </dgm:choose>
+                        </dgm:else>
+                      </dgm:choose>
+                      <dgm:shape xmlns:r="http://schemas.openxmlformats.org/officeDocument/2006/relationships" type="conn" r:blip="" zOrderOff="-99999">
+                        <dgm:adjLst/>
+                      </dgm:shape>
+                      <dgm:presOf axis="self"/>
+                      <dgm:constrLst>
+                        <dgm:constr type="begPad"/>
+                        <dgm:constr type="endPad"/>
+                      </dgm:constrLst>
+                      <dgm:ruleLst/>
+                    </dgm:layoutNode>
+                  </dgm:else>
+                </dgm:choose>
+              </dgm:forEach>
+              <dgm:layoutNode name="hierRoot2">
+                <dgm:varLst>
+                  <dgm:hierBranch val="init"/>
+                </dgm:varLst>
+                <dgm:choose name="Name60">
+                  <dgm:if name="Name61" func="var" arg="hierBranch" op="equ" val="l">
+                    <dgm:choose name="Name62">
+                      <dgm:if name="Name63" axis="ch" ptType="asst" func="cnt" op="gte" val="1">
+                        <dgm:alg type="hierRoot">
+                          <dgm:param type="hierAlign" val="tR"/>
+                        </dgm:alg>
+                        <dgm:shape xmlns:r="http://schemas.openxmlformats.org/officeDocument/2006/relationships" r:blip="">
+                          <dgm:adjLst/>
+                        </dgm:shape>
+                        <dgm:presOf/>
+                        <dgm:constrLst>
+                          <dgm:constr type="alignOff" val="0.65"/>
+                        </dgm:constrLst>
+                      </dgm:if>
+                      <dgm:else name="Name64">
+                        <dgm:alg type="hierRoot">
+                          <dgm:param type="hierAlign" val="tR"/>
+                        </dgm:alg>
+                        <dgm:shape xmlns:r="http://schemas.openxmlformats.org/officeDocument/2006/relationships" r:blip="">
+                          <dgm:adjLst/>
+                        </dgm:shape>
+                        <dgm:presOf/>
+                        <dgm:constrLst>
+                          <dgm:constr type="alignOff" val="0.25"/>
+                        </dgm:constrLst>
+                      </dgm:else>
+                    </dgm:choose>
+                  </dgm:if>
+                  <dgm:if name="Name65" func="var" arg="hierBranch" op="equ" val="r">
+                    <dgm:choose name="Name66">
+                      <dgm:if name="Name67" axis="ch" ptType="asst" func="cnt" op="gte" val="1">
+                        <dgm:alg type="hierRoot">
+                          <dgm:param type="hierAlign" val="tL"/>
+                        </dgm:alg>
+                        <dgm:shape xmlns:r="http://schemas.openxmlformats.org/officeDocument/2006/relationships" r:blip="">
+                          <dgm:adjLst/>
+                        </dgm:shape>
+                        <dgm:presOf/>
+                        <dgm:constrLst>
+                          <dgm:constr type="alignOff" val="0.65"/>
+                        </dgm:constrLst>
+                      </dgm:if>
+                      <dgm:else name="Name68">
+                        <dgm:alg type="hierRoot">
+                          <dgm:param type="hierAlign" val="tL"/>
+                        </dgm:alg>
+                        <dgm:shape xmlns:r="http://schemas.openxmlformats.org/officeDocument/2006/relationships" r:blip="">
+                          <dgm:adjLst/>
+                        </dgm:shape>
+                        <dgm:presOf/>
+                        <dgm:constrLst>
+                          <dgm:constr type="alignOff" val="0.25"/>
+                        </dgm:constrLst>
+                      </dgm:else>
+                    </dgm:choose>
+                  </dgm:if>
+                  <dgm:if name="Name69" func="var" arg="hierBranch" op="equ" val="std">
+                    <dgm:alg type="hierRoot"/>
+                    <dgm:shape xmlns:r="http://schemas.openxmlformats.org/officeDocument/2006/relationships" r:blip="">
+                      <dgm:adjLst/>
+                    </dgm:shape>
+                    <dgm:presOf/>
+                    <dgm:constrLst>
+                      <dgm:constr type="alignOff"/>
+                      <dgm:constr type="bendDist" for="des" ptType="parTrans" refType="sp" fact="0.5"/>
+                    </dgm:constrLst>
+                  </dgm:if>
+                  <dgm:if name="Name70" func="var" arg="hierBranch" op="equ" val="init">
+                    <dgm:choose name="Name71">
+                      <dgm:if name="Name72" axis="des" func="maxDepth" op="lte" val="1">
+                        <dgm:choose name="Name73">
+                          <dgm:if name="Name74" axis="ch" ptType="asst" func="cnt" op="gte" val="1">
+                            <dgm:alg type="hierRoot">
+                              <dgm:param type="hierAlign" val="tL"/>
+                            </dgm:alg>
+                            <dgm:shape xmlns:r="http://schemas.openxmlformats.org/officeDocument/2006/relationships" r:blip="">
+                              <dgm:adjLst/>
+                            </dgm:shape>
+                            <dgm:presOf/>
+                            <dgm:constrLst>
+                              <dgm:constr type="alignOff" val="0.65"/>
+                            </dgm:constrLst>
+                          </dgm:if>
+                          <dgm:else name="Name75">
+                            <dgm:alg type="hierRoot">
+                              <dgm:param type="hierAlign" val="tL"/>
+                            </dgm:alg>
+                            <dgm:shape xmlns:r="http://schemas.openxmlformats.org/officeDocument/2006/relationships" r:blip="">
+                              <dgm:adjLst/>
+                            </dgm:shape>
+                            <dgm:presOf/>
+                            <dgm:constrLst>
+                              <dgm:constr type="alignOff" val="0.25"/>
+                            </dgm:constrLst>
+                          </dgm:else>
+                        </dgm:choose>
+                      </dgm:if>
+                      <dgm:else name="Name76">
+                        <dgm:alg type="hierRoot"/>
+                        <dgm:shape xmlns:r="http://schemas.openxmlformats.org/officeDocument/2006/relationships" r:blip="">
+                          <dgm:adjLst/>
+                        </dgm:shape>
+                        <dgm:presOf/>
+                        <dgm:constrLst>
+                          <dgm:constr type="alignOff"/>
+                          <dgm:constr type="bendDist" for="des" ptType="parTrans" refType="sp" fact="0.5"/>
+                        </dgm:constrLst>
+                      </dgm:else>
+                    </dgm:choose>
+                  </dgm:if>
+                  <dgm:else name="Name77">
+                    <dgm:alg type="hierRoot"/>
+                    <dgm:shape xmlns:r="http://schemas.openxmlformats.org/officeDocument/2006/relationships" r:blip="">
+                      <dgm:adjLst/>
+                    </dgm:shape>
+                    <dgm:presOf/>
+                    <dgm:constrLst>
+                      <dgm:constr type="alignOff" val="0.65"/>
+                    </dgm:constrLst>
+                  </dgm:else>
+                </dgm:choose>
+                <dgm:ruleLst/>
+                <dgm:layoutNode name="rootComposite">
+                  <dgm:alg type="composite"/>
+                  <dgm:shape xmlns:r="http://schemas.openxmlformats.org/officeDocument/2006/relationships" r:blip="">
+                    <dgm:adjLst/>
+                  </dgm:shape>
+                  <dgm:presOf axis="self" ptType="node" cnt="1"/>
+                  <dgm:choose name="Name78">
+                    <dgm:if name="Name79" func="var" arg="hierBranch" op="equ" val="init">
+                      <dgm:constrLst>
+                        <dgm:constr type="l" for="ch" forName="rootText"/>
+                        <dgm:constr type="t" for="ch" forName="rootText"/>
+                        <dgm:constr type="w" for="ch" forName="rootText" refType="w"/>
+                        <dgm:constr type="h" for="ch" forName="rootText" refType="h"/>
+                        <dgm:constr type="l" for="ch" forName="rootConnector"/>
+                        <dgm:constr type="t" for="ch" forName="rootConnector"/>
+                        <dgm:constr type="w" for="ch" forName="rootConnector" refType="w" refFor="ch" refForName="rootText" fact="0.2"/>
+                        <dgm:constr type="h" for="ch" forName="rootConnector" refType="h" refFor="ch" refForName="rootText"/>
+                      </dgm:constrLst>
+                    </dgm:if>
+                    <dgm:if name="Name80" func="var" arg="hierBranch" op="equ" val="l">
+                      <dgm:constrLst>
+                        <dgm:constr type="l" for="ch" forName="rootText"/>
+                        <dgm:constr type="t" for="ch" forName="rootText"/>
+                        <dgm:constr type="w" for="ch" forName="rootText" refType="w"/>
+                        <dgm:constr type="h" for="ch" forName="rootText" refType="h"/>
+                        <dgm:constr type="r" for="ch" forName="rootConnector" refType="w"/>
+                        <dgm:constr type="t" for="ch" forName="rootConnector"/>
+                        <dgm:constr type="w" for="ch" forName="rootConnector" refType="w" refFor="ch" refForName="rootText" fact="0.2"/>
+                        <dgm:constr type="h" for="ch" forName="rootConnector" refType="h" refFor="ch" refForName="rootText"/>
+                      </dgm:constrLst>
+                    </dgm:if>
+                    <dgm:if name="Name81" func="var" arg="hierBranch" op="equ" val="r">
+                      <dgm:constrLst>
+                        <dgm:constr type="l" for="ch" forName="rootText"/>
+                        <dgm:constr type="t" for="ch" forName="rootText"/>
+                        <dgm:constr type="w" for="ch" forName="rootText" refType="w"/>
+                        <dgm:constr type="h" for="ch" forName="rootText" refType="h"/>
+                        <dgm:constr type="l" for="ch" forName="rootConnector"/>
+                        <dgm:constr type="t" for="ch" forName="rootConnector"/>
+                        <dgm:constr type="w" for="ch" forName="rootConnector" refType="w" refFor="ch" refForName="rootText" fact="0.2"/>
+                        <dgm:constr type="h" for="ch" forName="rootConnector" refType="h" refFor="ch" refForName="rootText"/>
+                      </dgm:constrLst>
+                    </dgm:if>
+                    <dgm:else name="Name82">
+                      <dgm:constrLst>
+                        <dgm:constr type="l" for="ch" forName="rootText"/>
+                        <dgm:constr type="t" for="ch" forName="rootText"/>
+                        <dgm:constr type="w" for="ch" forName="rootText" refType="w"/>
+                        <dgm:constr type="h" for="ch" forName="rootText" refType="h"/>
+                        <dgm:constr type="r" for="ch" forName="rootConnector" refType="w"/>
+                        <dgm:constr type="t" for="ch" forName="rootConnector"/>
+                        <dgm:constr type="w" for="ch" forName="rootConnector" refType="w" refFor="ch" refForName="rootText" fact="0.2"/>
+                        <dgm:constr type="h" for="ch" forName="rootConnector" refType="h" refFor="ch" refForName="rootText"/>
+                      </dgm:constrLst>
+                    </dgm:else>
+                  </dgm:choose>
+                  <dgm:ruleLst/>
+                  <dgm:layoutNode name="rootText">
+                    <dgm:varLst>
+                      <dgm:chPref val="3"/>
+                    </dgm:varLst>
+                    <dgm:alg type="tx"/>
+                    <dgm:shape xmlns:r="http://schemas.openxmlformats.org/officeDocument/2006/relationships" type="rect" r:blip="">
+                      <dgm:adjLst/>
+                    </dgm:shape>
+                    <dgm:presOf axis="self" ptType="node" cnt="1"/>
+                    <dgm:constrLst>
+                      <dgm:constr type="primFontSz" val="65"/>
+                      <dgm:constr type="lMarg" refType="primFontSz" fact="0.05"/>
+                      <dgm:constr type="rMarg" refType="primFontSz" fact="0.05"/>
+                      <dgm:constr type="tMarg" refType="primFontSz" fact="0.05"/>
+                      <dgm:constr type="bMarg" refType="primFontSz" fact="0.05"/>
+                    </dgm:constrLst>
+                    <dgm:ruleLst>
+                      <dgm:rule type="primFontSz" val="5" fact="NaN" max="NaN"/>
+                    </dgm:ruleLst>
+                  </dgm:layoutNode>
+                  <dgm:layoutNode name="rootConnector" moveWith="rootText">
+                    <dgm:alg type="sp"/>
+                    <dgm:shape xmlns:r="http://schemas.openxmlformats.org/officeDocument/2006/relationships" type="rect" r:blip="" hideGeom="1">
+                      <dgm:adjLst/>
+                    </dgm:shape>
+                    <dgm:presOf axis="self" ptType="node" cnt="1"/>
+                    <dgm:constrLst/>
+                    <dgm:ruleLst/>
+                  </dgm:layoutNode>
+                </dgm:layoutNode>
+                <dgm:layoutNode name="hierChild4">
+                  <dgm:choose name="Name83">
+                    <dgm:if name="Name84" func="var" arg="hierBranch" op="equ" val="l">
+                      <dgm:alg type="hierChild">
+                        <dgm:param type="chAlign" val="r"/>
+                        <dgm:param type="linDir" val="fromT"/>
+                      </dgm:alg>
+                    </dgm:if>
+                    <dgm:if name="Name85" func="var" arg="hierBranch" op="equ" val="r">
+                      <dgm:alg type="hierChild">
+                        <dgm:param type="chAlign" val="l"/>
+                        <dgm:param type="linDir" val="fromT"/>
+                      </dgm:alg>
+                    </dgm:if>
+                    <dgm:if name="Name86" func="var" arg="hierBranch" op="equ" val="hang">
+                      <dgm:choose name="Name87">
+                        <dgm:if name="Name88" func="var" arg="dir" op="equ" val="norm">
+                          <dgm:alg type="hierChild">
+                            <dgm:param type="chAlign" val="l"/>
+                            <dgm:param type="linDir" val="fromL"/>
+                            <dgm:param type="secChAlign" val="t"/>
+                            <dgm:param type="secLinDir" val="fromT"/>
+                          </dgm:alg>
+                        </dgm:if>
+                        <dgm:else name="Name89">
+                          <dgm:alg type="hierChild">
+                            <dgm:param type="chAlign" val="l"/>
+                            <dgm:param type="linDir" val="fromR"/>
+                            <dgm:param type="secChAlign" val="t"/>
+                            <dgm:param type="secLinDir" val="fromT"/>
+                          </dgm:alg>
+                        </dgm:else>
+                      </dgm:choose>
+                    </dgm:if>
+                    <dgm:if name="Name90" func="var" arg="hierBranch" op="equ" val="std">
+                      <dgm:choose name="Name91">
+                        <dgm:if name="Name92" func="var" arg="dir" op="equ" val="norm">
+                          <dgm:alg type="hierChild"/>
+                        </dgm:if>
+                        <dgm:else name="Name93">
+                          <dgm:alg type="hierChild">
+                            <dgm:param type="linDir" val="fromR"/>
+                          </dgm:alg>
+                        </dgm:else>
+                      </dgm:choose>
+                    </dgm:if>
+                    <dgm:if name="Name94" func="var" arg="hierBranch" op="equ" val="init">
+                      <dgm:choose name="Name95">
+                        <dgm:if name="Name96" axis="des" func="maxDepth" op="lte" val="1">
+                          <dgm:alg type="hierChild">
+                            <dgm:param type="chAlign" val="l"/>
+                            <dgm:param type="linDir" val="fromT"/>
+                          </dgm:alg>
+                        </dgm:if>
+                        <dgm:else name="Name97">
+                          <dgm:choose name="Name98">
+                            <dgm:if name="Name99" func="var" arg="dir" op="equ" val="norm">
+                              <dgm:alg type="hierChild"/>
+                            </dgm:if>
+                            <dgm:else name="Name100">
+                              <dgm:alg type="hierChild">
+                                <dgm:param type="linDir" val="fromR"/>
+                              </dgm:alg>
+                            </dgm:else>
+                          </dgm:choose>
+                        </dgm:else>
+                      </dgm:choose>
+                    </dgm:if>
+                    <dgm:else name="Name101"/>
+                  </dgm:choose>
+                  <dgm:shape xmlns:r="http://schemas.openxmlformats.org/officeDocument/2006/relationships" r:blip="">
+                    <dgm:adjLst/>
+                  </dgm:shape>
+                  <dgm:presOf/>
+                  <dgm:constrLst/>
+                  <dgm:ruleLst/>
+                  <dgm:forEach name="Name102" ref="rep2a"/>
+                </dgm:layoutNode>
+                <dgm:layoutNode name="hierChild5">
+                  <dgm:choose name="Name103">
+                    <dgm:if name="Name104" func="var" arg="dir" op="equ" val="norm">
+                      <dgm:alg type="hierChild">
+                        <dgm:param type="chAlign" val="l"/>
+                        <dgm:param type="linDir" val="fromL"/>
+                        <dgm:param type="secChAlign" val="t"/>
+                        <dgm:param type="secLinDir" val="fromT"/>
+                      </dgm:alg>
+                    </dgm:if>
+                    <dgm:else name="Name105">
+                      <dgm:alg type="hierChild">
+                        <dgm:param type="chAlign" val="l"/>
+                        <dgm:param type="linDir" val="fromR"/>
+                        <dgm:param type="secChAlign" val="t"/>
+                        <dgm:param type="secLinDir" val="fromT"/>
+                      </dgm:alg>
+                    </dgm:else>
+                  </dgm:choose>
+                  <dgm:shape xmlns:r="http://schemas.openxmlformats.org/officeDocument/2006/relationships" r:blip="">
+                    <dgm:adjLst/>
+                  </dgm:shape>
+                  <dgm:presOf/>
+                  <dgm:constrLst/>
+                  <dgm:ruleLst/>
+                  <dgm:forEach name="Name106" ref="rep2b"/>
+                </dgm:layoutNode>
+              </dgm:layoutNode>
+            </dgm:forEach>
+          </dgm:layoutNode>
+          <dgm:layoutNode name="hierChild3">
+            <dgm:choose name="Name107">
+              <dgm:if name="Name108" func="var" arg="dir" op="equ" val="norm">
+                <dgm:alg type="hierChild">
+                  <dgm:param type="chAlign" val="l"/>
+                  <dgm:param type="linDir" val="fromL"/>
+                  <dgm:param type="secChAlign" val="t"/>
+                  <dgm:param type="secLinDir" val="fromT"/>
+                </dgm:alg>
+              </dgm:if>
+              <dgm:else name="Name109">
+                <dgm:alg type="hierChild">
+                  <dgm:param type="chAlign" val="l"/>
+                  <dgm:param type="linDir" val="fromR"/>
+                  <dgm:param type="secChAlign" val="t"/>
+                  <dgm:param type="secLinDir" val="fromT"/>
+                </dgm:alg>
+              </dgm:else>
+            </dgm:choose>
+            <dgm:shape xmlns:r="http://schemas.openxmlformats.org/officeDocument/2006/relationships" r:blip="">
+              <dgm:adjLst/>
+            </dgm:shape>
+            <dgm:presOf/>
+            <dgm:constrLst/>
+            <dgm:ruleLst/>
+            <dgm:forEach name="rep2b" axis="ch" ptType="asst">
+              <dgm:forEach name="Name110" axis="precedSib" ptType="parTrans" st="-1" cnt="1">
+                <dgm:layoutNode name="Name111">
+                  <dgm:alg type="conn">
+                    <dgm:param type="connRout" val="bend"/>
+                    <dgm:param type="dim" val="1D"/>
+                    <dgm:param type="endSty" val="noArr"/>
+                    <dgm:param type="begPts" val="bCtr"/>
+                    <dgm:param type="endPts" val="midL midR"/>
+                  </dgm:alg>
+                  <dgm:shape xmlns:r="http://schemas.openxmlformats.org/officeDocument/2006/relationships" type="conn" r:blip="" zOrderOff="-99999">
+                    <dgm:adjLst/>
+                  </dgm:shape>
+                  <dgm:presOf axis="self"/>
+                  <dgm:constrLst>
+                    <dgm:constr type="begPad"/>
+                    <dgm:constr type="endPad"/>
+                  </dgm:constrLst>
+                  <dgm:ruleLst/>
+                </dgm:layoutNode>
+              </dgm:forEach>
+              <dgm:layoutNode name="hierRoot3">
+                <dgm:varLst>
+                  <dgm:hierBranch val="init"/>
+                </dgm:varLst>
+                <dgm:choose name="Name112">
+                  <dgm:if name="Name113" func="var" arg="hierBranch" op="equ" val="l">
+                    <dgm:alg type="hierRoot">
+                      <dgm:param type="hierAlign" val="tR"/>
+                    </dgm:alg>
+                    <dgm:shape xmlns:r="http://schemas.openxmlformats.org/officeDocument/2006/relationships" r:blip="">
+                      <dgm:adjLst/>
+                    </dgm:shape>
+                    <dgm:presOf/>
+                    <dgm:constrLst>
+                      <dgm:constr type="alignOff" val="0.65"/>
+                    </dgm:constrLst>
+                  </dgm:if>
+                  <dgm:if name="Name114" func="var" arg="hierBranch" op="equ" val="r">
+                    <dgm:alg type="hierRoot">
+                      <dgm:param type="hierAlign" val="tL"/>
+                    </dgm:alg>
+                    <dgm:shape xmlns:r="http://schemas.openxmlformats.org/officeDocument/2006/relationships" r:blip="">
+                      <dgm:adjLst/>
+                    </dgm:shape>
+                    <dgm:presOf/>
+                    <dgm:constrLst>
+                      <dgm:constr type="alignOff" val="0.65"/>
+                    </dgm:constrLst>
+                  </dgm:if>
+                  <dgm:if name="Name115" func="var" arg="hierBranch" op="equ" val="hang">
+                    <dgm:alg type="hierRoot"/>
+                    <dgm:shape xmlns:r="http://schemas.openxmlformats.org/officeDocument/2006/relationships" r:blip="">
+                      <dgm:adjLst/>
+                    </dgm:shape>
+                    <dgm:presOf/>
+                    <dgm:constrLst>
+                      <dgm:constr type="alignOff" val="0.65"/>
+                    </dgm:constrLst>
+                  </dgm:if>
+                  <dgm:if name="Name116" func="var" arg="hierBranch" op="equ" val="std">
+                    <dgm:alg type="hierRoot"/>
+                    <dgm:shape xmlns:r="http://schemas.openxmlformats.org/officeDocument/2006/relationships" r:blip="">
+                      <dgm:adjLst/>
+                    </dgm:shape>
+                    <dgm:presOf/>
+                    <dgm:constrLst>
+                      <dgm:constr type="alignOff"/>
+                      <dgm:constr type="bendDist" for="des" ptType="parTrans" refType="sp" fact="0.5"/>
+                    </dgm:constrLst>
+                  </dgm:if>
+                  <dgm:if name="Name117" func="var" arg="hierBranch" op="equ" val="init">
+                    <dgm:choose name="Name118">
+                      <dgm:if name="Name119" axis="des" func="maxDepth" op="lte" val="1">
+                        <dgm:alg type="hierRoot">
+                          <dgm:param type="hierAlign" val="tL"/>
+                        </dgm:alg>
+                        <dgm:shape xmlns:r="http://schemas.openxmlformats.org/officeDocument/2006/relationships" r:blip="">
+                          <dgm:adjLst/>
+                        </dgm:shape>
+                        <dgm:presOf/>
+                        <dgm:constrLst>
+                          <dgm:constr type="alignOff" val="0.65"/>
+                        </dgm:constrLst>
+                      </dgm:if>
+                      <dgm:else name="Name120">
+                        <dgm:alg type="hierRoot"/>
+                        <dgm:shape xmlns:r="http://schemas.openxmlformats.org/officeDocument/2006/relationships" r:blip="">
+                          <dgm:adjLst/>
+                        </dgm:shape>
+                        <dgm:presOf/>
+                        <dgm:constrLst>
+                          <dgm:constr type="alignOff"/>
+                          <dgm:constr type="bendDist" for="des" ptType="parTrans" refType="sp" fact="0.5"/>
+                        </dgm:constrLst>
+                      </dgm:else>
+                    </dgm:choose>
+                  </dgm:if>
+                  <dgm:else name="Name121"/>
+                </dgm:choose>
+                <dgm:ruleLst/>
+                <dgm:layoutNode name="rootComposite3">
+                  <dgm:alg type="composite"/>
+                  <dgm:shape xmlns:r="http://schemas.openxmlformats.org/officeDocument/2006/relationships" r:blip="">
+                    <dgm:adjLst/>
+                  </dgm:shape>
+                  <dgm:presOf axis="self" ptType="node" cnt="1"/>
+                  <dgm:choose name="Name122">
+                    <dgm:if name="Name123" func="var" arg="hierBranch" op="equ" val="init">
+                      <dgm:constrLst>
+                        <dgm:constr type="l" for="ch" forName="rootText3"/>
+                        <dgm:constr type="t" for="ch" forName="rootText3"/>
+                        <dgm:constr type="w" for="ch" forName="rootText3" refType="w"/>
+                        <dgm:constr type="h" for="ch" forName="rootText3" refType="h"/>
+                        <dgm:constr type="l" for="ch" forName="rootConnector3"/>
+                        <dgm:constr type="t" for="ch" forName="rootConnector3"/>
+                        <dgm:constr type="w" for="ch" forName="rootConnector3" refType="w" refFor="ch" refForName="rootText3" fact="0.2"/>
+                        <dgm:constr type="h" for="ch" forName="rootConnector3" refType="h" refFor="ch" refForName="rootText3"/>
+                      </dgm:constrLst>
+                    </dgm:if>
+                    <dgm:if name="Name124" func="var" arg="hierBranch" op="equ" val="l">
+                      <dgm:constrLst>
+                        <dgm:constr type="l" for="ch" forName="rootText3"/>
+                        <dgm:constr type="t" for="ch" forName="rootText3"/>
+                        <dgm:constr type="w" for="ch" forName="rootText3" refType="w"/>
+                        <dgm:constr type="h" for="ch" forName="rootText3" refType="h"/>
+                        <dgm:constr type="r" for="ch" forName="rootConnector3" refType="w"/>
+                        <dgm:constr type="t" for="ch" forName="rootConnector3"/>
+                        <dgm:constr type="w" for="ch" forName="rootConnector3" refType="w" refFor="ch" refForName="rootText3" fact="0.2"/>
+                        <dgm:constr type="h" for="ch" forName="rootConnector3" refType="h" refFor="ch" refForName="rootText3"/>
+                      </dgm:constrLst>
+                    </dgm:if>
+                    <dgm:if name="Name125" func="var" arg="hierBranch" op="equ" val="r">
+                      <dgm:constrLst>
+                        <dgm:constr type="l" for="ch" forName="rootText3"/>
+                        <dgm:constr type="t" for="ch" forName="rootText3"/>
+                        <dgm:constr type="w" for="ch" forName="rootText3" refType="w"/>
+                        <dgm:constr type="h" for="ch" forName="rootText3" refType="h"/>
+                        <dgm:constr type="l" for="ch" forName="rootConnector3"/>
+                        <dgm:constr type="t" for="ch" forName="rootConnector3"/>
+                        <dgm:constr type="w" for="ch" forName="rootConnector3" refType="w" refFor="ch" refForName="rootText3" fact="0.2"/>
+                        <dgm:constr type="h" for="ch" forName="rootConnector3" refType="h" refFor="ch" refForName="rootText3"/>
+                      </dgm:constrLst>
+                    </dgm:if>
+                    <dgm:else name="Name126">
+                      <dgm:constrLst>
+                        <dgm:constr type="l" for="ch" forName="rootText3"/>
+                        <dgm:constr type="t" for="ch" forName="rootText3"/>
+                        <dgm:constr type="w" for="ch" forName="rootText3" refType="w"/>
+                        <dgm:constr type="h" for="ch" forName="rootText3" refType="h"/>
+                        <dgm:constr type="r" for="ch" forName="rootConnector3" refType="w"/>
+                        <dgm:constr type="t" for="ch" forName="rootConnector3"/>
+                        <dgm:constr type="w" for="ch" forName="rootConnector3" refType="w" refFor="ch" refForName="rootText3" fact="0.2"/>
+                        <dgm:constr type="h" for="ch" forName="rootConnector3" refType="h" refFor="ch" refForName="rootText3"/>
+                      </dgm:constrLst>
+                    </dgm:else>
+                  </dgm:choose>
+                  <dgm:ruleLst/>
+                  <dgm:layoutNode name="rootText3">
+                    <dgm:varLst>
+                      <dgm:chPref val="3"/>
+                    </dgm:varLst>
+                    <dgm:alg type="tx"/>
+                    <dgm:shape xmlns:r="http://schemas.openxmlformats.org/officeDocument/2006/relationships" type="rect" r:blip="">
+                      <dgm:adjLst/>
+                    </dgm:shape>
+                    <dgm:presOf axis="self" ptType="node" cnt="1"/>
+                    <dgm:constrLst>
+                      <dgm:constr type="primFontSz" val="65"/>
+                      <dgm:constr type="lMarg" refType="primFontSz" fact="0.05"/>
+                      <dgm:constr type="rMarg" refType="primFontSz" fact="0.05"/>
+                      <dgm:constr type="tMarg" refType="primFontSz" fact="0.05"/>
+                      <dgm:constr type="bMarg" refType="primFontSz" fact="0.05"/>
+                    </dgm:constrLst>
+                    <dgm:ruleLst>
+                      <dgm:rule type="primFontSz" val="5" fact="NaN" max="NaN"/>
+                    </dgm:ruleLst>
+                  </dgm:layoutNode>
+                  <dgm:layoutNode name="rootConnector3" moveWith="rootText1">
+                    <dgm:alg type="sp"/>
+                    <dgm:shape xmlns:r="http://schemas.openxmlformats.org/officeDocument/2006/relationships" type="rect" r:blip="" hideGeom="1">
+                      <dgm:adjLst/>
+                    </dgm:shape>
+                    <dgm:presOf axis="self" ptType="node" cnt="1"/>
+                    <dgm:constrLst/>
+                    <dgm:ruleLst/>
+                  </dgm:layoutNode>
+                </dgm:layoutNode>
+                <dgm:layoutNode name="hierChild6">
+                  <dgm:choose name="Name127">
+                    <dgm:if name="Name128" func="var" arg="hierBranch" op="equ" val="l">
+                      <dgm:alg type="hierChild">
+                        <dgm:param type="chAlign" val="r"/>
+                        <dgm:param type="linDir" val="fromT"/>
+                      </dgm:alg>
+                    </dgm:if>
+                    <dgm:if name="Name129" func="var" arg="hierBranch" op="equ" val="r">
+                      <dgm:alg type="hierChild">
+                        <dgm:param type="chAlign" val="l"/>
+                        <dgm:param type="linDir" val="fromT"/>
+                      </dgm:alg>
+                    </dgm:if>
+                    <dgm:if name="Name130" func="var" arg="hierBranch" op="equ" val="hang">
+                      <dgm:choose name="Name131">
+                        <dgm:if name="Name132" func="var" arg="dir" op="equ" val="norm">
+                          <dgm:alg type="hierChild">
+                            <dgm:param type="chAlign" val="l"/>
+                            <dgm:param type="linDir" val="fromL"/>
+                            <dgm:param type="secChAlign" val="t"/>
+                            <dgm:param type="secLinDir" val="fromT"/>
+                          </dgm:alg>
+                        </dgm:if>
+                        <dgm:else name="Name133">
+                          <dgm:alg type="hierChild">
+                            <dgm:param type="chAlign" val="l"/>
+                            <dgm:param type="linDir" val="fromR"/>
+                            <dgm:param type="secChAlign" val="t"/>
+                            <dgm:param type="secLinDir" val="fromT"/>
+                          </dgm:alg>
+                        </dgm:else>
+                      </dgm:choose>
+                    </dgm:if>
+                    <dgm:if name="Name134" func="var" arg="hierBranch" op="equ" val="std">
+                      <dgm:choose name="Name135">
+                        <dgm:if name="Name136" func="var" arg="dir" op="equ" val="norm">
+                          <dgm:alg type="hierChild"/>
+                        </dgm:if>
+                        <dgm:else name="Name137">
+                          <dgm:alg type="hierChild">
+                            <dgm:param type="linDir" val="fromR"/>
+                          </dgm:alg>
+                        </dgm:else>
+                      </dgm:choose>
+                    </dgm:if>
+                    <dgm:if name="Name138" func="var" arg="hierBranch" op="equ" val="init">
+                      <dgm:choose name="Name139">
+                        <dgm:if name="Name140" axis="des" func="maxDepth" op="lte" val="1">
+                          <dgm:alg type="hierChild">
+                            <dgm:param type="chAlign" val="l"/>
+                            <dgm:param type="linDir" val="fromT"/>
+                          </dgm:alg>
+                        </dgm:if>
+                        <dgm:else name="Name141">
+                          <dgm:alg type="hierChild"/>
+                        </dgm:else>
+                      </dgm:choose>
+                    </dgm:if>
+                    <dgm:else name="Name142"/>
+                  </dgm:choose>
+                  <dgm:shape xmlns:r="http://schemas.openxmlformats.org/officeDocument/2006/relationships" r:blip="">
+                    <dgm:adjLst/>
+                  </dgm:shape>
+                  <dgm:presOf/>
+                  <dgm:constrLst/>
+                  <dgm:ruleLst/>
+                  <dgm:forEach name="Name143" ref="rep2a"/>
+                </dgm:layoutNode>
+                <dgm:layoutNode name="hierChild7">
+                  <dgm:choose name="Name144">
+                    <dgm:if name="Name145" func="var" arg="dir" op="equ" val="norm">
+                      <dgm:alg type="hierChild">
+                        <dgm:param type="chAlign" val="l"/>
+                        <dgm:param type="linDir" val="fromL"/>
+                        <dgm:param type="secChAlign" val="t"/>
+                        <dgm:param type="secLinDir" val="fromT"/>
+                      </dgm:alg>
+                    </dgm:if>
+                    <dgm:else name="Name146">
+                      <dgm:alg type="hierChild">
+                        <dgm:param type="chAlign" val="l"/>
+                        <dgm:param type="linDir" val="fromR"/>
+                        <dgm:param type="secChAlign" val="t"/>
+                        <dgm:param type="secLinDir" val="fromT"/>
+                      </dgm:alg>
+                    </dgm:else>
+                  </dgm:choose>
+                  <dgm:shape xmlns:r="http://schemas.openxmlformats.org/officeDocument/2006/relationships" r:blip="">
+                    <dgm:adjLst/>
+                  </dgm:shape>
+                  <dgm:presOf/>
+                  <dgm:constrLst/>
+                  <dgm:ruleLst/>
+                  <dgm:forEach name="Name147" ref="rep2b"/>
+                </dgm:layoutNode>
+              </dgm:layoutNode>
+            </dgm:forEach>
+          </dgm:layoutNode>
+        </dgm:layoutNode>
+      </dgm:forEach>
+    </dgm:forEach>
+  </dgm:layoutNode>
+</dgm:layoutDef>
+</file>
+
+<file path=ppt/diagrams/quickStyle1.xml><?xml version="1.0" encoding="utf-8"?>
+<dgm:styleDef xmlns:dgm="http://schemas.openxmlformats.org/drawingml/2006/diagram" xmlns:a="http://schemas.openxmlformats.org/drawingml/2006/main" uniqueId="urn:microsoft.com/office/officeart/2005/8/quickstyle/simple1">
+  <dgm:title val=""/>
+  <dgm:desc val=""/>
+  <dgm:catLst>
+    <dgm:cat type="simple" pri="10100"/>
+  </dgm:catLst>
+  <dgm:scene3d>
+    <a:camera prst="orthographicFront"/>
+    <a:lightRig rig="threePt" dir="t"/>
+  </dgm:scene3d>
+  <dgm:styleLbl name="node0">
+    <dgm:scene3d>
+      <a:camera prst="orthographicFront"/>
+      <a:lightRig rig="threePt" dir="t"/>
+    </dgm:scene3d>
+    <dgm:sp3d/>
+    <dgm:txPr/>
+    <dgm:style>
+      <a:lnRef idx="2">
+        <a:scrgbClr r="0" g="0" b="0"/>
+      </a:lnRef>
+      <a:fillRef idx="1">
+        <a:scrgbClr r="0" g="0" b="0"/>
+      </a:fillRef>
+      <a:effectRef idx="0">
+        <a:scrgbClr r="0" g="0" b="0"/>
+      </a:effectRef>
+      <a:fontRef idx="minor">
+        <a:schemeClr val="lt1"/>
+      </a:fontRef>
+    </dgm:style>
+  </dgm:styleLbl>
+  <dgm:styleLbl name="lnNode1">
+    <dgm:scene3d>
+      <a:camera prst="orthographicFront"/>
+      <a:lightRig rig="threePt" dir="t"/>
+    </dgm:scene3d>
+    <dgm:sp3d/>
+    <dgm:txPr/>
+    <dgm:style>
+      <a:lnRef idx="2">
+        <a:scrgbClr r="0" g="0" b="0"/>
+      </a:lnRef>
+      <a:fillRef idx="1">
+        <a:scrgbClr r="0" g="0" b="0"/>
+      </a:fillRef>
+      <a:effectRef idx="0">
+        <a:scrgbClr r="0" g="0" b="0"/>
+      </a:effectRef>
+      <a:fontRef idx="minor">
+        <a:schemeClr val="lt1"/>
+      </a:fontRef>
+    </dgm:style>
+  </dgm:styleLbl>
+  <dgm:styleLbl name="vennNode1">
+    <dgm:scene3d>
+      <a:camera prst="orthographicFront"/>
+      <a:lightRig rig="threePt" dir="t"/>
+    </dgm:scene3d>
+    <dgm:sp3d/>
+    <dgm:txPr/>
+    <dgm:style>
+      <a:lnRef idx="2">
+        <a:scrgbClr r="0" g="0" b="0"/>
+      </a:lnRef>
+      <a:fillRef idx="1">
+        <a:scrgbClr r="0" g="0" b="0"/>
+      </a:fillRef>
+      <a:effectRef idx="0">
+        <a:scrgbClr r="0" g="0" b="0"/>
+      </a:effectRef>
+      <a:fontRef idx="minor">
+        <a:schemeClr val="tx1"/>
+      </a:fontRef>
+    </dgm:style>
+  </dgm:styleLbl>
+  <dgm:styleLbl name="alignNode1">
+    <dgm:scene3d>
+      <a:camera prst="orthographicFront"/>
+      <a:lightRig rig="threePt" dir="t"/>
+    </dgm:scene3d>
+    <dgm:sp3d/>
+    <dgm:txPr/>
+    <dgm:style>
+      <a:lnRef idx="2">
+        <a:scrgbClr r="0" g="0" b="0"/>
+      </a:lnRef>
+      <a:fillRef idx="1">
+        <a:scrgbClr r="0" g="0" b="0"/>
+      </a:fillRef>
+      <a:effectRef idx="0">
+        <a:scrgbClr r="0" g="0" b="0"/>
+      </a:effectRef>
+      <a:fontRef idx="minor">
+        <a:schemeClr val="lt1"/>
+      </a:fontRef>
+    </dgm:style>
+  </dgm:styleLbl>
+  <dgm:styleLbl name="node1">
+    <dgm:scene3d>
+      <a:camera prst="orthographicFront"/>
+      <a:lightRig rig="threePt" dir="t"/>
+    </dgm:scene3d>
+    <dgm:sp3d/>
+    <dgm:txPr/>
+    <dgm:style>
+      <a:lnRef idx="2">
+        <a:scrgbClr r="0" g="0" b="0"/>
+      </a:lnRef>
+      <a:fillRef idx="1">
+        <a:scrgbClr r="0" g="0" b="0"/>
+      </a:fillRef>
+      <a:effectRef idx="0">
+        <a:scrgbClr r="0" g="0" b="0"/>
+      </a:effectRef>
+      <a:fontRef idx="minor">
+        <a:schemeClr val="lt1"/>
+      </a:fontRef>
+    </dgm:style>
+  </dgm:styleLbl>
+  <dgm:styleLbl name="node2">
+    <dgm:scene3d>
+      <a:camera prst="orthographicFront"/>
+      <a:lightRig rig="threePt" dir="t"/>
+    </dgm:scene3d>
+    <dgm:sp3d/>
+    <dgm:txPr/>
+    <dgm:style>
+      <a:lnRef idx="2">
+        <a:scrgbClr r="0" g="0" b="0"/>
+      </a:lnRef>
+      <a:fillRef idx="1">
+        <a:scrgbClr r="0" g="0" b="0"/>
+      </a:fillRef>
+      <a:effectRef idx="0">
+        <a:scrgbClr r="0" g="0" b="0"/>
+      </a:effectRef>
+      <a:fontRef idx="minor">
+        <a:schemeClr val="lt1"/>
+      </a:fontRef>
+    </dgm:style>
+  </dgm:styleLbl>
+  <dgm:styleLbl name="node3">
+    <dgm:scene3d>
+      <a:camera prst="orthographicFront"/>
+      <a:lightRig rig="threePt" dir="t"/>
+    </dgm:scene3d>
+    <dgm:sp3d/>
+    <dgm:txPr/>
+    <dgm:style>
+      <a:lnRef idx="2">
+        <a:scrgbClr r="0" g="0" b="0"/>
+      </a:lnRef>
+      <a:fillRef idx="1">
+        <a:scrgbClr r="0" g="0" b="0"/>
+      </a:fillRef>
+      <a:effectRef idx="0">
+        <a:scrgbClr r="0" g="0" b="0"/>
+      </a:effectRef>
+      <a:fontRef idx="minor">
+        <a:schemeClr val="lt1"/>
+      </a:fontRef>
+    </dgm:style>
+  </dgm:styleLbl>
+  <dgm:styleLbl name="node4">
+    <dgm:scene3d>
+      <a:camera prst="orthographicFront"/>
+      <a:lightRig rig="threePt" dir="t"/>
+    </dgm:scene3d>
+    <dgm:sp3d/>
+    <dgm:txPr/>
+    <dgm:style>
+      <a:lnRef idx="2">
+        <a:scrgbClr r="0" g="0" b="0"/>
+      </a:lnRef>
+      <a:fillRef idx="1">
+        <a:scrgbClr r="0" g="0" b="0"/>
+      </a:fillRef>
+      <a:effectRef idx="0">
+        <a:scrgbClr r="0" g="0" b="0"/>
+      </a:effectRef>
+      <a:fontRef idx="minor">
+        <a:schemeClr val="lt1"/>
+      </a:fontRef>
+    </dgm:style>
+  </dgm:styleLbl>
+  <dgm:styleLbl name="fgImgPlace1">
+    <dgm:scene3d>
+      <a:camera prst="orthographicFront"/>
+      <a:lightRig rig="threePt" dir="t"/>
+    </dgm:scene3d>
+    <dgm:sp3d/>
+    <dgm:txPr/>
+    <dgm:style>
+      <a:lnRef idx="2">
+        <a:scrgbClr r="0" g="0" b="0"/>
+      </a:lnRef>
+      <a:fillRef idx="1">
+        <a:scrgbClr r="0" g="0" b="0"/>
+      </a:fillRef>
+      <a:effectRef idx="0">
+        <a:scrgbClr r="0" g="0" b="0"/>
+      </a:effectRef>
+      <a:fontRef idx="minor"/>
+    </dgm:style>
+  </dgm:styleLbl>
+  <dgm:styleLbl name="alignImgPlace1">
+    <dgm:scene3d>
+      <a:camera prst="orthographicFront"/>
+      <a:lightRig rig="threePt" dir="t"/>
+    </dgm:scene3d>
+    <dgm:sp3d/>
+    <dgm:txPr/>
+    <dgm:style>
+      <a:lnRef idx="2">
+        <a:scrgbClr r="0" g="0" b="0"/>
+      </a:lnRef>
+      <a:fillRef idx="1">
+        <a:scrgbClr r="0" g="0" b="0"/>
+      </a:fillRef>
+      <a:effectRef idx="0">
+        <a:scrgbClr r="0" g="0" b="0"/>
+      </a:effectRef>
+      <a:fontRef idx="minor"/>
+    </dgm:style>
+  </dgm:styleLbl>
+  <dgm:styleLbl name="bgImgPlace1">
+    <dgm:scene3d>
+      <a:camera prst="orthographicFront"/>
+      <a:lightRig rig="threePt" dir="t"/>
+    </dgm:scene3d>
+    <dgm:sp3d/>
+    <dgm:txPr/>
+    <dgm:style>
+      <a:lnRef idx="2">
+        <a:scrgbClr r="0" g="0" b="0"/>
+      </a:lnRef>
+      <a:fillRef idx="1">
+        <a:scrgbClr r="0" g="0" b="0"/>
+      </a:fillRef>
+      <a:effectRef idx="0">
+        <a:scrgbClr r="0" g="0" b="0"/>
+      </a:effectRef>
+      <a:fontRef idx="minor"/>
+    </dgm:style>
+  </dgm:styleLbl>
+  <dgm:styleLbl name="sibTrans2D1">
+    <dgm:scene3d>
+      <a:camera prst="orthographicFront"/>
+      <a:lightRig rig="threePt" dir="t"/>
+    </dgm:scene3d>
+    <dgm:sp3d/>
+    <dgm:txPr/>
+    <dgm:style>
+      <a:lnRef idx="0">
+        <a:scrgbClr r="0" g="0" b="0"/>
+      </a:lnRef>
+      <a:fillRef idx="1">
+        <a:scrgbClr r="0" g="0" b="0"/>
+      </a:fillRef>
+      <a:effectRef idx="0">
+        <a:scrgbClr r="0" g="0" b="0"/>
+      </a:effectRef>
+      <a:fontRef idx="minor">
+        <a:schemeClr val="lt1"/>
+      </a:fontRef>
+    </dgm:style>
+  </dgm:styleLbl>
+  <dgm:styleLbl name="fgSibTrans2D1">
+    <dgm:scene3d>
+      <a:camera prst="orthographicFront"/>
+      <a:lightRig rig="threePt" dir="t"/>
+    </dgm:scene3d>
+    <dgm:sp3d/>
+    <dgm:txPr/>
+    <dgm:style>
+      <a:lnRef idx="0">
+        <a:scrgbClr r="0" g="0" b="0"/>
+      </a:lnRef>
+      <a:fillRef idx="1">
+        <a:scrgbClr r="0" g="0" b="0"/>
+      </a:fillRef>
+      <a:effectRef idx="0">
+        <a:scrgbClr r="0" g="0" b="0"/>
+      </a:effectRef>
+      <a:fontRef idx="minor">
+        <a:schemeClr val="lt1"/>
+      </a:fontRef>
+    </dgm:style>
+  </dgm:styleLbl>
+  <dgm:styleLbl name="bgSibTrans2D1">
+    <dgm:scene3d>
+      <a:camera prst="orthographicFront"/>
+      <a:lightRig rig="threePt" dir="t"/>
+    </dgm:scene3d>
+    <dgm:sp3d/>
+    <dgm:txPr/>
+    <dgm:style>
+      <a:lnRef idx="0">
+        <a:scrgbClr r="0" g="0" b="0"/>
+      </a:lnRef>
+      <a:fillRef idx="1">
+        <a:scrgbClr r="0" g="0" b="0"/>
+      </a:fillRef>
+      <a:effectRef idx="0">
+        <a:scrgbClr r="0" g="0" b="0"/>
+      </a:effectRef>
+      <a:fontRef idx="minor">
+        <a:schemeClr val="lt1"/>
+      </a:fontRef>
+    </dgm:style>
+  </dgm:styleLbl>
+  <dgm:styleLbl name="sibTrans1D1">
+    <dgm:scene3d>
+      <a:camera prst="orthographicFront"/>
+      <a:lightRig rig="threePt" dir="t"/>
+    </dgm:scene3d>
+    <dgm:sp3d/>
+    <dgm:txPr/>
+    <dgm:style>
+      <a:lnRef idx="1">
+        <a:scrgbClr r="0" g="0" b="0"/>
+      </a:lnRef>
+      <a:fillRef idx="0">
+        <a:scrgbClr r="0" g="0" b="0"/>
+      </a:fillRef>
+      <a:effectRef idx="0">
+        <a:scrgbClr r="0" g="0" b="0"/>
+      </a:effectRef>
+      <a:fontRef idx="minor"/>
+    </dgm:style>
+  </dgm:styleLbl>
+  <dgm:styleLbl name="callout">
+    <dgm:scene3d>
+      <a:camera prst="orthographicFront"/>
+      <a:lightRig rig="threePt" dir="t"/>
+    </dgm:scene3d>
+    <dgm:sp3d/>
+    <dgm:txPr/>
+    <dgm:style>
+      <a:lnRef idx="2">
+        <a:scrgbClr r="0" g="0" b="0"/>
+      </a:lnRef>
+      <a:fillRef idx="1">
+        <a:scrgbClr r="0" g="0" b="0"/>
+      </a:fillRef>
+      <a:effectRef idx="0">
+        <a:scrgbClr r="0" g="0" b="0"/>
+      </a:effectRef>
+      <a:fontRef idx="minor"/>
+    </dgm:style>
+  </dgm:styleLbl>
+  <dgm:styleLbl name="asst0">
+    <dgm:scene3d>
+      <a:camera prst="orthographicFront"/>
+      <a:lightRig rig="threePt" dir="t"/>
+    </dgm:scene3d>
+    <dgm:sp3d/>
+    <dgm:txPr/>
+    <dgm:style>
+      <a:lnRef idx="2">
+        <a:scrgbClr r="0" g="0" b="0"/>
+      </a:lnRef>
+      <a:fillRef idx="1">
+        <a:scrgbClr r="0" g="0" b="0"/>
+      </a:fillRef>
+      <a:effectRef idx="0">
+        <a:scrgbClr r="0" g="0" b="0"/>
+      </a:effectRef>
+      <a:fontRef idx="minor">
+        <a:schemeClr val="lt1"/>
+      </a:fontRef>
+    </dgm:style>
+  </dgm:styleLbl>
+  <dgm:styleLbl name="asst1">
+    <dgm:scene3d>
+      <a:camera prst="orthographicFront"/>
+      <a:lightRig rig="threePt" dir="t"/>
+    </dgm:scene3d>
+    <dgm:sp3d/>
+    <dgm:txPr/>
+    <dgm:style>
+      <a:lnRef idx="2">
+        <a:scrgbClr r="0" g="0" b="0"/>
+      </a:lnRef>
+      <a:fillRef idx="1">
+        <a:scrgbClr r="0" g="0" b="0"/>
+      </a:fillRef>
+      <a:effectRef idx="0">
+        <a:scrgbClr r="0" g="0" b="0"/>
+      </a:effectRef>
+      <a:fontRef idx="minor">
+        <a:schemeClr val="lt1"/>
+      </a:fontRef>
+    </dgm:style>
+  </dgm:styleLbl>
+  <dgm:styleLbl name="asst2">
+    <dgm:scene3d>
+      <a:camera prst="orthographicFront"/>
+      <a:lightRig rig="threePt" dir="t"/>
+    </dgm:scene3d>
+    <dgm:sp3d/>
+    <dgm:txPr/>
+    <dgm:style>
+      <a:lnRef idx="2">
+        <a:scrgbClr r="0" g="0" b="0"/>
+      </a:lnRef>
+      <a:fillRef idx="1">
+        <a:scrgbClr r="0" g="0" b="0"/>
+      </a:fillRef>
+      <a:effectRef idx="0">
+        <a:scrgbClr r="0" g="0" b="0"/>
+      </a:effectRef>
+      <a:fontRef idx="minor">
+        <a:schemeClr val="lt1"/>
+      </a:fontRef>
+    </dgm:style>
+  </dgm:styleLbl>
+  <dgm:styleLbl name="asst3">
+    <dgm:scene3d>
+      <a:camera prst="orthographicFront"/>
+      <a:lightRig rig="threePt" dir="t"/>
+    </dgm:scene3d>
+    <dgm:sp3d/>
+    <dgm:txPr/>
+    <dgm:style>
+      <a:lnRef idx="2">
+        <a:scrgbClr r="0" g="0" b="0"/>
+      </a:lnRef>
+      <a:fillRef idx="1">
+        <a:scrgbClr r="0" g="0" b="0"/>
+      </a:fillRef>
+      <a:effectRef idx="0">
+        <a:scrgbClr r="0" g="0" b="0"/>
+      </a:effectRef>
+      <a:fontRef idx="minor">
+        <a:schemeClr val="lt1"/>
+      </a:fontRef>
+    </dgm:style>
+  </dgm:styleLbl>
+  <dgm:styleLbl name="asst4">
+    <dgm:scene3d>
+      <a:camera prst="orthographicFront"/>
+      <a:lightRig rig="threePt" dir="t"/>
+    </dgm:scene3d>
+    <dgm:sp3d/>
+    <dgm:txPr/>
+    <dgm:style>
+      <a:lnRef idx="2">
+        <a:scrgbClr r="0" g="0" b="0"/>
+      </a:lnRef>
+      <a:fillRef idx="1">
+        <a:scrgbClr r="0" g="0" b="0"/>
+      </a:fillRef>
+      <a:effectRef idx="0">
+        <a:scrgbClr r="0" g="0" b="0"/>
+      </a:effectRef>
+      <a:fontRef idx="minor">
+        <a:schemeClr val="lt1"/>
+      </a:fontRef>
+    </dgm:style>
+  </dgm:styleLbl>
+  <dgm:styleLbl name="parChTrans2D1">
+    <dgm:scene3d>
+      <a:camera prst="orthographicFront"/>
+      <a:lightRig rig="threePt" dir="t"/>
+    </dgm:scene3d>
+    <dgm:sp3d/>
+    <dgm:txPr/>
+    <dgm:style>
+      <a:lnRef idx="2">
+        <a:scrgbClr r="0" g="0" b="0"/>
+      </a:lnRef>
+      <a:fillRef idx="1">
+        <a:scrgbClr r="0" g="0" b="0"/>
+      </a:fillRef>
+      <a:effectRef idx="0">
+        <a:scrgbClr r="0" g="0" b="0"/>
+      </a:effectRef>
+      <a:fontRef idx="minor">
+        <a:schemeClr val="lt1"/>
+      </a:fontRef>
+    </dgm:style>
+  </dgm:styleLbl>
+  <dgm:styleLbl name="parChTrans2D2">
+    <dgm:scene3d>
+      <a:camera prst="orthographicFront"/>
+      <a:lightRig rig="threePt" dir="t"/>
+    </dgm:scene3d>
+    <dgm:sp3d/>
+    <dgm:txPr/>
+    <dgm:style>
+      <a:lnRef idx="2">
+        <a:scrgbClr r="0" g="0" b="0"/>
+      </a:lnRef>
+      <a:fillRef idx="1">
+        <a:scrgbClr r="0" g="0" b="0"/>
+      </a:fillRef>
+      <a:effectRef idx="0">
+        <a:scrgbClr r="0" g="0" b="0"/>
+      </a:effectRef>
+      <a:fontRef idx="minor">
+        <a:schemeClr val="lt1"/>
+      </a:fontRef>
+    </dgm:style>
+  </dgm:styleLbl>
+  <dgm:styleLbl name="parChTrans2D3">
+    <dgm:scene3d>
+      <a:camera prst="orthographicFront"/>
+      <a:lightRig rig="threePt" dir="t"/>
+    </dgm:scene3d>
+    <dgm:sp3d/>
+    <dgm:txPr/>
+    <dgm:style>
+      <a:lnRef idx="2">
+        <a:scrgbClr r="0" g="0" b="0"/>
+      </a:lnRef>
+      <a:fillRef idx="1">
+        <a:scrgbClr r="0" g="0" b="0"/>
+      </a:fillRef>
+      <a:effectRef idx="0">
+        <a:scrgbClr r="0" g="0" b="0"/>
+      </a:effectRef>
+      <a:fontRef idx="minor">
+        <a:schemeClr val="lt1"/>
+      </a:fontRef>
+    </dgm:style>
+  </dgm:styleLbl>
+  <dgm:styleLbl name="parChTrans2D4">
+    <dgm:scene3d>
+      <a:camera prst="orthographicFront"/>
+      <a:lightRig rig="threePt" dir="t"/>
+    </dgm:scene3d>
+    <dgm:sp3d/>
+    <dgm:txPr/>
+    <dgm:style>
+      <a:lnRef idx="2">
+        <a:scrgbClr r="0" g="0" b="0"/>
+      </a:lnRef>
+      <a:fillRef idx="1">
+        <a:scrgbClr r="0" g="0" b="0"/>
+      </a:fillRef>
+      <a:effectRef idx="0">
+        <a:scrgbClr r="0" g="0" b="0"/>
+      </a:effectRef>
+      <a:fontRef idx="minor">
+        <a:schemeClr val="lt1"/>
+      </a:fontRef>
+    </dgm:style>
+  </dgm:styleLbl>
+  <dgm:styleLbl name="parChTrans1D1">
+    <dgm:scene3d>
+      <a:camera prst="orthographicFront"/>
+      <a:lightRig rig="threePt" dir="t"/>
+    </dgm:scene3d>
+    <dgm:sp3d/>
+    <dgm:txPr/>
+    <dgm:style>
+      <a:lnRef idx="2">
+        <a:scrgbClr r="0" g="0" b="0"/>
+      </a:lnRef>
+      <a:fillRef idx="0">
+        <a:scrgbClr r="0" g="0" b="0"/>
+      </a:fillRef>
+      <a:effectRef idx="0">
+        <a:scrgbClr r="0" g="0" b="0"/>
+      </a:effectRef>
+      <a:fontRef idx="minor"/>
+    </dgm:style>
+  </dgm:styleLbl>
+  <dgm:styleLbl name="parChTrans1D2">
+    <dgm:scene3d>
+      <a:camera prst="orthographicFront"/>
+      <a:lightRig rig="threePt" dir="t"/>
+    </dgm:scene3d>
+    <dgm:sp3d/>
+    <dgm:txPr/>
+    <dgm:style>
+      <a:lnRef idx="2">
+        <a:scrgbClr r="0" g="0" b="0"/>
+      </a:lnRef>
+      <a:fillRef idx="0">
+        <a:scrgbClr r="0" g="0" b="0"/>
+      </a:fillRef>
+      <a:effectRef idx="0">
+        <a:scrgbClr r="0" g="0" b="0"/>
+      </a:effectRef>
+      <a:fontRef idx="minor"/>
+    </dgm:style>
+  </dgm:styleLbl>
+  <dgm:styleLbl name="parChTrans1D3">
+    <dgm:scene3d>
+      <a:camera prst="orthographicFront"/>
+      <a:lightRig rig="threePt" dir="t"/>
+    </dgm:scene3d>
+    <dgm:sp3d/>
+    <dgm:txPr/>
+    <dgm:style>
+      <a:lnRef idx="2">
+        <a:scrgbClr r="0" g="0" b="0"/>
+      </a:lnRef>
+      <a:fillRef idx="0">
+        <a:scrgbClr r="0" g="0" b="0"/>
+      </a:fillRef>
+      <a:effectRef idx="0">
+        <a:scrgbClr r="0" g="0" b="0"/>
+      </a:effectRef>
+      <a:fontRef idx="minor"/>
+    </dgm:style>
+  </dgm:styleLbl>
+  <dgm:styleLbl name="parChTrans1D4">
+    <dgm:scene3d>
+      <a:camera prst="orthographicFront"/>
+      <a:lightRig rig="threePt" dir="t"/>
+    </dgm:scene3d>
+    <dgm:sp3d/>
+    <dgm:txPr/>
+    <dgm:style>
+      <a:lnRef idx="2">
+        <a:scrgbClr r="0" g="0" b="0"/>
+      </a:lnRef>
+      <a:fillRef idx="0">
+        <a:scrgbClr r="0" g="0" b="0"/>
+      </a:fillRef>
+      <a:effectRef idx="0">
+        <a:scrgbClr r="0" g="0" b="0"/>
+      </a:effectRef>
+      <a:fontRef idx="minor"/>
+    </dgm:style>
+  </dgm:styleLbl>
+  <dgm:styleLbl name="fgAcc1">
+    <dgm:scene3d>
+      <a:camera prst="orthographicFront"/>
+      <a:lightRig rig="threePt" dir="t"/>
+    </dgm:scene3d>
+    <dgm:sp3d/>
+    <dgm:txPr/>
+    <dgm:style>
+      <a:lnRef idx="2">
+        <a:scrgbClr r="0" g="0" b="0"/>
+      </a:lnRef>
+      <a:fillRef idx="1">
+        <a:scrgbClr r="0" g="0" b="0"/>
+      </a:fillRef>
+      <a:effectRef idx="0">
+        <a:scrgbClr r="0" g="0" b="0"/>
+      </a:effectRef>
+      <a:fontRef idx="minor"/>
+    </dgm:style>
+  </dgm:styleLbl>
+  <dgm:styleLbl name="conFgAcc1">
+    <dgm:scene3d>
+      <a:camera prst="orthographicFront"/>
+      <a:lightRig rig="threePt" dir="t"/>
+    </dgm:scene3d>
+    <dgm:sp3d/>
+    <dgm:txPr/>
+    <dgm:style>
+      <a:lnRef idx="2">
+        <a:scrgbClr r="0" g="0" b="0"/>
+      </a:lnRef>
+      <a:fillRef idx="1">
+        <a:scrgbClr r="0" g="0" b="0"/>
+      </a:fillRef>
+      <a:effectRef idx="0">
+        <a:scrgbClr r="0" g="0" b="0"/>
+      </a:effectRef>
+      <a:fontRef idx="minor"/>
+    </dgm:style>
+  </dgm:styleLbl>
+  <dgm:styleLbl name="alignAcc1">
+    <dgm:scene3d>
+      <a:camera prst="orthographicFront"/>
+      <a:lightRig rig="threePt" dir="t"/>
+    </dgm:scene3d>
+    <dgm:sp3d/>
+    <dgm:txPr/>
+    <dgm:style>
+      <a:lnRef idx="2">
+        <a:scrgbClr r="0" g="0" b="0"/>
+      </a:lnRef>
+      <a:fillRef idx="1">
+        <a:scrgbClr r="0" g="0" b="0"/>
+      </a:fillRef>
+      <a:effectRef idx="0">
+        <a:scrgbClr r="0" g="0" b="0"/>
+      </a:effectRef>
+      <a:fontRef idx="minor"/>
+    </dgm:style>
+  </dgm:styleLbl>
+  <dgm:styleLbl name="trAlignAcc1">
+    <dgm:scene3d>
+      <a:camera prst="orthographicFront"/>
+      <a:lightRig rig="threePt" dir="t"/>
+    </dgm:scene3d>
+    <dgm:sp3d/>
+    <dgm:txPr/>
+    <dgm:style>
+      <a:lnRef idx="1">
+        <a:scrgbClr r="0" g="0" b="0"/>
+      </a:lnRef>
+      <a:fillRef idx="1">
+        <a:scrgbClr r="0" g="0" b="0"/>
+      </a:fillRef>
+      <a:effectRef idx="0">
+        <a:scrgbClr r="0" g="0" b="0"/>
+      </a:effectRef>
+      <a:fontRef idx="minor"/>
+    </dgm:style>
+  </dgm:styleLbl>
+  <dgm:styleLbl name="bgAcc1">
+    <dgm:scene3d>
+      <a:camera prst="orthographicFront"/>
+      <a:lightRig rig="threePt" dir="t"/>
+    </dgm:scene3d>
+    <dgm:sp3d/>
+    <dgm:txPr/>
+    <dgm:style>
+      <a:lnRef idx="2">
+        <a:scrgbClr r="0" g="0" b="0"/>
+      </a:lnRef>
+      <a:fillRef idx="1">
+        <a:scrgbClr r="0" g="0" b="0"/>
+      </a:fillRef>
+      <a:effectRef idx="0">
+        <a:scrgbClr r="0" g="0" b="0"/>
+      </a:effectRef>
+      <a:fontRef idx="minor"/>
+    </dgm:style>
+  </dgm:styleLbl>
+  <dgm:styleLbl name="solidFgAcc1">
+    <dgm:scene3d>
+      <a:camera prst="orthographicFront"/>
+      <a:lightRig rig="threePt" dir="t"/>
+    </dgm:scene3d>
+    <dgm:sp3d/>
+    <dgm:txPr/>
+    <dgm:style>
+      <a:lnRef idx="2">
+        <a:scrgbClr r="0" g="0" b="0"/>
+      </a:lnRef>
+      <a:fillRef idx="1">
+        <a:scrgbClr r="0" g="0" b="0"/>
+      </a:fillRef>
+      <a:effectRef idx="0">
+        <a:scrgbClr r="0" g="0" b="0"/>
+      </a:effectRef>
+      <a:fontRef idx="minor"/>
+    </dgm:style>
+  </dgm:styleLbl>
+  <dgm:styleLbl name="solidAlignAcc1">
+    <dgm:scene3d>
+      <a:camera prst="orthographicFront"/>
+      <a:lightRig rig="threePt" dir="t"/>
+    </dgm:scene3d>
+    <dgm:sp3d/>
+    <dgm:txPr/>
+    <dgm:style>
+      <a:lnRef idx="2">
+        <a:scrgbClr r="0" g="0" b="0"/>
+      </a:lnRef>
+      <a:fillRef idx="1">
+        <a:scrgbClr r="0" g="0" b="0"/>
+      </a:fillRef>
+      <a:effectRef idx="0">
+        <a:scrgbClr r="0" g="0" b="0"/>
+      </a:effectRef>
+      <a:fontRef idx="minor"/>
+    </dgm:style>
+  </dgm:styleLbl>
+  <dgm:styleLbl name="solidBgAcc1">
+    <dgm:scene3d>
+      <a:camera prst="orthographicFront"/>
+      <a:lightRig rig="threePt" dir="t"/>
+    </dgm:scene3d>
+    <dgm:sp3d/>
+    <dgm:txPr/>
+    <dgm:style>
+      <a:lnRef idx="2">
+        <a:scrgbClr r="0" g="0" b="0"/>
+      </a:lnRef>
+      <a:fillRef idx="1">
+        <a:scrgbClr r="0" g="0" b="0"/>
+      </a:fillRef>
+      <a:effectRef idx="0">
+        <a:scrgbClr r="0" g="0" b="0"/>
+      </a:effectRef>
+      <a:fontRef idx="minor"/>
+    </dgm:style>
+  </dgm:styleLbl>
+  <dgm:styleLbl name="fgAccFollowNode1">
+    <dgm:scene3d>
+      <a:camera prst="orthographicFront"/>
+      <a:lightRig rig="threePt" dir="t"/>
+    </dgm:scene3d>
+    <dgm:sp3d/>
+    <dgm:txPr/>
+    <dgm:style>
+      <a:lnRef idx="2">
+        <a:scrgbClr r="0" g="0" b="0"/>
+      </a:lnRef>
+      <a:fillRef idx="1">
+        <a:scrgbClr r="0" g="0" b="0"/>
+      </a:fillRef>
+      <a:effectRef idx="0">
+        <a:scrgbClr r="0" g="0" b="0"/>
+      </a:effectRef>
+      <a:fontRef idx="minor"/>
+    </dgm:style>
+  </dgm:styleLbl>
+  <dgm:styleLbl name="alignAccFollowNode1">
+    <dgm:scene3d>
+      <a:camera prst="orthographicFront"/>
+      <a:lightRig rig="threePt" dir="t"/>
+    </dgm:scene3d>
+    <dgm:sp3d/>
+    <dgm:txPr/>
+    <dgm:style>
+      <a:lnRef idx="2">
+        <a:scrgbClr r="0" g="0" b="0"/>
+      </a:lnRef>
+      <a:fillRef idx="1">
+        <a:scrgbClr r="0" g="0" b="0"/>
+      </a:fillRef>
+      <a:effectRef idx="0">
+        <a:scrgbClr r="0" g="0" b="0"/>
+      </a:effectRef>
+      <a:fontRef idx="minor"/>
+    </dgm:style>
+  </dgm:styleLbl>
+  <dgm:styleLbl name="bgAccFollowNode1">
+    <dgm:scene3d>
+      <a:camera prst="orthographicFront"/>
+      <a:lightRig rig="threePt" dir="t"/>
+    </dgm:scene3d>
+    <dgm:sp3d/>
+    <dgm:txPr/>
+    <dgm:style>
+      <a:lnRef idx="2">
+        <a:scrgbClr r="0" g="0" b="0"/>
+      </a:lnRef>
+      <a:fillRef idx="1">
+        <a:scrgbClr r="0" g="0" b="0"/>
+      </a:fillRef>
+      <a:effectRef idx="0">
+        <a:scrgbClr r="0" g="0" b="0"/>
+      </a:effectRef>
+      <a:fontRef idx="minor"/>
+    </dgm:style>
+  </dgm:styleLbl>
+  <dgm:styleLbl name="fgAcc0">
+    <dgm:scene3d>
+      <a:camera prst="orthographicFront"/>
+      <a:lightRig rig="threePt" dir="t"/>
+    </dgm:scene3d>
+    <dgm:sp3d/>
+    <dgm:txPr/>
+    <dgm:style>
+      <a:lnRef idx="2">
+        <a:scrgbClr r="0" g="0" b="0"/>
+      </a:lnRef>
+      <a:fillRef idx="1">
+        <a:scrgbClr r="0" g="0" b="0"/>
+      </a:fillRef>
+      <a:effectRef idx="0">
+        <a:scrgbClr r="0" g="0" b="0"/>
+      </a:effectRef>
+      <a:fontRef idx="minor"/>
+    </dgm:style>
+  </dgm:styleLbl>
+  <dgm:styleLbl name="fgAcc2">
+    <dgm:scene3d>
+      <a:camera prst="orthographicFront"/>
+      <a:lightRig rig="threePt" dir="t"/>
+    </dgm:scene3d>
+    <dgm:sp3d/>
+    <dgm:txPr/>
+    <dgm:style>
+      <a:lnRef idx="2">
+        <a:scrgbClr r="0" g="0" b="0"/>
+      </a:lnRef>
+      <a:fillRef idx="1">
+        <a:scrgbClr r="0" g="0" b="0"/>
+      </a:fillRef>
+      <a:effectRef idx="0">
+        <a:scrgbClr r="0" g="0" b="0"/>
+      </a:effectRef>
+      <a:fontRef idx="minor"/>
+    </dgm:style>
+  </dgm:styleLbl>
+  <dgm:styleLbl name="fgAcc3">
+    <dgm:scene3d>
+      <a:camera prst="orthographicFront"/>
+      <a:lightRig rig="threePt" dir="t"/>
+    </dgm:scene3d>
+    <dgm:sp3d/>
+    <dgm:txPr/>
+    <dgm:style>
+      <a:lnRef idx="2">
+        <a:scrgbClr r="0" g="0" b="0"/>
+      </a:lnRef>
+      <a:fillRef idx="1">
+        <a:scrgbClr r="0" g="0" b="0"/>
+      </a:fillRef>
+      <a:effectRef idx="0">
+        <a:scrgbClr r="0" g="0" b="0"/>
+      </a:effectRef>
+      <a:fontRef idx="minor"/>
+    </dgm:style>
+  </dgm:styleLbl>
+  <dgm:styleLbl name="fgAcc4">
+    <dgm:scene3d>
+      <a:camera prst="orthographicFront"/>
+      <a:lightRig rig="threePt" dir="t"/>
+    </dgm:scene3d>
+    <dgm:sp3d/>
+    <dgm:txPr/>
+    <dgm:style>
+      <a:lnRef idx="2">
+        <a:scrgbClr r="0" g="0" b="0"/>
+      </a:lnRef>
+      <a:fillRef idx="1">
+        <a:scrgbClr r="0" g="0" b="0"/>
+      </a:fillRef>
+      <a:effectRef idx="0">
+        <a:scrgbClr r="0" g="0" b="0"/>
+      </a:effectRef>
+      <a:fontRef idx="minor"/>
+    </dgm:style>
+  </dgm:styleLbl>
+  <dgm:styleLbl name="bgShp">
+    <dgm:scene3d>
+      <a:camera prst="orthographicFront"/>
+      <a:lightRig rig="threePt" dir="t"/>
+    </dgm:scene3d>
+    <dgm:sp3d/>
+    <dgm:txPr/>
+    <dgm:style>
+      <a:lnRef idx="0">
+        <a:scrgbClr r="0" g="0" b="0"/>
+      </a:lnRef>
+      <a:fillRef idx="1">
+        <a:scrgbClr r="0" g="0" b="0"/>
+      </a:fillRef>
+      <a:effectRef idx="0">
+        <a:scrgbClr r="0" g="0" b="0"/>
+      </a:effectRef>
+      <a:fontRef idx="minor"/>
+    </dgm:style>
+  </dgm:styleLbl>
+  <dgm:styleLbl name="dkBgShp">
+    <dgm:scene3d>
+      <a:camera prst="orthographicFront"/>
+      <a:lightRig rig="threePt" dir="t"/>
+    </dgm:scene3d>
+    <dgm:sp3d/>
+    <dgm:txPr/>
+    <dgm:style>
+      <a:lnRef idx="0">
+        <a:scrgbClr r="0" g="0" b="0"/>
+      </a:lnRef>
+      <a:fillRef idx="1">
+        <a:scrgbClr r="0" g="0" b="0"/>
+      </a:fillRef>
+      <a:effectRef idx="0">
+        <a:scrgbClr r="0" g="0" b="0"/>
+      </a:effectRef>
+      <a:fontRef idx="minor"/>
+    </dgm:style>
+  </dgm:styleLbl>
+  <dgm:styleLbl name="trBgShp">
+    <dgm:scene3d>
+      <a:camera prst="orthographicFront"/>
+      <a:lightRig rig="threePt" dir="t"/>
+    </dgm:scene3d>
+    <dgm:sp3d/>
+    <dgm:txPr/>
+    <dgm:style>
+      <a:lnRef idx="0">
+        <a:scrgbClr r="0" g="0" b="0"/>
+      </a:lnRef>
+      <a:fillRef idx="1">
+        <a:scrgbClr r="0" g="0" b="0"/>
+      </a:fillRef>
+      <a:effectRef idx="0">
+        <a:scrgbClr r="0" g="0" b="0"/>
+      </a:effectRef>
+      <a:fontRef idx="minor"/>
+    </dgm:style>
+  </dgm:styleLbl>
+  <dgm:styleLbl name="fgShp">
+    <dgm:scene3d>
+      <a:camera prst="orthographicFront"/>
+      <a:lightRig rig="threePt" dir="t"/>
+    </dgm:scene3d>
+    <dgm:sp3d/>
+    <dgm:txPr/>
+    <dgm:style>
+      <a:lnRef idx="2">
+        <a:scrgbClr r="0" g="0" b="0"/>
+      </a:lnRef>
+      <a:fillRef idx="1">
+        <a:scrgbClr r="0" g="0" b="0"/>
+      </a:fillRef>
+      <a:effectRef idx="0">
+        <a:scrgbClr r="0" g="0" b="0"/>
+      </a:effectRef>
+      <a:fontRef idx="minor"/>
+    </dgm:style>
+  </dgm:styleLbl>
+  <dgm:styleLbl name="revTx">
+    <dgm:scene3d>
+      <a:camera prst="orthographicFront"/>
+      <a:lightRig rig="threePt" dir="t"/>
+    </dgm:scene3d>
+    <dgm:sp3d/>
+    <dgm:txPr/>
+    <dgm:style>
+      <a:lnRef idx="0">
+        <a:scrgbClr r="0" g="0" b="0"/>
+      </a:lnRef>
+      <a:fillRef idx="0">
+        <a:scrgbClr r="0" g="0" b="0"/>
+      </a:fillRef>
+      <a:effectRef idx="0">
+        <a:scrgbClr r="0" g="0" b="0"/>
+      </a:effectRef>
+      <a:fontRef idx="minor"/>
+    </dgm:style>
+  </dgm:styleLbl>
+</dgm:styleDef>
 </file>
 
 <file path=ppt/slideLayouts/slideLayout1.xml><?xml version="1.0" encoding="utf-8"?>
@@ -260,7 +4945,7 @@
           <a:p>
             <a:fld id="{D9E8C873-F747-43E2-9998-9589C3FB94E5}" type="datetimeFigureOut">
               <a:rPr lang="pt-PT" smtClean="0"/>
-              <a:t>21/01/2023</a:t>
+              <a:t>22/01/2023</a:t>
             </a:fld>
             <a:endParaRPr lang="pt-PT"/>
           </a:p>
@@ -458,7 +5143,7 @@
           <a:p>
             <a:fld id="{D9E8C873-F747-43E2-9998-9589C3FB94E5}" type="datetimeFigureOut">
               <a:rPr lang="pt-PT" smtClean="0"/>
-              <a:t>21/01/2023</a:t>
+              <a:t>22/01/2023</a:t>
             </a:fld>
             <a:endParaRPr lang="pt-PT"/>
           </a:p>
@@ -666,7 +5351,7 @@
           <a:p>
             <a:fld id="{D9E8C873-F747-43E2-9998-9589C3FB94E5}" type="datetimeFigureOut">
               <a:rPr lang="pt-PT" smtClean="0"/>
-              <a:t>21/01/2023</a:t>
+              <a:t>22/01/2023</a:t>
             </a:fld>
             <a:endParaRPr lang="pt-PT"/>
           </a:p>
@@ -864,7 +5549,7 @@
           <a:p>
             <a:fld id="{D9E8C873-F747-43E2-9998-9589C3FB94E5}" type="datetimeFigureOut">
               <a:rPr lang="pt-PT" smtClean="0"/>
-              <a:t>21/01/2023</a:t>
+              <a:t>22/01/2023</a:t>
             </a:fld>
             <a:endParaRPr lang="pt-PT"/>
           </a:p>
@@ -1139,7 +5824,7 @@
           <a:p>
             <a:fld id="{D9E8C873-F747-43E2-9998-9589C3FB94E5}" type="datetimeFigureOut">
               <a:rPr lang="pt-PT" smtClean="0"/>
-              <a:t>21/01/2023</a:t>
+              <a:t>22/01/2023</a:t>
             </a:fld>
             <a:endParaRPr lang="pt-PT"/>
           </a:p>
@@ -1404,7 +6089,7 @@
           <a:p>
             <a:fld id="{D9E8C873-F747-43E2-9998-9589C3FB94E5}" type="datetimeFigureOut">
               <a:rPr lang="pt-PT" smtClean="0"/>
-              <a:t>21/01/2023</a:t>
+              <a:t>22/01/2023</a:t>
             </a:fld>
             <a:endParaRPr lang="pt-PT"/>
           </a:p>
@@ -1816,7 +6501,7 @@
           <a:p>
             <a:fld id="{D9E8C873-F747-43E2-9998-9589C3FB94E5}" type="datetimeFigureOut">
               <a:rPr lang="pt-PT" smtClean="0"/>
-              <a:t>21/01/2023</a:t>
+              <a:t>22/01/2023</a:t>
             </a:fld>
             <a:endParaRPr lang="pt-PT"/>
           </a:p>
@@ -1957,7 +6642,7 @@
           <a:p>
             <a:fld id="{D9E8C873-F747-43E2-9998-9589C3FB94E5}" type="datetimeFigureOut">
               <a:rPr lang="pt-PT" smtClean="0"/>
-              <a:t>21/01/2023</a:t>
+              <a:t>22/01/2023</a:t>
             </a:fld>
             <a:endParaRPr lang="pt-PT"/>
           </a:p>
@@ -2070,7 +6755,7 @@
           <a:p>
             <a:fld id="{D9E8C873-F747-43E2-9998-9589C3FB94E5}" type="datetimeFigureOut">
               <a:rPr lang="pt-PT" smtClean="0"/>
-              <a:t>21/01/2023</a:t>
+              <a:t>22/01/2023</a:t>
             </a:fld>
             <a:endParaRPr lang="pt-PT"/>
           </a:p>
@@ -2381,7 +7066,7 @@
           <a:p>
             <a:fld id="{D9E8C873-F747-43E2-9998-9589C3FB94E5}" type="datetimeFigureOut">
               <a:rPr lang="pt-PT" smtClean="0"/>
-              <a:t>21/01/2023</a:t>
+              <a:t>22/01/2023</a:t>
             </a:fld>
             <a:endParaRPr lang="pt-PT"/>
           </a:p>
@@ -2669,7 +7354,7 @@
           <a:p>
             <a:fld id="{D9E8C873-F747-43E2-9998-9589C3FB94E5}" type="datetimeFigureOut">
               <a:rPr lang="pt-PT" smtClean="0"/>
-              <a:t>21/01/2023</a:t>
+              <a:t>22/01/2023</a:t>
             </a:fld>
             <a:endParaRPr lang="pt-PT"/>
           </a:p>
@@ -2910,7 +7595,7 @@
           <a:p>
             <a:fld id="{D9E8C873-F747-43E2-9998-9589C3FB94E5}" type="datetimeFigureOut">
               <a:rPr lang="pt-PT" smtClean="0"/>
-              <a:t>21/01/2023</a:t>
+              <a:t>22/01/2023</a:t>
             </a:fld>
             <a:endParaRPr lang="pt-PT"/>
           </a:p>
@@ -3425,6 +8110,612 @@
 </p:sld>
 </file>
 
+<file path=ppt/slides/slide10.xml><?xml version="1.0" encoding="utf-8"?>
+<p:sld xmlns:a="http://schemas.openxmlformats.org/drawingml/2006/main" xmlns:r="http://schemas.openxmlformats.org/officeDocument/2006/relationships" xmlns:p="http://schemas.openxmlformats.org/presentationml/2006/main">
+  <p:cSld>
+    <p:spTree>
+      <p:nvGrpSpPr>
+        <p:cNvPr id="1" name=""/>
+        <p:cNvGrpSpPr/>
+        <p:nvPr/>
+      </p:nvGrpSpPr>
+      <p:grpSpPr>
+        <a:xfrm>
+          <a:off x="0" y="0"/>
+          <a:ext cx="0" cy="0"/>
+          <a:chOff x="0" y="0"/>
+          <a:chExt cx="0" cy="0"/>
+        </a:xfrm>
+      </p:grpSpPr>
+      <p:sp>
+        <p:nvSpPr>
+          <p:cNvPr id="2" name="Título 1">
+            <a:extLst>
+              <a:ext uri="{FF2B5EF4-FFF2-40B4-BE49-F238E27FC236}">
+                <a16:creationId xmlns:a16="http://schemas.microsoft.com/office/drawing/2014/main" id="{09DFCDF8-DACF-A223-A8D3-F1C80423A63F}"/>
+              </a:ext>
+            </a:extLst>
+          </p:cNvPr>
+          <p:cNvSpPr>
+            <a:spLocks noGrp="1"/>
+          </p:cNvSpPr>
+          <p:nvPr>
+            <p:ph type="title"/>
+          </p:nvPr>
+        </p:nvSpPr>
+        <p:spPr/>
+        <p:txBody>
+          <a:bodyPr/>
+          <a:lstStyle/>
+          <a:p>
+            <a:r>
+              <a:rPr lang="pt-PT" dirty="0"/>
+              <a:t>Módulo </a:t>
+            </a:r>
+            <a:r>
+              <a:rPr lang="pt-PT" dirty="0" err="1"/>
+              <a:t>json</a:t>
+            </a:r>
+            <a:endParaRPr lang="pt-PT" dirty="0"/>
+          </a:p>
+        </p:txBody>
+      </p:sp>
+      <p:sp>
+        <p:nvSpPr>
+          <p:cNvPr id="3" name="Marcador de Posição de Conteúdo 2">
+            <a:extLst>
+              <a:ext uri="{FF2B5EF4-FFF2-40B4-BE49-F238E27FC236}">
+                <a16:creationId xmlns:a16="http://schemas.microsoft.com/office/drawing/2014/main" id="{9CC9493C-9918-43B2-D637-B7686BEFB86B}"/>
+              </a:ext>
+            </a:extLst>
+          </p:cNvPr>
+          <p:cNvSpPr>
+            <a:spLocks noGrp="1"/>
+          </p:cNvSpPr>
+          <p:nvPr>
+            <p:ph idx="1"/>
+          </p:nvPr>
+        </p:nvSpPr>
+        <p:spPr/>
+        <p:txBody>
+          <a:bodyPr/>
+          <a:lstStyle/>
+          <a:p>
+            <a:r>
+              <a:rPr lang="pt-PT" dirty="0"/>
+              <a:t>O módulo </a:t>
+            </a:r>
+            <a:r>
+              <a:rPr lang="pt-PT" dirty="0" err="1"/>
+              <a:t>json</a:t>
+            </a:r>
+            <a:r>
+              <a:rPr lang="pt-PT" dirty="0"/>
+              <a:t> é o coração do nosso script pois o mesmo é responsável pela manipulação e armazenamento dos nossos dados, ou seja, com o módulo </a:t>
+            </a:r>
+            <a:r>
+              <a:rPr lang="pt-PT" dirty="0" err="1"/>
+              <a:t>json</a:t>
+            </a:r>
+            <a:r>
+              <a:rPr lang="pt-PT" dirty="0"/>
+              <a:t> é possível importar um ficheiro externo e colocar o seu conteúdo no nosso script e vice versa. Podendo assim importar a nossa base de artigos e criar novos orçamentos em ficheiros independentes.</a:t>
+            </a:r>
+          </a:p>
+        </p:txBody>
+      </p:sp>
+    </p:spTree>
+    <p:extLst>
+      <p:ext uri="{BB962C8B-B14F-4D97-AF65-F5344CB8AC3E}">
+        <p14:creationId xmlns:p14="http://schemas.microsoft.com/office/powerpoint/2010/main" val="3736601472"/>
+      </p:ext>
+    </p:extLst>
+  </p:cSld>
+  <p:clrMapOvr>
+    <a:masterClrMapping/>
+  </p:clrMapOvr>
+</p:sld>
+</file>
+
+<file path=ppt/slides/slide11.xml><?xml version="1.0" encoding="utf-8"?>
+<p:sld xmlns:a="http://schemas.openxmlformats.org/drawingml/2006/main" xmlns:r="http://schemas.openxmlformats.org/officeDocument/2006/relationships" xmlns:p="http://schemas.openxmlformats.org/presentationml/2006/main">
+  <p:cSld>
+    <p:spTree>
+      <p:nvGrpSpPr>
+        <p:cNvPr id="1" name=""/>
+        <p:cNvGrpSpPr/>
+        <p:nvPr/>
+      </p:nvGrpSpPr>
+      <p:grpSpPr>
+        <a:xfrm>
+          <a:off x="0" y="0"/>
+          <a:ext cx="0" cy="0"/>
+          <a:chOff x="0" y="0"/>
+          <a:chExt cx="0" cy="0"/>
+        </a:xfrm>
+      </p:grpSpPr>
+      <p:sp>
+        <p:nvSpPr>
+          <p:cNvPr id="2" name="Título 1">
+            <a:extLst>
+              <a:ext uri="{FF2B5EF4-FFF2-40B4-BE49-F238E27FC236}">
+                <a16:creationId xmlns:a16="http://schemas.microsoft.com/office/drawing/2014/main" id="{51620A17-A20D-0621-DAFB-431FEF8859A5}"/>
+              </a:ext>
+            </a:extLst>
+          </p:cNvPr>
+          <p:cNvSpPr>
+            <a:spLocks noGrp="1"/>
+          </p:cNvSpPr>
+          <p:nvPr>
+            <p:ph type="title"/>
+          </p:nvPr>
+        </p:nvSpPr>
+        <p:spPr/>
+        <p:txBody>
+          <a:bodyPr/>
+          <a:lstStyle/>
+          <a:p>
+            <a:r>
+              <a:rPr lang="pt-PT" dirty="0"/>
+              <a:t>Distribuição das tarefas</a:t>
+            </a:r>
+          </a:p>
+        </p:txBody>
+      </p:sp>
+      <p:sp>
+        <p:nvSpPr>
+          <p:cNvPr id="3" name="Marcador de Posição de Conteúdo 2">
+            <a:extLst>
+              <a:ext uri="{FF2B5EF4-FFF2-40B4-BE49-F238E27FC236}">
+                <a16:creationId xmlns:a16="http://schemas.microsoft.com/office/drawing/2014/main" id="{BA0E1FB4-BAF7-A293-9879-CB290914A420}"/>
+              </a:ext>
+            </a:extLst>
+          </p:cNvPr>
+          <p:cNvSpPr>
+            <a:spLocks noGrp="1"/>
+          </p:cNvSpPr>
+          <p:nvPr>
+            <p:ph idx="1"/>
+          </p:nvPr>
+        </p:nvSpPr>
+        <p:spPr/>
+        <p:txBody>
+          <a:bodyPr/>
+          <a:lstStyle/>
+          <a:p>
+            <a:endParaRPr lang="pt-PT"/>
+          </a:p>
+        </p:txBody>
+      </p:sp>
+    </p:spTree>
+    <p:extLst>
+      <p:ext uri="{BB962C8B-B14F-4D97-AF65-F5344CB8AC3E}">
+        <p14:creationId xmlns:p14="http://schemas.microsoft.com/office/powerpoint/2010/main" val="299533156"/>
+      </p:ext>
+    </p:extLst>
+  </p:cSld>
+  <p:clrMapOvr>
+    <a:masterClrMapping/>
+  </p:clrMapOvr>
+</p:sld>
+</file>
+
+<file path=ppt/slides/slide12.xml><?xml version="1.0" encoding="utf-8"?>
+<p:sld xmlns:a="http://schemas.openxmlformats.org/drawingml/2006/main" xmlns:r="http://schemas.openxmlformats.org/officeDocument/2006/relationships" xmlns:p="http://schemas.openxmlformats.org/presentationml/2006/main">
+  <p:cSld>
+    <p:spTree>
+      <p:nvGrpSpPr>
+        <p:cNvPr id="1" name=""/>
+        <p:cNvGrpSpPr/>
+        <p:nvPr/>
+      </p:nvGrpSpPr>
+      <p:grpSpPr>
+        <a:xfrm>
+          <a:off x="0" y="0"/>
+          <a:ext cx="0" cy="0"/>
+          <a:chOff x="0" y="0"/>
+          <a:chExt cx="0" cy="0"/>
+        </a:xfrm>
+      </p:grpSpPr>
+      <p:sp>
+        <p:nvSpPr>
+          <p:cNvPr id="2" name="Título 1">
+            <a:extLst>
+              <a:ext uri="{FF2B5EF4-FFF2-40B4-BE49-F238E27FC236}">
+                <a16:creationId xmlns:a16="http://schemas.microsoft.com/office/drawing/2014/main" id="{611DF351-80A7-B0FF-9BBA-45BBCEA5706A}"/>
+              </a:ext>
+            </a:extLst>
+          </p:cNvPr>
+          <p:cNvSpPr>
+            <a:spLocks noGrp="1"/>
+          </p:cNvSpPr>
+          <p:nvPr>
+            <p:ph type="title"/>
+          </p:nvPr>
+        </p:nvSpPr>
+        <p:spPr/>
+        <p:txBody>
+          <a:bodyPr/>
+          <a:lstStyle/>
+          <a:p>
+            <a:r>
+              <a:rPr lang="pt-PT" dirty="0"/>
+              <a:t>Organização do projeto</a:t>
+            </a:r>
+          </a:p>
+        </p:txBody>
+      </p:sp>
+      <p:graphicFrame>
+        <p:nvGraphicFramePr>
+          <p:cNvPr id="4" name="Marcador de Posição de Conteúdo 3">
+            <a:extLst>
+              <a:ext uri="{FF2B5EF4-FFF2-40B4-BE49-F238E27FC236}">
+                <a16:creationId xmlns:a16="http://schemas.microsoft.com/office/drawing/2014/main" id="{8F01E72C-3E0A-3545-0750-54F7BDB2E173}"/>
+              </a:ext>
+            </a:extLst>
+          </p:cNvPr>
+          <p:cNvGraphicFramePr>
+            <a:graphicFrameLocks noGrp="1"/>
+          </p:cNvGraphicFramePr>
+          <p:nvPr>
+            <p:ph idx="1"/>
+            <p:extLst>
+              <p:ext uri="{D42A27DB-BD31-4B8C-83A1-F6EECF244321}">
+                <p14:modId xmlns:p14="http://schemas.microsoft.com/office/powerpoint/2010/main" val="2853748972"/>
+              </p:ext>
+            </p:extLst>
+          </p:nvPr>
+        </p:nvGraphicFramePr>
+        <p:xfrm>
+          <a:off x="2857500" y="1027906"/>
+          <a:ext cx="5651500" cy="3025775"/>
+        </p:xfrm>
+        <a:graphic>
+          <a:graphicData uri="http://schemas.openxmlformats.org/drawingml/2006/diagram">
+            <dgm:relIds xmlns:dgm="http://schemas.openxmlformats.org/drawingml/2006/diagram" xmlns:r="http://schemas.openxmlformats.org/officeDocument/2006/relationships" r:dm="rId2" r:lo="rId3" r:qs="rId4" r:cs="rId5"/>
+          </a:graphicData>
+        </a:graphic>
+      </p:graphicFrame>
+    </p:spTree>
+    <p:extLst>
+      <p:ext uri="{BB962C8B-B14F-4D97-AF65-F5344CB8AC3E}">
+        <p14:creationId xmlns:p14="http://schemas.microsoft.com/office/powerpoint/2010/main" val="2933029411"/>
+      </p:ext>
+    </p:extLst>
+  </p:cSld>
+  <p:clrMapOvr>
+    <a:masterClrMapping/>
+  </p:clrMapOvr>
+</p:sld>
+</file>
+
+<file path=ppt/slides/slide13.xml><?xml version="1.0" encoding="utf-8"?>
+<p:sld xmlns:a="http://schemas.openxmlformats.org/drawingml/2006/main" xmlns:r="http://schemas.openxmlformats.org/officeDocument/2006/relationships" xmlns:p="http://schemas.openxmlformats.org/presentationml/2006/main">
+  <p:cSld>
+    <p:spTree>
+      <p:nvGrpSpPr>
+        <p:cNvPr id="1" name=""/>
+        <p:cNvGrpSpPr/>
+        <p:nvPr/>
+      </p:nvGrpSpPr>
+      <p:grpSpPr>
+        <a:xfrm>
+          <a:off x="0" y="0"/>
+          <a:ext cx="0" cy="0"/>
+          <a:chOff x="0" y="0"/>
+          <a:chExt cx="0" cy="0"/>
+        </a:xfrm>
+      </p:grpSpPr>
+      <p:sp>
+        <p:nvSpPr>
+          <p:cNvPr id="2" name="Título 1">
+            <a:extLst>
+              <a:ext uri="{FF2B5EF4-FFF2-40B4-BE49-F238E27FC236}">
+                <a16:creationId xmlns:a16="http://schemas.microsoft.com/office/drawing/2014/main" id="{B82C50A7-A08D-0369-C698-D8899BBE054E}"/>
+              </a:ext>
+            </a:extLst>
+          </p:cNvPr>
+          <p:cNvSpPr>
+            <a:spLocks noGrp="1"/>
+          </p:cNvSpPr>
+          <p:nvPr>
+            <p:ph type="title"/>
+          </p:nvPr>
+        </p:nvSpPr>
+        <p:spPr/>
+        <p:txBody>
+          <a:bodyPr/>
+          <a:lstStyle/>
+          <a:p>
+            <a:r>
+              <a:rPr lang="pt-PT" dirty="0"/>
+              <a:t>Apresentação do código</a:t>
+            </a:r>
+          </a:p>
+        </p:txBody>
+      </p:sp>
+      <p:sp>
+        <p:nvSpPr>
+          <p:cNvPr id="3" name="Marcador de Posição de Conteúdo 2">
+            <a:extLst>
+              <a:ext uri="{FF2B5EF4-FFF2-40B4-BE49-F238E27FC236}">
+                <a16:creationId xmlns:a16="http://schemas.microsoft.com/office/drawing/2014/main" id="{6086079E-A877-DC1C-C74E-4B660B9E3691}"/>
+              </a:ext>
+            </a:extLst>
+          </p:cNvPr>
+          <p:cNvSpPr>
+            <a:spLocks noGrp="1"/>
+          </p:cNvSpPr>
+          <p:nvPr>
+            <p:ph idx="1"/>
+          </p:nvPr>
+        </p:nvSpPr>
+        <p:spPr/>
+        <p:txBody>
+          <a:bodyPr/>
+          <a:lstStyle/>
+          <a:p>
+            <a:endParaRPr lang="pt-PT" dirty="0"/>
+          </a:p>
+        </p:txBody>
+      </p:sp>
+    </p:spTree>
+    <p:extLst>
+      <p:ext uri="{BB962C8B-B14F-4D97-AF65-F5344CB8AC3E}">
+        <p14:creationId xmlns:p14="http://schemas.microsoft.com/office/powerpoint/2010/main" val="3060979852"/>
+      </p:ext>
+    </p:extLst>
+  </p:cSld>
+  <p:clrMapOvr>
+    <a:masterClrMapping/>
+  </p:clrMapOvr>
+</p:sld>
+</file>
+
+<file path=ppt/slides/slide14.xml><?xml version="1.0" encoding="utf-8"?>
+<p:sld xmlns:a="http://schemas.openxmlformats.org/drawingml/2006/main" xmlns:r="http://schemas.openxmlformats.org/officeDocument/2006/relationships" xmlns:p="http://schemas.openxmlformats.org/presentationml/2006/main">
+  <p:cSld>
+    <p:spTree>
+      <p:nvGrpSpPr>
+        <p:cNvPr id="1" name=""/>
+        <p:cNvGrpSpPr/>
+        <p:nvPr/>
+      </p:nvGrpSpPr>
+      <p:grpSpPr>
+        <a:xfrm>
+          <a:off x="0" y="0"/>
+          <a:ext cx="0" cy="0"/>
+          <a:chOff x="0" y="0"/>
+          <a:chExt cx="0" cy="0"/>
+        </a:xfrm>
+      </p:grpSpPr>
+      <p:sp>
+        <p:nvSpPr>
+          <p:cNvPr id="2" name="Título 1">
+            <a:extLst>
+              <a:ext uri="{FF2B5EF4-FFF2-40B4-BE49-F238E27FC236}">
+                <a16:creationId xmlns:a16="http://schemas.microsoft.com/office/drawing/2014/main" id="{FA9674BB-822D-A2A5-BB9E-98E3ABBD9188}"/>
+              </a:ext>
+            </a:extLst>
+          </p:cNvPr>
+          <p:cNvSpPr>
+            <a:spLocks noGrp="1"/>
+          </p:cNvSpPr>
+          <p:nvPr>
+            <p:ph type="title"/>
+          </p:nvPr>
+        </p:nvSpPr>
+        <p:spPr/>
+        <p:txBody>
+          <a:bodyPr/>
+          <a:lstStyle/>
+          <a:p>
+            <a:r>
+              <a:rPr lang="pt-PT" dirty="0"/>
+              <a:t>Conclusão	</a:t>
+            </a:r>
+          </a:p>
+        </p:txBody>
+      </p:sp>
+      <p:sp>
+        <p:nvSpPr>
+          <p:cNvPr id="3" name="Marcador de Posição de Conteúdo 2">
+            <a:extLst>
+              <a:ext uri="{FF2B5EF4-FFF2-40B4-BE49-F238E27FC236}">
+                <a16:creationId xmlns:a16="http://schemas.microsoft.com/office/drawing/2014/main" id="{D6C9061D-BB07-21EF-5F18-A399C4E18122}"/>
+              </a:ext>
+            </a:extLst>
+          </p:cNvPr>
+          <p:cNvSpPr>
+            <a:spLocks noGrp="1"/>
+          </p:cNvSpPr>
+          <p:nvPr>
+            <p:ph idx="1"/>
+          </p:nvPr>
+        </p:nvSpPr>
+        <p:spPr/>
+        <p:txBody>
+          <a:bodyPr>
+            <a:normAutofit lnSpcReduction="10000"/>
+          </a:bodyPr>
+          <a:lstStyle/>
+          <a:p>
+            <a:r>
+              <a:rPr lang="pt-PT" dirty="0"/>
+              <a:t>Apresentar que é apenas uma prova de conceito (o porquê)</a:t>
+            </a:r>
+          </a:p>
+          <a:p>
+            <a:pPr>
+              <a:buFontTx/>
+              <a:buChar char="-"/>
+            </a:pPr>
+            <a:r>
+              <a:rPr lang="pt-PT" dirty="0"/>
+              <a:t>O projeto não tem interface gráfica ou seja fica sempre dependente de um terminal e dos seus conhecimentos necessários para o seu uso</a:t>
+            </a:r>
+          </a:p>
+          <a:p>
+            <a:pPr>
+              <a:buFontTx/>
+              <a:buChar char="-"/>
+            </a:pPr>
+            <a:r>
+              <a:rPr lang="pt-PT" dirty="0"/>
+              <a:t> </a:t>
+            </a:r>
+          </a:p>
+          <a:p>
+            <a:r>
+              <a:rPr lang="pt-PT" dirty="0"/>
+              <a:t>Apresentar as limitações:</a:t>
+            </a:r>
+          </a:p>
+          <a:p>
+            <a:pPr>
+              <a:buFontTx/>
+              <a:buChar char="-"/>
+            </a:pPr>
+            <a:r>
+              <a:rPr lang="pt-PT" dirty="0"/>
+              <a:t>Base de dados é lenta, porque abrir e fechar ficheiros é das operações mais lenta</a:t>
+            </a:r>
+          </a:p>
+          <a:p>
+            <a:pPr>
+              <a:buFontTx/>
+              <a:buChar char="-"/>
+            </a:pPr>
+            <a:r>
+              <a:rPr lang="pt-PT" dirty="0"/>
+              <a:t>Que apesar de estarmos a usar maioritariamente dicionários não é a forma mais rápidas para fazer pesquisas numa base de dados, (as melhores penso que são as </a:t>
+            </a:r>
+            <a:r>
+              <a:rPr lang="pt-PT" dirty="0" err="1"/>
+              <a:t>hash</a:t>
+            </a:r>
+            <a:r>
+              <a:rPr lang="pt-PT" dirty="0"/>
+              <a:t> </a:t>
+            </a:r>
+            <a:r>
+              <a:rPr lang="pt-PT" dirty="0" err="1"/>
+              <a:t>tabels</a:t>
+            </a:r>
+            <a:r>
+              <a:rPr lang="pt-PT" dirty="0"/>
+              <a:t> e as base de dados SQL.</a:t>
+            </a:r>
+          </a:p>
+          <a:p>
+            <a:endParaRPr lang="pt-PT" dirty="0"/>
+          </a:p>
+        </p:txBody>
+      </p:sp>
+    </p:spTree>
+    <p:extLst>
+      <p:ext uri="{BB962C8B-B14F-4D97-AF65-F5344CB8AC3E}">
+        <p14:creationId xmlns:p14="http://schemas.microsoft.com/office/powerpoint/2010/main" val="4236427079"/>
+      </p:ext>
+    </p:extLst>
+  </p:cSld>
+  <p:clrMapOvr>
+    <a:masterClrMapping/>
+  </p:clrMapOvr>
+</p:sld>
+</file>
+
+<file path=ppt/slides/slide15.xml><?xml version="1.0" encoding="utf-8"?>
+<p:sld xmlns:a="http://schemas.openxmlformats.org/drawingml/2006/main" xmlns:r="http://schemas.openxmlformats.org/officeDocument/2006/relationships" xmlns:p="http://schemas.openxmlformats.org/presentationml/2006/main">
+  <p:cSld>
+    <p:spTree>
+      <p:nvGrpSpPr>
+        <p:cNvPr id="1" name=""/>
+        <p:cNvGrpSpPr/>
+        <p:nvPr/>
+      </p:nvGrpSpPr>
+      <p:grpSpPr>
+        <a:xfrm>
+          <a:off x="0" y="0"/>
+          <a:ext cx="0" cy="0"/>
+          <a:chOff x="0" y="0"/>
+          <a:chExt cx="0" cy="0"/>
+        </a:xfrm>
+      </p:grpSpPr>
+      <p:sp>
+        <p:nvSpPr>
+          <p:cNvPr id="2" name="Título 1">
+            <a:extLst>
+              <a:ext uri="{FF2B5EF4-FFF2-40B4-BE49-F238E27FC236}">
+                <a16:creationId xmlns:a16="http://schemas.microsoft.com/office/drawing/2014/main" id="{4B5C7223-1A14-3D2E-EEF9-1D89AA24FA3F}"/>
+              </a:ext>
+            </a:extLst>
+          </p:cNvPr>
+          <p:cNvSpPr>
+            <a:spLocks noGrp="1"/>
+          </p:cNvSpPr>
+          <p:nvPr>
+            <p:ph type="title"/>
+          </p:nvPr>
+        </p:nvSpPr>
+        <p:spPr/>
+        <p:txBody>
+          <a:bodyPr/>
+          <a:lstStyle/>
+          <a:p>
+            <a:r>
+              <a:rPr lang="pt-PT" dirty="0"/>
+              <a:t>Bibliografia</a:t>
+            </a:r>
+          </a:p>
+        </p:txBody>
+      </p:sp>
+      <p:sp>
+        <p:nvSpPr>
+          <p:cNvPr id="3" name="Marcador de Posição de Conteúdo 2">
+            <a:extLst>
+              <a:ext uri="{FF2B5EF4-FFF2-40B4-BE49-F238E27FC236}">
+                <a16:creationId xmlns:a16="http://schemas.microsoft.com/office/drawing/2014/main" id="{F7A45B14-038C-011B-1036-E3EED4CA1522}"/>
+              </a:ext>
+            </a:extLst>
+          </p:cNvPr>
+          <p:cNvSpPr>
+            <a:spLocks noGrp="1"/>
+          </p:cNvSpPr>
+          <p:nvPr>
+            <p:ph idx="1"/>
+          </p:nvPr>
+        </p:nvSpPr>
+        <p:spPr/>
+        <p:txBody>
+          <a:bodyPr/>
+          <a:lstStyle/>
+          <a:p>
+            <a:r>
+              <a:rPr lang="pt-PT" dirty="0"/>
+              <a:t>Meu livro de </a:t>
+            </a:r>
+            <a:r>
+              <a:rPr lang="pt-PT" dirty="0" err="1"/>
+              <a:t>python</a:t>
+            </a:r>
+            <a:endParaRPr lang="pt-PT" dirty="0"/>
+          </a:p>
+        </p:txBody>
+      </p:sp>
+    </p:spTree>
+    <p:extLst>
+      <p:ext uri="{BB962C8B-B14F-4D97-AF65-F5344CB8AC3E}">
+        <p14:creationId xmlns:p14="http://schemas.microsoft.com/office/powerpoint/2010/main" val="483068177"/>
+      </p:ext>
+    </p:extLst>
+  </p:cSld>
+  <p:clrMapOvr>
+    <a:masterClrMapping/>
+  </p:clrMapOvr>
+</p:sld>
+</file>
+
 <file path=ppt/slides/slide2.xml><?xml version="1.0" encoding="utf-8"?>
 <p:sld xmlns:a="http://schemas.openxmlformats.org/drawingml/2006/main" xmlns:r="http://schemas.openxmlformats.org/officeDocument/2006/relationships" xmlns:p="http://schemas.openxmlformats.org/presentationml/2006/main">
   <p:cSld>
@@ -3530,7 +8821,7 @@
           <p:cNvPr id="2" name="Título 1">
             <a:extLst>
               <a:ext uri="{FF2B5EF4-FFF2-40B4-BE49-F238E27FC236}">
-                <a16:creationId xmlns:a16="http://schemas.microsoft.com/office/drawing/2014/main" id="{D1B39555-D1F7-E2EF-76F4-9142E8C7B595}"/>
+                <a16:creationId xmlns:a16="http://schemas.microsoft.com/office/drawing/2014/main" id="{7FCB9CD2-3F51-705B-EBE3-FA5909EBA77E}"/>
               </a:ext>
             </a:extLst>
           </p:cNvPr>
@@ -3548,7 +8839,7 @@
           <a:p>
             <a:r>
               <a:rPr lang="pt-PT" dirty="0"/>
-              <a:t>Pesquisa necessária</a:t>
+              <a:t>Planeamento</a:t>
             </a:r>
           </a:p>
         </p:txBody>
@@ -3558,7 +8849,7 @@
           <p:cNvPr id="3" name="Marcador de Posição de Conteúdo 2">
             <a:extLst>
               <a:ext uri="{FF2B5EF4-FFF2-40B4-BE49-F238E27FC236}">
-                <a16:creationId xmlns:a16="http://schemas.microsoft.com/office/drawing/2014/main" id="{18CAA2BD-9845-5A48-A9E8-34697BB69868}"/>
+                <a16:creationId xmlns:a16="http://schemas.microsoft.com/office/drawing/2014/main" id="{5879FA26-3A0F-DB7E-B763-8A50327CEAE8}"/>
               </a:ext>
             </a:extLst>
           </p:cNvPr>
@@ -3574,14 +8865,52 @@
           <a:bodyPr/>
           <a:lstStyle/>
           <a:p>
-            <a:endParaRPr lang="pt-PT"/>
+            <a:r>
+              <a:rPr lang="pt-PT" dirty="0"/>
+              <a:t>Máquina de estados ?????</a:t>
+            </a:r>
+          </a:p>
+          <a:p>
+            <a:r>
+              <a:rPr lang="pt-PT" dirty="0"/>
+              <a:t>Apuramento de informação</a:t>
+            </a:r>
+          </a:p>
+          <a:p>
+            <a:r>
+              <a:rPr lang="pt-PT" dirty="0"/>
+              <a:t>Arquitetura foto</a:t>
+            </a:r>
+          </a:p>
+          <a:p>
+            <a:r>
+              <a:rPr lang="pt-PT" dirty="0"/>
+              <a:t>Pesquisa de informação sobre </a:t>
+            </a:r>
+            <a:r>
+              <a:rPr lang="pt-PT" dirty="0" err="1"/>
+              <a:t>Python</a:t>
+            </a:r>
+            <a:r>
+              <a:rPr lang="pt-PT" dirty="0"/>
+              <a:t>, dos nossos módulos</a:t>
+            </a:r>
+          </a:p>
+          <a:p>
+            <a:r>
+              <a:rPr lang="pt-PT" dirty="0"/>
+              <a:t>Distribuição de tarefas</a:t>
+            </a:r>
+          </a:p>
+          <a:p>
+            <a:endParaRPr lang="pt-PT" dirty="0"/>
           </a:p>
         </p:txBody>
       </p:sp>
     </p:spTree>
     <p:extLst>
       <p:ext uri="{BB962C8B-B14F-4D97-AF65-F5344CB8AC3E}">
-        <p14:creationId xmlns:p14="http://schemas.microsoft.com/office/powerpoint/2010/main" val="2511746986"/>
+        <p14:creationId xmlns:p14="http://schemas.microsoft.com/office/powerpoint/2010/main" val="732145900"/>
       </p:ext>
     </p:extLst>
   </p:cSld>
@@ -3613,7 +8942,7 @@
           <p:cNvPr id="2" name="Título 1">
             <a:extLst>
               <a:ext uri="{FF2B5EF4-FFF2-40B4-BE49-F238E27FC236}">
-                <a16:creationId xmlns:a16="http://schemas.microsoft.com/office/drawing/2014/main" id="{7FCB9CD2-3F51-705B-EBE3-FA5909EBA77E}"/>
+                <a16:creationId xmlns:a16="http://schemas.microsoft.com/office/drawing/2014/main" id="{85FA8D02-7D98-731F-FEB9-CD166A49900C}"/>
               </a:ext>
             </a:extLst>
           </p:cNvPr>
@@ -3631,7 +8960,7 @@
           <a:p>
             <a:r>
               <a:rPr lang="pt-PT" dirty="0"/>
-              <a:t>Planeamento</a:t>
+              <a:t>Máquina de estados</a:t>
             </a:r>
           </a:p>
         </p:txBody>
@@ -3641,7 +8970,7 @@
           <p:cNvPr id="3" name="Marcador de Posição de Conteúdo 2">
             <a:extLst>
               <a:ext uri="{FF2B5EF4-FFF2-40B4-BE49-F238E27FC236}">
-                <a16:creationId xmlns:a16="http://schemas.microsoft.com/office/drawing/2014/main" id="{5879FA26-3A0F-DB7E-B763-8A50327CEAE8}"/>
+                <a16:creationId xmlns:a16="http://schemas.microsoft.com/office/drawing/2014/main" id="{C6B29137-3B1E-D317-2222-B132A1C85F21}"/>
               </a:ext>
             </a:extLst>
           </p:cNvPr>
@@ -3657,29 +8986,14 @@
           <a:bodyPr/>
           <a:lstStyle/>
           <a:p>
-            <a:r>
-              <a:rPr lang="pt-PT" dirty="0"/>
-              <a:t>Máquina de estados ?????</a:t>
-            </a:r>
-          </a:p>
-          <a:p>
-            <a:r>
-              <a:rPr lang="pt-PT" dirty="0"/>
-              <a:t>Apuramento de informação</a:t>
-            </a:r>
-          </a:p>
-          <a:p>
-            <a:r>
-              <a:rPr lang="pt-PT" dirty="0"/>
-              <a:t>Arquitetura foto</a:t>
-            </a:r>
+            <a:endParaRPr lang="pt-PT"/>
           </a:p>
         </p:txBody>
       </p:sp>
     </p:spTree>
     <p:extLst>
       <p:ext uri="{BB962C8B-B14F-4D97-AF65-F5344CB8AC3E}">
-        <p14:creationId xmlns:p14="http://schemas.microsoft.com/office/powerpoint/2010/main" val="732145900"/>
+        <p14:creationId xmlns:p14="http://schemas.microsoft.com/office/powerpoint/2010/main" val="3474701284"/>
       </p:ext>
     </p:extLst>
   </p:cSld>
@@ -3711,7 +9025,7 @@
           <p:cNvPr id="2" name="Título 1">
             <a:extLst>
               <a:ext uri="{FF2B5EF4-FFF2-40B4-BE49-F238E27FC236}">
-                <a16:creationId xmlns:a16="http://schemas.microsoft.com/office/drawing/2014/main" id="{B82C50A7-A08D-0369-C698-D8899BBE054E}"/>
+                <a16:creationId xmlns:a16="http://schemas.microsoft.com/office/drawing/2014/main" id="{6DE7E883-AD7F-B866-957D-34EAF7126640}"/>
               </a:ext>
             </a:extLst>
           </p:cNvPr>
@@ -3729,7 +9043,7 @@
           <a:p>
             <a:r>
               <a:rPr lang="pt-PT" dirty="0"/>
-              <a:t>Apresentação do código</a:t>
+              <a:t>Apuramento de informação</a:t>
             </a:r>
           </a:p>
         </p:txBody>
@@ -3739,7 +9053,7 @@
           <p:cNvPr id="3" name="Marcador de Posição de Conteúdo 2">
             <a:extLst>
               <a:ext uri="{FF2B5EF4-FFF2-40B4-BE49-F238E27FC236}">
-                <a16:creationId xmlns:a16="http://schemas.microsoft.com/office/drawing/2014/main" id="{6086079E-A877-DC1C-C74E-4B660B9E3691}"/>
+                <a16:creationId xmlns:a16="http://schemas.microsoft.com/office/drawing/2014/main" id="{D8EFD8C2-2FE0-66B8-E842-B9327757992E}"/>
               </a:ext>
             </a:extLst>
           </p:cNvPr>
@@ -3762,7 +9076,7 @@
     </p:spTree>
     <p:extLst>
       <p:ext uri="{BB962C8B-B14F-4D97-AF65-F5344CB8AC3E}">
-        <p14:creationId xmlns:p14="http://schemas.microsoft.com/office/powerpoint/2010/main" val="3060979852"/>
+        <p14:creationId xmlns:p14="http://schemas.microsoft.com/office/powerpoint/2010/main" val="1291413411"/>
       </p:ext>
     </p:extLst>
   </p:cSld>
@@ -3794,7 +9108,7 @@
           <p:cNvPr id="2" name="Título 1">
             <a:extLst>
               <a:ext uri="{FF2B5EF4-FFF2-40B4-BE49-F238E27FC236}">
-                <a16:creationId xmlns:a16="http://schemas.microsoft.com/office/drawing/2014/main" id="{FA9674BB-822D-A2A5-BB9E-98E3ABBD9188}"/>
+                <a16:creationId xmlns:a16="http://schemas.microsoft.com/office/drawing/2014/main" id="{721A52E8-BC84-BD0D-12D6-383FC93EDF0E}"/>
               </a:ext>
             </a:extLst>
           </p:cNvPr>
@@ -3812,7 +9126,7 @@
           <a:p>
             <a:r>
               <a:rPr lang="pt-PT" dirty="0"/>
-              <a:t>Conclusão	</a:t>
+              <a:t>Arquitetura</a:t>
             </a:r>
           </a:p>
         </p:txBody>
@@ -3822,7 +9136,7 @@
           <p:cNvPr id="3" name="Marcador de Posição de Conteúdo 2">
             <a:extLst>
               <a:ext uri="{FF2B5EF4-FFF2-40B4-BE49-F238E27FC236}">
-                <a16:creationId xmlns:a16="http://schemas.microsoft.com/office/drawing/2014/main" id="{D6C9061D-BB07-21EF-5F18-A399C4E18122}"/>
+                <a16:creationId xmlns:a16="http://schemas.microsoft.com/office/drawing/2014/main" id="{005B35F5-75F9-5936-F62B-00475C557B57}"/>
               </a:ext>
             </a:extLst>
           </p:cNvPr>
@@ -3835,87 +9149,17 @@
         </p:nvSpPr>
         <p:spPr/>
         <p:txBody>
-          <a:bodyPr>
-            <a:normAutofit lnSpcReduction="10000"/>
-          </a:bodyPr>
+          <a:bodyPr/>
           <a:lstStyle/>
           <a:p>
-            <a:r>
-              <a:rPr lang="pt-PT" dirty="0"/>
-              <a:t>Apresentar que é apenas uma prova de conceito (o porquê)</a:t>
-            </a:r>
-          </a:p>
-          <a:p>
-            <a:pPr>
-              <a:buFontTx/>
-              <a:buChar char="-"/>
-            </a:pPr>
-            <a:r>
-              <a:rPr lang="pt-PT" dirty="0"/>
-              <a:t>O projeto não tem interface gráfica ou seja fica sempre dependente de um terminal e dos seus conhecimentos necessários para o seu uso</a:t>
-            </a:r>
-          </a:p>
-          <a:p>
-            <a:pPr>
-              <a:buFontTx/>
-              <a:buChar char="-"/>
-            </a:pPr>
-            <a:r>
-              <a:rPr lang="pt-PT" dirty="0"/>
-              <a:t> </a:t>
-            </a:r>
-          </a:p>
-          <a:p>
-            <a:r>
-              <a:rPr lang="pt-PT" dirty="0"/>
-              <a:t>Apresentar as limitações:</a:t>
-            </a:r>
-          </a:p>
-          <a:p>
-            <a:pPr>
-              <a:buFontTx/>
-              <a:buChar char="-"/>
-            </a:pPr>
-            <a:r>
-              <a:rPr lang="pt-PT" dirty="0"/>
-              <a:t>Base de dados é lenta, porque abrir e fechar ficheiros é das operações mais lenta</a:t>
-            </a:r>
-          </a:p>
-          <a:p>
-            <a:pPr>
-              <a:buFontTx/>
-              <a:buChar char="-"/>
-            </a:pPr>
-            <a:r>
-              <a:rPr lang="pt-PT" dirty="0"/>
-              <a:t>Que apesar de estarmos a usar maioritariamente dicionários não é a forma mais rápidas para fazer pesquisas numa base de dados, (as melhores penso que são as </a:t>
-            </a:r>
-            <a:r>
-              <a:rPr lang="pt-PT" dirty="0" err="1"/>
-              <a:t>hash</a:t>
-            </a:r>
-            <a:r>
-              <a:rPr lang="pt-PT" dirty="0"/>
-              <a:t> </a:t>
-            </a:r>
-            <a:r>
-              <a:rPr lang="pt-PT" dirty="0" err="1"/>
-              <a:t>tabels</a:t>
-            </a:r>
-            <a:r>
-              <a:rPr lang="pt-PT" dirty="0"/>
-              <a:t> e as base de dados SQL.</a:t>
-            </a:r>
-          </a:p>
-          <a:p>
-            <a:endParaRPr lang="pt-PT" dirty="0"/>
+            <a:endParaRPr lang="pt-PT"/>
           </a:p>
         </p:txBody>
       </p:sp>
     </p:spTree>
     <p:extLst>
       <p:ext uri="{BB962C8B-B14F-4D97-AF65-F5344CB8AC3E}">
-        <p14:creationId xmlns:p14="http://schemas.microsoft.com/office/powerpoint/2010/main" val="4236427079"/>
+        <p14:creationId xmlns:p14="http://schemas.microsoft.com/office/powerpoint/2010/main" val="3627541533"/>
       </p:ext>
     </p:extLst>
   </p:cSld>
@@ -3947,7 +9191,7 @@
           <p:cNvPr id="2" name="Título 1">
             <a:extLst>
               <a:ext uri="{FF2B5EF4-FFF2-40B4-BE49-F238E27FC236}">
-                <a16:creationId xmlns:a16="http://schemas.microsoft.com/office/drawing/2014/main" id="{4B5C7223-1A14-3D2E-EEF9-1D89AA24FA3F}"/>
+                <a16:creationId xmlns:a16="http://schemas.microsoft.com/office/drawing/2014/main" id="{D1B39555-D1F7-E2EF-76F4-9142E8C7B595}"/>
               </a:ext>
             </a:extLst>
           </p:cNvPr>
@@ -3965,7 +9209,7 @@
           <a:p>
             <a:r>
               <a:rPr lang="pt-PT" dirty="0"/>
-              <a:t>Bibliografia</a:t>
+              <a:t>Pesquisa necessária</a:t>
             </a:r>
           </a:p>
         </p:txBody>
@@ -3975,7 +9219,7 @@
           <p:cNvPr id="3" name="Marcador de Posição de Conteúdo 2">
             <a:extLst>
               <a:ext uri="{FF2B5EF4-FFF2-40B4-BE49-F238E27FC236}">
-                <a16:creationId xmlns:a16="http://schemas.microsoft.com/office/drawing/2014/main" id="{F7A45B14-038C-011B-1036-E3EED4CA1522}"/>
+                <a16:creationId xmlns:a16="http://schemas.microsoft.com/office/drawing/2014/main" id="{18CAA2BD-9845-5A48-A9E8-34697BB69868}"/>
               </a:ext>
             </a:extLst>
           </p:cNvPr>
@@ -3993,12 +9237,47 @@
           <a:p>
             <a:r>
               <a:rPr lang="pt-PT" dirty="0"/>
-              <a:t>Meu livro de </a:t>
-            </a:r>
+              <a:t>Módulos:</a:t>
+            </a:r>
+          </a:p>
+          <a:p>
+            <a:pPr lvl="1"/>
+            <a:r>
+              <a:rPr lang="pt-PT" dirty="0"/>
+              <a:t>os</a:t>
+            </a:r>
+          </a:p>
+          <a:p>
+            <a:pPr lvl="1"/>
             <a:r>
               <a:rPr lang="pt-PT" dirty="0" err="1"/>
-              <a:t>python</a:t>
-            </a:r>
+              <a:t>enum</a:t>
+            </a:r>
+            <a:endParaRPr lang="pt-PT" dirty="0"/>
+          </a:p>
+          <a:p>
+            <a:pPr lvl="1"/>
+            <a:r>
+              <a:rPr lang="pt-PT" dirty="0" err="1"/>
+              <a:t>json</a:t>
+            </a:r>
+            <a:endParaRPr lang="pt-PT" dirty="0"/>
+          </a:p>
+          <a:p>
+            <a:r>
+              <a:rPr lang="pt-PT" dirty="0" err="1"/>
+              <a:t>class</a:t>
+            </a:r>
+            <a:endParaRPr lang="pt-PT" dirty="0"/>
+          </a:p>
+          <a:p>
+            <a:r>
+              <a:rPr lang="pt-PT" dirty="0" err="1"/>
+              <a:t>def</a:t>
+            </a:r>
+            <a:endParaRPr lang="pt-PT" dirty="0"/>
+          </a:p>
+          <a:p>
             <a:endParaRPr lang="pt-PT" dirty="0"/>
           </a:p>
         </p:txBody>
@@ -4006,7 +9285,206 @@
     </p:spTree>
     <p:extLst>
       <p:ext uri="{BB962C8B-B14F-4D97-AF65-F5344CB8AC3E}">
-        <p14:creationId xmlns:p14="http://schemas.microsoft.com/office/powerpoint/2010/main" val="483068177"/>
+        <p14:creationId xmlns:p14="http://schemas.microsoft.com/office/powerpoint/2010/main" val="2511746986"/>
+      </p:ext>
+    </p:extLst>
+  </p:cSld>
+  <p:clrMapOvr>
+    <a:masterClrMapping/>
+  </p:clrMapOvr>
+</p:sld>
+</file>
+
+<file path=ppt/slides/slide8.xml><?xml version="1.0" encoding="utf-8"?>
+<p:sld xmlns:a="http://schemas.openxmlformats.org/drawingml/2006/main" xmlns:r="http://schemas.openxmlformats.org/officeDocument/2006/relationships" xmlns:p="http://schemas.openxmlformats.org/presentationml/2006/main">
+  <p:cSld>
+    <p:spTree>
+      <p:nvGrpSpPr>
+        <p:cNvPr id="1" name=""/>
+        <p:cNvGrpSpPr/>
+        <p:nvPr/>
+      </p:nvGrpSpPr>
+      <p:grpSpPr>
+        <a:xfrm>
+          <a:off x="0" y="0"/>
+          <a:ext cx="0" cy="0"/>
+          <a:chOff x="0" y="0"/>
+          <a:chExt cx="0" cy="0"/>
+        </a:xfrm>
+      </p:grpSpPr>
+      <p:sp>
+        <p:nvSpPr>
+          <p:cNvPr id="2" name="Título 1">
+            <a:extLst>
+              <a:ext uri="{FF2B5EF4-FFF2-40B4-BE49-F238E27FC236}">
+                <a16:creationId xmlns:a16="http://schemas.microsoft.com/office/drawing/2014/main" id="{A096E7A7-8A70-BCD2-6A41-A596998EF482}"/>
+              </a:ext>
+            </a:extLst>
+          </p:cNvPr>
+          <p:cNvSpPr>
+            <a:spLocks noGrp="1"/>
+          </p:cNvSpPr>
+          <p:nvPr>
+            <p:ph type="title"/>
+          </p:nvPr>
+        </p:nvSpPr>
+        <p:spPr/>
+        <p:txBody>
+          <a:bodyPr/>
+          <a:lstStyle/>
+          <a:p>
+            <a:r>
+              <a:rPr lang="pt-PT" dirty="0"/>
+              <a:t>Módulo os</a:t>
+            </a:r>
+          </a:p>
+        </p:txBody>
+      </p:sp>
+      <p:sp>
+        <p:nvSpPr>
+          <p:cNvPr id="3" name="Marcador de Posição de Conteúdo 2">
+            <a:extLst>
+              <a:ext uri="{FF2B5EF4-FFF2-40B4-BE49-F238E27FC236}">
+                <a16:creationId xmlns:a16="http://schemas.microsoft.com/office/drawing/2014/main" id="{FF4DB845-1DFF-180B-2E6D-C581E5C49CFB}"/>
+              </a:ext>
+            </a:extLst>
+          </p:cNvPr>
+          <p:cNvSpPr>
+            <a:spLocks noGrp="1"/>
+          </p:cNvSpPr>
+          <p:nvPr>
+            <p:ph idx="1"/>
+          </p:nvPr>
+        </p:nvSpPr>
+        <p:spPr/>
+        <p:txBody>
+          <a:bodyPr/>
+          <a:lstStyle/>
+          <a:p>
+            <a:r>
+              <a:rPr lang="pt-PT" dirty="0"/>
+              <a:t>A biblioteca (os) é um módulo que nos permite utilizar diversas funções já disponíveis no nosso sistema operativo, neste caso para o nosso script a mesma foi utilizada para:</a:t>
+            </a:r>
+          </a:p>
+          <a:p>
+            <a:pPr lvl="1"/>
+            <a:r>
+              <a:rPr lang="pt-PT" dirty="0"/>
+              <a:t>Ler/editar orçamentos já criados e guardados na nossa pasta </a:t>
+            </a:r>
+          </a:p>
+          <a:p>
+            <a:pPr lvl="1"/>
+            <a:r>
+              <a:rPr lang="pt-PT" dirty="0"/>
+              <a:t>Eliminar também caso seja necessário</a:t>
+            </a:r>
+          </a:p>
+        </p:txBody>
+      </p:sp>
+    </p:spTree>
+    <p:extLst>
+      <p:ext uri="{BB962C8B-B14F-4D97-AF65-F5344CB8AC3E}">
+        <p14:creationId xmlns:p14="http://schemas.microsoft.com/office/powerpoint/2010/main" val="1077732484"/>
+      </p:ext>
+    </p:extLst>
+  </p:cSld>
+  <p:clrMapOvr>
+    <a:masterClrMapping/>
+  </p:clrMapOvr>
+</p:sld>
+</file>
+
+<file path=ppt/slides/slide9.xml><?xml version="1.0" encoding="utf-8"?>
+<p:sld xmlns:a="http://schemas.openxmlformats.org/drawingml/2006/main" xmlns:r="http://schemas.openxmlformats.org/officeDocument/2006/relationships" xmlns:p="http://schemas.openxmlformats.org/presentationml/2006/main">
+  <p:cSld>
+    <p:spTree>
+      <p:nvGrpSpPr>
+        <p:cNvPr id="1" name=""/>
+        <p:cNvGrpSpPr/>
+        <p:nvPr/>
+      </p:nvGrpSpPr>
+      <p:grpSpPr>
+        <a:xfrm>
+          <a:off x="0" y="0"/>
+          <a:ext cx="0" cy="0"/>
+          <a:chOff x="0" y="0"/>
+          <a:chExt cx="0" cy="0"/>
+        </a:xfrm>
+      </p:grpSpPr>
+      <p:sp>
+        <p:nvSpPr>
+          <p:cNvPr id="2" name="Título 1">
+            <a:extLst>
+              <a:ext uri="{FF2B5EF4-FFF2-40B4-BE49-F238E27FC236}">
+                <a16:creationId xmlns:a16="http://schemas.microsoft.com/office/drawing/2014/main" id="{4FD003CC-AF1D-327A-F3F7-78B1BD640962}"/>
+              </a:ext>
+            </a:extLst>
+          </p:cNvPr>
+          <p:cNvSpPr>
+            <a:spLocks noGrp="1"/>
+          </p:cNvSpPr>
+          <p:nvPr>
+            <p:ph type="title"/>
+          </p:nvPr>
+        </p:nvSpPr>
+        <p:spPr/>
+        <p:txBody>
+          <a:bodyPr/>
+          <a:lstStyle/>
+          <a:p>
+            <a:r>
+              <a:rPr lang="pt-PT" dirty="0"/>
+              <a:t>Módulo </a:t>
+            </a:r>
+            <a:r>
+              <a:rPr lang="pt-PT" dirty="0" err="1"/>
+              <a:t>enum</a:t>
+            </a:r>
+            <a:endParaRPr lang="pt-PT" dirty="0"/>
+          </a:p>
+        </p:txBody>
+      </p:sp>
+      <p:sp>
+        <p:nvSpPr>
+          <p:cNvPr id="3" name="Marcador de Posição de Conteúdo 2">
+            <a:extLst>
+              <a:ext uri="{FF2B5EF4-FFF2-40B4-BE49-F238E27FC236}">
+                <a16:creationId xmlns:a16="http://schemas.microsoft.com/office/drawing/2014/main" id="{D49A3665-B57B-E4BD-67F8-42CC73063D93}"/>
+              </a:ext>
+            </a:extLst>
+          </p:cNvPr>
+          <p:cNvSpPr>
+            <a:spLocks noGrp="1"/>
+          </p:cNvSpPr>
+          <p:nvPr>
+            <p:ph idx="1"/>
+          </p:nvPr>
+        </p:nvSpPr>
+        <p:spPr/>
+        <p:txBody>
+          <a:bodyPr/>
+          <a:lstStyle/>
+          <a:p>
+            <a:r>
+              <a:rPr lang="pt-PT" dirty="0"/>
+              <a:t>Em primeira fase o menu do nosso script estava a ser gerido por ciclos dentro de ciclos e só com algarismos para controlar o fluxo do menu o que tornou o programa muito confuso quando ocorria um erro inesperado. Por esse motivo realizou-se uma pesquisa e encontramos este módulo (</a:t>
+            </a:r>
+            <a:r>
+              <a:rPr lang="pt-PT" dirty="0" err="1"/>
+              <a:t>enum</a:t>
+            </a:r>
+            <a:r>
+              <a:rPr lang="pt-PT" dirty="0"/>
+              <a:t>) porque a mesma torna a consulta mais limpa porque em vez dos antigos algarismos podemos trabalhar com os nomes dos menus.</a:t>
+            </a:r>
+          </a:p>
+        </p:txBody>
+      </p:sp>
+    </p:spTree>
+    <p:extLst>
+      <p:ext uri="{BB962C8B-B14F-4D97-AF65-F5344CB8AC3E}">
+        <p14:creationId xmlns:p14="http://schemas.microsoft.com/office/powerpoint/2010/main" val="2607144295"/>
       </p:ext>
     </p:extLst>
   </p:cSld>

--- a/Apresentação.pptx
+++ b/Apresentação.pptx
@@ -1031,42 +1031,6 @@
         </a:p>
       </dgm:t>
     </dgm:pt>
-    <dgm:pt modelId="{F65ADEF1-FC35-4370-8F71-EA091097B798}">
-      <dgm:prSet/>
-      <dgm:spPr/>
-      <dgm:t>
-        <a:bodyPr/>
-        <a:lstStyle/>
-        <a:p>
-          <a:r>
-            <a:rPr lang="pt-PT" dirty="0"/>
-            <a:t>Orçamentos</a:t>
-          </a:r>
-        </a:p>
-      </dgm:t>
-    </dgm:pt>
-    <dgm:pt modelId="{7A934D0E-1F29-4192-8AF7-9206929E1C74}" type="parTrans" cxnId="{09D5222A-AD98-40B0-B0F9-4929FD304DEB}">
-      <dgm:prSet/>
-      <dgm:spPr/>
-      <dgm:t>
-        <a:bodyPr/>
-        <a:lstStyle/>
-        <a:p>
-          <a:endParaRPr lang="pt-PT"/>
-        </a:p>
-      </dgm:t>
-    </dgm:pt>
-    <dgm:pt modelId="{8AE2110B-B467-477F-A1F7-C0BB5C1A3299}" type="sibTrans" cxnId="{09D5222A-AD98-40B0-B0F9-4929FD304DEB}">
-      <dgm:prSet/>
-      <dgm:spPr/>
-      <dgm:t>
-        <a:bodyPr/>
-        <a:lstStyle/>
-        <a:p>
-          <a:endParaRPr lang="pt-PT"/>
-        </a:p>
-      </dgm:t>
-    </dgm:pt>
     <dgm:pt modelId="{61CFDD75-80EB-4E8F-8706-A5203EF86987}">
       <dgm:prSet/>
       <dgm:spPr/>
@@ -1150,17 +1114,224 @@
         <a:bodyPr/>
         <a:lstStyle/>
         <a:p>
+          <a:r>
+            <a:rPr lang="pt-PT"/>
+            <a:t>Python script</a:t>
+          </a:r>
+          <a:endParaRPr lang="pt-PT" dirty="0"/>
+        </a:p>
+      </dgm:t>
+    </dgm:pt>
+    <dgm:pt modelId="{853452BB-8B2C-451B-877A-BEC35067313D}" type="parTrans" cxnId="{703777FB-9731-400E-A1D0-1BEB84C07425}">
+      <dgm:prSet/>
+      <dgm:spPr/>
+      <dgm:t>
+        <a:bodyPr/>
+        <a:lstStyle/>
+        <a:p>
           <a:endParaRPr lang="pt-PT"/>
         </a:p>
       </dgm:t>
     </dgm:pt>
-    <dgm:pt modelId="{853452BB-8B2C-451B-877A-BEC35067313D}" type="parTrans" cxnId="{703777FB-9731-400E-A1D0-1BEB84C07425}">
-      <dgm:prSet/>
-      <dgm:spPr/>
-    </dgm:pt>
     <dgm:pt modelId="{5E58B792-8546-4DDF-A7D9-F4778B60423F}" type="sibTrans" cxnId="{703777FB-9731-400E-A1D0-1BEB84C07425}">
       <dgm:prSet/>
       <dgm:spPr/>
+      <dgm:t>
+        <a:bodyPr/>
+        <a:lstStyle/>
+        <a:p>
+          <a:endParaRPr lang="pt-PT"/>
+        </a:p>
+      </dgm:t>
+    </dgm:pt>
+    <dgm:pt modelId="{F65ADEF1-FC35-4370-8F71-EA091097B798}">
+      <dgm:prSet/>
+      <dgm:spPr/>
+      <dgm:t>
+        <a:bodyPr/>
+        <a:lstStyle/>
+        <a:p>
+          <a:r>
+            <a:rPr lang="pt-PT" dirty="0"/>
+            <a:t>Orçamentos</a:t>
+          </a:r>
+        </a:p>
+      </dgm:t>
+    </dgm:pt>
+    <dgm:pt modelId="{8AE2110B-B467-477F-A1F7-C0BB5C1A3299}" type="sibTrans" cxnId="{09D5222A-AD98-40B0-B0F9-4929FD304DEB}">
+      <dgm:prSet/>
+      <dgm:spPr/>
+      <dgm:t>
+        <a:bodyPr/>
+        <a:lstStyle/>
+        <a:p>
+          <a:endParaRPr lang="pt-PT"/>
+        </a:p>
+      </dgm:t>
+    </dgm:pt>
+    <dgm:pt modelId="{7A934D0E-1F29-4192-8AF7-9206929E1C74}" type="parTrans" cxnId="{09D5222A-AD98-40B0-B0F9-4929FD304DEB}">
+      <dgm:prSet/>
+      <dgm:spPr/>
+      <dgm:t>
+        <a:bodyPr/>
+        <a:lstStyle/>
+        <a:p>
+          <a:endParaRPr lang="pt-PT"/>
+        </a:p>
+      </dgm:t>
+    </dgm:pt>
+    <dgm:pt modelId="{903E6224-021A-4173-9E1A-57A86ADC358D}">
+      <dgm:prSet/>
+      <dgm:spPr/>
+      <dgm:t>
+        <a:bodyPr/>
+        <a:lstStyle/>
+        <a:p>
+          <a:r>
+            <a:rPr lang="pt-PT" dirty="0"/>
+            <a:t>Orçamentos realizados</a:t>
+          </a:r>
+        </a:p>
+      </dgm:t>
+    </dgm:pt>
+    <dgm:pt modelId="{A5E919A3-B6BA-41E3-9166-9DF4421BD4BB}" type="parTrans" cxnId="{9622EEFC-D331-48C8-A42E-3A04BA641BE8}">
+      <dgm:prSet/>
+      <dgm:spPr/>
+      <dgm:t>
+        <a:bodyPr/>
+        <a:lstStyle/>
+        <a:p>
+          <a:endParaRPr lang="pt-PT"/>
+        </a:p>
+      </dgm:t>
+    </dgm:pt>
+    <dgm:pt modelId="{811DD62E-0A5D-422E-954E-FBEDFE898DBF}" type="sibTrans" cxnId="{9622EEFC-D331-48C8-A42E-3A04BA641BE8}">
+      <dgm:prSet/>
+      <dgm:spPr/>
+      <dgm:t>
+        <a:bodyPr/>
+        <a:lstStyle/>
+        <a:p>
+          <a:endParaRPr lang="pt-PT"/>
+        </a:p>
+      </dgm:t>
+    </dgm:pt>
+    <dgm:pt modelId="{E6BBD937-3F2D-42AB-BC8D-6285C342CF25}">
+      <dgm:prSet/>
+      <dgm:spPr/>
+      <dgm:t>
+        <a:bodyPr/>
+        <a:lstStyle/>
+        <a:p>
+          <a:r>
+            <a:rPr lang="pt-PT" dirty="0" err="1"/>
+            <a:t>Python</a:t>
+          </a:r>
+          <a:r>
+            <a:rPr lang="pt-PT" dirty="0"/>
+            <a:t> script</a:t>
+          </a:r>
+        </a:p>
+      </dgm:t>
+    </dgm:pt>
+    <dgm:pt modelId="{816B7268-D1B0-44ED-A1C2-53C2AD57BF49}" type="parTrans" cxnId="{6DE28CC8-F17A-4D16-85C5-87BA86677DF4}">
+      <dgm:prSet/>
+      <dgm:spPr/>
+      <dgm:t>
+        <a:bodyPr/>
+        <a:lstStyle/>
+        <a:p>
+          <a:endParaRPr lang="pt-PT"/>
+        </a:p>
+      </dgm:t>
+    </dgm:pt>
+    <dgm:pt modelId="{5F3C6ACF-ACD3-4B64-BDB4-6053D6EF8417}" type="sibTrans" cxnId="{6DE28CC8-F17A-4D16-85C5-87BA86677DF4}">
+      <dgm:prSet/>
+      <dgm:spPr/>
+      <dgm:t>
+        <a:bodyPr/>
+        <a:lstStyle/>
+        <a:p>
+          <a:endParaRPr lang="pt-PT"/>
+        </a:p>
+      </dgm:t>
+    </dgm:pt>
+    <dgm:pt modelId="{38E6E529-D917-4C36-A3F5-C7A49B426A67}">
+      <dgm:prSet/>
+      <dgm:spPr/>
+      <dgm:t>
+        <a:bodyPr/>
+        <a:lstStyle/>
+        <a:p>
+          <a:r>
+            <a:rPr lang="pt-PT" dirty="0" err="1"/>
+            <a:t>Python</a:t>
+          </a:r>
+          <a:r>
+            <a:rPr lang="pt-PT" dirty="0"/>
+            <a:t> script</a:t>
+          </a:r>
+        </a:p>
+      </dgm:t>
+    </dgm:pt>
+    <dgm:pt modelId="{74AA6E3B-451E-4C37-A131-10A8EBFF4C8D}" type="parTrans" cxnId="{21AAF55E-7D60-466F-B204-1A067DA41C01}">
+      <dgm:prSet/>
+      <dgm:spPr/>
+      <dgm:t>
+        <a:bodyPr/>
+        <a:lstStyle/>
+        <a:p>
+          <a:endParaRPr lang="pt-PT"/>
+        </a:p>
+      </dgm:t>
+    </dgm:pt>
+    <dgm:pt modelId="{5CC4FA1F-BE22-430E-9AF9-2236F9C81A59}" type="sibTrans" cxnId="{21AAF55E-7D60-466F-B204-1A067DA41C01}">
+      <dgm:prSet/>
+      <dgm:spPr/>
+      <dgm:t>
+        <a:bodyPr/>
+        <a:lstStyle/>
+        <a:p>
+          <a:endParaRPr lang="pt-PT"/>
+        </a:p>
+      </dgm:t>
+    </dgm:pt>
+    <dgm:pt modelId="{6CCB3EE5-6FBB-4339-AC0F-6872DA1A7DDA}">
+      <dgm:prSet/>
+      <dgm:spPr/>
+      <dgm:t>
+        <a:bodyPr/>
+        <a:lstStyle/>
+        <a:p>
+          <a:r>
+            <a:rPr lang="pt-PT" dirty="0" err="1"/>
+            <a:t>Gitignore</a:t>
+          </a:r>
+          <a:endParaRPr lang="pt-PT" dirty="0"/>
+        </a:p>
+      </dgm:t>
+    </dgm:pt>
+    <dgm:pt modelId="{FEA9472F-5E13-4054-855D-A715C0587253}" type="parTrans" cxnId="{7519E49E-7377-4DD1-94B8-BD7B2B26076A}">
+      <dgm:prSet/>
+      <dgm:spPr/>
+      <dgm:t>
+        <a:bodyPr/>
+        <a:lstStyle/>
+        <a:p>
+          <a:endParaRPr lang="pt-PT"/>
+        </a:p>
+      </dgm:t>
+    </dgm:pt>
+    <dgm:pt modelId="{F3D9A170-1ED9-455A-B417-D87B56F64BE6}" type="sibTrans" cxnId="{7519E49E-7377-4DD1-94B8-BD7B2B26076A}">
+      <dgm:prSet/>
+      <dgm:spPr/>
+      <dgm:t>
+        <a:bodyPr/>
+        <a:lstStyle/>
+        <a:p>
+          <a:endParaRPr lang="pt-PT"/>
+        </a:p>
+      </dgm:t>
     </dgm:pt>
     <dgm:pt modelId="{DD983FE6-9B0C-44F4-8AC5-C7B1175256C4}" type="pres">
       <dgm:prSet presAssocID="{CB39A146-53FA-40F1-ADFE-5E15A05D6E34}" presName="hierChild1" presStyleCnt="0">
@@ -1203,8 +1374,44 @@
       <dgm:prSet presAssocID="{64B6E92D-7914-4D38-B997-FF9AEA95CA3C}" presName="hierChild2" presStyleCnt="0"/>
       <dgm:spPr/>
     </dgm:pt>
+    <dgm:pt modelId="{6AC73C44-CBED-4A8F-92AC-E714201BB31A}" type="pres">
+      <dgm:prSet presAssocID="{FEA9472F-5E13-4054-855D-A715C0587253}" presName="Name37" presStyleLbl="parChTrans1D2" presStyleIdx="0" presStyleCnt="6"/>
+      <dgm:spPr/>
+    </dgm:pt>
+    <dgm:pt modelId="{0A56C7EC-4080-4EB4-BAEF-71DAE89D314B}" type="pres">
+      <dgm:prSet presAssocID="{6CCB3EE5-6FBB-4339-AC0F-6872DA1A7DDA}" presName="hierRoot2" presStyleCnt="0">
+        <dgm:presLayoutVars>
+          <dgm:hierBranch val="init"/>
+        </dgm:presLayoutVars>
+      </dgm:prSet>
+      <dgm:spPr/>
+    </dgm:pt>
+    <dgm:pt modelId="{91368D69-CB79-48B7-8863-96B39CB8983E}" type="pres">
+      <dgm:prSet presAssocID="{6CCB3EE5-6FBB-4339-AC0F-6872DA1A7DDA}" presName="rootComposite" presStyleCnt="0"/>
+      <dgm:spPr/>
+    </dgm:pt>
+    <dgm:pt modelId="{6F6138CC-D773-45DE-91C6-8E0E8AD1E135}" type="pres">
+      <dgm:prSet presAssocID="{6CCB3EE5-6FBB-4339-AC0F-6872DA1A7DDA}" presName="rootText" presStyleLbl="node2" presStyleIdx="0" presStyleCnt="6">
+        <dgm:presLayoutVars>
+          <dgm:chPref val="3"/>
+        </dgm:presLayoutVars>
+      </dgm:prSet>
+      <dgm:spPr/>
+    </dgm:pt>
+    <dgm:pt modelId="{6789E1C3-CD3A-4E52-88B9-D4E21BA65F7C}" type="pres">
+      <dgm:prSet presAssocID="{6CCB3EE5-6FBB-4339-AC0F-6872DA1A7DDA}" presName="rootConnector" presStyleLbl="node2" presStyleIdx="0" presStyleCnt="6"/>
+      <dgm:spPr/>
+    </dgm:pt>
+    <dgm:pt modelId="{3E19C635-0F85-4FAD-B7DE-E6FD780B93C5}" type="pres">
+      <dgm:prSet presAssocID="{6CCB3EE5-6FBB-4339-AC0F-6872DA1A7DDA}" presName="hierChild4" presStyleCnt="0"/>
+      <dgm:spPr/>
+    </dgm:pt>
+    <dgm:pt modelId="{07DE6F49-991B-41C4-BC7E-E186BCDFD3ED}" type="pres">
+      <dgm:prSet presAssocID="{6CCB3EE5-6FBB-4339-AC0F-6872DA1A7DDA}" presName="hierChild5" presStyleCnt="0"/>
+      <dgm:spPr/>
+    </dgm:pt>
     <dgm:pt modelId="{F2B8BD00-EA72-44F7-8532-5A17C0BF1DD9}" type="pres">
-      <dgm:prSet presAssocID="{FF39145A-9F71-44B7-B7AE-05B785563E97}" presName="Name37" presStyleLbl="parChTrans1D2" presStyleIdx="0" presStyleCnt="5"/>
+      <dgm:prSet presAssocID="{FF39145A-9F71-44B7-B7AE-05B785563E97}" presName="Name37" presStyleLbl="parChTrans1D2" presStyleIdx="1" presStyleCnt="6"/>
       <dgm:spPr/>
     </dgm:pt>
     <dgm:pt modelId="{B8EA2218-A4E9-446B-833B-9188D0EC90C8}" type="pres">
@@ -1220,7 +1427,7 @@
       <dgm:spPr/>
     </dgm:pt>
     <dgm:pt modelId="{A1422BED-C712-4276-934D-CB0F8F5DF1BA}" type="pres">
-      <dgm:prSet presAssocID="{A6F2723F-D707-4170-800E-C922F442595F}" presName="rootText" presStyleLbl="node2" presStyleIdx="0" presStyleCnt="5">
+      <dgm:prSet presAssocID="{A6F2723F-D707-4170-800E-C922F442595F}" presName="rootText" presStyleLbl="node2" presStyleIdx="1" presStyleCnt="6">
         <dgm:presLayoutVars>
           <dgm:chPref val="3"/>
         </dgm:presLayoutVars>
@@ -1228,7 +1435,7 @@
       <dgm:spPr/>
     </dgm:pt>
     <dgm:pt modelId="{74A0FB72-BA6B-4E46-9D3E-F9703C9ACFF9}" type="pres">
-      <dgm:prSet presAssocID="{A6F2723F-D707-4170-800E-C922F442595F}" presName="rootConnector" presStyleLbl="node2" presStyleIdx="0" presStyleCnt="5"/>
+      <dgm:prSet presAssocID="{A6F2723F-D707-4170-800E-C922F442595F}" presName="rootConnector" presStyleLbl="node2" presStyleIdx="1" presStyleCnt="6"/>
       <dgm:spPr/>
     </dgm:pt>
     <dgm:pt modelId="{38C49FE3-3DA1-4B9A-8CDC-1007B352E5DD}" type="pres">
@@ -1236,7 +1443,7 @@
       <dgm:spPr/>
     </dgm:pt>
     <dgm:pt modelId="{101B7EDE-D475-473D-B0FF-1B020248C47A}" type="pres">
-      <dgm:prSet presAssocID="{6E185969-62DC-48BA-8A70-4315885DBA91}" presName="Name37" presStyleLbl="parChTrans1D3" presStyleIdx="0" presStyleCnt="2"/>
+      <dgm:prSet presAssocID="{6E185969-62DC-48BA-8A70-4315885DBA91}" presName="Name37" presStyleLbl="parChTrans1D3" presStyleIdx="0" presStyleCnt="5"/>
       <dgm:spPr/>
     </dgm:pt>
     <dgm:pt modelId="{85487DCB-F553-4F90-B0C0-CCA98075C672}" type="pres">
@@ -1252,7 +1459,7 @@
       <dgm:spPr/>
     </dgm:pt>
     <dgm:pt modelId="{CB2E10ED-74A8-46A3-AC0D-7854C3C98AA4}" type="pres">
-      <dgm:prSet presAssocID="{E7B6DDF6-6C57-44C7-B9DE-ADC4779AD85D}" presName="rootText" presStyleLbl="node3" presStyleIdx="0" presStyleCnt="2">
+      <dgm:prSet presAssocID="{E7B6DDF6-6C57-44C7-B9DE-ADC4779AD85D}" presName="rootText" presStyleLbl="node3" presStyleIdx="0" presStyleCnt="5">
         <dgm:presLayoutVars>
           <dgm:chPref val="3"/>
         </dgm:presLayoutVars>
@@ -1260,7 +1467,7 @@
       <dgm:spPr/>
     </dgm:pt>
     <dgm:pt modelId="{22D6D88C-CDA5-403B-9EDA-F55F2398112F}" type="pres">
-      <dgm:prSet presAssocID="{E7B6DDF6-6C57-44C7-B9DE-ADC4779AD85D}" presName="rootConnector" presStyleLbl="node3" presStyleIdx="0" presStyleCnt="2"/>
+      <dgm:prSet presAssocID="{E7B6DDF6-6C57-44C7-B9DE-ADC4779AD85D}" presName="rootConnector" presStyleLbl="node3" presStyleIdx="0" presStyleCnt="5"/>
       <dgm:spPr/>
     </dgm:pt>
     <dgm:pt modelId="{BEC640AE-3742-4F7C-A355-61377DBD236B}" type="pres">
@@ -1276,7 +1483,7 @@
       <dgm:spPr/>
     </dgm:pt>
     <dgm:pt modelId="{861FC5F8-8D36-4DFE-97B1-9BE103310832}" type="pres">
-      <dgm:prSet presAssocID="{394B3C61-7AD9-48B5-AA45-4EDECFE53FB1}" presName="Name37" presStyleLbl="parChTrans1D2" presStyleIdx="1" presStyleCnt="5"/>
+      <dgm:prSet presAssocID="{394B3C61-7AD9-48B5-AA45-4EDECFE53FB1}" presName="Name37" presStyleLbl="parChTrans1D2" presStyleIdx="2" presStyleCnt="6"/>
       <dgm:spPr/>
     </dgm:pt>
     <dgm:pt modelId="{FC480265-AFD4-4AFF-AAFA-9A56AA870ABC}" type="pres">
@@ -1292,7 +1499,7 @@
       <dgm:spPr/>
     </dgm:pt>
     <dgm:pt modelId="{2ECC6E89-5E3D-496E-9416-A59A9ECA08B3}" type="pres">
-      <dgm:prSet presAssocID="{913ABC1B-FF6F-4225-BE65-C7A5D65B46A8}" presName="rootText" presStyleLbl="node2" presStyleIdx="1" presStyleCnt="5">
+      <dgm:prSet presAssocID="{913ABC1B-FF6F-4225-BE65-C7A5D65B46A8}" presName="rootText" presStyleLbl="node2" presStyleIdx="2" presStyleCnt="6">
         <dgm:presLayoutVars>
           <dgm:chPref val="3"/>
         </dgm:presLayoutVars>
@@ -1300,7 +1507,7 @@
       <dgm:spPr/>
     </dgm:pt>
     <dgm:pt modelId="{0CCB75C3-E189-40F3-8BD1-1C9C5EA8EDD2}" type="pres">
-      <dgm:prSet presAssocID="{913ABC1B-FF6F-4225-BE65-C7A5D65B46A8}" presName="rootConnector" presStyleLbl="node2" presStyleIdx="1" presStyleCnt="5"/>
+      <dgm:prSet presAssocID="{913ABC1B-FF6F-4225-BE65-C7A5D65B46A8}" presName="rootConnector" presStyleLbl="node2" presStyleIdx="2" presStyleCnt="6"/>
       <dgm:spPr/>
     </dgm:pt>
     <dgm:pt modelId="{9061EDCF-D0A2-464C-954B-08D03D8CBD4F}" type="pres">
@@ -1308,7 +1515,7 @@
       <dgm:spPr/>
     </dgm:pt>
     <dgm:pt modelId="{FB73D3BF-797B-4F49-A0DF-E51FDC8551E9}" type="pres">
-      <dgm:prSet presAssocID="{853452BB-8B2C-451B-877A-BEC35067313D}" presName="Name37" presStyleLbl="parChTrans1D3" presStyleIdx="1" presStyleCnt="2"/>
+      <dgm:prSet presAssocID="{853452BB-8B2C-451B-877A-BEC35067313D}" presName="Name37" presStyleLbl="parChTrans1D3" presStyleIdx="1" presStyleCnt="5"/>
       <dgm:spPr/>
     </dgm:pt>
     <dgm:pt modelId="{D1FA3DE1-2835-4E65-976E-BED5D45FAFA0}" type="pres">
@@ -1324,7 +1531,7 @@
       <dgm:spPr/>
     </dgm:pt>
     <dgm:pt modelId="{EE5E5EEA-C1C5-4366-9062-B83ACF6BD798}" type="pres">
-      <dgm:prSet presAssocID="{EC431BB0-F59C-4F38-B2BD-41D6EE423BDD}" presName="rootText" presStyleLbl="node3" presStyleIdx="1" presStyleCnt="2">
+      <dgm:prSet presAssocID="{EC431BB0-F59C-4F38-B2BD-41D6EE423BDD}" presName="rootText" presStyleLbl="node3" presStyleIdx="1" presStyleCnt="5">
         <dgm:presLayoutVars>
           <dgm:chPref val="3"/>
         </dgm:presLayoutVars>
@@ -1332,7 +1539,7 @@
       <dgm:spPr/>
     </dgm:pt>
     <dgm:pt modelId="{AEEF2969-C3F4-4902-B683-BCBFBB8E8F63}" type="pres">
-      <dgm:prSet presAssocID="{EC431BB0-F59C-4F38-B2BD-41D6EE423BDD}" presName="rootConnector" presStyleLbl="node3" presStyleIdx="1" presStyleCnt="2"/>
+      <dgm:prSet presAssocID="{EC431BB0-F59C-4F38-B2BD-41D6EE423BDD}" presName="rootConnector" presStyleLbl="node3" presStyleIdx="1" presStyleCnt="5"/>
       <dgm:spPr/>
     </dgm:pt>
     <dgm:pt modelId="{B7DD0ABC-363F-4F1A-9964-CCA5AB16C589}" type="pres">
@@ -1348,7 +1555,7 @@
       <dgm:spPr/>
     </dgm:pt>
     <dgm:pt modelId="{9BA6CE8A-C258-47EA-945B-390A5DB86378}" type="pres">
-      <dgm:prSet presAssocID="{7A934D0E-1F29-4192-8AF7-9206929E1C74}" presName="Name37" presStyleLbl="parChTrans1D2" presStyleIdx="2" presStyleCnt="5"/>
+      <dgm:prSet presAssocID="{7A934D0E-1F29-4192-8AF7-9206929E1C74}" presName="Name37" presStyleLbl="parChTrans1D2" presStyleIdx="3" presStyleCnt="6"/>
       <dgm:spPr/>
     </dgm:pt>
     <dgm:pt modelId="{D5CF1E45-0E90-4155-B10C-15C85FB5B551}" type="pres">
@@ -1364,7 +1571,7 @@
       <dgm:spPr/>
     </dgm:pt>
     <dgm:pt modelId="{DCF23598-64FE-4A10-8B3A-1750079647CB}" type="pres">
-      <dgm:prSet presAssocID="{F65ADEF1-FC35-4370-8F71-EA091097B798}" presName="rootText" presStyleLbl="node2" presStyleIdx="2" presStyleCnt="5">
+      <dgm:prSet presAssocID="{F65ADEF1-FC35-4370-8F71-EA091097B798}" presName="rootText" presStyleLbl="node2" presStyleIdx="3" presStyleCnt="6">
         <dgm:presLayoutVars>
           <dgm:chPref val="3"/>
         </dgm:presLayoutVars>
@@ -1372,19 +1579,55 @@
       <dgm:spPr/>
     </dgm:pt>
     <dgm:pt modelId="{CC733652-D6C2-4329-B594-3A668BEE3EB4}" type="pres">
-      <dgm:prSet presAssocID="{F65ADEF1-FC35-4370-8F71-EA091097B798}" presName="rootConnector" presStyleLbl="node2" presStyleIdx="2" presStyleCnt="5"/>
+      <dgm:prSet presAssocID="{F65ADEF1-FC35-4370-8F71-EA091097B798}" presName="rootConnector" presStyleLbl="node2" presStyleIdx="3" presStyleCnt="6"/>
       <dgm:spPr/>
     </dgm:pt>
     <dgm:pt modelId="{218770EE-29B9-4835-BF51-A0EB47DF025B}" type="pres">
       <dgm:prSet presAssocID="{F65ADEF1-FC35-4370-8F71-EA091097B798}" presName="hierChild4" presStyleCnt="0"/>
       <dgm:spPr/>
     </dgm:pt>
+    <dgm:pt modelId="{04DFF54C-2851-4CEA-A580-AD129EFBE770}" type="pres">
+      <dgm:prSet presAssocID="{A5E919A3-B6BA-41E3-9166-9DF4421BD4BB}" presName="Name37" presStyleLbl="parChTrans1D3" presStyleIdx="2" presStyleCnt="5"/>
+      <dgm:spPr/>
+    </dgm:pt>
+    <dgm:pt modelId="{3F25810F-09C0-47A8-A796-857203EE0675}" type="pres">
+      <dgm:prSet presAssocID="{903E6224-021A-4173-9E1A-57A86ADC358D}" presName="hierRoot2" presStyleCnt="0">
+        <dgm:presLayoutVars>
+          <dgm:hierBranch val="init"/>
+        </dgm:presLayoutVars>
+      </dgm:prSet>
+      <dgm:spPr/>
+    </dgm:pt>
+    <dgm:pt modelId="{A5345E60-9DAC-47C1-9A6B-6FDCD3F233BB}" type="pres">
+      <dgm:prSet presAssocID="{903E6224-021A-4173-9E1A-57A86ADC358D}" presName="rootComposite" presStyleCnt="0"/>
+      <dgm:spPr/>
+    </dgm:pt>
+    <dgm:pt modelId="{182CC2E0-82B5-401C-97C7-22D6FF63F8A7}" type="pres">
+      <dgm:prSet presAssocID="{903E6224-021A-4173-9E1A-57A86ADC358D}" presName="rootText" presStyleLbl="node3" presStyleIdx="2" presStyleCnt="5">
+        <dgm:presLayoutVars>
+          <dgm:chPref val="3"/>
+        </dgm:presLayoutVars>
+      </dgm:prSet>
+      <dgm:spPr/>
+    </dgm:pt>
+    <dgm:pt modelId="{7D7FD2D0-7EA0-4A76-805E-917DD57F1469}" type="pres">
+      <dgm:prSet presAssocID="{903E6224-021A-4173-9E1A-57A86ADC358D}" presName="rootConnector" presStyleLbl="node3" presStyleIdx="2" presStyleCnt="5"/>
+      <dgm:spPr/>
+    </dgm:pt>
+    <dgm:pt modelId="{41ACAC89-086E-4349-9A84-4E4C14D8C9F5}" type="pres">
+      <dgm:prSet presAssocID="{903E6224-021A-4173-9E1A-57A86ADC358D}" presName="hierChild4" presStyleCnt="0"/>
+      <dgm:spPr/>
+    </dgm:pt>
+    <dgm:pt modelId="{53FAFBAE-946E-4BB7-BAD8-76DA0E873578}" type="pres">
+      <dgm:prSet presAssocID="{903E6224-021A-4173-9E1A-57A86ADC358D}" presName="hierChild5" presStyleCnt="0"/>
+      <dgm:spPr/>
+    </dgm:pt>
     <dgm:pt modelId="{6F1E3662-2485-425E-BC50-BAEEC5AAB947}" type="pres">
       <dgm:prSet presAssocID="{F65ADEF1-FC35-4370-8F71-EA091097B798}" presName="hierChild5" presStyleCnt="0"/>
       <dgm:spPr/>
     </dgm:pt>
     <dgm:pt modelId="{06C2C11B-4F03-4646-B6ED-BA3BDC078447}" type="pres">
-      <dgm:prSet presAssocID="{7DD15CEE-FCC5-4C17-A079-306AEA1A51B7}" presName="Name37" presStyleLbl="parChTrans1D2" presStyleIdx="3" presStyleCnt="5"/>
+      <dgm:prSet presAssocID="{7DD15CEE-FCC5-4C17-A079-306AEA1A51B7}" presName="Name37" presStyleLbl="parChTrans1D2" presStyleIdx="4" presStyleCnt="6"/>
       <dgm:spPr/>
     </dgm:pt>
     <dgm:pt modelId="{EDA3D215-568C-4A6B-9CE0-60A60E198A59}" type="pres">
@@ -1400,7 +1643,7 @@
       <dgm:spPr/>
     </dgm:pt>
     <dgm:pt modelId="{9F617B1F-C9B5-4B66-ABA6-15E441D359BE}" type="pres">
-      <dgm:prSet presAssocID="{61CFDD75-80EB-4E8F-8706-A5203EF86987}" presName="rootText" presStyleLbl="node2" presStyleIdx="3" presStyleCnt="5">
+      <dgm:prSet presAssocID="{61CFDD75-80EB-4E8F-8706-A5203EF86987}" presName="rootText" presStyleLbl="node2" presStyleIdx="4" presStyleCnt="6">
         <dgm:presLayoutVars>
           <dgm:chPref val="3"/>
         </dgm:presLayoutVars>
@@ -1408,19 +1651,55 @@
       <dgm:spPr/>
     </dgm:pt>
     <dgm:pt modelId="{4E4C8931-7A04-4547-A7EA-6C541F64BF17}" type="pres">
-      <dgm:prSet presAssocID="{61CFDD75-80EB-4E8F-8706-A5203EF86987}" presName="rootConnector" presStyleLbl="node2" presStyleIdx="3" presStyleCnt="5"/>
+      <dgm:prSet presAssocID="{61CFDD75-80EB-4E8F-8706-A5203EF86987}" presName="rootConnector" presStyleLbl="node2" presStyleIdx="4" presStyleCnt="6"/>
       <dgm:spPr/>
     </dgm:pt>
     <dgm:pt modelId="{EF7118F3-828C-430E-83D2-404AE51F6136}" type="pres">
       <dgm:prSet presAssocID="{61CFDD75-80EB-4E8F-8706-A5203EF86987}" presName="hierChild4" presStyleCnt="0"/>
       <dgm:spPr/>
     </dgm:pt>
+    <dgm:pt modelId="{47CEB560-8118-4D11-AA8B-3834A2C47DF9}" type="pres">
+      <dgm:prSet presAssocID="{816B7268-D1B0-44ED-A1C2-53C2AD57BF49}" presName="Name37" presStyleLbl="parChTrans1D3" presStyleIdx="3" presStyleCnt="5"/>
+      <dgm:spPr/>
+    </dgm:pt>
+    <dgm:pt modelId="{C3EFD8F4-D6C6-4A72-86CE-CD8829CB86FA}" type="pres">
+      <dgm:prSet presAssocID="{E6BBD937-3F2D-42AB-BC8D-6285C342CF25}" presName="hierRoot2" presStyleCnt="0">
+        <dgm:presLayoutVars>
+          <dgm:hierBranch val="init"/>
+        </dgm:presLayoutVars>
+      </dgm:prSet>
+      <dgm:spPr/>
+    </dgm:pt>
+    <dgm:pt modelId="{80946A6C-5FBC-4C09-BD0E-CC75A437C12D}" type="pres">
+      <dgm:prSet presAssocID="{E6BBD937-3F2D-42AB-BC8D-6285C342CF25}" presName="rootComposite" presStyleCnt="0"/>
+      <dgm:spPr/>
+    </dgm:pt>
+    <dgm:pt modelId="{8FF52D02-9F83-4A4E-AE64-C8A0E71A1F53}" type="pres">
+      <dgm:prSet presAssocID="{E6BBD937-3F2D-42AB-BC8D-6285C342CF25}" presName="rootText" presStyleLbl="node3" presStyleIdx="3" presStyleCnt="5">
+        <dgm:presLayoutVars>
+          <dgm:chPref val="3"/>
+        </dgm:presLayoutVars>
+      </dgm:prSet>
+      <dgm:spPr/>
+    </dgm:pt>
+    <dgm:pt modelId="{CDF56A08-2C37-47C9-A353-EE6445D6D4FD}" type="pres">
+      <dgm:prSet presAssocID="{E6BBD937-3F2D-42AB-BC8D-6285C342CF25}" presName="rootConnector" presStyleLbl="node3" presStyleIdx="3" presStyleCnt="5"/>
+      <dgm:spPr/>
+    </dgm:pt>
+    <dgm:pt modelId="{BBE5EA20-A969-4C58-888E-13C66DC068E6}" type="pres">
+      <dgm:prSet presAssocID="{E6BBD937-3F2D-42AB-BC8D-6285C342CF25}" presName="hierChild4" presStyleCnt="0"/>
+      <dgm:spPr/>
+    </dgm:pt>
+    <dgm:pt modelId="{BEF9B724-F63F-4CAA-AF7F-D1C83299A904}" type="pres">
+      <dgm:prSet presAssocID="{E6BBD937-3F2D-42AB-BC8D-6285C342CF25}" presName="hierChild5" presStyleCnt="0"/>
+      <dgm:spPr/>
+    </dgm:pt>
     <dgm:pt modelId="{9D57A854-11AE-4208-BE58-8B51F5673396}" type="pres">
       <dgm:prSet presAssocID="{61CFDD75-80EB-4E8F-8706-A5203EF86987}" presName="hierChild5" presStyleCnt="0"/>
       <dgm:spPr/>
     </dgm:pt>
     <dgm:pt modelId="{1D409641-323E-46E8-ADEC-469BA8EBB68F}" type="pres">
-      <dgm:prSet presAssocID="{0FEBE647-0943-4D8F-8510-13944CB06386}" presName="Name37" presStyleLbl="parChTrans1D2" presStyleIdx="4" presStyleCnt="5"/>
+      <dgm:prSet presAssocID="{0FEBE647-0943-4D8F-8510-13944CB06386}" presName="Name37" presStyleLbl="parChTrans1D2" presStyleIdx="5" presStyleCnt="6"/>
       <dgm:spPr/>
     </dgm:pt>
     <dgm:pt modelId="{4CDA0A40-B4BF-4010-8370-E56ACE56E882}" type="pres">
@@ -1436,7 +1715,7 @@
       <dgm:spPr/>
     </dgm:pt>
     <dgm:pt modelId="{EC7235F9-516F-48A0-AFE0-7B857F299AB4}" type="pres">
-      <dgm:prSet presAssocID="{91CA7392-B411-45D2-8FB5-9846178379DF}" presName="rootText" presStyleLbl="node2" presStyleIdx="4" presStyleCnt="5">
+      <dgm:prSet presAssocID="{91CA7392-B411-45D2-8FB5-9846178379DF}" presName="rootText" presStyleLbl="node2" presStyleIdx="5" presStyleCnt="6">
         <dgm:presLayoutVars>
           <dgm:chPref val="3"/>
         </dgm:presLayoutVars>
@@ -1444,11 +1723,47 @@
       <dgm:spPr/>
     </dgm:pt>
     <dgm:pt modelId="{E6734783-5C8A-476B-8923-71A9824A1200}" type="pres">
-      <dgm:prSet presAssocID="{91CA7392-B411-45D2-8FB5-9846178379DF}" presName="rootConnector" presStyleLbl="node2" presStyleIdx="4" presStyleCnt="5"/>
+      <dgm:prSet presAssocID="{91CA7392-B411-45D2-8FB5-9846178379DF}" presName="rootConnector" presStyleLbl="node2" presStyleIdx="5" presStyleCnt="6"/>
       <dgm:spPr/>
     </dgm:pt>
     <dgm:pt modelId="{F63EB9FF-C5AD-4B90-9FB7-1FEE98673766}" type="pres">
       <dgm:prSet presAssocID="{91CA7392-B411-45D2-8FB5-9846178379DF}" presName="hierChild4" presStyleCnt="0"/>
+      <dgm:spPr/>
+    </dgm:pt>
+    <dgm:pt modelId="{A0EF8C96-4CB7-4DDD-B9FB-D41A16BC59EE}" type="pres">
+      <dgm:prSet presAssocID="{74AA6E3B-451E-4C37-A131-10A8EBFF4C8D}" presName="Name37" presStyleLbl="parChTrans1D3" presStyleIdx="4" presStyleCnt="5"/>
+      <dgm:spPr/>
+    </dgm:pt>
+    <dgm:pt modelId="{CB31D482-454A-4F4B-BAD6-26F867ABF50F}" type="pres">
+      <dgm:prSet presAssocID="{38E6E529-D917-4C36-A3F5-C7A49B426A67}" presName="hierRoot2" presStyleCnt="0">
+        <dgm:presLayoutVars>
+          <dgm:hierBranch val="init"/>
+        </dgm:presLayoutVars>
+      </dgm:prSet>
+      <dgm:spPr/>
+    </dgm:pt>
+    <dgm:pt modelId="{5F1AF47D-6276-495D-ABC2-7D56F71A5C83}" type="pres">
+      <dgm:prSet presAssocID="{38E6E529-D917-4C36-A3F5-C7A49B426A67}" presName="rootComposite" presStyleCnt="0"/>
+      <dgm:spPr/>
+    </dgm:pt>
+    <dgm:pt modelId="{E7AF9801-678E-422E-99D0-1DE436354B53}" type="pres">
+      <dgm:prSet presAssocID="{38E6E529-D917-4C36-A3F5-C7A49B426A67}" presName="rootText" presStyleLbl="node3" presStyleIdx="4" presStyleCnt="5">
+        <dgm:presLayoutVars>
+          <dgm:chPref val="3"/>
+        </dgm:presLayoutVars>
+      </dgm:prSet>
+      <dgm:spPr/>
+    </dgm:pt>
+    <dgm:pt modelId="{9C28FAAB-7498-44E3-A761-0D990C9A4B65}" type="pres">
+      <dgm:prSet presAssocID="{38E6E529-D917-4C36-A3F5-C7A49B426A67}" presName="rootConnector" presStyleLbl="node3" presStyleIdx="4" presStyleCnt="5"/>
+      <dgm:spPr/>
+    </dgm:pt>
+    <dgm:pt modelId="{46F5A65A-42AF-4DCC-B894-1059C3C0D3E7}" type="pres">
+      <dgm:prSet presAssocID="{38E6E529-D917-4C36-A3F5-C7A49B426A67}" presName="hierChild4" presStyleCnt="0"/>
+      <dgm:spPr/>
+    </dgm:pt>
+    <dgm:pt modelId="{F47053D2-9083-44FD-A414-A45E1DC64C0E}" type="pres">
+      <dgm:prSet presAssocID="{38E6E529-D917-4C36-A3F5-C7A49B426A67}" presName="hierChild5" presStyleCnt="0"/>
       <dgm:spPr/>
     </dgm:pt>
     <dgm:pt modelId="{711724C9-DBC0-4E65-9C55-BB837DC0D1C7}" type="pres">
@@ -1462,44 +1777,67 @@
   </dgm:ptLst>
   <dgm:cxnLst>
     <dgm:cxn modelId="{35FE140A-9A99-462C-8A17-46933E6BD6FE}" type="presOf" srcId="{853452BB-8B2C-451B-877A-BEC35067313D}" destId="{FB73D3BF-797B-4F49-A0DF-E51FDC8551E9}" srcOrd="0" destOrd="0" presId="urn:microsoft.com/office/officeart/2005/8/layout/orgChart1"/>
+    <dgm:cxn modelId="{B2F85913-25B4-4883-BFA0-EC6057A717BF}" type="presOf" srcId="{38E6E529-D917-4C36-A3F5-C7A49B426A67}" destId="{E7AF9801-678E-422E-99D0-1DE436354B53}" srcOrd="0" destOrd="0" presId="urn:microsoft.com/office/officeart/2005/8/layout/orgChart1"/>
+    <dgm:cxn modelId="{C1120914-A3E9-4B02-85C0-FAB52569EE1F}" type="presOf" srcId="{74AA6E3B-451E-4C37-A131-10A8EBFF4C8D}" destId="{A0EF8C96-4CB7-4DDD-B9FB-D41A16BC59EE}" srcOrd="0" destOrd="0" presId="urn:microsoft.com/office/officeart/2005/8/layout/orgChart1"/>
+    <dgm:cxn modelId="{893D7E16-C539-44A9-901E-AA505E611B36}" type="presOf" srcId="{6CCB3EE5-6FBB-4339-AC0F-6872DA1A7DDA}" destId="{6789E1C3-CD3A-4E52-88B9-D4E21BA65F7C}" srcOrd="1" destOrd="0" presId="urn:microsoft.com/office/officeart/2005/8/layout/orgChart1"/>
     <dgm:cxn modelId="{197F8F18-351B-4F79-97D8-2F84DE261011}" type="presOf" srcId="{A6F2723F-D707-4170-800E-C922F442595F}" destId="{A1422BED-C712-4276-934D-CB0F8F5DF1BA}" srcOrd="0" destOrd="0" presId="urn:microsoft.com/office/officeart/2005/8/layout/orgChart1"/>
     <dgm:cxn modelId="{CB2F7021-A022-4009-9630-0D11DDE5990D}" type="presOf" srcId="{CB39A146-53FA-40F1-ADFE-5E15A05D6E34}" destId="{DD983FE6-9B0C-44F4-8AC5-C7B1175256C4}" srcOrd="0" destOrd="0" presId="urn:microsoft.com/office/officeart/2005/8/layout/orgChart1"/>
-    <dgm:cxn modelId="{FCB2B029-A254-4C22-96B7-674CBDAA172C}" srcId="{64B6E92D-7914-4D38-B997-FF9AEA95CA3C}" destId="{61CFDD75-80EB-4E8F-8706-A5203EF86987}" srcOrd="3" destOrd="0" parTransId="{7DD15CEE-FCC5-4C17-A079-306AEA1A51B7}" sibTransId="{458D3698-E9E7-4C53-86A5-DE28519F1C39}"/>
-    <dgm:cxn modelId="{09D5222A-AD98-40B0-B0F9-4929FD304DEB}" srcId="{64B6E92D-7914-4D38-B997-FF9AEA95CA3C}" destId="{F65ADEF1-FC35-4370-8F71-EA091097B798}" srcOrd="2" destOrd="0" parTransId="{7A934D0E-1F29-4192-8AF7-9206929E1C74}" sibTransId="{8AE2110B-B467-477F-A1F7-C0BB5C1A3299}"/>
+    <dgm:cxn modelId="{FCB2B029-A254-4C22-96B7-674CBDAA172C}" srcId="{64B6E92D-7914-4D38-B997-FF9AEA95CA3C}" destId="{61CFDD75-80EB-4E8F-8706-A5203EF86987}" srcOrd="4" destOrd="0" parTransId="{7DD15CEE-FCC5-4C17-A079-306AEA1A51B7}" sibTransId="{458D3698-E9E7-4C53-86A5-DE28519F1C39}"/>
+    <dgm:cxn modelId="{09D5222A-AD98-40B0-B0F9-4929FD304DEB}" srcId="{64B6E92D-7914-4D38-B997-FF9AEA95CA3C}" destId="{F65ADEF1-FC35-4370-8F71-EA091097B798}" srcOrd="3" destOrd="0" parTransId="{7A934D0E-1F29-4192-8AF7-9206929E1C74}" sibTransId="{8AE2110B-B467-477F-A1F7-C0BB5C1A3299}"/>
     <dgm:cxn modelId="{C6BBF12E-D585-4901-8C73-F6EAA5AC5E3D}" type="presOf" srcId="{7DD15CEE-FCC5-4C17-A079-306AEA1A51B7}" destId="{06C2C11B-4F03-4646-B6ED-BA3BDC078447}" srcOrd="0" destOrd="0" presId="urn:microsoft.com/office/officeart/2005/8/layout/orgChart1"/>
+    <dgm:cxn modelId="{BCEC4130-F40E-42DA-8C6C-746A99AA45F5}" type="presOf" srcId="{E6BBD937-3F2D-42AB-BC8D-6285C342CF25}" destId="{CDF56A08-2C37-47C9-A353-EE6445D6D4FD}" srcOrd="1" destOrd="0" presId="urn:microsoft.com/office/officeart/2005/8/layout/orgChart1"/>
     <dgm:cxn modelId="{80F00E3A-2DE1-4213-9511-CE4A08606337}" type="presOf" srcId="{E7B6DDF6-6C57-44C7-B9DE-ADC4779AD85D}" destId="{22D6D88C-CDA5-403B-9EDA-F55F2398112F}" srcOrd="1" destOrd="0" presId="urn:microsoft.com/office/officeart/2005/8/layout/orgChart1"/>
     <dgm:cxn modelId="{7EC4223E-BA1D-445E-AAD8-AC8794935081}" type="presOf" srcId="{EC431BB0-F59C-4F38-B2BD-41D6EE423BDD}" destId="{AEEF2969-C3F4-4902-B683-BCBFBB8E8F63}" srcOrd="1" destOrd="0" presId="urn:microsoft.com/office/officeart/2005/8/layout/orgChart1"/>
     <dgm:cxn modelId="{C79F293F-F283-4271-B0CB-65E672D12C24}" type="presOf" srcId="{FF39145A-9F71-44B7-B7AE-05B785563E97}" destId="{F2B8BD00-EA72-44F7-8532-5A17C0BF1DD9}" srcOrd="0" destOrd="0" presId="urn:microsoft.com/office/officeart/2005/8/layout/orgChart1"/>
     <dgm:cxn modelId="{EE9BAB5B-E839-45D9-A935-16E85495B32D}" type="presOf" srcId="{64B6E92D-7914-4D38-B997-FF9AEA95CA3C}" destId="{1505DE8C-D92A-4BF4-8371-BA9F90DB4596}" srcOrd="0" destOrd="0" presId="urn:microsoft.com/office/officeart/2005/8/layout/orgChart1"/>
     <dgm:cxn modelId="{C983C05E-2EDE-4F94-AD7D-B8AA0197D872}" type="presOf" srcId="{61CFDD75-80EB-4E8F-8706-A5203EF86987}" destId="{9F617B1F-C9B5-4B66-ABA6-15E441D359BE}" srcOrd="0" destOrd="0" presId="urn:microsoft.com/office/officeart/2005/8/layout/orgChart1"/>
+    <dgm:cxn modelId="{21AAF55E-7D60-466F-B204-1A067DA41C01}" srcId="{91CA7392-B411-45D2-8FB5-9846178379DF}" destId="{38E6E529-D917-4C36-A3F5-C7A49B426A67}" srcOrd="0" destOrd="0" parTransId="{74AA6E3B-451E-4C37-A131-10A8EBFF4C8D}" sibTransId="{5CC4FA1F-BE22-430E-9AF9-2236F9C81A59}"/>
     <dgm:cxn modelId="{AD80A461-197B-4901-81CA-234ED83F800C}" type="presOf" srcId="{6E185969-62DC-48BA-8A70-4315885DBA91}" destId="{101B7EDE-D475-473D-B0FF-1B020248C47A}" srcOrd="0" destOrd="0" presId="urn:microsoft.com/office/officeart/2005/8/layout/orgChart1"/>
-    <dgm:cxn modelId="{956E5543-9E45-4E1D-9770-2FC887C104CA}" srcId="{64B6E92D-7914-4D38-B997-FF9AEA95CA3C}" destId="{91CA7392-B411-45D2-8FB5-9846178379DF}" srcOrd="4" destOrd="0" parTransId="{0FEBE647-0943-4D8F-8510-13944CB06386}" sibTransId="{F728C035-E912-48C5-9C92-10BAC76053EA}"/>
+    <dgm:cxn modelId="{956E5543-9E45-4E1D-9770-2FC887C104CA}" srcId="{64B6E92D-7914-4D38-B997-FF9AEA95CA3C}" destId="{91CA7392-B411-45D2-8FB5-9846178379DF}" srcOrd="5" destOrd="0" parTransId="{0FEBE647-0943-4D8F-8510-13944CB06386}" sibTransId="{F728C035-E912-48C5-9C92-10BAC76053EA}"/>
+    <dgm:cxn modelId="{BCE1CE44-BA6D-43D3-A024-59279A2DAEEF}" type="presOf" srcId="{903E6224-021A-4173-9E1A-57A86ADC358D}" destId="{182CC2E0-82B5-401C-97C7-22D6FF63F8A7}" srcOrd="0" destOrd="0" presId="urn:microsoft.com/office/officeart/2005/8/layout/orgChart1"/>
     <dgm:cxn modelId="{02537845-2228-4022-9255-88A9AC8E9FAA}" type="presOf" srcId="{0FEBE647-0943-4D8F-8510-13944CB06386}" destId="{1D409641-323E-46E8-ADEC-469BA8EBB68F}" srcOrd="0" destOrd="0" presId="urn:microsoft.com/office/officeart/2005/8/layout/orgChart1"/>
     <dgm:cxn modelId="{2F7A2F70-BB46-49F9-AA52-4B1F57F68377}" type="presOf" srcId="{91CA7392-B411-45D2-8FB5-9846178379DF}" destId="{E6734783-5C8A-476B-8923-71A9824A1200}" srcOrd="1" destOrd="0" presId="urn:microsoft.com/office/officeart/2005/8/layout/orgChart1"/>
+    <dgm:cxn modelId="{144A5E75-8926-47F1-96D2-E48EA3D467EE}" type="presOf" srcId="{903E6224-021A-4173-9E1A-57A86ADC358D}" destId="{7D7FD2D0-7EA0-4A76-805E-917DD57F1469}" srcOrd="1" destOrd="0" presId="urn:microsoft.com/office/officeart/2005/8/layout/orgChart1"/>
+    <dgm:cxn modelId="{CC8B3077-EDA4-4144-AE07-5C0B7C9D4150}" type="presOf" srcId="{E6BBD937-3F2D-42AB-BC8D-6285C342CF25}" destId="{8FF52D02-9F83-4A4E-AE64-C8A0E71A1F53}" srcOrd="0" destOrd="0" presId="urn:microsoft.com/office/officeart/2005/8/layout/orgChart1"/>
     <dgm:cxn modelId="{3E5CA081-6084-49AD-91CB-6B7AF9106060}" type="presOf" srcId="{A6F2723F-D707-4170-800E-C922F442595F}" destId="{74A0FB72-BA6B-4E46-9D3E-F9703C9ACFF9}" srcOrd="1" destOrd="0" presId="urn:microsoft.com/office/officeart/2005/8/layout/orgChart1"/>
     <dgm:cxn modelId="{D9CB868B-D63F-4DD2-8BA7-C2F0D8403894}" type="presOf" srcId="{F65ADEF1-FC35-4370-8F71-EA091097B798}" destId="{CC733652-D6C2-4329-B594-3A668BEE3EB4}" srcOrd="1" destOrd="0" presId="urn:microsoft.com/office/officeart/2005/8/layout/orgChart1"/>
+    <dgm:cxn modelId="{11738F8F-F514-4707-8201-21F2C3B4AEC2}" type="presOf" srcId="{38E6E529-D917-4C36-A3F5-C7A49B426A67}" destId="{9C28FAAB-7498-44E3-A761-0D990C9A4B65}" srcOrd="1" destOrd="0" presId="urn:microsoft.com/office/officeart/2005/8/layout/orgChart1"/>
     <dgm:cxn modelId="{4E47B991-51FD-4D8E-A8AA-D06ECECEBB6C}" type="presOf" srcId="{913ABC1B-FF6F-4225-BE65-C7A5D65B46A8}" destId="{0CCB75C3-E189-40F3-8BD1-1C9C5EA8EDD2}" srcOrd="1" destOrd="0" presId="urn:microsoft.com/office/officeart/2005/8/layout/orgChart1"/>
-    <dgm:cxn modelId="{B326DEA1-30F4-4060-A0E8-3F329358E246}" srcId="{64B6E92D-7914-4D38-B997-FF9AEA95CA3C}" destId="{A6F2723F-D707-4170-800E-C922F442595F}" srcOrd="0" destOrd="0" parTransId="{FF39145A-9F71-44B7-B7AE-05B785563E97}" sibTransId="{CB71B92C-ADE0-447D-A705-3543673334B2}"/>
+    <dgm:cxn modelId="{7519E49E-7377-4DD1-94B8-BD7B2B26076A}" srcId="{64B6E92D-7914-4D38-B997-FF9AEA95CA3C}" destId="{6CCB3EE5-6FBB-4339-AC0F-6872DA1A7DDA}" srcOrd="0" destOrd="0" parTransId="{FEA9472F-5E13-4054-855D-A715C0587253}" sibTransId="{F3D9A170-1ED9-455A-B417-D87B56F64BE6}"/>
+    <dgm:cxn modelId="{B326DEA1-30F4-4060-A0E8-3F329358E246}" srcId="{64B6E92D-7914-4D38-B997-FF9AEA95CA3C}" destId="{A6F2723F-D707-4170-800E-C922F442595F}" srcOrd="1" destOrd="0" parTransId="{FF39145A-9F71-44B7-B7AE-05B785563E97}" sibTransId="{CB71B92C-ADE0-447D-A705-3543673334B2}"/>
+    <dgm:cxn modelId="{F4EB74A7-2EA8-4AFC-B58A-AA3305828A22}" type="presOf" srcId="{FEA9472F-5E13-4054-855D-A715C0587253}" destId="{6AC73C44-CBED-4A8F-92AC-E714201BB31A}" srcOrd="0" destOrd="0" presId="urn:microsoft.com/office/officeart/2005/8/layout/orgChart1"/>
+    <dgm:cxn modelId="{AB72E9A7-A198-4B0D-AFA5-5FC192E00AA3}" type="presOf" srcId="{6CCB3EE5-6FBB-4339-AC0F-6872DA1A7DDA}" destId="{6F6138CC-D773-45DE-91C6-8E0E8AD1E135}" srcOrd="0" destOrd="0" presId="urn:microsoft.com/office/officeart/2005/8/layout/orgChart1"/>
     <dgm:cxn modelId="{25AA79A8-07A7-41F6-9547-5E259705C93B}" type="presOf" srcId="{EC431BB0-F59C-4F38-B2BD-41D6EE423BDD}" destId="{EE5E5EEA-C1C5-4366-9062-B83ACF6BD798}" srcOrd="0" destOrd="0" presId="urn:microsoft.com/office/officeart/2005/8/layout/orgChart1"/>
     <dgm:cxn modelId="{332604AD-C09C-4831-852B-78BD61E14174}" type="presOf" srcId="{F65ADEF1-FC35-4370-8F71-EA091097B798}" destId="{DCF23598-64FE-4A10-8B3A-1750079647CB}" srcOrd="0" destOrd="0" presId="urn:microsoft.com/office/officeart/2005/8/layout/orgChart1"/>
+    <dgm:cxn modelId="{63728DAD-A4B0-4093-B930-D470F331B4CE}" type="presOf" srcId="{816B7268-D1B0-44ED-A1C2-53C2AD57BF49}" destId="{47CEB560-8118-4D11-AA8B-3834A2C47DF9}" srcOrd="0" destOrd="0" presId="urn:microsoft.com/office/officeart/2005/8/layout/orgChart1"/>
     <dgm:cxn modelId="{6D637DAF-E7D4-4E95-B8B3-F263E9B7FD8F}" type="presOf" srcId="{394B3C61-7AD9-48B5-AA45-4EDECFE53FB1}" destId="{861FC5F8-8D36-4DFE-97B1-9BE103310832}" srcOrd="0" destOrd="0" presId="urn:microsoft.com/office/officeart/2005/8/layout/orgChart1"/>
-    <dgm:cxn modelId="{5D828CB1-7EF7-48A0-8F95-BE3B7E6C7184}" srcId="{64B6E92D-7914-4D38-B997-FF9AEA95CA3C}" destId="{913ABC1B-FF6F-4225-BE65-C7A5D65B46A8}" srcOrd="1" destOrd="0" parTransId="{394B3C61-7AD9-48B5-AA45-4EDECFE53FB1}" sibTransId="{08B4ED60-7919-4A02-8C0B-EBC23EFE2294}"/>
+    <dgm:cxn modelId="{5D828CB1-7EF7-48A0-8F95-BE3B7E6C7184}" srcId="{64B6E92D-7914-4D38-B997-FF9AEA95CA3C}" destId="{913ABC1B-FF6F-4225-BE65-C7A5D65B46A8}" srcOrd="2" destOrd="0" parTransId="{394B3C61-7AD9-48B5-AA45-4EDECFE53FB1}" sibTransId="{08B4ED60-7919-4A02-8C0B-EBC23EFE2294}"/>
     <dgm:cxn modelId="{87DD8CB8-2593-4571-8632-00BD3DC7ACF2}" type="presOf" srcId="{61CFDD75-80EB-4E8F-8706-A5203EF86987}" destId="{4E4C8931-7A04-4547-A7EA-6C541F64BF17}" srcOrd="1" destOrd="0" presId="urn:microsoft.com/office/officeart/2005/8/layout/orgChart1"/>
     <dgm:cxn modelId="{EA9F51BA-65B4-41FB-A7F3-2127FF75CF24}" type="presOf" srcId="{91CA7392-B411-45D2-8FB5-9846178379DF}" destId="{EC7235F9-516F-48A0-AFE0-7B857F299AB4}" srcOrd="0" destOrd="0" presId="urn:microsoft.com/office/officeart/2005/8/layout/orgChart1"/>
     <dgm:cxn modelId="{299AFDC5-54FF-41C8-A461-69905969330D}" type="presOf" srcId="{913ABC1B-FF6F-4225-BE65-C7A5D65B46A8}" destId="{2ECC6E89-5E3D-496E-9416-A59A9ECA08B3}" srcOrd="0" destOrd="0" presId="urn:microsoft.com/office/officeart/2005/8/layout/orgChart1"/>
+    <dgm:cxn modelId="{4B5267C6-1946-4AE5-8F71-40259A5D977C}" type="presOf" srcId="{A5E919A3-B6BA-41E3-9166-9DF4421BD4BB}" destId="{04DFF54C-2851-4CEA-A580-AD129EFBE770}" srcOrd="0" destOrd="0" presId="urn:microsoft.com/office/officeart/2005/8/layout/orgChart1"/>
+    <dgm:cxn modelId="{6DE28CC8-F17A-4D16-85C5-87BA86677DF4}" srcId="{61CFDD75-80EB-4E8F-8706-A5203EF86987}" destId="{E6BBD937-3F2D-42AB-BC8D-6285C342CF25}" srcOrd="0" destOrd="0" parTransId="{816B7268-D1B0-44ED-A1C2-53C2AD57BF49}" sibTransId="{5F3C6ACF-ACD3-4B64-BDB4-6053D6EF8417}"/>
     <dgm:cxn modelId="{FCEA3FCA-C4FB-4BDA-B2C9-8D3676DDF1D6}" type="presOf" srcId="{7A934D0E-1F29-4192-8AF7-9206929E1C74}" destId="{9BA6CE8A-C258-47EA-945B-390A5DB86378}" srcOrd="0" destOrd="0" presId="urn:microsoft.com/office/officeart/2005/8/layout/orgChart1"/>
     <dgm:cxn modelId="{8D336EE1-2775-4D9A-B03B-05CF09C2D569}" srcId="{CB39A146-53FA-40F1-ADFE-5E15A05D6E34}" destId="{64B6E92D-7914-4D38-B997-FF9AEA95CA3C}" srcOrd="0" destOrd="0" parTransId="{3351BA1B-EA9E-43CC-A74F-1D1869498896}" sibTransId="{E74260B3-7603-4DE2-82D9-7130BC38FEDB}"/>
     <dgm:cxn modelId="{01AAC3F1-6B02-4C2D-9B8A-796CF9B5D528}" srcId="{A6F2723F-D707-4170-800E-C922F442595F}" destId="{E7B6DDF6-6C57-44C7-B9DE-ADC4779AD85D}" srcOrd="0" destOrd="0" parTransId="{6E185969-62DC-48BA-8A70-4315885DBA91}" sibTransId="{0BE34397-C45A-4BAC-9499-FE90EB804D15}"/>
     <dgm:cxn modelId="{B6072DF3-ED35-4AEA-AD08-CC08699156E4}" type="presOf" srcId="{64B6E92D-7914-4D38-B997-FF9AEA95CA3C}" destId="{C3B3F988-7859-427D-8030-C8D8D2E65F71}" srcOrd="1" destOrd="0" presId="urn:microsoft.com/office/officeart/2005/8/layout/orgChart1"/>
     <dgm:cxn modelId="{5A9396FA-D4DD-4B48-B490-8117BA3FF8A0}" type="presOf" srcId="{E7B6DDF6-6C57-44C7-B9DE-ADC4779AD85D}" destId="{CB2E10ED-74A8-46A3-AC0D-7854C3C98AA4}" srcOrd="0" destOrd="0" presId="urn:microsoft.com/office/officeart/2005/8/layout/orgChart1"/>
     <dgm:cxn modelId="{703777FB-9731-400E-A1D0-1BEB84C07425}" srcId="{913ABC1B-FF6F-4225-BE65-C7A5D65B46A8}" destId="{EC431BB0-F59C-4F38-B2BD-41D6EE423BDD}" srcOrd="0" destOrd="0" parTransId="{853452BB-8B2C-451B-877A-BEC35067313D}" sibTransId="{5E58B792-8546-4DDF-A7D9-F4778B60423F}"/>
+    <dgm:cxn modelId="{9622EEFC-D331-48C8-A42E-3A04BA641BE8}" srcId="{F65ADEF1-FC35-4370-8F71-EA091097B798}" destId="{903E6224-021A-4173-9E1A-57A86ADC358D}" srcOrd="0" destOrd="0" parTransId="{A5E919A3-B6BA-41E3-9166-9DF4421BD4BB}" sibTransId="{811DD62E-0A5D-422E-954E-FBEDFE898DBF}"/>
     <dgm:cxn modelId="{42F63963-6BA3-496C-9006-5295F75E0CB2}" type="presParOf" srcId="{DD983FE6-9B0C-44F4-8AC5-C7B1175256C4}" destId="{DB32C0EC-E71A-4FD9-B43A-987194F0DF0C}" srcOrd="0" destOrd="0" presId="urn:microsoft.com/office/officeart/2005/8/layout/orgChart1"/>
     <dgm:cxn modelId="{DD1C215C-22C4-4DB8-B88A-32EE72502172}" type="presParOf" srcId="{DB32C0EC-E71A-4FD9-B43A-987194F0DF0C}" destId="{5EEC84AE-63F6-47A3-9581-A067F48EF1E4}" srcOrd="0" destOrd="0" presId="urn:microsoft.com/office/officeart/2005/8/layout/orgChart1"/>
     <dgm:cxn modelId="{B24AAE6B-11E9-4F88-A891-7CB8EE22146C}" type="presParOf" srcId="{5EEC84AE-63F6-47A3-9581-A067F48EF1E4}" destId="{1505DE8C-D92A-4BF4-8371-BA9F90DB4596}" srcOrd="0" destOrd="0" presId="urn:microsoft.com/office/officeart/2005/8/layout/orgChart1"/>
     <dgm:cxn modelId="{1FCD1221-5170-4AB8-831C-3002FDA239AE}" type="presParOf" srcId="{5EEC84AE-63F6-47A3-9581-A067F48EF1E4}" destId="{C3B3F988-7859-427D-8030-C8D8D2E65F71}" srcOrd="1" destOrd="0" presId="urn:microsoft.com/office/officeart/2005/8/layout/orgChart1"/>
     <dgm:cxn modelId="{3C877955-2CF1-4B7D-9166-4FF84CFF9178}" type="presParOf" srcId="{DB32C0EC-E71A-4FD9-B43A-987194F0DF0C}" destId="{07B86244-6EBE-47AE-89DF-E8CE47440A20}" srcOrd="1" destOrd="0" presId="urn:microsoft.com/office/officeart/2005/8/layout/orgChart1"/>
-    <dgm:cxn modelId="{3B598129-EEDC-4396-A30C-18662D2D4312}" type="presParOf" srcId="{07B86244-6EBE-47AE-89DF-E8CE47440A20}" destId="{F2B8BD00-EA72-44F7-8532-5A17C0BF1DD9}" srcOrd="0" destOrd="0" presId="urn:microsoft.com/office/officeart/2005/8/layout/orgChart1"/>
-    <dgm:cxn modelId="{803A58EB-BCC9-4177-BB2D-BBC21234850A}" type="presParOf" srcId="{07B86244-6EBE-47AE-89DF-E8CE47440A20}" destId="{B8EA2218-A4E9-446B-833B-9188D0EC90C8}" srcOrd="1" destOrd="0" presId="urn:microsoft.com/office/officeart/2005/8/layout/orgChart1"/>
+    <dgm:cxn modelId="{CF9BD74F-39DE-4F13-88ED-1700515864C9}" type="presParOf" srcId="{07B86244-6EBE-47AE-89DF-E8CE47440A20}" destId="{6AC73C44-CBED-4A8F-92AC-E714201BB31A}" srcOrd="0" destOrd="0" presId="urn:microsoft.com/office/officeart/2005/8/layout/orgChart1"/>
+    <dgm:cxn modelId="{1A8425BB-1306-4560-8DD4-F30FC296F94F}" type="presParOf" srcId="{07B86244-6EBE-47AE-89DF-E8CE47440A20}" destId="{0A56C7EC-4080-4EB4-BAEF-71DAE89D314B}" srcOrd="1" destOrd="0" presId="urn:microsoft.com/office/officeart/2005/8/layout/orgChart1"/>
+    <dgm:cxn modelId="{8FD920AC-AF75-49F4-AAF9-289EF983F277}" type="presParOf" srcId="{0A56C7EC-4080-4EB4-BAEF-71DAE89D314B}" destId="{91368D69-CB79-48B7-8863-96B39CB8983E}" srcOrd="0" destOrd="0" presId="urn:microsoft.com/office/officeart/2005/8/layout/orgChart1"/>
+    <dgm:cxn modelId="{FBA5556C-B14B-4756-B744-F37BEBD85723}" type="presParOf" srcId="{91368D69-CB79-48B7-8863-96B39CB8983E}" destId="{6F6138CC-D773-45DE-91C6-8E0E8AD1E135}" srcOrd="0" destOrd="0" presId="urn:microsoft.com/office/officeart/2005/8/layout/orgChart1"/>
+    <dgm:cxn modelId="{E79399DF-FD61-44D9-BA48-1741CB2F9653}" type="presParOf" srcId="{91368D69-CB79-48B7-8863-96B39CB8983E}" destId="{6789E1C3-CD3A-4E52-88B9-D4E21BA65F7C}" srcOrd="1" destOrd="0" presId="urn:microsoft.com/office/officeart/2005/8/layout/orgChart1"/>
+    <dgm:cxn modelId="{69C03D85-C2E0-4B7F-845C-DEEA2E01FD18}" type="presParOf" srcId="{0A56C7EC-4080-4EB4-BAEF-71DAE89D314B}" destId="{3E19C635-0F85-4FAD-B7DE-E6FD780B93C5}" srcOrd="1" destOrd="0" presId="urn:microsoft.com/office/officeart/2005/8/layout/orgChart1"/>
+    <dgm:cxn modelId="{8CA4EBA0-69D4-4F43-953B-93697DA10642}" type="presParOf" srcId="{0A56C7EC-4080-4EB4-BAEF-71DAE89D314B}" destId="{07DE6F49-991B-41C4-BC7E-E186BCDFD3ED}" srcOrd="2" destOrd="0" presId="urn:microsoft.com/office/officeart/2005/8/layout/orgChart1"/>
+    <dgm:cxn modelId="{3B598129-EEDC-4396-A30C-18662D2D4312}" type="presParOf" srcId="{07B86244-6EBE-47AE-89DF-E8CE47440A20}" destId="{F2B8BD00-EA72-44F7-8532-5A17C0BF1DD9}" srcOrd="2" destOrd="0" presId="urn:microsoft.com/office/officeart/2005/8/layout/orgChart1"/>
+    <dgm:cxn modelId="{803A58EB-BCC9-4177-BB2D-BBC21234850A}" type="presParOf" srcId="{07B86244-6EBE-47AE-89DF-E8CE47440A20}" destId="{B8EA2218-A4E9-446B-833B-9188D0EC90C8}" srcOrd="3" destOrd="0" presId="urn:microsoft.com/office/officeart/2005/8/layout/orgChart1"/>
     <dgm:cxn modelId="{DB65C739-5204-4E81-B649-C05BFC79A335}" type="presParOf" srcId="{B8EA2218-A4E9-446B-833B-9188D0EC90C8}" destId="{D9B5AD5B-0B1E-4D35-96B1-4C439E9F8D4E}" srcOrd="0" destOrd="0" presId="urn:microsoft.com/office/officeart/2005/8/layout/orgChart1"/>
     <dgm:cxn modelId="{BDB82719-3877-47B0-9E98-5A6840431C41}" type="presParOf" srcId="{D9B5AD5B-0B1E-4D35-96B1-4C439E9F8D4E}" destId="{A1422BED-C712-4276-934D-CB0F8F5DF1BA}" srcOrd="0" destOrd="0" presId="urn:microsoft.com/office/officeart/2005/8/layout/orgChart1"/>
     <dgm:cxn modelId="{F8DE4AD5-E803-42BE-80CE-789B06C27131}" type="presParOf" srcId="{D9B5AD5B-0B1E-4D35-96B1-4C439E9F8D4E}" destId="{74A0FB72-BA6B-4E46-9D3E-F9703C9ACFF9}" srcOrd="1" destOrd="0" presId="urn:microsoft.com/office/officeart/2005/8/layout/orgChart1"/>
@@ -1512,8 +1850,8 @@
     <dgm:cxn modelId="{AECE9A14-5E49-4296-B5E7-F2EFBDCBD06C}" type="presParOf" srcId="{85487DCB-F553-4F90-B0C0-CCA98075C672}" destId="{BEC640AE-3742-4F7C-A355-61377DBD236B}" srcOrd="1" destOrd="0" presId="urn:microsoft.com/office/officeart/2005/8/layout/orgChart1"/>
     <dgm:cxn modelId="{E641A45A-DFCA-4A32-ACDD-B5985E28203E}" type="presParOf" srcId="{85487DCB-F553-4F90-B0C0-CCA98075C672}" destId="{445CE4D7-F695-4C63-9C3B-2BDB3C186B66}" srcOrd="2" destOrd="0" presId="urn:microsoft.com/office/officeart/2005/8/layout/orgChart1"/>
     <dgm:cxn modelId="{7B2DF474-C700-49F2-993C-4533D008376C}" type="presParOf" srcId="{B8EA2218-A4E9-446B-833B-9188D0EC90C8}" destId="{F2FCE5E6-7488-4B42-8A3D-6C23073F1387}" srcOrd="2" destOrd="0" presId="urn:microsoft.com/office/officeart/2005/8/layout/orgChart1"/>
-    <dgm:cxn modelId="{C09CABD8-5518-4F5E-920F-B9E17C51D6EA}" type="presParOf" srcId="{07B86244-6EBE-47AE-89DF-E8CE47440A20}" destId="{861FC5F8-8D36-4DFE-97B1-9BE103310832}" srcOrd="2" destOrd="0" presId="urn:microsoft.com/office/officeart/2005/8/layout/orgChart1"/>
-    <dgm:cxn modelId="{3A3A57BD-DFA0-417F-9E06-47F177DE99F2}" type="presParOf" srcId="{07B86244-6EBE-47AE-89DF-E8CE47440A20}" destId="{FC480265-AFD4-4AFF-AAFA-9A56AA870ABC}" srcOrd="3" destOrd="0" presId="urn:microsoft.com/office/officeart/2005/8/layout/orgChart1"/>
+    <dgm:cxn modelId="{C09CABD8-5518-4F5E-920F-B9E17C51D6EA}" type="presParOf" srcId="{07B86244-6EBE-47AE-89DF-E8CE47440A20}" destId="{861FC5F8-8D36-4DFE-97B1-9BE103310832}" srcOrd="4" destOrd="0" presId="urn:microsoft.com/office/officeart/2005/8/layout/orgChart1"/>
+    <dgm:cxn modelId="{3A3A57BD-DFA0-417F-9E06-47F177DE99F2}" type="presParOf" srcId="{07B86244-6EBE-47AE-89DF-E8CE47440A20}" destId="{FC480265-AFD4-4AFF-AAFA-9A56AA870ABC}" srcOrd="5" destOrd="0" presId="urn:microsoft.com/office/officeart/2005/8/layout/orgChart1"/>
     <dgm:cxn modelId="{8E09C492-0F23-4054-B601-8D6647D5AF5A}" type="presParOf" srcId="{FC480265-AFD4-4AFF-AAFA-9A56AA870ABC}" destId="{96922B17-3372-4B9E-8789-3B9966FC0F3A}" srcOrd="0" destOrd="0" presId="urn:microsoft.com/office/officeart/2005/8/layout/orgChart1"/>
     <dgm:cxn modelId="{8D03E9A2-97B7-4FBC-A90E-5D6F23A67828}" type="presParOf" srcId="{96922B17-3372-4B9E-8789-3B9966FC0F3A}" destId="{2ECC6E89-5E3D-496E-9416-A59A9ECA08B3}" srcOrd="0" destOrd="0" presId="urn:microsoft.com/office/officeart/2005/8/layout/orgChart1"/>
     <dgm:cxn modelId="{F1C227DF-8041-4B4D-8B72-EF19F3F1E22B}" type="presParOf" srcId="{96922B17-3372-4B9E-8789-3B9966FC0F3A}" destId="{0CCB75C3-E189-40F3-8BD1-1C9C5EA8EDD2}" srcOrd="1" destOrd="0" presId="urn:microsoft.com/office/officeart/2005/8/layout/orgChart1"/>
@@ -1526,26 +1864,47 @@
     <dgm:cxn modelId="{3B4C2345-8434-480E-AEE1-9604CB081348}" type="presParOf" srcId="{D1FA3DE1-2835-4E65-976E-BED5D45FAFA0}" destId="{B7DD0ABC-363F-4F1A-9964-CCA5AB16C589}" srcOrd="1" destOrd="0" presId="urn:microsoft.com/office/officeart/2005/8/layout/orgChart1"/>
     <dgm:cxn modelId="{7525A6AA-D0A8-470F-930A-067B28F023E6}" type="presParOf" srcId="{D1FA3DE1-2835-4E65-976E-BED5D45FAFA0}" destId="{C6107CE1-58E1-4EDA-8FB0-A5484CE9BABE}" srcOrd="2" destOrd="0" presId="urn:microsoft.com/office/officeart/2005/8/layout/orgChart1"/>
     <dgm:cxn modelId="{272CF817-EDFD-4EF9-B900-73DF4CFFB88D}" type="presParOf" srcId="{FC480265-AFD4-4AFF-AAFA-9A56AA870ABC}" destId="{F297E44D-5073-48B2-836C-9D5F6BA63CD4}" srcOrd="2" destOrd="0" presId="urn:microsoft.com/office/officeart/2005/8/layout/orgChart1"/>
-    <dgm:cxn modelId="{33B43A2E-9A08-4F19-8009-EA32DDB82702}" type="presParOf" srcId="{07B86244-6EBE-47AE-89DF-E8CE47440A20}" destId="{9BA6CE8A-C258-47EA-945B-390A5DB86378}" srcOrd="4" destOrd="0" presId="urn:microsoft.com/office/officeart/2005/8/layout/orgChart1"/>
-    <dgm:cxn modelId="{D56885AA-2F6E-4EB6-910A-BFE53062283C}" type="presParOf" srcId="{07B86244-6EBE-47AE-89DF-E8CE47440A20}" destId="{D5CF1E45-0E90-4155-B10C-15C85FB5B551}" srcOrd="5" destOrd="0" presId="urn:microsoft.com/office/officeart/2005/8/layout/orgChart1"/>
+    <dgm:cxn modelId="{33B43A2E-9A08-4F19-8009-EA32DDB82702}" type="presParOf" srcId="{07B86244-6EBE-47AE-89DF-E8CE47440A20}" destId="{9BA6CE8A-C258-47EA-945B-390A5DB86378}" srcOrd="6" destOrd="0" presId="urn:microsoft.com/office/officeart/2005/8/layout/orgChart1"/>
+    <dgm:cxn modelId="{D56885AA-2F6E-4EB6-910A-BFE53062283C}" type="presParOf" srcId="{07B86244-6EBE-47AE-89DF-E8CE47440A20}" destId="{D5CF1E45-0E90-4155-B10C-15C85FB5B551}" srcOrd="7" destOrd="0" presId="urn:microsoft.com/office/officeart/2005/8/layout/orgChart1"/>
     <dgm:cxn modelId="{6460BE53-84FB-469F-83D1-C4589EC160B3}" type="presParOf" srcId="{D5CF1E45-0E90-4155-B10C-15C85FB5B551}" destId="{A5516424-8CC3-4479-8D88-9A8792FD0C8A}" srcOrd="0" destOrd="0" presId="urn:microsoft.com/office/officeart/2005/8/layout/orgChart1"/>
     <dgm:cxn modelId="{5147919B-1160-4FA1-AC36-EB4A2FA20701}" type="presParOf" srcId="{A5516424-8CC3-4479-8D88-9A8792FD0C8A}" destId="{DCF23598-64FE-4A10-8B3A-1750079647CB}" srcOrd="0" destOrd="0" presId="urn:microsoft.com/office/officeart/2005/8/layout/orgChart1"/>
     <dgm:cxn modelId="{1869ACEF-F0C9-4E94-86DA-375DF7C6AE12}" type="presParOf" srcId="{A5516424-8CC3-4479-8D88-9A8792FD0C8A}" destId="{CC733652-D6C2-4329-B594-3A668BEE3EB4}" srcOrd="1" destOrd="0" presId="urn:microsoft.com/office/officeart/2005/8/layout/orgChart1"/>
     <dgm:cxn modelId="{DD7A18A8-1ADB-4711-B28B-3E04BD00455F}" type="presParOf" srcId="{D5CF1E45-0E90-4155-B10C-15C85FB5B551}" destId="{218770EE-29B9-4835-BF51-A0EB47DF025B}" srcOrd="1" destOrd="0" presId="urn:microsoft.com/office/officeart/2005/8/layout/orgChart1"/>
+    <dgm:cxn modelId="{95FDB5E8-01DE-492B-B3E7-D95943A251FE}" type="presParOf" srcId="{218770EE-29B9-4835-BF51-A0EB47DF025B}" destId="{04DFF54C-2851-4CEA-A580-AD129EFBE770}" srcOrd="0" destOrd="0" presId="urn:microsoft.com/office/officeart/2005/8/layout/orgChart1"/>
+    <dgm:cxn modelId="{6D089BDB-EDFB-47C5-B165-0B70A699A8FA}" type="presParOf" srcId="{218770EE-29B9-4835-BF51-A0EB47DF025B}" destId="{3F25810F-09C0-47A8-A796-857203EE0675}" srcOrd="1" destOrd="0" presId="urn:microsoft.com/office/officeart/2005/8/layout/orgChart1"/>
+    <dgm:cxn modelId="{8BF707E7-969C-4091-9F73-250B17107CAD}" type="presParOf" srcId="{3F25810F-09C0-47A8-A796-857203EE0675}" destId="{A5345E60-9DAC-47C1-9A6B-6FDCD3F233BB}" srcOrd="0" destOrd="0" presId="urn:microsoft.com/office/officeart/2005/8/layout/orgChart1"/>
+    <dgm:cxn modelId="{7FACDA69-80E5-4BA0-A355-1B16711E4E71}" type="presParOf" srcId="{A5345E60-9DAC-47C1-9A6B-6FDCD3F233BB}" destId="{182CC2E0-82B5-401C-97C7-22D6FF63F8A7}" srcOrd="0" destOrd="0" presId="urn:microsoft.com/office/officeart/2005/8/layout/orgChart1"/>
+    <dgm:cxn modelId="{13778574-4F61-4EE6-8571-34C1EC0B5F50}" type="presParOf" srcId="{A5345E60-9DAC-47C1-9A6B-6FDCD3F233BB}" destId="{7D7FD2D0-7EA0-4A76-805E-917DD57F1469}" srcOrd="1" destOrd="0" presId="urn:microsoft.com/office/officeart/2005/8/layout/orgChart1"/>
+    <dgm:cxn modelId="{81569332-5F3D-41FB-BCF5-AB5D766756E8}" type="presParOf" srcId="{3F25810F-09C0-47A8-A796-857203EE0675}" destId="{41ACAC89-086E-4349-9A84-4E4C14D8C9F5}" srcOrd="1" destOrd="0" presId="urn:microsoft.com/office/officeart/2005/8/layout/orgChart1"/>
+    <dgm:cxn modelId="{0DD89EB3-341A-4830-974E-56EA93AAC61D}" type="presParOf" srcId="{3F25810F-09C0-47A8-A796-857203EE0675}" destId="{53FAFBAE-946E-4BB7-BAD8-76DA0E873578}" srcOrd="2" destOrd="0" presId="urn:microsoft.com/office/officeart/2005/8/layout/orgChart1"/>
     <dgm:cxn modelId="{A6AD3F76-125C-4449-9B55-8503759AB4C1}" type="presParOf" srcId="{D5CF1E45-0E90-4155-B10C-15C85FB5B551}" destId="{6F1E3662-2485-425E-BC50-BAEEC5AAB947}" srcOrd="2" destOrd="0" presId="urn:microsoft.com/office/officeart/2005/8/layout/orgChart1"/>
-    <dgm:cxn modelId="{809B60E7-EC3D-4CA6-B775-3E782C04B1CE}" type="presParOf" srcId="{07B86244-6EBE-47AE-89DF-E8CE47440A20}" destId="{06C2C11B-4F03-4646-B6ED-BA3BDC078447}" srcOrd="6" destOrd="0" presId="urn:microsoft.com/office/officeart/2005/8/layout/orgChart1"/>
-    <dgm:cxn modelId="{84B40E0B-FA05-4411-956E-1E2810FDAA84}" type="presParOf" srcId="{07B86244-6EBE-47AE-89DF-E8CE47440A20}" destId="{EDA3D215-568C-4A6B-9CE0-60A60E198A59}" srcOrd="7" destOrd="0" presId="urn:microsoft.com/office/officeart/2005/8/layout/orgChart1"/>
+    <dgm:cxn modelId="{809B60E7-EC3D-4CA6-B775-3E782C04B1CE}" type="presParOf" srcId="{07B86244-6EBE-47AE-89DF-E8CE47440A20}" destId="{06C2C11B-4F03-4646-B6ED-BA3BDC078447}" srcOrd="8" destOrd="0" presId="urn:microsoft.com/office/officeart/2005/8/layout/orgChart1"/>
+    <dgm:cxn modelId="{84B40E0B-FA05-4411-956E-1E2810FDAA84}" type="presParOf" srcId="{07B86244-6EBE-47AE-89DF-E8CE47440A20}" destId="{EDA3D215-568C-4A6B-9CE0-60A60E198A59}" srcOrd="9" destOrd="0" presId="urn:microsoft.com/office/officeart/2005/8/layout/orgChart1"/>
     <dgm:cxn modelId="{87AAC73B-137C-45C8-AF07-4942BAC1AE72}" type="presParOf" srcId="{EDA3D215-568C-4A6B-9CE0-60A60E198A59}" destId="{7E73E7E7-83FF-4E21-9E9A-82D3C96C20C2}" srcOrd="0" destOrd="0" presId="urn:microsoft.com/office/officeart/2005/8/layout/orgChart1"/>
     <dgm:cxn modelId="{9C7C85C9-30F1-42F2-B86E-163A7618E2FD}" type="presParOf" srcId="{7E73E7E7-83FF-4E21-9E9A-82D3C96C20C2}" destId="{9F617B1F-C9B5-4B66-ABA6-15E441D359BE}" srcOrd="0" destOrd="0" presId="urn:microsoft.com/office/officeart/2005/8/layout/orgChart1"/>
     <dgm:cxn modelId="{B4BE79FD-4E68-4B22-B9B5-F685D6E8F459}" type="presParOf" srcId="{7E73E7E7-83FF-4E21-9E9A-82D3C96C20C2}" destId="{4E4C8931-7A04-4547-A7EA-6C541F64BF17}" srcOrd="1" destOrd="0" presId="urn:microsoft.com/office/officeart/2005/8/layout/orgChart1"/>
     <dgm:cxn modelId="{2229F79F-95CA-41E7-8549-7BA1EEE6679F}" type="presParOf" srcId="{EDA3D215-568C-4A6B-9CE0-60A60E198A59}" destId="{EF7118F3-828C-430E-83D2-404AE51F6136}" srcOrd="1" destOrd="0" presId="urn:microsoft.com/office/officeart/2005/8/layout/orgChart1"/>
+    <dgm:cxn modelId="{C77FCCB8-CF5A-4186-AFB9-ADA25559D167}" type="presParOf" srcId="{EF7118F3-828C-430E-83D2-404AE51F6136}" destId="{47CEB560-8118-4D11-AA8B-3834A2C47DF9}" srcOrd="0" destOrd="0" presId="urn:microsoft.com/office/officeart/2005/8/layout/orgChart1"/>
+    <dgm:cxn modelId="{8E90B94E-402C-4D77-AC16-67B86FEFA93F}" type="presParOf" srcId="{EF7118F3-828C-430E-83D2-404AE51F6136}" destId="{C3EFD8F4-D6C6-4A72-86CE-CD8829CB86FA}" srcOrd="1" destOrd="0" presId="urn:microsoft.com/office/officeart/2005/8/layout/orgChart1"/>
+    <dgm:cxn modelId="{D41D1A5B-DB09-42AD-B8DC-DFC99DCBDFC8}" type="presParOf" srcId="{C3EFD8F4-D6C6-4A72-86CE-CD8829CB86FA}" destId="{80946A6C-5FBC-4C09-BD0E-CC75A437C12D}" srcOrd="0" destOrd="0" presId="urn:microsoft.com/office/officeart/2005/8/layout/orgChart1"/>
+    <dgm:cxn modelId="{C9ABEB85-F176-490F-B233-D8D9CB082348}" type="presParOf" srcId="{80946A6C-5FBC-4C09-BD0E-CC75A437C12D}" destId="{8FF52D02-9F83-4A4E-AE64-C8A0E71A1F53}" srcOrd="0" destOrd="0" presId="urn:microsoft.com/office/officeart/2005/8/layout/orgChart1"/>
+    <dgm:cxn modelId="{762931D3-8E1C-49A3-829F-6545A2FE737F}" type="presParOf" srcId="{80946A6C-5FBC-4C09-BD0E-CC75A437C12D}" destId="{CDF56A08-2C37-47C9-A353-EE6445D6D4FD}" srcOrd="1" destOrd="0" presId="urn:microsoft.com/office/officeart/2005/8/layout/orgChart1"/>
+    <dgm:cxn modelId="{8D8E2176-DE78-40A7-B6C8-26453183A25E}" type="presParOf" srcId="{C3EFD8F4-D6C6-4A72-86CE-CD8829CB86FA}" destId="{BBE5EA20-A969-4C58-888E-13C66DC068E6}" srcOrd="1" destOrd="0" presId="urn:microsoft.com/office/officeart/2005/8/layout/orgChart1"/>
+    <dgm:cxn modelId="{211B2362-E42F-409E-9DCB-7C3BB05D826D}" type="presParOf" srcId="{C3EFD8F4-D6C6-4A72-86CE-CD8829CB86FA}" destId="{BEF9B724-F63F-4CAA-AF7F-D1C83299A904}" srcOrd="2" destOrd="0" presId="urn:microsoft.com/office/officeart/2005/8/layout/orgChart1"/>
     <dgm:cxn modelId="{94C3040F-6D10-44BB-A3D7-0C6142667150}" type="presParOf" srcId="{EDA3D215-568C-4A6B-9CE0-60A60E198A59}" destId="{9D57A854-11AE-4208-BE58-8B51F5673396}" srcOrd="2" destOrd="0" presId="urn:microsoft.com/office/officeart/2005/8/layout/orgChart1"/>
-    <dgm:cxn modelId="{D7C5F0AD-12BE-447D-A4CF-EDB670E97618}" type="presParOf" srcId="{07B86244-6EBE-47AE-89DF-E8CE47440A20}" destId="{1D409641-323E-46E8-ADEC-469BA8EBB68F}" srcOrd="8" destOrd="0" presId="urn:microsoft.com/office/officeart/2005/8/layout/orgChart1"/>
-    <dgm:cxn modelId="{67EF170E-B6EA-401F-8782-818351D03F67}" type="presParOf" srcId="{07B86244-6EBE-47AE-89DF-E8CE47440A20}" destId="{4CDA0A40-B4BF-4010-8370-E56ACE56E882}" srcOrd="9" destOrd="0" presId="urn:microsoft.com/office/officeart/2005/8/layout/orgChart1"/>
+    <dgm:cxn modelId="{D7C5F0AD-12BE-447D-A4CF-EDB670E97618}" type="presParOf" srcId="{07B86244-6EBE-47AE-89DF-E8CE47440A20}" destId="{1D409641-323E-46E8-ADEC-469BA8EBB68F}" srcOrd="10" destOrd="0" presId="urn:microsoft.com/office/officeart/2005/8/layout/orgChart1"/>
+    <dgm:cxn modelId="{67EF170E-B6EA-401F-8782-818351D03F67}" type="presParOf" srcId="{07B86244-6EBE-47AE-89DF-E8CE47440A20}" destId="{4CDA0A40-B4BF-4010-8370-E56ACE56E882}" srcOrd="11" destOrd="0" presId="urn:microsoft.com/office/officeart/2005/8/layout/orgChart1"/>
     <dgm:cxn modelId="{E92B7D1D-6749-424B-B26A-20C24599F761}" type="presParOf" srcId="{4CDA0A40-B4BF-4010-8370-E56ACE56E882}" destId="{1F3B83FE-5AE1-4A89-818F-FB27192B5191}" srcOrd="0" destOrd="0" presId="urn:microsoft.com/office/officeart/2005/8/layout/orgChart1"/>
     <dgm:cxn modelId="{D34AE33A-DA24-4A21-A8B0-C1534D88F459}" type="presParOf" srcId="{1F3B83FE-5AE1-4A89-818F-FB27192B5191}" destId="{EC7235F9-516F-48A0-AFE0-7B857F299AB4}" srcOrd="0" destOrd="0" presId="urn:microsoft.com/office/officeart/2005/8/layout/orgChart1"/>
     <dgm:cxn modelId="{D9772A56-1902-4854-BD5F-BBB5539A9F6A}" type="presParOf" srcId="{1F3B83FE-5AE1-4A89-818F-FB27192B5191}" destId="{E6734783-5C8A-476B-8923-71A9824A1200}" srcOrd="1" destOrd="0" presId="urn:microsoft.com/office/officeart/2005/8/layout/orgChart1"/>
     <dgm:cxn modelId="{25A6A1A4-0B29-4DC7-9C42-A5E27F1F26D2}" type="presParOf" srcId="{4CDA0A40-B4BF-4010-8370-E56ACE56E882}" destId="{F63EB9FF-C5AD-4B90-9FB7-1FEE98673766}" srcOrd="1" destOrd="0" presId="urn:microsoft.com/office/officeart/2005/8/layout/orgChart1"/>
+    <dgm:cxn modelId="{CE904ACD-812C-4EFC-B077-2A47DB07DF45}" type="presParOf" srcId="{F63EB9FF-C5AD-4B90-9FB7-1FEE98673766}" destId="{A0EF8C96-4CB7-4DDD-B9FB-D41A16BC59EE}" srcOrd="0" destOrd="0" presId="urn:microsoft.com/office/officeart/2005/8/layout/orgChart1"/>
+    <dgm:cxn modelId="{13A2D9B2-A7A7-47D9-94BB-0390D0F0E975}" type="presParOf" srcId="{F63EB9FF-C5AD-4B90-9FB7-1FEE98673766}" destId="{CB31D482-454A-4F4B-BAD6-26F867ABF50F}" srcOrd="1" destOrd="0" presId="urn:microsoft.com/office/officeart/2005/8/layout/orgChart1"/>
+    <dgm:cxn modelId="{3E6703D1-2660-4D3F-9574-213C71A7DE5B}" type="presParOf" srcId="{CB31D482-454A-4F4B-BAD6-26F867ABF50F}" destId="{5F1AF47D-6276-495D-ABC2-7D56F71A5C83}" srcOrd="0" destOrd="0" presId="urn:microsoft.com/office/officeart/2005/8/layout/orgChart1"/>
+    <dgm:cxn modelId="{283B0D02-D8BA-4948-B15D-473387EE4F6C}" type="presParOf" srcId="{5F1AF47D-6276-495D-ABC2-7D56F71A5C83}" destId="{E7AF9801-678E-422E-99D0-1DE436354B53}" srcOrd="0" destOrd="0" presId="urn:microsoft.com/office/officeart/2005/8/layout/orgChart1"/>
+    <dgm:cxn modelId="{D6654E0F-CEB7-4FB1-995E-BF01BA5DBC2D}" type="presParOf" srcId="{5F1AF47D-6276-495D-ABC2-7D56F71A5C83}" destId="{9C28FAAB-7498-44E3-A761-0D990C9A4B65}" srcOrd="1" destOrd="0" presId="urn:microsoft.com/office/officeart/2005/8/layout/orgChart1"/>
+    <dgm:cxn modelId="{D59B8A02-7E21-40A3-82B5-B3A80B2BA744}" type="presParOf" srcId="{CB31D482-454A-4F4B-BAD6-26F867ABF50F}" destId="{46F5A65A-42AF-4DCC-B894-1059C3C0D3E7}" srcOrd="1" destOrd="0" presId="urn:microsoft.com/office/officeart/2005/8/layout/orgChart1"/>
+    <dgm:cxn modelId="{1FEC4FCF-B665-44EB-908C-82080F8C7764}" type="presParOf" srcId="{CB31D482-454A-4F4B-BAD6-26F867ABF50F}" destId="{F47053D2-9083-44FD-A414-A45E1DC64C0E}" srcOrd="2" destOrd="0" presId="urn:microsoft.com/office/officeart/2005/8/layout/orgChart1"/>
     <dgm:cxn modelId="{0A6C4249-6BD9-4A14-A348-A92223C5A989}" type="presParOf" srcId="{4CDA0A40-B4BF-4010-8370-E56ACE56E882}" destId="{711724C9-DBC0-4E65-9C55-BB837DC0D1C7}" srcOrd="2" destOrd="0" presId="urn:microsoft.com/office/officeart/2005/8/layout/orgChart1"/>
     <dgm:cxn modelId="{B1CC1C0B-7074-491E-8717-BBA6FE8B8FB8}" type="presParOf" srcId="{DB32C0EC-E71A-4FD9-B43A-987194F0DF0C}" destId="{1ECEE650-3B43-4A20-AD18-D3EFA82BE258}" srcOrd="2" destOrd="0" presId="urn:microsoft.com/office/officeart/2005/8/layout/orgChart1"/>
   </dgm:cxnLst>
@@ -1567,15 +1926,15 @@
       <dsp:cNvGrpSpPr/>
     </dsp:nvGrpSpPr>
     <dsp:grpSpPr/>
-    <dsp:sp modelId="{1D409641-323E-46E8-ADEC-469BA8EBB68F}">
+    <dsp:sp modelId="{A0EF8C96-4CB7-4DDD-B9FB-D41A16BC59EE}">
       <dsp:nvSpPr>
         <dsp:cNvPr id="0" name=""/>
         <dsp:cNvSpPr/>
       </dsp:nvSpPr>
       <dsp:spPr>
         <a:xfrm>
-          <a:off x="2825750" y="1067811"/>
-          <a:ext cx="2341488" cy="203187"/>
+          <a:off x="8637819" y="2924861"/>
+          <a:ext cx="210573" cy="645758"/>
         </a:xfrm>
         <a:custGeom>
           <a:avLst/>
@@ -1589,13 +1948,72 @@
                 <a:pt x="0" y="0"/>
               </a:moveTo>
               <a:lnTo>
-                <a:pt x="0" y="101593"/>
+                <a:pt x="0" y="645758"/>
               </a:lnTo>
               <a:lnTo>
-                <a:pt x="2341488" y="101593"/>
+                <a:pt x="210573" y="645758"/>
+              </a:lnTo>
+            </a:path>
+          </a:pathLst>
+        </a:custGeom>
+        <a:noFill/>
+        <a:ln w="12700" cap="flat" cmpd="sng" algn="ctr">
+          <a:solidFill>
+            <a:schemeClr val="accent1">
+              <a:shade val="80000"/>
+              <a:hueOff val="0"/>
+              <a:satOff val="0"/>
+              <a:lumOff val="0"/>
+              <a:alphaOff val="0"/>
+            </a:schemeClr>
+          </a:solidFill>
+          <a:prstDash val="solid"/>
+          <a:miter lim="800000"/>
+        </a:ln>
+        <a:effectLst/>
+      </dsp:spPr>
+      <dsp:style>
+        <a:lnRef idx="2">
+          <a:scrgbClr r="0" g="0" b="0"/>
+        </a:lnRef>
+        <a:fillRef idx="0">
+          <a:scrgbClr r="0" g="0" b="0"/>
+        </a:fillRef>
+        <a:effectRef idx="0">
+          <a:scrgbClr r="0" g="0" b="0"/>
+        </a:effectRef>
+        <a:fontRef idx="minor"/>
+      </dsp:style>
+    </dsp:sp>
+    <dsp:sp modelId="{1D409641-323E-46E8-ADEC-469BA8EBB68F}">
+      <dsp:nvSpPr>
+        <dsp:cNvPr id="0" name=""/>
+        <dsp:cNvSpPr/>
+      </dsp:nvSpPr>
+      <dsp:spPr>
+        <a:xfrm>
+          <a:off x="4952782" y="1928146"/>
+          <a:ext cx="4246566" cy="294802"/>
+        </a:xfrm>
+        <a:custGeom>
+          <a:avLst/>
+          <a:gdLst/>
+          <a:ahLst/>
+          <a:cxnLst/>
+          <a:rect l="0" t="0" r="0" b="0"/>
+          <a:pathLst>
+            <a:path>
+              <a:moveTo>
+                <a:pt x="0" y="0"/>
+              </a:moveTo>
+              <a:lnTo>
+                <a:pt x="0" y="147401"/>
               </a:lnTo>
               <a:lnTo>
-                <a:pt x="2341488" y="203187"/>
+                <a:pt x="4246566" y="147401"/>
+              </a:lnTo>
+              <a:lnTo>
+                <a:pt x="4246566" y="294802"/>
               </a:lnTo>
             </a:path>
           </a:pathLst>
@@ -1629,15 +2047,15 @@
         <a:fontRef idx="minor"/>
       </dsp:style>
     </dsp:sp>
-    <dsp:sp modelId="{06C2C11B-4F03-4646-B6ED-BA3BDC078447}">
+    <dsp:sp modelId="{47CEB560-8118-4D11-AA8B-3834A2C47DF9}">
       <dsp:nvSpPr>
         <dsp:cNvPr id="0" name=""/>
         <dsp:cNvSpPr/>
       </dsp:nvSpPr>
       <dsp:spPr>
         <a:xfrm>
-          <a:off x="2825750" y="1067811"/>
-          <a:ext cx="1170744" cy="203187"/>
+          <a:off x="6939192" y="2924861"/>
+          <a:ext cx="210573" cy="645758"/>
         </a:xfrm>
         <a:custGeom>
           <a:avLst/>
@@ -1651,13 +2069,72 @@
                 <a:pt x="0" y="0"/>
               </a:moveTo>
               <a:lnTo>
-                <a:pt x="0" y="101593"/>
+                <a:pt x="0" y="645758"/>
               </a:lnTo>
               <a:lnTo>
-                <a:pt x="1170744" y="101593"/>
+                <a:pt x="210573" y="645758"/>
+              </a:lnTo>
+            </a:path>
+          </a:pathLst>
+        </a:custGeom>
+        <a:noFill/>
+        <a:ln w="12700" cap="flat" cmpd="sng" algn="ctr">
+          <a:solidFill>
+            <a:schemeClr val="accent1">
+              <a:shade val="80000"/>
+              <a:hueOff val="0"/>
+              <a:satOff val="0"/>
+              <a:lumOff val="0"/>
+              <a:alphaOff val="0"/>
+            </a:schemeClr>
+          </a:solidFill>
+          <a:prstDash val="solid"/>
+          <a:miter lim="800000"/>
+        </a:ln>
+        <a:effectLst/>
+      </dsp:spPr>
+      <dsp:style>
+        <a:lnRef idx="2">
+          <a:scrgbClr r="0" g="0" b="0"/>
+        </a:lnRef>
+        <a:fillRef idx="0">
+          <a:scrgbClr r="0" g="0" b="0"/>
+        </a:fillRef>
+        <a:effectRef idx="0">
+          <a:scrgbClr r="0" g="0" b="0"/>
+        </a:effectRef>
+        <a:fontRef idx="minor"/>
+      </dsp:style>
+    </dsp:sp>
+    <dsp:sp modelId="{06C2C11B-4F03-4646-B6ED-BA3BDC078447}">
+      <dsp:nvSpPr>
+        <dsp:cNvPr id="0" name=""/>
+        <dsp:cNvSpPr/>
+      </dsp:nvSpPr>
+      <dsp:spPr>
+        <a:xfrm>
+          <a:off x="4952782" y="1928146"/>
+          <a:ext cx="2547939" cy="294802"/>
+        </a:xfrm>
+        <a:custGeom>
+          <a:avLst/>
+          <a:gdLst/>
+          <a:ahLst/>
+          <a:cxnLst/>
+          <a:rect l="0" t="0" r="0" b="0"/>
+          <a:pathLst>
+            <a:path>
+              <a:moveTo>
+                <a:pt x="0" y="0"/>
+              </a:moveTo>
+              <a:lnTo>
+                <a:pt x="0" y="147401"/>
               </a:lnTo>
               <a:lnTo>
-                <a:pt x="1170744" y="203187"/>
+                <a:pt x="2547939" y="147401"/>
+              </a:lnTo>
+              <a:lnTo>
+                <a:pt x="2547939" y="294802"/>
               </a:lnTo>
             </a:path>
           </a:pathLst>
@@ -1691,15 +2168,15 @@
         <a:fontRef idx="minor"/>
       </dsp:style>
     </dsp:sp>
-    <dsp:sp modelId="{9BA6CE8A-C258-47EA-945B-390A5DB86378}">
+    <dsp:sp modelId="{04DFF54C-2851-4CEA-A580-AD129EFBE770}">
       <dsp:nvSpPr>
         <dsp:cNvPr id="0" name=""/>
         <dsp:cNvSpPr/>
       </dsp:nvSpPr>
       <dsp:spPr>
         <a:xfrm>
-          <a:off x="2780030" y="1067811"/>
-          <a:ext cx="91440" cy="203187"/>
+          <a:off x="5240565" y="2924861"/>
+          <a:ext cx="210573" cy="645758"/>
         </a:xfrm>
         <a:custGeom>
           <a:avLst/>
@@ -1710,10 +2187,75 @@
           <a:pathLst>
             <a:path>
               <a:moveTo>
-                <a:pt x="45720" y="0"/>
+                <a:pt x="0" y="0"/>
               </a:moveTo>
               <a:lnTo>
-                <a:pt x="45720" y="203187"/>
+                <a:pt x="0" y="645758"/>
+              </a:lnTo>
+              <a:lnTo>
+                <a:pt x="210573" y="645758"/>
+              </a:lnTo>
+            </a:path>
+          </a:pathLst>
+        </a:custGeom>
+        <a:noFill/>
+        <a:ln w="12700" cap="flat" cmpd="sng" algn="ctr">
+          <a:solidFill>
+            <a:schemeClr val="accent1">
+              <a:shade val="80000"/>
+              <a:hueOff val="0"/>
+              <a:satOff val="0"/>
+              <a:lumOff val="0"/>
+              <a:alphaOff val="0"/>
+            </a:schemeClr>
+          </a:solidFill>
+          <a:prstDash val="solid"/>
+          <a:miter lim="800000"/>
+        </a:ln>
+        <a:effectLst/>
+      </dsp:spPr>
+      <dsp:style>
+        <a:lnRef idx="2">
+          <a:scrgbClr r="0" g="0" b="0"/>
+        </a:lnRef>
+        <a:fillRef idx="0">
+          <a:scrgbClr r="0" g="0" b="0"/>
+        </a:fillRef>
+        <a:effectRef idx="0">
+          <a:scrgbClr r="0" g="0" b="0"/>
+        </a:effectRef>
+        <a:fontRef idx="minor"/>
+      </dsp:style>
+    </dsp:sp>
+    <dsp:sp modelId="{9BA6CE8A-C258-47EA-945B-390A5DB86378}">
+      <dsp:nvSpPr>
+        <dsp:cNvPr id="0" name=""/>
+        <dsp:cNvSpPr/>
+      </dsp:nvSpPr>
+      <dsp:spPr>
+        <a:xfrm>
+          <a:off x="4952782" y="1928146"/>
+          <a:ext cx="849313" cy="294802"/>
+        </a:xfrm>
+        <a:custGeom>
+          <a:avLst/>
+          <a:gdLst/>
+          <a:ahLst/>
+          <a:cxnLst/>
+          <a:rect l="0" t="0" r="0" b="0"/>
+          <a:pathLst>
+            <a:path>
+              <a:moveTo>
+                <a:pt x="0" y="0"/>
+              </a:moveTo>
+              <a:lnTo>
+                <a:pt x="0" y="147401"/>
+              </a:lnTo>
+              <a:lnTo>
+                <a:pt x="849313" y="147401"/>
+              </a:lnTo>
+              <a:lnTo>
+                <a:pt x="849313" y="294802"/>
               </a:lnTo>
             </a:path>
           </a:pathLst>
@@ -1754,8 +2296,8 @@
       </dsp:nvSpPr>
       <dsp:spPr>
         <a:xfrm>
-          <a:off x="1267982" y="1754776"/>
-          <a:ext cx="145133" cy="445076"/>
+          <a:off x="3541939" y="2924861"/>
+          <a:ext cx="210573" cy="645758"/>
         </a:xfrm>
         <a:custGeom>
           <a:avLst/>
@@ -1769,10 +2311,10 @@
                 <a:pt x="0" y="0"/>
               </a:moveTo>
               <a:lnTo>
-                <a:pt x="0" y="445076"/>
+                <a:pt x="0" y="645758"/>
               </a:lnTo>
               <a:lnTo>
-                <a:pt x="145133" y="445076"/>
+                <a:pt x="210573" y="645758"/>
               </a:lnTo>
             </a:path>
           </a:pathLst>
@@ -1813,8 +2355,8 @@
       </dsp:nvSpPr>
       <dsp:spPr>
         <a:xfrm>
-          <a:off x="1655005" y="1067811"/>
-          <a:ext cx="1170744" cy="203187"/>
+          <a:off x="4103468" y="1928146"/>
+          <a:ext cx="849313" cy="294802"/>
         </a:xfrm>
         <a:custGeom>
           <a:avLst/>
@@ -1825,16 +2367,16 @@
           <a:pathLst>
             <a:path>
               <a:moveTo>
-                <a:pt x="1170744" y="0"/>
+                <a:pt x="849313" y="0"/>
               </a:moveTo>
               <a:lnTo>
-                <a:pt x="1170744" y="101593"/>
+                <a:pt x="849313" y="147401"/>
               </a:lnTo>
               <a:lnTo>
-                <a:pt x="0" y="101593"/>
+                <a:pt x="0" y="147401"/>
               </a:lnTo>
               <a:lnTo>
-                <a:pt x="0" y="203187"/>
+                <a:pt x="0" y="294802"/>
               </a:lnTo>
             </a:path>
           </a:pathLst>
@@ -1875,8 +2417,8 @@
       </dsp:nvSpPr>
       <dsp:spPr>
         <a:xfrm>
-          <a:off x="97238" y="1754776"/>
-          <a:ext cx="145133" cy="445076"/>
+          <a:off x="1843312" y="2924861"/>
+          <a:ext cx="210573" cy="645758"/>
         </a:xfrm>
         <a:custGeom>
           <a:avLst/>
@@ -1890,10 +2432,10 @@
                 <a:pt x="0" y="0"/>
               </a:moveTo>
               <a:lnTo>
-                <a:pt x="0" y="445076"/>
+                <a:pt x="0" y="645758"/>
               </a:lnTo>
               <a:lnTo>
-                <a:pt x="145133" y="445076"/>
+                <a:pt x="210573" y="645758"/>
               </a:lnTo>
             </a:path>
           </a:pathLst>
@@ -1934,8 +2476,8 @@
       </dsp:nvSpPr>
       <dsp:spPr>
         <a:xfrm>
-          <a:off x="484261" y="1067811"/>
-          <a:ext cx="2341488" cy="203187"/>
+          <a:off x="2404842" y="1928146"/>
+          <a:ext cx="2547939" cy="294802"/>
         </a:xfrm>
         <a:custGeom>
           <a:avLst/>
@@ -1946,16 +2488,78 @@
           <a:pathLst>
             <a:path>
               <a:moveTo>
-                <a:pt x="2341488" y="0"/>
+                <a:pt x="2547939" y="0"/>
               </a:moveTo>
               <a:lnTo>
-                <a:pt x="2341488" y="101593"/>
+                <a:pt x="2547939" y="147401"/>
               </a:lnTo>
               <a:lnTo>
-                <a:pt x="0" y="101593"/>
+                <a:pt x="0" y="147401"/>
               </a:lnTo>
               <a:lnTo>
-                <a:pt x="0" y="203187"/>
+                <a:pt x="0" y="294802"/>
+              </a:lnTo>
+            </a:path>
+          </a:pathLst>
+        </a:custGeom>
+        <a:noFill/>
+        <a:ln w="12700" cap="flat" cmpd="sng" algn="ctr">
+          <a:solidFill>
+            <a:schemeClr val="accent1">
+              <a:shade val="60000"/>
+              <a:hueOff val="0"/>
+              <a:satOff val="0"/>
+              <a:lumOff val="0"/>
+              <a:alphaOff val="0"/>
+            </a:schemeClr>
+          </a:solidFill>
+          <a:prstDash val="solid"/>
+          <a:miter lim="800000"/>
+        </a:ln>
+        <a:effectLst/>
+      </dsp:spPr>
+      <dsp:style>
+        <a:lnRef idx="2">
+          <a:scrgbClr r="0" g="0" b="0"/>
+        </a:lnRef>
+        <a:fillRef idx="0">
+          <a:scrgbClr r="0" g="0" b="0"/>
+        </a:fillRef>
+        <a:effectRef idx="0">
+          <a:scrgbClr r="0" g="0" b="0"/>
+        </a:effectRef>
+        <a:fontRef idx="minor"/>
+      </dsp:style>
+    </dsp:sp>
+    <dsp:sp modelId="{6AC73C44-CBED-4A8F-92AC-E714201BB31A}">
+      <dsp:nvSpPr>
+        <dsp:cNvPr id="0" name=""/>
+        <dsp:cNvSpPr/>
+      </dsp:nvSpPr>
+      <dsp:spPr>
+        <a:xfrm>
+          <a:off x="706215" y="1928146"/>
+          <a:ext cx="4246566" cy="294802"/>
+        </a:xfrm>
+        <a:custGeom>
+          <a:avLst/>
+          <a:gdLst/>
+          <a:ahLst/>
+          <a:cxnLst/>
+          <a:rect l="0" t="0" r="0" b="0"/>
+          <a:pathLst>
+            <a:path>
+              <a:moveTo>
+                <a:pt x="4246566" y="0"/>
+              </a:moveTo>
+              <a:lnTo>
+                <a:pt x="4246566" y="147401"/>
+              </a:lnTo>
+              <a:lnTo>
+                <a:pt x="0" y="147401"/>
+              </a:lnTo>
+              <a:lnTo>
+                <a:pt x="0" y="294802"/>
               </a:lnTo>
             </a:path>
           </a:pathLst>
@@ -1996,8 +2600,8 @@
       </dsp:nvSpPr>
       <dsp:spPr>
         <a:xfrm>
-          <a:off x="2341971" y="584032"/>
-          <a:ext cx="967557" cy="483778"/>
+          <a:off x="4250870" y="1226234"/>
+          <a:ext cx="1403823" cy="701911"/>
         </a:xfrm>
         <a:prstGeom prst="rect">
           <a:avLst/>
@@ -2039,12 +2643,12 @@
         </a:fontRef>
       </dsp:style>
       <dsp:txBody>
-        <a:bodyPr spcFirstLastPara="0" vert="horz" wrap="square" lIns="7620" tIns="7620" rIns="7620" bIns="7620" numCol="1" spcCol="1270" anchor="ctr" anchorCtr="0">
+        <a:bodyPr spcFirstLastPara="0" vert="horz" wrap="square" lIns="11430" tIns="11430" rIns="11430" bIns="11430" numCol="1" spcCol="1270" anchor="ctr" anchorCtr="0">
           <a:noAutofit/>
         </a:bodyPr>
         <a:lstStyle/>
         <a:p>
-          <a:pPr marL="0" lvl="0" indent="0" algn="ctr" defTabSz="533400">
+          <a:pPr marL="0" lvl="0" indent="0" algn="ctr" defTabSz="800100">
             <a:lnSpc>
               <a:spcPct val="90000"/>
             </a:lnSpc>
@@ -2057,25 +2661,25 @@
             <a:buNone/>
           </a:pPr>
           <a:r>
-            <a:rPr lang="pt-PT" sz="1200" kern="1200" dirty="0"/>
+            <a:rPr lang="pt-PT" sz="1800" kern="1200" dirty="0"/>
             <a:t>Projeto</a:t>
           </a:r>
         </a:p>
       </dsp:txBody>
       <dsp:txXfrm>
-        <a:off x="2341971" y="584032"/>
-        <a:ext cx="967557" cy="483778"/>
+        <a:off x="4250870" y="1226234"/>
+        <a:ext cx="1403823" cy="701911"/>
       </dsp:txXfrm>
     </dsp:sp>
-    <dsp:sp modelId="{A1422BED-C712-4276-934D-CB0F8F5DF1BA}">
+    <dsp:sp modelId="{6F6138CC-D773-45DE-91C6-8E0E8AD1E135}">
       <dsp:nvSpPr>
         <dsp:cNvPr id="0" name=""/>
         <dsp:cNvSpPr/>
       </dsp:nvSpPr>
       <dsp:spPr>
         <a:xfrm>
-          <a:off x="482" y="1270998"/>
-          <a:ext cx="967557" cy="483778"/>
+          <a:off x="4303" y="2222949"/>
+          <a:ext cx="1403823" cy="701911"/>
         </a:xfrm>
         <a:prstGeom prst="rect">
           <a:avLst/>
@@ -2117,12 +2721,12 @@
         </a:fontRef>
       </dsp:style>
       <dsp:txBody>
-        <a:bodyPr spcFirstLastPara="0" vert="horz" wrap="square" lIns="7620" tIns="7620" rIns="7620" bIns="7620" numCol="1" spcCol="1270" anchor="ctr" anchorCtr="0">
+        <a:bodyPr spcFirstLastPara="0" vert="horz" wrap="square" lIns="11430" tIns="11430" rIns="11430" bIns="11430" numCol="1" spcCol="1270" anchor="ctr" anchorCtr="0">
           <a:noAutofit/>
         </a:bodyPr>
         <a:lstStyle/>
         <a:p>
-          <a:pPr marL="0" lvl="0" indent="0" algn="ctr" defTabSz="533400">
+          <a:pPr marL="0" lvl="0" indent="0" algn="ctr" defTabSz="800100">
             <a:lnSpc>
               <a:spcPct val="90000"/>
             </a:lnSpc>
@@ -2135,25 +2739,26 @@
             <a:buNone/>
           </a:pPr>
           <a:r>
-            <a:rPr lang="pt-PT" sz="1200" kern="1200" dirty="0"/>
-            <a:t>Base de Dados</a:t>
+            <a:rPr lang="pt-PT" sz="1800" kern="1200" dirty="0" err="1"/>
+            <a:t>Gitignore</a:t>
           </a:r>
+          <a:endParaRPr lang="pt-PT" sz="1800" kern="1200" dirty="0"/>
         </a:p>
       </dsp:txBody>
       <dsp:txXfrm>
-        <a:off x="482" y="1270998"/>
-        <a:ext cx="967557" cy="483778"/>
+        <a:off x="4303" y="2222949"/>
+        <a:ext cx="1403823" cy="701911"/>
       </dsp:txXfrm>
     </dsp:sp>
-    <dsp:sp modelId="{CB2E10ED-74A8-46A3-AC0D-7854C3C98AA4}">
+    <dsp:sp modelId="{A1422BED-C712-4276-934D-CB0F8F5DF1BA}">
       <dsp:nvSpPr>
         <dsp:cNvPr id="0" name=""/>
         <dsp:cNvSpPr/>
       </dsp:nvSpPr>
       <dsp:spPr>
         <a:xfrm>
-          <a:off x="242372" y="1957963"/>
-          <a:ext cx="967557" cy="483778"/>
+          <a:off x="1702930" y="2222949"/>
+          <a:ext cx="1403823" cy="701911"/>
         </a:xfrm>
         <a:prstGeom prst="rect">
           <a:avLst/>
@@ -2195,12 +2800,12 @@
         </a:fontRef>
       </dsp:style>
       <dsp:txBody>
-        <a:bodyPr spcFirstLastPara="0" vert="horz" wrap="square" lIns="7620" tIns="7620" rIns="7620" bIns="7620" numCol="1" spcCol="1270" anchor="ctr" anchorCtr="0">
+        <a:bodyPr spcFirstLastPara="0" vert="horz" wrap="square" lIns="11430" tIns="11430" rIns="11430" bIns="11430" numCol="1" spcCol="1270" anchor="ctr" anchorCtr="0">
           <a:noAutofit/>
         </a:bodyPr>
         <a:lstStyle/>
         <a:p>
-          <a:pPr marL="0" lvl="0" indent="0" algn="ctr" defTabSz="533400">
+          <a:pPr marL="0" lvl="0" indent="0" algn="ctr" defTabSz="800100">
             <a:lnSpc>
               <a:spcPct val="90000"/>
             </a:lnSpc>
@@ -2213,29 +2818,25 @@
             <a:buNone/>
           </a:pPr>
           <a:r>
-            <a:rPr lang="pt-PT" sz="1200" kern="1200" dirty="0" err="1"/>
-            <a:t>Json</a:t>
-          </a:r>
-          <a:r>
-            <a:rPr lang="pt-PT" sz="1200" kern="1200" dirty="0"/>
-            <a:t> Base de dados</a:t>
+            <a:rPr lang="pt-PT" sz="1800" kern="1200" dirty="0"/>
+            <a:t>Base de Dados</a:t>
           </a:r>
         </a:p>
       </dsp:txBody>
       <dsp:txXfrm>
-        <a:off x="242372" y="1957963"/>
-        <a:ext cx="967557" cy="483778"/>
+        <a:off x="1702930" y="2222949"/>
+        <a:ext cx="1403823" cy="701911"/>
       </dsp:txXfrm>
     </dsp:sp>
-    <dsp:sp modelId="{2ECC6E89-5E3D-496E-9416-A59A9ECA08B3}">
+    <dsp:sp modelId="{CB2E10ED-74A8-46A3-AC0D-7854C3C98AA4}">
       <dsp:nvSpPr>
         <dsp:cNvPr id="0" name=""/>
         <dsp:cNvSpPr/>
       </dsp:nvSpPr>
       <dsp:spPr>
         <a:xfrm>
-          <a:off x="1171227" y="1270998"/>
-          <a:ext cx="967557" cy="483778"/>
+          <a:off x="2053886" y="3219664"/>
+          <a:ext cx="1403823" cy="701911"/>
         </a:xfrm>
         <a:prstGeom prst="rect">
           <a:avLst/>
@@ -2277,12 +2878,12 @@
         </a:fontRef>
       </dsp:style>
       <dsp:txBody>
-        <a:bodyPr spcFirstLastPara="0" vert="horz" wrap="square" lIns="7620" tIns="7620" rIns="7620" bIns="7620" numCol="1" spcCol="1270" anchor="ctr" anchorCtr="0">
+        <a:bodyPr spcFirstLastPara="0" vert="horz" wrap="square" lIns="11430" tIns="11430" rIns="11430" bIns="11430" numCol="1" spcCol="1270" anchor="ctr" anchorCtr="0">
           <a:noAutofit/>
         </a:bodyPr>
         <a:lstStyle/>
         <a:p>
-          <a:pPr marL="0" lvl="0" indent="0" algn="ctr" defTabSz="533400">
+          <a:pPr marL="0" lvl="0" indent="0" algn="ctr" defTabSz="800100">
             <a:lnSpc>
               <a:spcPct val="90000"/>
             </a:lnSpc>
@@ -2295,25 +2896,29 @@
             <a:buNone/>
           </a:pPr>
           <a:r>
-            <a:rPr lang="pt-PT" sz="1200" kern="1200" dirty="0"/>
-            <a:t>Base de dados manager</a:t>
+            <a:rPr lang="pt-PT" sz="1800" kern="1200" dirty="0" err="1"/>
+            <a:t>Json</a:t>
+          </a:r>
+          <a:r>
+            <a:rPr lang="pt-PT" sz="1800" kern="1200" dirty="0"/>
+            <a:t> Base de dados</a:t>
           </a:r>
         </a:p>
       </dsp:txBody>
       <dsp:txXfrm>
-        <a:off x="1171227" y="1270998"/>
-        <a:ext cx="967557" cy="483778"/>
+        <a:off x="2053886" y="3219664"/>
+        <a:ext cx="1403823" cy="701911"/>
       </dsp:txXfrm>
     </dsp:sp>
-    <dsp:sp modelId="{EE5E5EEA-C1C5-4366-9062-B83ACF6BD798}">
+    <dsp:sp modelId="{2ECC6E89-5E3D-496E-9416-A59A9ECA08B3}">
       <dsp:nvSpPr>
         <dsp:cNvPr id="0" name=""/>
         <dsp:cNvSpPr/>
       </dsp:nvSpPr>
       <dsp:spPr>
         <a:xfrm>
-          <a:off x="1413116" y="1957963"/>
-          <a:ext cx="967557" cy="483778"/>
+          <a:off x="3401556" y="2222949"/>
+          <a:ext cx="1403823" cy="701911"/>
         </a:xfrm>
         <a:prstGeom prst="rect">
           <a:avLst/>
@@ -2355,12 +2960,12 @@
         </a:fontRef>
       </dsp:style>
       <dsp:txBody>
-        <a:bodyPr spcFirstLastPara="0" vert="horz" wrap="square" lIns="7620" tIns="7620" rIns="7620" bIns="7620" numCol="1" spcCol="1270" anchor="ctr" anchorCtr="0">
+        <a:bodyPr spcFirstLastPara="0" vert="horz" wrap="square" lIns="11430" tIns="11430" rIns="11430" bIns="11430" numCol="1" spcCol="1270" anchor="ctr" anchorCtr="0">
           <a:noAutofit/>
         </a:bodyPr>
         <a:lstStyle/>
         <a:p>
-          <a:pPr marL="0" lvl="0" indent="0" algn="ctr" defTabSz="533400">
+          <a:pPr marL="0" lvl="0" indent="0" algn="ctr" defTabSz="800100">
             <a:lnSpc>
               <a:spcPct val="90000"/>
             </a:lnSpc>
@@ -2372,23 +2977,26 @@
             </a:spcAft>
             <a:buNone/>
           </a:pPr>
-          <a:endParaRPr lang="pt-PT" sz="1200" kern="1200"/>
+          <a:r>
+            <a:rPr lang="pt-PT" sz="1800" kern="1200" dirty="0"/>
+            <a:t>Base de dados manager</a:t>
+          </a:r>
         </a:p>
       </dsp:txBody>
       <dsp:txXfrm>
-        <a:off x="1413116" y="1957963"/>
-        <a:ext cx="967557" cy="483778"/>
+        <a:off x="3401556" y="2222949"/>
+        <a:ext cx="1403823" cy="701911"/>
       </dsp:txXfrm>
     </dsp:sp>
-    <dsp:sp modelId="{DCF23598-64FE-4A10-8B3A-1750079647CB}">
+    <dsp:sp modelId="{EE5E5EEA-C1C5-4366-9062-B83ACF6BD798}">
       <dsp:nvSpPr>
         <dsp:cNvPr id="0" name=""/>
         <dsp:cNvSpPr/>
       </dsp:nvSpPr>
       <dsp:spPr>
         <a:xfrm>
-          <a:off x="2341971" y="1270998"/>
-          <a:ext cx="967557" cy="483778"/>
+          <a:off x="3752512" y="3219664"/>
+          <a:ext cx="1403823" cy="701911"/>
         </a:xfrm>
         <a:prstGeom prst="rect">
           <a:avLst/>
@@ -2430,12 +3038,12 @@
         </a:fontRef>
       </dsp:style>
       <dsp:txBody>
-        <a:bodyPr spcFirstLastPara="0" vert="horz" wrap="square" lIns="7620" tIns="7620" rIns="7620" bIns="7620" numCol="1" spcCol="1270" anchor="ctr" anchorCtr="0">
+        <a:bodyPr spcFirstLastPara="0" vert="horz" wrap="square" lIns="11430" tIns="11430" rIns="11430" bIns="11430" numCol="1" spcCol="1270" anchor="ctr" anchorCtr="0">
           <a:noAutofit/>
         </a:bodyPr>
         <a:lstStyle/>
         <a:p>
-          <a:pPr marL="0" lvl="0" indent="0" algn="ctr" defTabSz="533400">
+          <a:pPr marL="0" lvl="0" indent="0" algn="ctr" defTabSz="800100">
             <a:lnSpc>
               <a:spcPct val="90000"/>
             </a:lnSpc>
@@ -2448,25 +3056,26 @@
             <a:buNone/>
           </a:pPr>
           <a:r>
-            <a:rPr lang="pt-PT" sz="1200" kern="1200" dirty="0"/>
-            <a:t>Orçamentos</a:t>
+            <a:rPr lang="pt-PT" sz="1800" kern="1200"/>
+            <a:t>Python script</a:t>
           </a:r>
+          <a:endParaRPr lang="pt-PT" sz="1800" kern="1200" dirty="0"/>
         </a:p>
       </dsp:txBody>
       <dsp:txXfrm>
-        <a:off x="2341971" y="1270998"/>
-        <a:ext cx="967557" cy="483778"/>
+        <a:off x="3752512" y="3219664"/>
+        <a:ext cx="1403823" cy="701911"/>
       </dsp:txXfrm>
     </dsp:sp>
-    <dsp:sp modelId="{9F617B1F-C9B5-4B66-ABA6-15E441D359BE}">
+    <dsp:sp modelId="{DCF23598-64FE-4A10-8B3A-1750079647CB}">
       <dsp:nvSpPr>
         <dsp:cNvPr id="0" name=""/>
         <dsp:cNvSpPr/>
       </dsp:nvSpPr>
       <dsp:spPr>
         <a:xfrm>
-          <a:off x="3512715" y="1270998"/>
-          <a:ext cx="967557" cy="483778"/>
+          <a:off x="5100183" y="2222949"/>
+          <a:ext cx="1403823" cy="701911"/>
         </a:xfrm>
         <a:prstGeom prst="rect">
           <a:avLst/>
@@ -2508,12 +3117,12 @@
         </a:fontRef>
       </dsp:style>
       <dsp:txBody>
-        <a:bodyPr spcFirstLastPara="0" vert="horz" wrap="square" lIns="7620" tIns="7620" rIns="7620" bIns="7620" numCol="1" spcCol="1270" anchor="ctr" anchorCtr="0">
+        <a:bodyPr spcFirstLastPara="0" vert="horz" wrap="square" lIns="11430" tIns="11430" rIns="11430" bIns="11430" numCol="1" spcCol="1270" anchor="ctr" anchorCtr="0">
           <a:noAutofit/>
         </a:bodyPr>
         <a:lstStyle/>
         <a:p>
-          <a:pPr marL="0" lvl="0" indent="0" algn="ctr" defTabSz="533400">
+          <a:pPr marL="0" lvl="0" indent="0" algn="ctr" defTabSz="800100">
             <a:lnSpc>
               <a:spcPct val="90000"/>
             </a:lnSpc>
@@ -2526,25 +3135,25 @@
             <a:buNone/>
           </a:pPr>
           <a:r>
-            <a:rPr lang="pt-PT" sz="1200" kern="1200" dirty="0"/>
-            <a:t>Orçamentos manager</a:t>
+            <a:rPr lang="pt-PT" sz="1800" kern="1200" dirty="0"/>
+            <a:t>Orçamentos</a:t>
           </a:r>
         </a:p>
       </dsp:txBody>
       <dsp:txXfrm>
-        <a:off x="3512715" y="1270998"/>
-        <a:ext cx="967557" cy="483778"/>
+        <a:off x="5100183" y="2222949"/>
+        <a:ext cx="1403823" cy="701911"/>
       </dsp:txXfrm>
     </dsp:sp>
-    <dsp:sp modelId="{EC7235F9-516F-48A0-AFE0-7B857F299AB4}">
+    <dsp:sp modelId="{182CC2E0-82B5-401C-97C7-22D6FF63F8A7}">
       <dsp:nvSpPr>
         <dsp:cNvPr id="0" name=""/>
         <dsp:cNvSpPr/>
       </dsp:nvSpPr>
       <dsp:spPr>
         <a:xfrm>
-          <a:off x="4683459" y="1270998"/>
-          <a:ext cx="967557" cy="483778"/>
+          <a:off x="5451139" y="3219664"/>
+          <a:ext cx="1403823" cy="701911"/>
         </a:xfrm>
         <a:prstGeom prst="rect">
           <a:avLst/>
@@ -2586,12 +3195,12 @@
         </a:fontRef>
       </dsp:style>
       <dsp:txBody>
-        <a:bodyPr spcFirstLastPara="0" vert="horz" wrap="square" lIns="7620" tIns="7620" rIns="7620" bIns="7620" numCol="1" spcCol="1270" anchor="ctr" anchorCtr="0">
+        <a:bodyPr spcFirstLastPara="0" vert="horz" wrap="square" lIns="11430" tIns="11430" rIns="11430" bIns="11430" numCol="1" spcCol="1270" anchor="ctr" anchorCtr="0">
           <a:noAutofit/>
         </a:bodyPr>
         <a:lstStyle/>
         <a:p>
-          <a:pPr marL="0" lvl="0" indent="0" algn="ctr" defTabSz="533400">
+          <a:pPr marL="0" lvl="0" indent="0" algn="ctr" defTabSz="800100">
             <a:lnSpc>
               <a:spcPct val="90000"/>
             </a:lnSpc>
@@ -2604,14 +3213,334 @@
             <a:buNone/>
           </a:pPr>
           <a:r>
-            <a:rPr lang="pt-PT" sz="1200" kern="1200" dirty="0"/>
+            <a:rPr lang="pt-PT" sz="1800" kern="1200" dirty="0"/>
+            <a:t>Orçamentos realizados</a:t>
+          </a:r>
+        </a:p>
+      </dsp:txBody>
+      <dsp:txXfrm>
+        <a:off x="5451139" y="3219664"/>
+        <a:ext cx="1403823" cy="701911"/>
+      </dsp:txXfrm>
+    </dsp:sp>
+    <dsp:sp modelId="{9F617B1F-C9B5-4B66-ABA6-15E441D359BE}">
+      <dsp:nvSpPr>
+        <dsp:cNvPr id="0" name=""/>
+        <dsp:cNvSpPr/>
+      </dsp:nvSpPr>
+      <dsp:spPr>
+        <a:xfrm>
+          <a:off x="6798810" y="2222949"/>
+          <a:ext cx="1403823" cy="701911"/>
+        </a:xfrm>
+        <a:prstGeom prst="rect">
+          <a:avLst/>
+        </a:prstGeom>
+        <a:solidFill>
+          <a:schemeClr val="accent1">
+            <a:hueOff val="0"/>
+            <a:satOff val="0"/>
+            <a:lumOff val="0"/>
+            <a:alphaOff val="0"/>
+          </a:schemeClr>
+        </a:solidFill>
+        <a:ln w="12700" cap="flat" cmpd="sng" algn="ctr">
+          <a:solidFill>
+            <a:schemeClr val="lt1">
+              <a:hueOff val="0"/>
+              <a:satOff val="0"/>
+              <a:lumOff val="0"/>
+              <a:alphaOff val="0"/>
+            </a:schemeClr>
+          </a:solidFill>
+          <a:prstDash val="solid"/>
+          <a:miter lim="800000"/>
+        </a:ln>
+        <a:effectLst/>
+      </dsp:spPr>
+      <dsp:style>
+        <a:lnRef idx="2">
+          <a:scrgbClr r="0" g="0" b="0"/>
+        </a:lnRef>
+        <a:fillRef idx="1">
+          <a:scrgbClr r="0" g="0" b="0"/>
+        </a:fillRef>
+        <a:effectRef idx="0">
+          <a:scrgbClr r="0" g="0" b="0"/>
+        </a:effectRef>
+        <a:fontRef idx="minor">
+          <a:schemeClr val="lt1"/>
+        </a:fontRef>
+      </dsp:style>
+      <dsp:txBody>
+        <a:bodyPr spcFirstLastPara="0" vert="horz" wrap="square" lIns="11430" tIns="11430" rIns="11430" bIns="11430" numCol="1" spcCol="1270" anchor="ctr" anchorCtr="0">
+          <a:noAutofit/>
+        </a:bodyPr>
+        <a:lstStyle/>
+        <a:p>
+          <a:pPr marL="0" lvl="0" indent="0" algn="ctr" defTabSz="800100">
+            <a:lnSpc>
+              <a:spcPct val="90000"/>
+            </a:lnSpc>
+            <a:spcBef>
+              <a:spcPct val="0"/>
+            </a:spcBef>
+            <a:spcAft>
+              <a:spcPct val="35000"/>
+            </a:spcAft>
+            <a:buNone/>
+          </a:pPr>
+          <a:r>
+            <a:rPr lang="pt-PT" sz="1800" kern="1200" dirty="0"/>
+            <a:t>Orçamentos manager</a:t>
+          </a:r>
+        </a:p>
+      </dsp:txBody>
+      <dsp:txXfrm>
+        <a:off x="6798810" y="2222949"/>
+        <a:ext cx="1403823" cy="701911"/>
+      </dsp:txXfrm>
+    </dsp:sp>
+    <dsp:sp modelId="{8FF52D02-9F83-4A4E-AE64-C8A0E71A1F53}">
+      <dsp:nvSpPr>
+        <dsp:cNvPr id="0" name=""/>
+        <dsp:cNvSpPr/>
+      </dsp:nvSpPr>
+      <dsp:spPr>
+        <a:xfrm>
+          <a:off x="7149766" y="3219664"/>
+          <a:ext cx="1403823" cy="701911"/>
+        </a:xfrm>
+        <a:prstGeom prst="rect">
+          <a:avLst/>
+        </a:prstGeom>
+        <a:solidFill>
+          <a:schemeClr val="accent1">
+            <a:hueOff val="0"/>
+            <a:satOff val="0"/>
+            <a:lumOff val="0"/>
+            <a:alphaOff val="0"/>
+          </a:schemeClr>
+        </a:solidFill>
+        <a:ln w="12700" cap="flat" cmpd="sng" algn="ctr">
+          <a:solidFill>
+            <a:schemeClr val="lt1">
+              <a:hueOff val="0"/>
+              <a:satOff val="0"/>
+              <a:lumOff val="0"/>
+              <a:alphaOff val="0"/>
+            </a:schemeClr>
+          </a:solidFill>
+          <a:prstDash val="solid"/>
+          <a:miter lim="800000"/>
+        </a:ln>
+        <a:effectLst/>
+      </dsp:spPr>
+      <dsp:style>
+        <a:lnRef idx="2">
+          <a:scrgbClr r="0" g="0" b="0"/>
+        </a:lnRef>
+        <a:fillRef idx="1">
+          <a:scrgbClr r="0" g="0" b="0"/>
+        </a:fillRef>
+        <a:effectRef idx="0">
+          <a:scrgbClr r="0" g="0" b="0"/>
+        </a:effectRef>
+        <a:fontRef idx="minor">
+          <a:schemeClr val="lt1"/>
+        </a:fontRef>
+      </dsp:style>
+      <dsp:txBody>
+        <a:bodyPr spcFirstLastPara="0" vert="horz" wrap="square" lIns="11430" tIns="11430" rIns="11430" bIns="11430" numCol="1" spcCol="1270" anchor="ctr" anchorCtr="0">
+          <a:noAutofit/>
+        </a:bodyPr>
+        <a:lstStyle/>
+        <a:p>
+          <a:pPr marL="0" lvl="0" indent="0" algn="ctr" defTabSz="800100">
+            <a:lnSpc>
+              <a:spcPct val="90000"/>
+            </a:lnSpc>
+            <a:spcBef>
+              <a:spcPct val="0"/>
+            </a:spcBef>
+            <a:spcAft>
+              <a:spcPct val="35000"/>
+            </a:spcAft>
+            <a:buNone/>
+          </a:pPr>
+          <a:r>
+            <a:rPr lang="pt-PT" sz="1800" kern="1200" dirty="0" err="1"/>
+            <a:t>Python</a:t>
+          </a:r>
+          <a:r>
+            <a:rPr lang="pt-PT" sz="1800" kern="1200" dirty="0"/>
+            <a:t> script</a:t>
+          </a:r>
+        </a:p>
+      </dsp:txBody>
+      <dsp:txXfrm>
+        <a:off x="7149766" y="3219664"/>
+        <a:ext cx="1403823" cy="701911"/>
+      </dsp:txXfrm>
+    </dsp:sp>
+    <dsp:sp modelId="{EC7235F9-516F-48A0-AFE0-7B857F299AB4}">
+      <dsp:nvSpPr>
+        <dsp:cNvPr id="0" name=""/>
+        <dsp:cNvSpPr/>
+      </dsp:nvSpPr>
+      <dsp:spPr>
+        <a:xfrm>
+          <a:off x="8497436" y="2222949"/>
+          <a:ext cx="1403823" cy="701911"/>
+        </a:xfrm>
+        <a:prstGeom prst="rect">
+          <a:avLst/>
+        </a:prstGeom>
+        <a:solidFill>
+          <a:schemeClr val="accent1">
+            <a:hueOff val="0"/>
+            <a:satOff val="0"/>
+            <a:lumOff val="0"/>
+            <a:alphaOff val="0"/>
+          </a:schemeClr>
+        </a:solidFill>
+        <a:ln w="12700" cap="flat" cmpd="sng" algn="ctr">
+          <a:solidFill>
+            <a:schemeClr val="lt1">
+              <a:hueOff val="0"/>
+              <a:satOff val="0"/>
+              <a:lumOff val="0"/>
+              <a:alphaOff val="0"/>
+            </a:schemeClr>
+          </a:solidFill>
+          <a:prstDash val="solid"/>
+          <a:miter lim="800000"/>
+        </a:ln>
+        <a:effectLst/>
+      </dsp:spPr>
+      <dsp:style>
+        <a:lnRef idx="2">
+          <a:scrgbClr r="0" g="0" b="0"/>
+        </a:lnRef>
+        <a:fillRef idx="1">
+          <a:scrgbClr r="0" g="0" b="0"/>
+        </a:fillRef>
+        <a:effectRef idx="0">
+          <a:scrgbClr r="0" g="0" b="0"/>
+        </a:effectRef>
+        <a:fontRef idx="minor">
+          <a:schemeClr val="lt1"/>
+        </a:fontRef>
+      </dsp:style>
+      <dsp:txBody>
+        <a:bodyPr spcFirstLastPara="0" vert="horz" wrap="square" lIns="11430" tIns="11430" rIns="11430" bIns="11430" numCol="1" spcCol="1270" anchor="ctr" anchorCtr="0">
+          <a:noAutofit/>
+        </a:bodyPr>
+        <a:lstStyle/>
+        <a:p>
+          <a:pPr marL="0" lvl="0" indent="0" algn="ctr" defTabSz="800100">
+            <a:lnSpc>
+              <a:spcPct val="90000"/>
+            </a:lnSpc>
+            <a:spcBef>
+              <a:spcPct val="0"/>
+            </a:spcBef>
+            <a:spcAft>
+              <a:spcPct val="35000"/>
+            </a:spcAft>
+            <a:buNone/>
+          </a:pPr>
+          <a:r>
+            <a:rPr lang="pt-PT" sz="1800" kern="1200" dirty="0"/>
             <a:t>Menu manager</a:t>
           </a:r>
         </a:p>
       </dsp:txBody>
       <dsp:txXfrm>
-        <a:off x="4683459" y="1270998"/>
-        <a:ext cx="967557" cy="483778"/>
+        <a:off x="8497436" y="2222949"/>
+        <a:ext cx="1403823" cy="701911"/>
+      </dsp:txXfrm>
+    </dsp:sp>
+    <dsp:sp modelId="{E7AF9801-678E-422E-99D0-1DE436354B53}">
+      <dsp:nvSpPr>
+        <dsp:cNvPr id="0" name=""/>
+        <dsp:cNvSpPr/>
+      </dsp:nvSpPr>
+      <dsp:spPr>
+        <a:xfrm>
+          <a:off x="8848392" y="3219664"/>
+          <a:ext cx="1403823" cy="701911"/>
+        </a:xfrm>
+        <a:prstGeom prst="rect">
+          <a:avLst/>
+        </a:prstGeom>
+        <a:solidFill>
+          <a:schemeClr val="accent1">
+            <a:hueOff val="0"/>
+            <a:satOff val="0"/>
+            <a:lumOff val="0"/>
+            <a:alphaOff val="0"/>
+          </a:schemeClr>
+        </a:solidFill>
+        <a:ln w="12700" cap="flat" cmpd="sng" algn="ctr">
+          <a:solidFill>
+            <a:schemeClr val="lt1">
+              <a:hueOff val="0"/>
+              <a:satOff val="0"/>
+              <a:lumOff val="0"/>
+              <a:alphaOff val="0"/>
+            </a:schemeClr>
+          </a:solidFill>
+          <a:prstDash val="solid"/>
+          <a:miter lim="800000"/>
+        </a:ln>
+        <a:effectLst/>
+      </dsp:spPr>
+      <dsp:style>
+        <a:lnRef idx="2">
+          <a:scrgbClr r="0" g="0" b="0"/>
+        </a:lnRef>
+        <a:fillRef idx="1">
+          <a:scrgbClr r="0" g="0" b="0"/>
+        </a:fillRef>
+        <a:effectRef idx="0">
+          <a:scrgbClr r="0" g="0" b="0"/>
+        </a:effectRef>
+        <a:fontRef idx="minor">
+          <a:schemeClr val="lt1"/>
+        </a:fontRef>
+      </dsp:style>
+      <dsp:txBody>
+        <a:bodyPr spcFirstLastPara="0" vert="horz" wrap="square" lIns="11430" tIns="11430" rIns="11430" bIns="11430" numCol="1" spcCol="1270" anchor="ctr" anchorCtr="0">
+          <a:noAutofit/>
+        </a:bodyPr>
+        <a:lstStyle/>
+        <a:p>
+          <a:pPr marL="0" lvl="0" indent="0" algn="ctr" defTabSz="800100">
+            <a:lnSpc>
+              <a:spcPct val="90000"/>
+            </a:lnSpc>
+            <a:spcBef>
+              <a:spcPct val="0"/>
+            </a:spcBef>
+            <a:spcAft>
+              <a:spcPct val="35000"/>
+            </a:spcAft>
+            <a:buNone/>
+          </a:pPr>
+          <a:r>
+            <a:rPr lang="pt-PT" sz="1800" kern="1200" dirty="0" err="1"/>
+            <a:t>Python</a:t>
+          </a:r>
+          <a:r>
+            <a:rPr lang="pt-PT" sz="1800" kern="1200" dirty="0"/>
+            <a:t> script</a:t>
+          </a:r>
+        </a:p>
+      </dsp:txBody>
+      <dsp:txXfrm>
+        <a:off x="8848392" y="3219664"/>
+        <a:ext cx="1403823" cy="701911"/>
       </dsp:txXfrm>
     </dsp:sp>
   </dsp:spTree>
@@ -8361,14 +9290,14 @@
             <p:ph idx="1"/>
             <p:extLst>
               <p:ext uri="{D42A27DB-BD31-4B8C-83A1-F6EECF244321}">
-                <p14:modId xmlns:p14="http://schemas.microsoft.com/office/powerpoint/2010/main" val="2853748972"/>
+                <p14:modId xmlns:p14="http://schemas.microsoft.com/office/powerpoint/2010/main" val="3952085151"/>
               </p:ext>
             </p:extLst>
           </p:nvPr>
         </p:nvGraphicFramePr>
         <p:xfrm>
-          <a:off x="2857500" y="1027906"/>
-          <a:ext cx="5651500" cy="3025775"/>
+          <a:off x="967740" y="507401"/>
+          <a:ext cx="10256520" cy="5147811"/>
         </p:xfrm>
         <a:graphic>
           <a:graphicData uri="http://schemas.openxmlformats.org/drawingml/2006/diagram">
